--- a/translations/pt-br/CoreValues/Poster.pptx
+++ b/translations/pt-br/CoreValues/Poster.pptx
@@ -1,31 +1,446 @@
 
 <file path=ppt/presentation.xml><?xml version="1.0" encoding="utf-8"?>
-<p:presentation xmlns:a="http://schemas.openxmlformats.org/drawingml/2006/main" xmlns:p="http://schemas.openxmlformats.org/presentationml/2006/main" xmlns:r="http://schemas.openxmlformats.org/officeDocument/2006/relationships" xmlns:p14="http://schemas.microsoft.com/office/powerpoint/2010/main" xmlns:p15="http://schemas.microsoft.com/office/powerpoint/2012/main" xmlns:mc="http://schemas.openxmlformats.org/markup-compatibility/2006">
+<p:presentation xmlns:a="http://schemas.openxmlformats.org/drawingml/2006/main" xmlns:r="http://schemas.openxmlformats.org/officeDocument/2006/relationships" xmlns:p="http://schemas.openxmlformats.org/presentationml/2006/main">
   <p:sldMasterIdLst>
-    <p:sldMasterId id="2147483648" r:id="rId2"/>
-    <p:sldMasterId id="2147483661" r:id="rId3"/>
+    <p:sldMasterId id="2147483648" r:id="rId1"/>
+    <p:sldMasterId id="2147483661" r:id="rId2"/>
   </p:sldMasterIdLst>
   <p:notesMasterIdLst>
-    <p:notesMasterId r:id="rId4"/>
+    <p:notesMasterId r:id="rId12"/>
   </p:notesMasterIdLst>
   <p:sldIdLst>
-    <p:sldId id="256" r:id="rId5"/>
-    <p:sldId id="257" r:id="rId6"/>
-    <p:sldId id="258" r:id="rId7"/>
-    <p:sldId id="259" r:id="rId8"/>
-    <p:sldId id="260" r:id="rId9"/>
-    <p:sldId id="261" r:id="rId10"/>
-    <p:sldId id="262" r:id="rId11"/>
-    <p:sldId id="263" r:id="rId12"/>
-    <p:sldId id="264" r:id="rId13"/>
+    <p:sldId id="256" r:id="rId3"/>
+    <p:sldId id="257" r:id="rId4"/>
+    <p:sldId id="258" r:id="rId5"/>
+    <p:sldId id="259" r:id="rId6"/>
+    <p:sldId id="260" r:id="rId7"/>
+    <p:sldId id="261" r:id="rId8"/>
+    <p:sldId id="262" r:id="rId9"/>
+    <p:sldId id="263" r:id="rId10"/>
+    <p:sldId id="264" r:id="rId11"/>
   </p:sldIdLst>
-  <p:sldSz cx="9144000" cy="6858000"/>
+  <p:sldSz cx="9144000" cy="6858000" type="screen4x3"/>
   <p:notesSz cx="6858000" cy="9144000"/>
+  <p:defaultTextStyle>
+    <a:defPPr>
+      <a:defRPr lang="en-US"/>
+    </a:defPPr>
+    <a:lvl1pPr marL="0" algn="l" defTabSz="914400" rtl="0" eaLnBrk="1" latinLnBrk="0" hangingPunct="1">
+      <a:defRPr sz="1800" kern="1200">
+        <a:solidFill>
+          <a:schemeClr val="tx1"/>
+        </a:solidFill>
+        <a:latin typeface="+mn-lt"/>
+        <a:ea typeface="+mn-ea"/>
+        <a:cs typeface="+mn-cs"/>
+      </a:defRPr>
+    </a:lvl1pPr>
+    <a:lvl2pPr marL="457200" algn="l" defTabSz="914400" rtl="0" eaLnBrk="1" latinLnBrk="0" hangingPunct="1">
+      <a:defRPr sz="1800" kern="1200">
+        <a:solidFill>
+          <a:schemeClr val="tx1"/>
+        </a:solidFill>
+        <a:latin typeface="+mn-lt"/>
+        <a:ea typeface="+mn-ea"/>
+        <a:cs typeface="+mn-cs"/>
+      </a:defRPr>
+    </a:lvl2pPr>
+    <a:lvl3pPr marL="914400" algn="l" defTabSz="914400" rtl="0" eaLnBrk="1" latinLnBrk="0" hangingPunct="1">
+      <a:defRPr sz="1800" kern="1200">
+        <a:solidFill>
+          <a:schemeClr val="tx1"/>
+        </a:solidFill>
+        <a:latin typeface="+mn-lt"/>
+        <a:ea typeface="+mn-ea"/>
+        <a:cs typeface="+mn-cs"/>
+      </a:defRPr>
+    </a:lvl3pPr>
+    <a:lvl4pPr marL="1371600" algn="l" defTabSz="914400" rtl="0" eaLnBrk="1" latinLnBrk="0" hangingPunct="1">
+      <a:defRPr sz="1800" kern="1200">
+        <a:solidFill>
+          <a:schemeClr val="tx1"/>
+        </a:solidFill>
+        <a:latin typeface="+mn-lt"/>
+        <a:ea typeface="+mn-ea"/>
+        <a:cs typeface="+mn-cs"/>
+      </a:defRPr>
+    </a:lvl4pPr>
+    <a:lvl5pPr marL="1828800" algn="l" defTabSz="914400" rtl="0" eaLnBrk="1" latinLnBrk="0" hangingPunct="1">
+      <a:defRPr sz="1800" kern="1200">
+        <a:solidFill>
+          <a:schemeClr val="tx1"/>
+        </a:solidFill>
+        <a:latin typeface="+mn-lt"/>
+        <a:ea typeface="+mn-ea"/>
+        <a:cs typeface="+mn-cs"/>
+      </a:defRPr>
+    </a:lvl5pPr>
+    <a:lvl6pPr marL="2286000" algn="l" defTabSz="914400" rtl="0" eaLnBrk="1" latinLnBrk="0" hangingPunct="1">
+      <a:defRPr sz="1800" kern="1200">
+        <a:solidFill>
+          <a:schemeClr val="tx1"/>
+        </a:solidFill>
+        <a:latin typeface="+mn-lt"/>
+        <a:ea typeface="+mn-ea"/>
+        <a:cs typeface="+mn-cs"/>
+      </a:defRPr>
+    </a:lvl6pPr>
+    <a:lvl7pPr marL="2743200" algn="l" defTabSz="914400" rtl="0" eaLnBrk="1" latinLnBrk="0" hangingPunct="1">
+      <a:defRPr sz="1800" kern="1200">
+        <a:solidFill>
+          <a:schemeClr val="tx1"/>
+        </a:solidFill>
+        <a:latin typeface="+mn-lt"/>
+        <a:ea typeface="+mn-ea"/>
+        <a:cs typeface="+mn-cs"/>
+      </a:defRPr>
+    </a:lvl7pPr>
+    <a:lvl8pPr marL="3200400" algn="l" defTabSz="914400" rtl="0" eaLnBrk="1" latinLnBrk="0" hangingPunct="1">
+      <a:defRPr sz="1800" kern="1200">
+        <a:solidFill>
+          <a:schemeClr val="tx1"/>
+        </a:solidFill>
+        <a:latin typeface="+mn-lt"/>
+        <a:ea typeface="+mn-ea"/>
+        <a:cs typeface="+mn-cs"/>
+      </a:defRPr>
+    </a:lvl8pPr>
+    <a:lvl9pPr marL="3657600" algn="l" defTabSz="914400" rtl="0" eaLnBrk="1" latinLnBrk="0" hangingPunct="1">
+      <a:defRPr sz="1800" kern="1200">
+        <a:solidFill>
+          <a:schemeClr val="tx1"/>
+        </a:solidFill>
+        <a:latin typeface="+mn-lt"/>
+        <a:ea typeface="+mn-ea"/>
+        <a:cs typeface="+mn-cs"/>
+      </a:defRPr>
+    </a:lvl9pPr>
+  </p:defaultTextStyle>
 </p:presentation>
 </file>
 
 <file path=ppt/notesMasters/notesMaster1.xml><?xml version="1.0" encoding="utf-8"?>
-<p:notesMaster xmlns:a="http://schemas.openxmlformats.org/drawingml/2006/main" xmlns:p="http://schemas.openxmlformats.org/presentationml/2006/main" xmlns:r="http://schemas.openxmlformats.org/officeDocument/2006/relationships" xmlns:p14="http://schemas.microsoft.com/office/powerpoint/2010/main" xmlns:p15="http://schemas.microsoft.com/office/powerpoint/2012/main" xmlns:mc="http://schemas.openxmlformats.org/markup-compatibility/2006">
+<p:notesMaster xmlns:a="http://schemas.openxmlformats.org/drawingml/2006/main" xmlns:r="http://schemas.openxmlformats.org/officeDocument/2006/relationships" xmlns:p="http://schemas.openxmlformats.org/presentationml/2006/main">
+  <p:cSld>
+    <p:bg>
+      <p:bgRef idx="1001">
+        <a:schemeClr val="bg1"/>
+      </p:bgRef>
+    </p:bg>
+    <p:spTree>
+      <p:nvGrpSpPr>
+        <p:cNvPr id="1" name=""/>
+        <p:cNvGrpSpPr/>
+        <p:nvPr/>
+      </p:nvGrpSpPr>
+      <p:grpSpPr>
+        <a:xfrm>
+          <a:off x="0" y="0"/>
+          <a:ext cx="0" cy="0"/>
+          <a:chOff x="0" y="0"/>
+          <a:chExt cx="0" cy="0"/>
+        </a:xfrm>
+      </p:grpSpPr>
+      <p:sp>
+        <p:nvSpPr>
+          <p:cNvPr id="91" name="PlaceHolder 1"/>
+          <p:cNvSpPr>
+            <a:spLocks noGrp="1" noRot="1" noChangeAspect="1"/>
+          </p:cNvSpPr>
+          <p:nvPr>
+            <p:ph type="sldImg"/>
+          </p:nvPr>
+        </p:nvSpPr>
+        <p:spPr>
+          <a:xfrm>
+            <a:off x="216000" y="812520"/>
+            <a:ext cx="7127280" cy="4008960"/>
+          </a:xfrm>
+          <a:prstGeom prst="rect">
+            <a:avLst/>
+          </a:prstGeom>
+        </p:spPr>
+        <p:txBody>
+          <a:bodyPr lIns="0" tIns="0" rIns="0" bIns="0" anchor="ctr"/>
+          <a:lstStyle/>
+          <a:p>
+            <a:r>
+              <a:rPr lang="en-US" sz="1800" b="0" strike="noStrike" spc="-1">
+                <a:solidFill>
+                  <a:srgbClr val="000000"/>
+                </a:solidFill>
+                <a:latin typeface="Gill Sans MT"/>
+              </a:rPr>
+              <a:t>Clique para mover o slide</a:t>
+            </a:r>
+          </a:p>
+        </p:txBody>
+      </p:sp>
+      <p:sp>
+        <p:nvSpPr>
+          <p:cNvPr id="92" name="PlaceHolder 2"/>
+          <p:cNvSpPr>
+            <a:spLocks noGrp="1"/>
+          </p:cNvSpPr>
+          <p:nvPr>
+            <p:ph type="body"/>
+          </p:nvPr>
+        </p:nvSpPr>
+        <p:spPr>
+          <a:xfrm>
+            <a:off x="756000" y="5078520"/>
+            <a:ext cx="6047640" cy="4811040"/>
+          </a:xfrm>
+          <a:prstGeom prst="rect">
+            <a:avLst/>
+          </a:prstGeom>
+        </p:spPr>
+        <p:txBody>
+          <a:bodyPr lIns="0" tIns="0" rIns="0" bIns="0"/>
+          <a:lstStyle/>
+          <a:p>
+            <a:r>
+              <a:rPr lang="pt-BR" sz="2000" b="0" strike="noStrike" spc="-1">
+                <a:latin typeface="Arial"/>
+              </a:rPr>
+              <a:t>Clique para editar o formato de notas</a:t>
+            </a:r>
+          </a:p>
+        </p:txBody>
+      </p:sp>
+      <p:sp>
+        <p:nvSpPr>
+          <p:cNvPr id="93" name="PlaceHolder 3"/>
+          <p:cNvSpPr>
+            <a:spLocks noGrp="1"/>
+          </p:cNvSpPr>
+          <p:nvPr>
+            <p:ph type="hdr"/>
+          </p:nvPr>
+        </p:nvSpPr>
+        <p:spPr>
+          <a:xfrm>
+            <a:off x="0" y="0"/>
+            <a:ext cx="3280680" cy="534240"/>
+          </a:xfrm>
+          <a:prstGeom prst="rect">
+            <a:avLst/>
+          </a:prstGeom>
+        </p:spPr>
+        <p:txBody>
+          <a:bodyPr lIns="0" tIns="0" rIns="0" bIns="0"/>
+          <a:lstStyle/>
+          <a:p>
+            <a:r>
+              <a:rPr lang="pt-BR" sz="1400" b="0" strike="noStrike" spc="-1">
+                <a:latin typeface="Times New Roman"/>
+              </a:rPr>
+              <a:t> </a:t>
+            </a:r>
+          </a:p>
+        </p:txBody>
+      </p:sp>
+      <p:sp>
+        <p:nvSpPr>
+          <p:cNvPr id="94" name="PlaceHolder 4"/>
+          <p:cNvSpPr>
+            <a:spLocks noGrp="1"/>
+          </p:cNvSpPr>
+          <p:nvPr>
+            <p:ph type="dt"/>
+          </p:nvPr>
+        </p:nvSpPr>
+        <p:spPr>
+          <a:xfrm>
+            <a:off x="4278960" y="0"/>
+            <a:ext cx="3280680" cy="534240"/>
+          </a:xfrm>
+          <a:prstGeom prst="rect">
+            <a:avLst/>
+          </a:prstGeom>
+        </p:spPr>
+        <p:txBody>
+          <a:bodyPr lIns="0" tIns="0" rIns="0" bIns="0"/>
+          <a:lstStyle/>
+          <a:p>
+            <a:pPr algn="r"/>
+            <a:r>
+              <a:rPr lang="pt-BR" sz="1400" b="0" strike="noStrike" spc="-1">
+                <a:latin typeface="Times New Roman"/>
+              </a:rPr>
+              <a:t> </a:t>
+            </a:r>
+          </a:p>
+        </p:txBody>
+      </p:sp>
+      <p:sp>
+        <p:nvSpPr>
+          <p:cNvPr id="95" name="PlaceHolder 5"/>
+          <p:cNvSpPr>
+            <a:spLocks noGrp="1"/>
+          </p:cNvSpPr>
+          <p:nvPr>
+            <p:ph type="ftr"/>
+          </p:nvPr>
+        </p:nvSpPr>
+        <p:spPr>
+          <a:xfrm>
+            <a:off x="0" y="10157400"/>
+            <a:ext cx="3280680" cy="534240"/>
+          </a:xfrm>
+          <a:prstGeom prst="rect">
+            <a:avLst/>
+          </a:prstGeom>
+        </p:spPr>
+        <p:txBody>
+          <a:bodyPr lIns="0" tIns="0" rIns="0" bIns="0" anchor="b"/>
+          <a:lstStyle/>
+          <a:p>
+            <a:r>
+              <a:rPr lang="pt-BR" sz="1400" b="0" strike="noStrike" spc="-1">
+                <a:latin typeface="Times New Roman"/>
+              </a:rPr>
+              <a:t> </a:t>
+            </a:r>
+          </a:p>
+        </p:txBody>
+      </p:sp>
+      <p:sp>
+        <p:nvSpPr>
+          <p:cNvPr id="96" name="PlaceHolder 6"/>
+          <p:cNvSpPr>
+            <a:spLocks noGrp="1"/>
+          </p:cNvSpPr>
+          <p:nvPr>
+            <p:ph type="sldNum"/>
+          </p:nvPr>
+        </p:nvSpPr>
+        <p:spPr>
+          <a:xfrm>
+            <a:off x="4278960" y="10157400"/>
+            <a:ext cx="3280680" cy="534240"/>
+          </a:xfrm>
+          <a:prstGeom prst="rect">
+            <a:avLst/>
+          </a:prstGeom>
+        </p:spPr>
+        <p:txBody>
+          <a:bodyPr lIns="0" tIns="0" rIns="0" bIns="0" anchor="b"/>
+          <a:lstStyle/>
+          <a:p>
+            <a:pPr algn="r"/>
+            <a:fld id="{E0DDAF78-C179-491F-A60A-C458FAE821A5}" type="slidenum">
+              <a:rPr lang="pt-BR" sz="1400" b="0" strike="noStrike" spc="-1">
+                <a:latin typeface="Times New Roman"/>
+              </a:rPr>
+              <a:t>‹#›</a:t>
+            </a:fld>
+            <a:endParaRPr lang="pt-BR" sz="1400" b="0" strike="noStrike" spc="-1">
+              <a:latin typeface="Times New Roman"/>
+            </a:endParaRPr>
+          </a:p>
+        </p:txBody>
+      </p:sp>
+    </p:spTree>
+  </p:cSld>
+  <p:clrMap bg1="lt1" tx1="dk1" bg2="lt2" tx2="dk2" accent1="accent1" accent2="accent2" accent3="accent3" accent4="accent4" accent5="accent5" accent6="accent6" hlink="hlink" folHlink="folHlink"/>
+  <p:notesStyle>
+    <a:lvl1pPr marL="0" algn="l" defTabSz="914400" rtl="0" eaLnBrk="1" latinLnBrk="0" hangingPunct="1">
+      <a:defRPr sz="1200" kern="1200">
+        <a:solidFill>
+          <a:schemeClr val="tx1"/>
+        </a:solidFill>
+        <a:latin typeface="+mn-lt"/>
+        <a:ea typeface="+mn-ea"/>
+        <a:cs typeface="+mn-cs"/>
+      </a:defRPr>
+    </a:lvl1pPr>
+    <a:lvl2pPr marL="457200" algn="l" defTabSz="914400" rtl="0" eaLnBrk="1" latinLnBrk="0" hangingPunct="1">
+      <a:defRPr sz="1200" kern="1200">
+        <a:solidFill>
+          <a:schemeClr val="tx1"/>
+        </a:solidFill>
+        <a:latin typeface="+mn-lt"/>
+        <a:ea typeface="+mn-ea"/>
+        <a:cs typeface="+mn-cs"/>
+      </a:defRPr>
+    </a:lvl2pPr>
+    <a:lvl3pPr marL="914400" algn="l" defTabSz="914400" rtl="0" eaLnBrk="1" latinLnBrk="0" hangingPunct="1">
+      <a:defRPr sz="1200" kern="1200">
+        <a:solidFill>
+          <a:schemeClr val="tx1"/>
+        </a:solidFill>
+        <a:latin typeface="+mn-lt"/>
+        <a:ea typeface="+mn-ea"/>
+        <a:cs typeface="+mn-cs"/>
+      </a:defRPr>
+    </a:lvl3pPr>
+    <a:lvl4pPr marL="1371600" algn="l" defTabSz="914400" rtl="0" eaLnBrk="1" latinLnBrk="0" hangingPunct="1">
+      <a:defRPr sz="1200" kern="1200">
+        <a:solidFill>
+          <a:schemeClr val="tx1"/>
+        </a:solidFill>
+        <a:latin typeface="+mn-lt"/>
+        <a:ea typeface="+mn-ea"/>
+        <a:cs typeface="+mn-cs"/>
+      </a:defRPr>
+    </a:lvl4pPr>
+    <a:lvl5pPr marL="1828800" algn="l" defTabSz="914400" rtl="0" eaLnBrk="1" latinLnBrk="0" hangingPunct="1">
+      <a:defRPr sz="1200" kern="1200">
+        <a:solidFill>
+          <a:schemeClr val="tx1"/>
+        </a:solidFill>
+        <a:latin typeface="+mn-lt"/>
+        <a:ea typeface="+mn-ea"/>
+        <a:cs typeface="+mn-cs"/>
+      </a:defRPr>
+    </a:lvl5pPr>
+    <a:lvl6pPr marL="2286000" algn="l" defTabSz="914400" rtl="0" eaLnBrk="1" latinLnBrk="0" hangingPunct="1">
+      <a:defRPr sz="1200" kern="1200">
+        <a:solidFill>
+          <a:schemeClr val="tx1"/>
+        </a:solidFill>
+        <a:latin typeface="+mn-lt"/>
+        <a:ea typeface="+mn-ea"/>
+        <a:cs typeface="+mn-cs"/>
+      </a:defRPr>
+    </a:lvl6pPr>
+    <a:lvl7pPr marL="2743200" algn="l" defTabSz="914400" rtl="0" eaLnBrk="1" latinLnBrk="0" hangingPunct="1">
+      <a:defRPr sz="1200" kern="1200">
+        <a:solidFill>
+          <a:schemeClr val="tx1"/>
+        </a:solidFill>
+        <a:latin typeface="+mn-lt"/>
+        <a:ea typeface="+mn-ea"/>
+        <a:cs typeface="+mn-cs"/>
+      </a:defRPr>
+    </a:lvl7pPr>
+    <a:lvl8pPr marL="3200400" algn="l" defTabSz="914400" rtl="0" eaLnBrk="1" latinLnBrk="0" hangingPunct="1">
+      <a:defRPr sz="1200" kern="1200">
+        <a:solidFill>
+          <a:schemeClr val="tx1"/>
+        </a:solidFill>
+        <a:latin typeface="+mn-lt"/>
+        <a:ea typeface="+mn-ea"/>
+        <a:cs typeface="+mn-cs"/>
+      </a:defRPr>
+    </a:lvl8pPr>
+    <a:lvl9pPr marL="3657600" algn="l" defTabSz="914400" rtl="0" eaLnBrk="1" latinLnBrk="0" hangingPunct="1">
+      <a:defRPr sz="1200" kern="1200">
+        <a:solidFill>
+          <a:schemeClr val="tx1"/>
+        </a:solidFill>
+        <a:latin typeface="+mn-lt"/>
+        <a:ea typeface="+mn-ea"/>
+        <a:cs typeface="+mn-cs"/>
+      </a:defRPr>
+    </a:lvl9pPr>
+  </p:notesStyle>
+</p:notesMaster>
+</file>
+
+<file path=ppt/notesSlides/notesSlide1.xml><?xml version="1.0" encoding="utf-8"?>
+<p:notes xmlns:a="http://schemas.openxmlformats.org/drawingml/2006/main" xmlns:r="http://schemas.openxmlformats.org/officeDocument/2006/relationships" xmlns:p="http://schemas.openxmlformats.org/presentationml/2006/main">
   <p:cSld>
     <p:spTree>
       <p:nvGrpSpPr>
@@ -43,9 +458,9 @@
       </p:grpSpPr>
       <p:sp>
         <p:nvSpPr>
-          <p:cNvPr id="91" name="PlaceHolder 1"/>
+          <p:cNvPr id="152" name="PlaceHolder 1"/>
           <p:cNvSpPr>
-            <a:spLocks noGrp="1"/>
+            <a:spLocks noGrp="1" noRot="1" noChangeAspect="1"/>
           </p:cNvSpPr>
           <p:nvPr>
             <p:ph type="sldImg"/>
@@ -53,243 +468,8 @@
         </p:nvSpPr>
         <p:spPr>
           <a:xfrm>
-            <a:off x="216000" y="812520"/>
-            <a:ext cx="7127280" cy="4008960"/>
-          </a:xfrm>
-          <a:prstGeom prst="rect">
-            <a:avLst/>
-          </a:prstGeom>
-        </p:spPr>
-        <p:txBody>
-          <a:bodyPr lIns="0" rIns="0" tIns="0" bIns="0" anchor="ctr"/>
-          <a:p>
-            <a:r>
-              <a:rPr b="0" lang="en-US" sz="1800" spc="-1" strike="noStrike">
-                <a:solidFill>
-                  <a:srgbClr val="000000"/>
-                </a:solidFill>
-                <a:latin typeface="Gill Sans MT"/>
-              </a:rPr>
-              <a:t>Clique para mover o slide</a:t>
-            </a:r>
-            <a:endParaRPr b="0" lang="en-US" sz="1800" spc="-1" strike="noStrike">
-              <a:solidFill>
-                <a:srgbClr val="000000"/>
-              </a:solidFill>
-              <a:latin typeface="Gill Sans MT"/>
-            </a:endParaRPr>
-          </a:p>
-        </p:txBody>
-      </p:sp>
-      <p:sp>
-        <p:nvSpPr>
-          <p:cNvPr id="92" name="PlaceHolder 2"/>
-          <p:cNvSpPr>
-            <a:spLocks noGrp="1"/>
-          </p:cNvSpPr>
-          <p:nvPr>
-            <p:ph type="body"/>
-          </p:nvPr>
-        </p:nvSpPr>
-        <p:spPr>
-          <a:xfrm>
-            <a:off x="756000" y="5078520"/>
-            <a:ext cx="6047640" cy="4811040"/>
-          </a:xfrm>
-          <a:prstGeom prst="rect">
-            <a:avLst/>
-          </a:prstGeom>
-        </p:spPr>
-        <p:txBody>
-          <a:bodyPr lIns="0" rIns="0" tIns="0" bIns="0"/>
-          <a:p>
-            <a:r>
-              <a:rPr b="0" lang="pt-BR" sz="2000" spc="-1" strike="noStrike">
-                <a:latin typeface="Arial"/>
-              </a:rPr>
-              <a:t>Clique para editar o formato de notas</a:t>
-            </a:r>
-            <a:endParaRPr b="0" lang="pt-BR" sz="2000" spc="-1" strike="noStrike">
-              <a:latin typeface="Arial"/>
-            </a:endParaRPr>
-          </a:p>
-        </p:txBody>
-      </p:sp>
-      <p:sp>
-        <p:nvSpPr>
-          <p:cNvPr id="93" name="PlaceHolder 3"/>
-          <p:cNvSpPr>
-            <a:spLocks noGrp="1"/>
-          </p:cNvSpPr>
-          <p:nvPr>
-            <p:ph type="hdr"/>
-          </p:nvPr>
-        </p:nvSpPr>
-        <p:spPr>
-          <a:xfrm>
-            <a:off x="0" y="0"/>
-            <a:ext cx="3280680" cy="534240"/>
-          </a:xfrm>
-          <a:prstGeom prst="rect">
-            <a:avLst/>
-          </a:prstGeom>
-        </p:spPr>
-        <p:txBody>
-          <a:bodyPr lIns="0" rIns="0" tIns="0" bIns="0"/>
-          <a:p>
-            <a:r>
-              <a:rPr b="0" lang="pt-BR" sz="1400" spc="-1" strike="noStrike">
-                <a:latin typeface="Times New Roman"/>
-              </a:rPr>
-              <a:t> </a:t>
-            </a:r>
-            <a:endParaRPr b="0" lang="pt-BR" sz="1400" spc="-1" strike="noStrike">
-              <a:latin typeface="Times New Roman"/>
-            </a:endParaRPr>
-          </a:p>
-        </p:txBody>
-      </p:sp>
-      <p:sp>
-        <p:nvSpPr>
-          <p:cNvPr id="94" name="PlaceHolder 4"/>
-          <p:cNvSpPr>
-            <a:spLocks noGrp="1"/>
-          </p:cNvSpPr>
-          <p:nvPr>
-            <p:ph type="dt"/>
-          </p:nvPr>
-        </p:nvSpPr>
-        <p:spPr>
-          <a:xfrm>
-            <a:off x="4278960" y="0"/>
-            <a:ext cx="3280680" cy="534240"/>
-          </a:xfrm>
-          <a:prstGeom prst="rect">
-            <a:avLst/>
-          </a:prstGeom>
-        </p:spPr>
-        <p:txBody>
-          <a:bodyPr lIns="0" rIns="0" tIns="0" bIns="0"/>
-          <a:p>
-            <a:pPr algn="r"/>
-            <a:r>
-              <a:rPr b="0" lang="pt-BR" sz="1400" spc="-1" strike="noStrike">
-                <a:latin typeface="Times New Roman"/>
-              </a:rPr>
-              <a:t> </a:t>
-            </a:r>
-            <a:endParaRPr b="0" lang="pt-BR" sz="1400" spc="-1" strike="noStrike">
-              <a:latin typeface="Times New Roman"/>
-            </a:endParaRPr>
-          </a:p>
-        </p:txBody>
-      </p:sp>
-      <p:sp>
-        <p:nvSpPr>
-          <p:cNvPr id="95" name="PlaceHolder 5"/>
-          <p:cNvSpPr>
-            <a:spLocks noGrp="1"/>
-          </p:cNvSpPr>
-          <p:nvPr>
-            <p:ph type="ftr"/>
-          </p:nvPr>
-        </p:nvSpPr>
-        <p:spPr>
-          <a:xfrm>
-            <a:off x="0" y="10157400"/>
-            <a:ext cx="3280680" cy="534240"/>
-          </a:xfrm>
-          <a:prstGeom prst="rect">
-            <a:avLst/>
-          </a:prstGeom>
-        </p:spPr>
-        <p:txBody>
-          <a:bodyPr lIns="0" rIns="0" tIns="0" bIns="0" anchor="b"/>
-          <a:p>
-            <a:r>
-              <a:rPr b="0" lang="pt-BR" sz="1400" spc="-1" strike="noStrike">
-                <a:latin typeface="Times New Roman"/>
-              </a:rPr>
-              <a:t> </a:t>
-            </a:r>
-            <a:endParaRPr b="0" lang="pt-BR" sz="1400" spc="-1" strike="noStrike">
-              <a:latin typeface="Times New Roman"/>
-            </a:endParaRPr>
-          </a:p>
-        </p:txBody>
-      </p:sp>
-      <p:sp>
-        <p:nvSpPr>
-          <p:cNvPr id="96" name="PlaceHolder 6"/>
-          <p:cNvSpPr>
-            <a:spLocks noGrp="1"/>
-          </p:cNvSpPr>
-          <p:nvPr>
-            <p:ph type="sldNum"/>
-          </p:nvPr>
-        </p:nvSpPr>
-        <p:spPr>
-          <a:xfrm>
-            <a:off x="4278960" y="10157400"/>
-            <a:ext cx="3280680" cy="534240"/>
-          </a:xfrm>
-          <a:prstGeom prst="rect">
-            <a:avLst/>
-          </a:prstGeom>
-        </p:spPr>
-        <p:txBody>
-          <a:bodyPr lIns="0" rIns="0" tIns="0" bIns="0" anchor="b"/>
-          <a:p>
-            <a:pPr algn="r"/>
-            <a:fld id="{E0DDAF78-C179-491F-A60A-C458FAE821A5}" type="slidenum">
-              <a:rPr b="0" lang="pt-BR" sz="1400" spc="-1" strike="noStrike">
-                <a:latin typeface="Times New Roman"/>
-              </a:rPr>
-              <a:t>1</a:t>
-            </a:fld>
-            <a:endParaRPr b="0" lang="pt-BR" sz="1400" spc="-1" strike="noStrike">
-              <a:latin typeface="Times New Roman"/>
-            </a:endParaRPr>
-          </a:p>
-        </p:txBody>
-      </p:sp>
-    </p:spTree>
-  </p:cSld>
-  <p:clrMap bg1="lt1" bg2="lt2" tx1="dk1" tx2="dk2" accent1="accent1" accent2="accent2" accent3="accent3" accent4="accent4" accent5="accent5" accent6="accent6" hlink="hlink" folHlink="folHlink"/>
-</p:notesMaster>
-</file>
-
-<file path=ppt/notesSlides/notesSlide4.xml><?xml version="1.0" encoding="utf-8"?>
-<p:notes xmlns:a="http://schemas.openxmlformats.org/drawingml/2006/main" xmlns:p="http://schemas.openxmlformats.org/presentationml/2006/main" xmlns:r="http://schemas.openxmlformats.org/officeDocument/2006/relationships" xmlns:p14="http://schemas.microsoft.com/office/powerpoint/2010/main" xmlns:p15="http://schemas.microsoft.com/office/powerpoint/2012/main" xmlns:mc="http://schemas.openxmlformats.org/markup-compatibility/2006">
-  <p:cSld>
-    <p:spTree>
-      <p:nvGrpSpPr>
-        <p:cNvPr id="1" name=""/>
-        <p:cNvGrpSpPr/>
-        <p:nvPr/>
-      </p:nvGrpSpPr>
-      <p:grpSpPr>
-        <a:xfrm>
-          <a:off x="0" y="0"/>
-          <a:ext cx="0" cy="0"/>
-          <a:chOff x="0" y="0"/>
-          <a:chExt cx="0" cy="0"/>
-        </a:xfrm>
-      </p:grpSpPr>
-      <p:sp>
-        <p:nvSpPr>
-          <p:cNvPr id="152" name="PlaceHolder 1"/>
-          <p:cNvSpPr>
-            <a:spLocks noGrp="1"/>
-          </p:cNvSpPr>
-          <p:nvPr>
-            <p:ph type="sldImg"/>
-          </p:nvPr>
-        </p:nvSpPr>
-        <p:spPr>
-          <a:xfrm>
             <a:off x="1371600" y="1143000"/>
-            <a:ext cx="4114440" cy="3085920"/>
+            <a:ext cx="4114800" cy="3086100"/>
           </a:xfrm>
           <a:prstGeom prst="rect">
             <a:avLst/>
@@ -317,6 +497,7 @@
         </p:spPr>
         <p:txBody>
           <a:bodyPr/>
+          <a:lstStyle/>
           <a:p>
             <a:pPr marL="216000" indent="-216000">
               <a:lnSpc>
@@ -324,14 +505,11 @@
               </a:lnSpc>
             </a:pPr>
             <a:r>
-              <a:rPr b="0" lang="pt-BR" sz="2000" spc="-1" strike="noStrike">
+              <a:rPr lang="pt-BR" sz="2000" b="0" strike="noStrike" spc="-1">
                 <a:latin typeface="Arial"/>
               </a:rPr>
               <a:t>Mostly the rubric items that are not part of the teamwork exercise</a:t>
             </a:r>
-            <a:endParaRPr b="0" lang="pt-BR" sz="2000" spc="-1" strike="noStrike">
-              <a:latin typeface="Arial"/>
-            </a:endParaRPr>
           </a:p>
         </p:txBody>
       </p:sp>
@@ -356,6 +534,7 @@
         </p:spPr>
         <p:txBody>
           <a:bodyPr anchor="b"/>
+          <a:lstStyle/>
           <a:p>
             <a:pPr algn="r">
               <a:lnSpc>
@@ -363,16 +542,16 @@
               </a:lnSpc>
             </a:pPr>
             <a:fld id="{9CA3E94A-24CE-454E-9A7A-94F1E3A8DFA8}" type="slidenum">
-              <a:rPr b="0" lang="pt-BR" sz="1200" spc="-1" strike="noStrike">
+              <a:rPr lang="pt-BR" sz="1200" b="0" strike="noStrike" spc="-1">
                 <a:solidFill>
                   <a:srgbClr val="000000"/>
                 </a:solidFill>
                 <a:latin typeface="+mn-lt"/>
                 <a:ea typeface="+mn-ea"/>
               </a:rPr>
-              <a:t>&lt;número&gt;</a:t>
+              <a:t>4</a:t>
             </a:fld>
-            <a:endParaRPr b="0" lang="pt-BR" sz="1200" spc="-1" strike="noStrike">
+            <a:endParaRPr lang="pt-BR" sz="1200" b="0" strike="noStrike" spc="-1">
               <a:latin typeface="Times New Roman"/>
             </a:endParaRPr>
           </a:p>
@@ -380,11 +559,14 @@
       </p:sp>
     </p:spTree>
   </p:cSld>
+  <p:clrMapOvr>
+    <a:masterClrMapping/>
+  </p:clrMapOvr>
 </p:notes>
 </file>
 
 <file path=ppt/slideLayouts/slideLayout1.xml><?xml version="1.0" encoding="utf-8"?>
-<p:sldLayout xmlns:a="http://schemas.openxmlformats.org/drawingml/2006/main" xmlns:p="http://schemas.openxmlformats.org/presentationml/2006/main" xmlns:r="http://schemas.openxmlformats.org/officeDocument/2006/relationships" xmlns:p14="http://schemas.microsoft.com/office/powerpoint/2010/main" xmlns:p15="http://schemas.microsoft.com/office/powerpoint/2012/main" xmlns:mc="http://schemas.openxmlformats.org/markup-compatibility/2006" type="blank" preserve="1">
+<p:sldLayout xmlns:a="http://schemas.openxmlformats.org/drawingml/2006/main" xmlns:r="http://schemas.openxmlformats.org/officeDocument/2006/relationships" xmlns:p="http://schemas.openxmlformats.org/presentationml/2006/main" type="blank" preserve="1">
   <p:cSld name="Blank Slide">
     <p:spTree>
       <p:nvGrpSpPr>
@@ -402,11 +584,14 @@
       </p:grpSpPr>
     </p:spTree>
   </p:cSld>
+  <p:clrMapOvr>
+    <a:masterClrMapping/>
+  </p:clrMapOvr>
 </p:sldLayout>
 </file>
 
 <file path=ppt/slideLayouts/slideLayout10.xml><?xml version="1.0" encoding="utf-8"?>
-<p:sldLayout xmlns:a="http://schemas.openxmlformats.org/drawingml/2006/main" xmlns:p="http://schemas.openxmlformats.org/presentationml/2006/main" xmlns:r="http://schemas.openxmlformats.org/officeDocument/2006/relationships" xmlns:p14="http://schemas.microsoft.com/office/powerpoint/2010/main" xmlns:p15="http://schemas.microsoft.com/office/powerpoint/2012/main" xmlns:mc="http://schemas.openxmlformats.org/markup-compatibility/2006" type="objOverTx" preserve="1">
+<p:sldLayout xmlns:a="http://schemas.openxmlformats.org/drawingml/2006/main" xmlns:r="http://schemas.openxmlformats.org/officeDocument/2006/relationships" xmlns:p="http://schemas.openxmlformats.org/presentationml/2006/main" type="objOverTx" preserve="1">
   <p:cSld name="Title, Content over Content">
     <p:spTree>
       <p:nvGrpSpPr>
@@ -442,9 +627,10 @@
           </a:prstGeom>
         </p:spPr>
         <p:txBody>
-          <a:bodyPr lIns="0" rIns="0" tIns="0" bIns="0" anchor="ctr"/>
-          <a:p>
-            <a:endParaRPr b="0" lang="en-US" sz="1800" spc="-1" strike="noStrike">
+          <a:bodyPr lIns="0" tIns="0" rIns="0" bIns="0" anchor="ctr"/>
+          <a:lstStyle/>
+          <a:p>
+            <a:endParaRPr lang="en-US" sz="1800" b="0" strike="noStrike" spc="-1">
               <a:solidFill>
                 <a:srgbClr val="000000"/>
               </a:solidFill>
@@ -473,13 +659,14 @@
           </a:prstGeom>
         </p:spPr>
         <p:txBody>
-          <a:bodyPr lIns="0" rIns="0" tIns="0" bIns="0">
+          <a:bodyPr lIns="0" tIns="0" rIns="0" bIns="0">
             <a:normAutofit/>
           </a:bodyPr>
-          <a:p>
-            <a:endParaRPr b="0" lang="en-US" sz="1800" spc="-1" strike="noStrike">
+          <a:lstStyle/>
+          <a:p>
+            <a:endParaRPr lang="en-US" sz="1800" b="0" strike="noStrike" spc="-1">
               <a:solidFill>
-                <a:srgbClr val="3d3d3d"/>
+                <a:srgbClr val="3D3D3D"/>
               </a:solidFill>
               <a:latin typeface="Gill Sans MT"/>
             </a:endParaRPr>
@@ -506,13 +693,14 @@
           </a:prstGeom>
         </p:spPr>
         <p:txBody>
-          <a:bodyPr lIns="0" rIns="0" tIns="0" bIns="0">
+          <a:bodyPr lIns="0" tIns="0" rIns="0" bIns="0">
             <a:normAutofit/>
           </a:bodyPr>
-          <a:p>
-            <a:endParaRPr b="0" lang="en-US" sz="1800" spc="-1" strike="noStrike">
+          <a:lstStyle/>
+          <a:p>
+            <a:endParaRPr lang="en-US" sz="1800" b="0" strike="noStrike" spc="-1">
               <a:solidFill>
-                <a:srgbClr val="3d3d3d"/>
+                <a:srgbClr val="3D3D3D"/>
               </a:solidFill>
               <a:latin typeface="Gill Sans MT"/>
             </a:endParaRPr>
@@ -521,11 +709,14 @@
       </p:sp>
     </p:spTree>
   </p:cSld>
+  <p:clrMapOvr>
+    <a:masterClrMapping/>
+  </p:clrMapOvr>
 </p:sldLayout>
 </file>
 
 <file path=ppt/slideLayouts/slideLayout11.xml><?xml version="1.0" encoding="utf-8"?>
-<p:sldLayout xmlns:a="http://schemas.openxmlformats.org/drawingml/2006/main" xmlns:p="http://schemas.openxmlformats.org/presentationml/2006/main" xmlns:r="http://schemas.openxmlformats.org/officeDocument/2006/relationships" xmlns:p14="http://schemas.microsoft.com/office/powerpoint/2010/main" xmlns:p15="http://schemas.microsoft.com/office/powerpoint/2012/main" xmlns:mc="http://schemas.openxmlformats.org/markup-compatibility/2006" type="fourObj" preserve="1">
+<p:sldLayout xmlns:a="http://schemas.openxmlformats.org/drawingml/2006/main" xmlns:r="http://schemas.openxmlformats.org/officeDocument/2006/relationships" xmlns:p="http://schemas.openxmlformats.org/presentationml/2006/main" type="fourObj" preserve="1">
   <p:cSld name="Title, 4 Content">
     <p:spTree>
       <p:nvGrpSpPr>
@@ -561,9 +752,10 @@
           </a:prstGeom>
         </p:spPr>
         <p:txBody>
-          <a:bodyPr lIns="0" rIns="0" tIns="0" bIns="0" anchor="ctr"/>
-          <a:p>
-            <a:endParaRPr b="0" lang="en-US" sz="1800" spc="-1" strike="noStrike">
+          <a:bodyPr lIns="0" tIns="0" rIns="0" bIns="0" anchor="ctr"/>
+          <a:lstStyle/>
+          <a:p>
+            <a:endParaRPr lang="en-US" sz="1800" b="0" strike="noStrike" spc="-1">
               <a:solidFill>
                 <a:srgbClr val="000000"/>
               </a:solidFill>
@@ -592,13 +784,14 @@
           </a:prstGeom>
         </p:spPr>
         <p:txBody>
-          <a:bodyPr lIns="0" rIns="0" tIns="0" bIns="0">
+          <a:bodyPr lIns="0" tIns="0" rIns="0" bIns="0">
             <a:normAutofit/>
           </a:bodyPr>
-          <a:p>
-            <a:endParaRPr b="0" lang="en-US" sz="1800" spc="-1" strike="noStrike">
+          <a:lstStyle/>
+          <a:p>
+            <a:endParaRPr lang="en-US" sz="1800" b="0" strike="noStrike" spc="-1">
               <a:solidFill>
-                <a:srgbClr val="3d3d3d"/>
+                <a:srgbClr val="3D3D3D"/>
               </a:solidFill>
               <a:latin typeface="Gill Sans MT"/>
             </a:endParaRPr>
@@ -625,13 +818,14 @@
           </a:prstGeom>
         </p:spPr>
         <p:txBody>
-          <a:bodyPr lIns="0" rIns="0" tIns="0" bIns="0">
+          <a:bodyPr lIns="0" tIns="0" rIns="0" bIns="0">
             <a:normAutofit/>
           </a:bodyPr>
-          <a:p>
-            <a:endParaRPr b="0" lang="en-US" sz="1800" spc="-1" strike="noStrike">
+          <a:lstStyle/>
+          <a:p>
+            <a:endParaRPr lang="en-US" sz="1800" b="0" strike="noStrike" spc="-1">
               <a:solidFill>
-                <a:srgbClr val="3d3d3d"/>
+                <a:srgbClr val="3D3D3D"/>
               </a:solidFill>
               <a:latin typeface="Gill Sans MT"/>
             </a:endParaRPr>
@@ -658,13 +852,14 @@
           </a:prstGeom>
         </p:spPr>
         <p:txBody>
-          <a:bodyPr lIns="0" rIns="0" tIns="0" bIns="0">
+          <a:bodyPr lIns="0" tIns="0" rIns="0" bIns="0">
             <a:normAutofit/>
           </a:bodyPr>
-          <a:p>
-            <a:endParaRPr b="0" lang="en-US" sz="1800" spc="-1" strike="noStrike">
+          <a:lstStyle/>
+          <a:p>
+            <a:endParaRPr lang="en-US" sz="1800" b="0" strike="noStrike" spc="-1">
               <a:solidFill>
-                <a:srgbClr val="3d3d3d"/>
+                <a:srgbClr val="3D3D3D"/>
               </a:solidFill>
               <a:latin typeface="Gill Sans MT"/>
             </a:endParaRPr>
@@ -691,13 +886,14 @@
           </a:prstGeom>
         </p:spPr>
         <p:txBody>
-          <a:bodyPr lIns="0" rIns="0" tIns="0" bIns="0">
+          <a:bodyPr lIns="0" tIns="0" rIns="0" bIns="0">
             <a:normAutofit/>
           </a:bodyPr>
-          <a:p>
-            <a:endParaRPr b="0" lang="en-US" sz="1800" spc="-1" strike="noStrike">
+          <a:lstStyle/>
+          <a:p>
+            <a:endParaRPr lang="en-US" sz="1800" b="0" strike="noStrike" spc="-1">
               <a:solidFill>
-                <a:srgbClr val="3d3d3d"/>
+                <a:srgbClr val="3D3D3D"/>
               </a:solidFill>
               <a:latin typeface="Gill Sans MT"/>
             </a:endParaRPr>
@@ -706,11 +902,14 @@
       </p:sp>
     </p:spTree>
   </p:cSld>
+  <p:clrMapOvr>
+    <a:masterClrMapping/>
+  </p:clrMapOvr>
 </p:sldLayout>
 </file>
 
 <file path=ppt/slideLayouts/slideLayout12.xml><?xml version="1.0" encoding="utf-8"?>
-<p:sldLayout xmlns:a="http://schemas.openxmlformats.org/drawingml/2006/main" xmlns:p="http://schemas.openxmlformats.org/presentationml/2006/main" xmlns:r="http://schemas.openxmlformats.org/officeDocument/2006/relationships" xmlns:p14="http://schemas.microsoft.com/office/powerpoint/2010/main" xmlns:p15="http://schemas.microsoft.com/office/powerpoint/2012/main" xmlns:mc="http://schemas.openxmlformats.org/markup-compatibility/2006" type="blank" preserve="1">
+<p:sldLayout xmlns:a="http://schemas.openxmlformats.org/drawingml/2006/main" xmlns:r="http://schemas.openxmlformats.org/officeDocument/2006/relationships" xmlns:p="http://schemas.openxmlformats.org/presentationml/2006/main" type="blank" preserve="1">
   <p:cSld name="Title, 6 Content">
     <p:spTree>
       <p:nvGrpSpPr>
@@ -746,9 +945,10 @@
           </a:prstGeom>
         </p:spPr>
         <p:txBody>
-          <a:bodyPr lIns="0" rIns="0" tIns="0" bIns="0" anchor="ctr"/>
-          <a:p>
-            <a:endParaRPr b="0" lang="en-US" sz="1800" spc="-1" strike="noStrike">
+          <a:bodyPr lIns="0" tIns="0" rIns="0" bIns="0" anchor="ctr"/>
+          <a:lstStyle/>
+          <a:p>
+            <a:endParaRPr lang="en-US" sz="1800" b="0" strike="noStrike" spc="-1">
               <a:solidFill>
                 <a:srgbClr val="000000"/>
               </a:solidFill>
@@ -777,13 +977,14 @@
           </a:prstGeom>
         </p:spPr>
         <p:txBody>
-          <a:bodyPr lIns="0" rIns="0" tIns="0" bIns="0">
+          <a:bodyPr lIns="0" tIns="0" rIns="0" bIns="0">
             <a:normAutofit/>
           </a:bodyPr>
-          <a:p>
-            <a:endParaRPr b="0" lang="en-US" sz="1800" spc="-1" strike="noStrike">
+          <a:lstStyle/>
+          <a:p>
+            <a:endParaRPr lang="en-US" sz="1800" b="0" strike="noStrike" spc="-1">
               <a:solidFill>
-                <a:srgbClr val="3d3d3d"/>
+                <a:srgbClr val="3D3D3D"/>
               </a:solidFill>
               <a:latin typeface="Gill Sans MT"/>
             </a:endParaRPr>
@@ -810,13 +1011,14 @@
           </a:prstGeom>
         </p:spPr>
         <p:txBody>
-          <a:bodyPr lIns="0" rIns="0" tIns="0" bIns="0">
+          <a:bodyPr lIns="0" tIns="0" rIns="0" bIns="0">
             <a:normAutofit/>
           </a:bodyPr>
-          <a:p>
-            <a:endParaRPr b="0" lang="en-US" sz="1800" spc="-1" strike="noStrike">
+          <a:lstStyle/>
+          <a:p>
+            <a:endParaRPr lang="en-US" sz="1800" b="0" strike="noStrike" spc="-1">
               <a:solidFill>
-                <a:srgbClr val="3d3d3d"/>
+                <a:srgbClr val="3D3D3D"/>
               </a:solidFill>
               <a:latin typeface="Gill Sans MT"/>
             </a:endParaRPr>
@@ -843,13 +1045,14 @@
           </a:prstGeom>
         </p:spPr>
         <p:txBody>
-          <a:bodyPr lIns="0" rIns="0" tIns="0" bIns="0">
+          <a:bodyPr lIns="0" tIns="0" rIns="0" bIns="0">
             <a:normAutofit/>
           </a:bodyPr>
-          <a:p>
-            <a:endParaRPr b="0" lang="en-US" sz="1800" spc="-1" strike="noStrike">
+          <a:lstStyle/>
+          <a:p>
+            <a:endParaRPr lang="en-US" sz="1800" b="0" strike="noStrike" spc="-1">
               <a:solidFill>
-                <a:srgbClr val="3d3d3d"/>
+                <a:srgbClr val="3D3D3D"/>
               </a:solidFill>
               <a:latin typeface="Gill Sans MT"/>
             </a:endParaRPr>
@@ -876,13 +1079,14 @@
           </a:prstGeom>
         </p:spPr>
         <p:txBody>
-          <a:bodyPr lIns="0" rIns="0" tIns="0" bIns="0">
+          <a:bodyPr lIns="0" tIns="0" rIns="0" bIns="0">
             <a:normAutofit/>
           </a:bodyPr>
-          <a:p>
-            <a:endParaRPr b="0" lang="en-US" sz="1800" spc="-1" strike="noStrike">
+          <a:lstStyle/>
+          <a:p>
+            <a:endParaRPr lang="en-US" sz="1800" b="0" strike="noStrike" spc="-1">
               <a:solidFill>
-                <a:srgbClr val="3d3d3d"/>
+                <a:srgbClr val="3D3D3D"/>
               </a:solidFill>
               <a:latin typeface="Gill Sans MT"/>
             </a:endParaRPr>
@@ -909,13 +1113,14 @@
           </a:prstGeom>
         </p:spPr>
         <p:txBody>
-          <a:bodyPr lIns="0" rIns="0" tIns="0" bIns="0">
+          <a:bodyPr lIns="0" tIns="0" rIns="0" bIns="0">
             <a:normAutofit/>
           </a:bodyPr>
-          <a:p>
-            <a:endParaRPr b="0" lang="en-US" sz="1800" spc="-1" strike="noStrike">
+          <a:lstStyle/>
+          <a:p>
+            <a:endParaRPr lang="en-US" sz="1800" b="0" strike="noStrike" spc="-1">
               <a:solidFill>
-                <a:srgbClr val="3d3d3d"/>
+                <a:srgbClr val="3D3D3D"/>
               </a:solidFill>
               <a:latin typeface="Gill Sans MT"/>
             </a:endParaRPr>
@@ -942,13 +1147,14 @@
           </a:prstGeom>
         </p:spPr>
         <p:txBody>
-          <a:bodyPr lIns="0" rIns="0" tIns="0" bIns="0">
+          <a:bodyPr lIns="0" tIns="0" rIns="0" bIns="0">
             <a:normAutofit/>
           </a:bodyPr>
-          <a:p>
-            <a:endParaRPr b="0" lang="en-US" sz="1800" spc="-1" strike="noStrike">
+          <a:lstStyle/>
+          <a:p>
+            <a:endParaRPr lang="en-US" sz="1800" b="0" strike="noStrike" spc="-1">
               <a:solidFill>
-                <a:srgbClr val="3d3d3d"/>
+                <a:srgbClr val="3D3D3D"/>
               </a:solidFill>
               <a:latin typeface="Gill Sans MT"/>
             </a:endParaRPr>
@@ -957,11 +1163,14 @@
       </p:sp>
     </p:spTree>
   </p:cSld>
+  <p:clrMapOvr>
+    <a:masterClrMapping/>
+  </p:clrMapOvr>
 </p:sldLayout>
 </file>
 
 <file path=ppt/slideLayouts/slideLayout13.xml><?xml version="1.0" encoding="utf-8"?>
-<p:sldLayout xmlns:a="http://schemas.openxmlformats.org/drawingml/2006/main" xmlns:p="http://schemas.openxmlformats.org/presentationml/2006/main" xmlns:r="http://schemas.openxmlformats.org/officeDocument/2006/relationships" xmlns:p14="http://schemas.microsoft.com/office/powerpoint/2010/main" xmlns:p15="http://schemas.microsoft.com/office/powerpoint/2012/main" xmlns:mc="http://schemas.openxmlformats.org/markup-compatibility/2006" type="blank" preserve="1">
+<p:sldLayout xmlns:a="http://schemas.openxmlformats.org/drawingml/2006/main" xmlns:r="http://schemas.openxmlformats.org/officeDocument/2006/relationships" xmlns:p="http://schemas.openxmlformats.org/presentationml/2006/main" type="blank" preserve="1">
   <p:cSld name="Blank Slide">
     <p:spTree>
       <p:nvGrpSpPr>
@@ -979,11 +1188,14 @@
       </p:grpSpPr>
     </p:spTree>
   </p:cSld>
+  <p:clrMapOvr>
+    <a:masterClrMapping/>
+  </p:clrMapOvr>
 </p:sldLayout>
 </file>
 
 <file path=ppt/slideLayouts/slideLayout14.xml><?xml version="1.0" encoding="utf-8"?>
-<p:sldLayout xmlns:a="http://schemas.openxmlformats.org/drawingml/2006/main" xmlns:p="http://schemas.openxmlformats.org/presentationml/2006/main" xmlns:r="http://schemas.openxmlformats.org/officeDocument/2006/relationships" xmlns:p14="http://schemas.microsoft.com/office/powerpoint/2010/main" xmlns:p15="http://schemas.microsoft.com/office/powerpoint/2012/main" xmlns:mc="http://schemas.openxmlformats.org/markup-compatibility/2006" type="tx" preserve="1">
+<p:sldLayout xmlns:a="http://schemas.openxmlformats.org/drawingml/2006/main" xmlns:r="http://schemas.openxmlformats.org/officeDocument/2006/relationships" xmlns:p="http://schemas.openxmlformats.org/presentationml/2006/main" type="tx" preserve="1">
   <p:cSld name="Title Slide">
     <p:spTree>
       <p:nvGrpSpPr>
@@ -1019,9 +1231,10 @@
           </a:prstGeom>
         </p:spPr>
         <p:txBody>
-          <a:bodyPr lIns="0" rIns="0" tIns="0" bIns="0" anchor="ctr"/>
-          <a:p>
-            <a:endParaRPr b="0" lang="en-US" sz="1800" spc="-1" strike="noStrike">
+          <a:bodyPr lIns="0" tIns="0" rIns="0" bIns="0" anchor="ctr"/>
+          <a:lstStyle/>
+          <a:p>
+            <a:endParaRPr lang="en-US" sz="1800" b="0" strike="noStrike" spc="-1">
               <a:solidFill>
                 <a:srgbClr val="000000"/>
               </a:solidFill>
@@ -1050,10 +1263,11 @@
           </a:prstGeom>
         </p:spPr>
         <p:txBody>
-          <a:bodyPr lIns="0" rIns="0" tIns="0" bIns="0" anchor="ctr"/>
+          <a:bodyPr lIns="0" tIns="0" rIns="0" bIns="0" anchor="ctr"/>
+          <a:lstStyle/>
           <a:p>
             <a:pPr algn="ctr"/>
-            <a:endParaRPr b="0" lang="pt-BR" sz="3200" spc="-1" strike="noStrike">
+            <a:endParaRPr lang="pt-BR" sz="3200" b="0" strike="noStrike" spc="-1">
               <a:latin typeface="Arial"/>
             </a:endParaRPr>
           </a:p>
@@ -1061,11 +1275,14 @@
       </p:sp>
     </p:spTree>
   </p:cSld>
+  <p:clrMapOvr>
+    <a:masterClrMapping/>
+  </p:clrMapOvr>
 </p:sldLayout>
 </file>
 
 <file path=ppt/slideLayouts/slideLayout15.xml><?xml version="1.0" encoding="utf-8"?>
-<p:sldLayout xmlns:a="http://schemas.openxmlformats.org/drawingml/2006/main" xmlns:p="http://schemas.openxmlformats.org/presentationml/2006/main" xmlns:r="http://schemas.openxmlformats.org/officeDocument/2006/relationships" xmlns:p14="http://schemas.microsoft.com/office/powerpoint/2010/main" xmlns:p15="http://schemas.microsoft.com/office/powerpoint/2012/main" xmlns:mc="http://schemas.openxmlformats.org/markup-compatibility/2006" type="obj" preserve="1">
+<p:sldLayout xmlns:a="http://schemas.openxmlformats.org/drawingml/2006/main" xmlns:r="http://schemas.openxmlformats.org/officeDocument/2006/relationships" xmlns:p="http://schemas.openxmlformats.org/presentationml/2006/main" type="obj" preserve="1">
   <p:cSld name="Title, Content">
     <p:spTree>
       <p:nvGrpSpPr>
@@ -1101,9 +1318,10 @@
           </a:prstGeom>
         </p:spPr>
         <p:txBody>
-          <a:bodyPr lIns="0" rIns="0" tIns="0" bIns="0" anchor="ctr"/>
-          <a:p>
-            <a:endParaRPr b="0" lang="en-US" sz="1800" spc="-1" strike="noStrike">
+          <a:bodyPr lIns="0" tIns="0" rIns="0" bIns="0" anchor="ctr"/>
+          <a:lstStyle/>
+          <a:p>
+            <a:endParaRPr lang="en-US" sz="1800" b="0" strike="noStrike" spc="-1">
               <a:solidFill>
                 <a:srgbClr val="000000"/>
               </a:solidFill>
@@ -1132,13 +1350,14 @@
           </a:prstGeom>
         </p:spPr>
         <p:txBody>
-          <a:bodyPr lIns="0" rIns="0" tIns="0" bIns="0">
+          <a:bodyPr lIns="0" tIns="0" rIns="0" bIns="0">
             <a:normAutofit/>
           </a:bodyPr>
-          <a:p>
-            <a:endParaRPr b="0" lang="en-US" sz="1800" spc="-1" strike="noStrike">
+          <a:lstStyle/>
+          <a:p>
+            <a:endParaRPr lang="en-US" sz="1800" b="0" strike="noStrike" spc="-1">
               <a:solidFill>
-                <a:srgbClr val="3d3d3d"/>
+                <a:srgbClr val="3D3D3D"/>
               </a:solidFill>
               <a:latin typeface="Gill Sans MT"/>
             </a:endParaRPr>
@@ -1147,11 +1366,14 @@
       </p:sp>
     </p:spTree>
   </p:cSld>
+  <p:clrMapOvr>
+    <a:masterClrMapping/>
+  </p:clrMapOvr>
 </p:sldLayout>
 </file>
 
 <file path=ppt/slideLayouts/slideLayout16.xml><?xml version="1.0" encoding="utf-8"?>
-<p:sldLayout xmlns:a="http://schemas.openxmlformats.org/drawingml/2006/main" xmlns:p="http://schemas.openxmlformats.org/presentationml/2006/main" xmlns:r="http://schemas.openxmlformats.org/officeDocument/2006/relationships" xmlns:p14="http://schemas.microsoft.com/office/powerpoint/2010/main" xmlns:p15="http://schemas.microsoft.com/office/powerpoint/2012/main" xmlns:mc="http://schemas.openxmlformats.org/markup-compatibility/2006" type="twoObj" preserve="1">
+<p:sldLayout xmlns:a="http://schemas.openxmlformats.org/drawingml/2006/main" xmlns:r="http://schemas.openxmlformats.org/officeDocument/2006/relationships" xmlns:p="http://schemas.openxmlformats.org/presentationml/2006/main" type="twoObj" preserve="1">
   <p:cSld name="Title, 2 Content">
     <p:spTree>
       <p:nvGrpSpPr>
@@ -1187,9 +1409,10 @@
           </a:prstGeom>
         </p:spPr>
         <p:txBody>
-          <a:bodyPr lIns="0" rIns="0" tIns="0" bIns="0" anchor="ctr"/>
-          <a:p>
-            <a:endParaRPr b="0" lang="en-US" sz="1800" spc="-1" strike="noStrike">
+          <a:bodyPr lIns="0" tIns="0" rIns="0" bIns="0" anchor="ctr"/>
+          <a:lstStyle/>
+          <a:p>
+            <a:endParaRPr lang="en-US" sz="1800" b="0" strike="noStrike" spc="-1">
               <a:solidFill>
                 <a:srgbClr val="000000"/>
               </a:solidFill>
@@ -1218,13 +1441,14 @@
           </a:prstGeom>
         </p:spPr>
         <p:txBody>
-          <a:bodyPr lIns="0" rIns="0" tIns="0" bIns="0">
+          <a:bodyPr lIns="0" tIns="0" rIns="0" bIns="0">
             <a:normAutofit/>
           </a:bodyPr>
-          <a:p>
-            <a:endParaRPr b="0" lang="en-US" sz="1800" spc="-1" strike="noStrike">
+          <a:lstStyle/>
+          <a:p>
+            <a:endParaRPr lang="en-US" sz="1800" b="0" strike="noStrike" spc="-1">
               <a:solidFill>
-                <a:srgbClr val="3d3d3d"/>
+                <a:srgbClr val="3D3D3D"/>
               </a:solidFill>
               <a:latin typeface="Gill Sans MT"/>
             </a:endParaRPr>
@@ -1251,13 +1475,14 @@
           </a:prstGeom>
         </p:spPr>
         <p:txBody>
-          <a:bodyPr lIns="0" rIns="0" tIns="0" bIns="0">
+          <a:bodyPr lIns="0" tIns="0" rIns="0" bIns="0">
             <a:normAutofit/>
           </a:bodyPr>
-          <a:p>
-            <a:endParaRPr b="0" lang="en-US" sz="1800" spc="-1" strike="noStrike">
+          <a:lstStyle/>
+          <a:p>
+            <a:endParaRPr lang="en-US" sz="1800" b="0" strike="noStrike" spc="-1">
               <a:solidFill>
-                <a:srgbClr val="3d3d3d"/>
+                <a:srgbClr val="3D3D3D"/>
               </a:solidFill>
               <a:latin typeface="Gill Sans MT"/>
             </a:endParaRPr>
@@ -1266,11 +1491,14 @@
       </p:sp>
     </p:spTree>
   </p:cSld>
+  <p:clrMapOvr>
+    <a:masterClrMapping/>
+  </p:clrMapOvr>
 </p:sldLayout>
 </file>
 
 <file path=ppt/slideLayouts/slideLayout17.xml><?xml version="1.0" encoding="utf-8"?>
-<p:sldLayout xmlns:a="http://schemas.openxmlformats.org/drawingml/2006/main" xmlns:p="http://schemas.openxmlformats.org/presentationml/2006/main" xmlns:r="http://schemas.openxmlformats.org/officeDocument/2006/relationships" xmlns:p14="http://schemas.microsoft.com/office/powerpoint/2010/main" xmlns:p15="http://schemas.microsoft.com/office/powerpoint/2012/main" xmlns:mc="http://schemas.openxmlformats.org/markup-compatibility/2006" type="titleOnly" preserve="1">
+<p:sldLayout xmlns:a="http://schemas.openxmlformats.org/drawingml/2006/main" xmlns:r="http://schemas.openxmlformats.org/officeDocument/2006/relationships" xmlns:p="http://schemas.openxmlformats.org/presentationml/2006/main" type="titleOnly" preserve="1">
   <p:cSld name="Title Only">
     <p:spTree>
       <p:nvGrpSpPr>
@@ -1306,9 +1534,10 @@
           </a:prstGeom>
         </p:spPr>
         <p:txBody>
-          <a:bodyPr lIns="0" rIns="0" tIns="0" bIns="0" anchor="ctr"/>
-          <a:p>
-            <a:endParaRPr b="0" lang="en-US" sz="1800" spc="-1" strike="noStrike">
+          <a:bodyPr lIns="0" tIns="0" rIns="0" bIns="0" anchor="ctr"/>
+          <a:lstStyle/>
+          <a:p>
+            <a:endParaRPr lang="en-US" sz="1800" b="0" strike="noStrike" spc="-1">
               <a:solidFill>
                 <a:srgbClr val="000000"/>
               </a:solidFill>
@@ -1319,11 +1548,14 @@
       </p:sp>
     </p:spTree>
   </p:cSld>
+  <p:clrMapOvr>
+    <a:masterClrMapping/>
+  </p:clrMapOvr>
 </p:sldLayout>
 </file>
 
 <file path=ppt/slideLayouts/slideLayout18.xml><?xml version="1.0" encoding="utf-8"?>
-<p:sldLayout xmlns:a="http://schemas.openxmlformats.org/drawingml/2006/main" xmlns:p="http://schemas.openxmlformats.org/presentationml/2006/main" xmlns:r="http://schemas.openxmlformats.org/officeDocument/2006/relationships" xmlns:p14="http://schemas.microsoft.com/office/powerpoint/2010/main" xmlns:p15="http://schemas.microsoft.com/office/powerpoint/2012/main" xmlns:mc="http://schemas.openxmlformats.org/markup-compatibility/2006" type="objOnly" preserve="1">
+<p:sldLayout xmlns:a="http://schemas.openxmlformats.org/drawingml/2006/main" xmlns:r="http://schemas.openxmlformats.org/officeDocument/2006/relationships" xmlns:p="http://schemas.openxmlformats.org/presentationml/2006/main" type="objOnly" preserve="1">
   <p:cSld name="Centered Text">
     <p:spTree>
       <p:nvGrpSpPr>
@@ -1359,10 +1591,11 @@
           </a:prstGeom>
         </p:spPr>
         <p:txBody>
-          <a:bodyPr lIns="0" rIns="0" tIns="0" bIns="0" anchor="ctr"/>
+          <a:bodyPr lIns="0" tIns="0" rIns="0" bIns="0" anchor="ctr"/>
+          <a:lstStyle/>
           <a:p>
             <a:pPr algn="ctr"/>
-            <a:endParaRPr b="0" lang="pt-BR" sz="3200" spc="-1" strike="noStrike">
+            <a:endParaRPr lang="pt-BR" sz="3200" b="0" strike="noStrike" spc="-1">
               <a:latin typeface="Arial"/>
             </a:endParaRPr>
           </a:p>
@@ -1370,11 +1603,14 @@
       </p:sp>
     </p:spTree>
   </p:cSld>
+  <p:clrMapOvr>
+    <a:masterClrMapping/>
+  </p:clrMapOvr>
 </p:sldLayout>
 </file>
 
 <file path=ppt/slideLayouts/slideLayout19.xml><?xml version="1.0" encoding="utf-8"?>
-<p:sldLayout xmlns:a="http://schemas.openxmlformats.org/drawingml/2006/main" xmlns:p="http://schemas.openxmlformats.org/presentationml/2006/main" xmlns:r="http://schemas.openxmlformats.org/officeDocument/2006/relationships" xmlns:p14="http://schemas.microsoft.com/office/powerpoint/2010/main" xmlns:p15="http://schemas.microsoft.com/office/powerpoint/2012/main" xmlns:mc="http://schemas.openxmlformats.org/markup-compatibility/2006" type="twoObjAndObj" preserve="1">
+<p:sldLayout xmlns:a="http://schemas.openxmlformats.org/drawingml/2006/main" xmlns:r="http://schemas.openxmlformats.org/officeDocument/2006/relationships" xmlns:p="http://schemas.openxmlformats.org/presentationml/2006/main" type="twoObjAndObj" preserve="1">
   <p:cSld name="Title, 2 Content and Content">
     <p:spTree>
       <p:nvGrpSpPr>
@@ -1410,9 +1646,10 @@
           </a:prstGeom>
         </p:spPr>
         <p:txBody>
-          <a:bodyPr lIns="0" rIns="0" tIns="0" bIns="0" anchor="ctr"/>
-          <a:p>
-            <a:endParaRPr b="0" lang="en-US" sz="1800" spc="-1" strike="noStrike">
+          <a:bodyPr lIns="0" tIns="0" rIns="0" bIns="0" anchor="ctr"/>
+          <a:lstStyle/>
+          <a:p>
+            <a:endParaRPr lang="en-US" sz="1800" b="0" strike="noStrike" spc="-1">
               <a:solidFill>
                 <a:srgbClr val="000000"/>
               </a:solidFill>
@@ -1441,13 +1678,14 @@
           </a:prstGeom>
         </p:spPr>
         <p:txBody>
-          <a:bodyPr lIns="0" rIns="0" tIns="0" bIns="0">
+          <a:bodyPr lIns="0" tIns="0" rIns="0" bIns="0">
             <a:normAutofit/>
           </a:bodyPr>
-          <a:p>
-            <a:endParaRPr b="0" lang="en-US" sz="1800" spc="-1" strike="noStrike">
+          <a:lstStyle/>
+          <a:p>
+            <a:endParaRPr lang="en-US" sz="1800" b="0" strike="noStrike" spc="-1">
               <a:solidFill>
-                <a:srgbClr val="3d3d3d"/>
+                <a:srgbClr val="3D3D3D"/>
               </a:solidFill>
               <a:latin typeface="Gill Sans MT"/>
             </a:endParaRPr>
@@ -1474,13 +1712,14 @@
           </a:prstGeom>
         </p:spPr>
         <p:txBody>
-          <a:bodyPr lIns="0" rIns="0" tIns="0" bIns="0">
+          <a:bodyPr lIns="0" tIns="0" rIns="0" bIns="0">
             <a:normAutofit/>
           </a:bodyPr>
-          <a:p>
-            <a:endParaRPr b="0" lang="en-US" sz="1800" spc="-1" strike="noStrike">
+          <a:lstStyle/>
+          <a:p>
+            <a:endParaRPr lang="en-US" sz="1800" b="0" strike="noStrike" spc="-1">
               <a:solidFill>
-                <a:srgbClr val="3d3d3d"/>
+                <a:srgbClr val="3D3D3D"/>
               </a:solidFill>
               <a:latin typeface="Gill Sans MT"/>
             </a:endParaRPr>
@@ -1507,13 +1746,14 @@
           </a:prstGeom>
         </p:spPr>
         <p:txBody>
-          <a:bodyPr lIns="0" rIns="0" tIns="0" bIns="0">
+          <a:bodyPr lIns="0" tIns="0" rIns="0" bIns="0">
             <a:normAutofit/>
           </a:bodyPr>
-          <a:p>
-            <a:endParaRPr b="0" lang="en-US" sz="1800" spc="-1" strike="noStrike">
+          <a:lstStyle/>
+          <a:p>
+            <a:endParaRPr lang="en-US" sz="1800" b="0" strike="noStrike" spc="-1">
               <a:solidFill>
-                <a:srgbClr val="3d3d3d"/>
+                <a:srgbClr val="3D3D3D"/>
               </a:solidFill>
               <a:latin typeface="Gill Sans MT"/>
             </a:endParaRPr>
@@ -1522,11 +1762,14 @@
       </p:sp>
     </p:spTree>
   </p:cSld>
+  <p:clrMapOvr>
+    <a:masterClrMapping/>
+  </p:clrMapOvr>
 </p:sldLayout>
 </file>
 
 <file path=ppt/slideLayouts/slideLayout2.xml><?xml version="1.0" encoding="utf-8"?>
-<p:sldLayout xmlns:a="http://schemas.openxmlformats.org/drawingml/2006/main" xmlns:p="http://schemas.openxmlformats.org/presentationml/2006/main" xmlns:r="http://schemas.openxmlformats.org/officeDocument/2006/relationships" xmlns:p14="http://schemas.microsoft.com/office/powerpoint/2010/main" xmlns:p15="http://schemas.microsoft.com/office/powerpoint/2012/main" xmlns:mc="http://schemas.openxmlformats.org/markup-compatibility/2006" type="tx" preserve="1">
+<p:sldLayout xmlns:a="http://schemas.openxmlformats.org/drawingml/2006/main" xmlns:r="http://schemas.openxmlformats.org/officeDocument/2006/relationships" xmlns:p="http://schemas.openxmlformats.org/presentationml/2006/main" type="tx" preserve="1">
   <p:cSld name="Title Slide">
     <p:spTree>
       <p:nvGrpSpPr>
@@ -1562,9 +1805,10 @@
           </a:prstGeom>
         </p:spPr>
         <p:txBody>
-          <a:bodyPr lIns="0" rIns="0" tIns="0" bIns="0" anchor="ctr"/>
-          <a:p>
-            <a:endParaRPr b="0" lang="en-US" sz="1800" spc="-1" strike="noStrike">
+          <a:bodyPr lIns="0" tIns="0" rIns="0" bIns="0" anchor="ctr"/>
+          <a:lstStyle/>
+          <a:p>
+            <a:endParaRPr lang="en-US" sz="1800" b="0" strike="noStrike" spc="-1">
               <a:solidFill>
                 <a:srgbClr val="000000"/>
               </a:solidFill>
@@ -1593,10 +1837,11 @@
           </a:prstGeom>
         </p:spPr>
         <p:txBody>
-          <a:bodyPr lIns="0" rIns="0" tIns="0" bIns="0" anchor="ctr"/>
+          <a:bodyPr lIns="0" tIns="0" rIns="0" bIns="0" anchor="ctr"/>
+          <a:lstStyle/>
           <a:p>
             <a:pPr algn="ctr"/>
-            <a:endParaRPr b="0" lang="pt-BR" sz="3200" spc="-1" strike="noStrike">
+            <a:endParaRPr lang="pt-BR" sz="3200" b="0" strike="noStrike" spc="-1">
               <a:latin typeface="Arial"/>
             </a:endParaRPr>
           </a:p>
@@ -1604,11 +1849,14 @@
       </p:sp>
     </p:spTree>
   </p:cSld>
+  <p:clrMapOvr>
+    <a:masterClrMapping/>
+  </p:clrMapOvr>
 </p:sldLayout>
 </file>
 
 <file path=ppt/slideLayouts/slideLayout20.xml><?xml version="1.0" encoding="utf-8"?>
-<p:sldLayout xmlns:a="http://schemas.openxmlformats.org/drawingml/2006/main" xmlns:p="http://schemas.openxmlformats.org/presentationml/2006/main" xmlns:r="http://schemas.openxmlformats.org/officeDocument/2006/relationships" xmlns:p14="http://schemas.microsoft.com/office/powerpoint/2010/main" xmlns:p15="http://schemas.microsoft.com/office/powerpoint/2012/main" xmlns:mc="http://schemas.openxmlformats.org/markup-compatibility/2006" type="objAndTwoObj" preserve="1">
+<p:sldLayout xmlns:a="http://schemas.openxmlformats.org/drawingml/2006/main" xmlns:r="http://schemas.openxmlformats.org/officeDocument/2006/relationships" xmlns:p="http://schemas.openxmlformats.org/presentationml/2006/main" type="objAndTwoObj" preserve="1">
   <p:cSld name="Title Content and 2 Content">
     <p:spTree>
       <p:nvGrpSpPr>
@@ -1644,9 +1892,10 @@
           </a:prstGeom>
         </p:spPr>
         <p:txBody>
-          <a:bodyPr lIns="0" rIns="0" tIns="0" bIns="0" anchor="ctr"/>
-          <a:p>
-            <a:endParaRPr b="0" lang="en-US" sz="1800" spc="-1" strike="noStrike">
+          <a:bodyPr lIns="0" tIns="0" rIns="0" bIns="0" anchor="ctr"/>
+          <a:lstStyle/>
+          <a:p>
+            <a:endParaRPr lang="en-US" sz="1800" b="0" strike="noStrike" spc="-1">
               <a:solidFill>
                 <a:srgbClr val="000000"/>
               </a:solidFill>
@@ -1675,13 +1924,14 @@
           </a:prstGeom>
         </p:spPr>
         <p:txBody>
-          <a:bodyPr lIns="0" rIns="0" tIns="0" bIns="0">
+          <a:bodyPr lIns="0" tIns="0" rIns="0" bIns="0">
             <a:normAutofit/>
           </a:bodyPr>
-          <a:p>
-            <a:endParaRPr b="0" lang="en-US" sz="1800" spc="-1" strike="noStrike">
+          <a:lstStyle/>
+          <a:p>
+            <a:endParaRPr lang="en-US" sz="1800" b="0" strike="noStrike" spc="-1">
               <a:solidFill>
-                <a:srgbClr val="3d3d3d"/>
+                <a:srgbClr val="3D3D3D"/>
               </a:solidFill>
               <a:latin typeface="Gill Sans MT"/>
             </a:endParaRPr>
@@ -1708,13 +1958,14 @@
           </a:prstGeom>
         </p:spPr>
         <p:txBody>
-          <a:bodyPr lIns="0" rIns="0" tIns="0" bIns="0">
+          <a:bodyPr lIns="0" tIns="0" rIns="0" bIns="0">
             <a:normAutofit/>
           </a:bodyPr>
-          <a:p>
-            <a:endParaRPr b="0" lang="en-US" sz="1800" spc="-1" strike="noStrike">
+          <a:lstStyle/>
+          <a:p>
+            <a:endParaRPr lang="en-US" sz="1800" b="0" strike="noStrike" spc="-1">
               <a:solidFill>
-                <a:srgbClr val="3d3d3d"/>
+                <a:srgbClr val="3D3D3D"/>
               </a:solidFill>
               <a:latin typeface="Gill Sans MT"/>
             </a:endParaRPr>
@@ -1741,13 +1992,14 @@
           </a:prstGeom>
         </p:spPr>
         <p:txBody>
-          <a:bodyPr lIns="0" rIns="0" tIns="0" bIns="0">
+          <a:bodyPr lIns="0" tIns="0" rIns="0" bIns="0">
             <a:normAutofit/>
           </a:bodyPr>
-          <a:p>
-            <a:endParaRPr b="0" lang="en-US" sz="1800" spc="-1" strike="noStrike">
+          <a:lstStyle/>
+          <a:p>
+            <a:endParaRPr lang="en-US" sz="1800" b="0" strike="noStrike" spc="-1">
               <a:solidFill>
-                <a:srgbClr val="3d3d3d"/>
+                <a:srgbClr val="3D3D3D"/>
               </a:solidFill>
               <a:latin typeface="Gill Sans MT"/>
             </a:endParaRPr>
@@ -1756,11 +2008,14 @@
       </p:sp>
     </p:spTree>
   </p:cSld>
+  <p:clrMapOvr>
+    <a:masterClrMapping/>
+  </p:clrMapOvr>
 </p:sldLayout>
 </file>
 
 <file path=ppt/slideLayouts/slideLayout21.xml><?xml version="1.0" encoding="utf-8"?>
-<p:sldLayout xmlns:a="http://schemas.openxmlformats.org/drawingml/2006/main" xmlns:p="http://schemas.openxmlformats.org/presentationml/2006/main" xmlns:r="http://schemas.openxmlformats.org/officeDocument/2006/relationships" xmlns:p14="http://schemas.microsoft.com/office/powerpoint/2010/main" xmlns:p15="http://schemas.microsoft.com/office/powerpoint/2012/main" xmlns:mc="http://schemas.openxmlformats.org/markup-compatibility/2006" type="twoObjOverTx" preserve="1">
+<p:sldLayout xmlns:a="http://schemas.openxmlformats.org/drawingml/2006/main" xmlns:r="http://schemas.openxmlformats.org/officeDocument/2006/relationships" xmlns:p="http://schemas.openxmlformats.org/presentationml/2006/main" type="twoObjOverTx" preserve="1">
   <p:cSld name="Title, 2 Content over Content">
     <p:spTree>
       <p:nvGrpSpPr>
@@ -1796,9 +2051,10 @@
           </a:prstGeom>
         </p:spPr>
         <p:txBody>
-          <a:bodyPr lIns="0" rIns="0" tIns="0" bIns="0" anchor="ctr"/>
-          <a:p>
-            <a:endParaRPr b="0" lang="en-US" sz="1800" spc="-1" strike="noStrike">
+          <a:bodyPr lIns="0" tIns="0" rIns="0" bIns="0" anchor="ctr"/>
+          <a:lstStyle/>
+          <a:p>
+            <a:endParaRPr lang="en-US" sz="1800" b="0" strike="noStrike" spc="-1">
               <a:solidFill>
                 <a:srgbClr val="000000"/>
               </a:solidFill>
@@ -1827,13 +2083,14 @@
           </a:prstGeom>
         </p:spPr>
         <p:txBody>
-          <a:bodyPr lIns="0" rIns="0" tIns="0" bIns="0">
+          <a:bodyPr lIns="0" tIns="0" rIns="0" bIns="0">
             <a:normAutofit/>
           </a:bodyPr>
-          <a:p>
-            <a:endParaRPr b="0" lang="en-US" sz="1800" spc="-1" strike="noStrike">
+          <a:lstStyle/>
+          <a:p>
+            <a:endParaRPr lang="en-US" sz="1800" b="0" strike="noStrike" spc="-1">
               <a:solidFill>
-                <a:srgbClr val="3d3d3d"/>
+                <a:srgbClr val="3D3D3D"/>
               </a:solidFill>
               <a:latin typeface="Gill Sans MT"/>
             </a:endParaRPr>
@@ -1860,13 +2117,14 @@
           </a:prstGeom>
         </p:spPr>
         <p:txBody>
-          <a:bodyPr lIns="0" rIns="0" tIns="0" bIns="0">
+          <a:bodyPr lIns="0" tIns="0" rIns="0" bIns="0">
             <a:normAutofit/>
           </a:bodyPr>
-          <a:p>
-            <a:endParaRPr b="0" lang="en-US" sz="1800" spc="-1" strike="noStrike">
+          <a:lstStyle/>
+          <a:p>
+            <a:endParaRPr lang="en-US" sz="1800" b="0" strike="noStrike" spc="-1">
               <a:solidFill>
-                <a:srgbClr val="3d3d3d"/>
+                <a:srgbClr val="3D3D3D"/>
               </a:solidFill>
               <a:latin typeface="Gill Sans MT"/>
             </a:endParaRPr>
@@ -1893,13 +2151,14 @@
           </a:prstGeom>
         </p:spPr>
         <p:txBody>
-          <a:bodyPr lIns="0" rIns="0" tIns="0" bIns="0">
+          <a:bodyPr lIns="0" tIns="0" rIns="0" bIns="0">
             <a:normAutofit/>
           </a:bodyPr>
-          <a:p>
-            <a:endParaRPr b="0" lang="en-US" sz="1800" spc="-1" strike="noStrike">
+          <a:lstStyle/>
+          <a:p>
+            <a:endParaRPr lang="en-US" sz="1800" b="0" strike="noStrike" spc="-1">
               <a:solidFill>
-                <a:srgbClr val="3d3d3d"/>
+                <a:srgbClr val="3D3D3D"/>
               </a:solidFill>
               <a:latin typeface="Gill Sans MT"/>
             </a:endParaRPr>
@@ -1908,11 +2167,14 @@
       </p:sp>
     </p:spTree>
   </p:cSld>
+  <p:clrMapOvr>
+    <a:masterClrMapping/>
+  </p:clrMapOvr>
 </p:sldLayout>
 </file>
 
 <file path=ppt/slideLayouts/slideLayout22.xml><?xml version="1.0" encoding="utf-8"?>
-<p:sldLayout xmlns:a="http://schemas.openxmlformats.org/drawingml/2006/main" xmlns:p="http://schemas.openxmlformats.org/presentationml/2006/main" xmlns:r="http://schemas.openxmlformats.org/officeDocument/2006/relationships" xmlns:p14="http://schemas.microsoft.com/office/powerpoint/2010/main" xmlns:p15="http://schemas.microsoft.com/office/powerpoint/2012/main" xmlns:mc="http://schemas.openxmlformats.org/markup-compatibility/2006" type="objOverTx" preserve="1">
+<p:sldLayout xmlns:a="http://schemas.openxmlformats.org/drawingml/2006/main" xmlns:r="http://schemas.openxmlformats.org/officeDocument/2006/relationships" xmlns:p="http://schemas.openxmlformats.org/presentationml/2006/main" type="objOverTx" preserve="1">
   <p:cSld name="Title, Content over Content">
     <p:spTree>
       <p:nvGrpSpPr>
@@ -1948,9 +2210,10 @@
           </a:prstGeom>
         </p:spPr>
         <p:txBody>
-          <a:bodyPr lIns="0" rIns="0" tIns="0" bIns="0" anchor="ctr"/>
-          <a:p>
-            <a:endParaRPr b="0" lang="en-US" sz="1800" spc="-1" strike="noStrike">
+          <a:bodyPr lIns="0" tIns="0" rIns="0" bIns="0" anchor="ctr"/>
+          <a:lstStyle/>
+          <a:p>
+            <a:endParaRPr lang="en-US" sz="1800" b="0" strike="noStrike" spc="-1">
               <a:solidFill>
                 <a:srgbClr val="000000"/>
               </a:solidFill>
@@ -1979,13 +2242,14 @@
           </a:prstGeom>
         </p:spPr>
         <p:txBody>
-          <a:bodyPr lIns="0" rIns="0" tIns="0" bIns="0">
+          <a:bodyPr lIns="0" tIns="0" rIns="0" bIns="0">
             <a:normAutofit/>
           </a:bodyPr>
-          <a:p>
-            <a:endParaRPr b="0" lang="en-US" sz="1800" spc="-1" strike="noStrike">
+          <a:lstStyle/>
+          <a:p>
+            <a:endParaRPr lang="en-US" sz="1800" b="0" strike="noStrike" spc="-1">
               <a:solidFill>
-                <a:srgbClr val="3d3d3d"/>
+                <a:srgbClr val="3D3D3D"/>
               </a:solidFill>
               <a:latin typeface="Gill Sans MT"/>
             </a:endParaRPr>
@@ -2012,13 +2276,14 @@
           </a:prstGeom>
         </p:spPr>
         <p:txBody>
-          <a:bodyPr lIns="0" rIns="0" tIns="0" bIns="0">
+          <a:bodyPr lIns="0" tIns="0" rIns="0" bIns="0">
             <a:normAutofit/>
           </a:bodyPr>
-          <a:p>
-            <a:endParaRPr b="0" lang="en-US" sz="1800" spc="-1" strike="noStrike">
+          <a:lstStyle/>
+          <a:p>
+            <a:endParaRPr lang="en-US" sz="1800" b="0" strike="noStrike" spc="-1">
               <a:solidFill>
-                <a:srgbClr val="3d3d3d"/>
+                <a:srgbClr val="3D3D3D"/>
               </a:solidFill>
               <a:latin typeface="Gill Sans MT"/>
             </a:endParaRPr>
@@ -2027,11 +2292,14 @@
       </p:sp>
     </p:spTree>
   </p:cSld>
+  <p:clrMapOvr>
+    <a:masterClrMapping/>
+  </p:clrMapOvr>
 </p:sldLayout>
 </file>
 
 <file path=ppt/slideLayouts/slideLayout23.xml><?xml version="1.0" encoding="utf-8"?>
-<p:sldLayout xmlns:a="http://schemas.openxmlformats.org/drawingml/2006/main" xmlns:p="http://schemas.openxmlformats.org/presentationml/2006/main" xmlns:r="http://schemas.openxmlformats.org/officeDocument/2006/relationships" xmlns:p14="http://schemas.microsoft.com/office/powerpoint/2010/main" xmlns:p15="http://schemas.microsoft.com/office/powerpoint/2012/main" xmlns:mc="http://schemas.openxmlformats.org/markup-compatibility/2006" type="fourObj" preserve="1">
+<p:sldLayout xmlns:a="http://schemas.openxmlformats.org/drawingml/2006/main" xmlns:r="http://schemas.openxmlformats.org/officeDocument/2006/relationships" xmlns:p="http://schemas.openxmlformats.org/presentationml/2006/main" type="fourObj" preserve="1">
   <p:cSld name="Title, 4 Content">
     <p:spTree>
       <p:nvGrpSpPr>
@@ -2067,9 +2335,10 @@
           </a:prstGeom>
         </p:spPr>
         <p:txBody>
-          <a:bodyPr lIns="0" rIns="0" tIns="0" bIns="0" anchor="ctr"/>
-          <a:p>
-            <a:endParaRPr b="0" lang="en-US" sz="1800" spc="-1" strike="noStrike">
+          <a:bodyPr lIns="0" tIns="0" rIns="0" bIns="0" anchor="ctr"/>
+          <a:lstStyle/>
+          <a:p>
+            <a:endParaRPr lang="en-US" sz="1800" b="0" strike="noStrike" spc="-1">
               <a:solidFill>
                 <a:srgbClr val="000000"/>
               </a:solidFill>
@@ -2098,13 +2367,14 @@
           </a:prstGeom>
         </p:spPr>
         <p:txBody>
-          <a:bodyPr lIns="0" rIns="0" tIns="0" bIns="0">
+          <a:bodyPr lIns="0" tIns="0" rIns="0" bIns="0">
             <a:normAutofit/>
           </a:bodyPr>
-          <a:p>
-            <a:endParaRPr b="0" lang="en-US" sz="1800" spc="-1" strike="noStrike">
+          <a:lstStyle/>
+          <a:p>
+            <a:endParaRPr lang="en-US" sz="1800" b="0" strike="noStrike" spc="-1">
               <a:solidFill>
-                <a:srgbClr val="3d3d3d"/>
+                <a:srgbClr val="3D3D3D"/>
               </a:solidFill>
               <a:latin typeface="Gill Sans MT"/>
             </a:endParaRPr>
@@ -2131,13 +2401,14 @@
           </a:prstGeom>
         </p:spPr>
         <p:txBody>
-          <a:bodyPr lIns="0" rIns="0" tIns="0" bIns="0">
+          <a:bodyPr lIns="0" tIns="0" rIns="0" bIns="0">
             <a:normAutofit/>
           </a:bodyPr>
-          <a:p>
-            <a:endParaRPr b="0" lang="en-US" sz="1800" spc="-1" strike="noStrike">
+          <a:lstStyle/>
+          <a:p>
+            <a:endParaRPr lang="en-US" sz="1800" b="0" strike="noStrike" spc="-1">
               <a:solidFill>
-                <a:srgbClr val="3d3d3d"/>
+                <a:srgbClr val="3D3D3D"/>
               </a:solidFill>
               <a:latin typeface="Gill Sans MT"/>
             </a:endParaRPr>
@@ -2164,13 +2435,14 @@
           </a:prstGeom>
         </p:spPr>
         <p:txBody>
-          <a:bodyPr lIns="0" rIns="0" tIns="0" bIns="0">
+          <a:bodyPr lIns="0" tIns="0" rIns="0" bIns="0">
             <a:normAutofit/>
           </a:bodyPr>
-          <a:p>
-            <a:endParaRPr b="0" lang="en-US" sz="1800" spc="-1" strike="noStrike">
+          <a:lstStyle/>
+          <a:p>
+            <a:endParaRPr lang="en-US" sz="1800" b="0" strike="noStrike" spc="-1">
               <a:solidFill>
-                <a:srgbClr val="3d3d3d"/>
+                <a:srgbClr val="3D3D3D"/>
               </a:solidFill>
               <a:latin typeface="Gill Sans MT"/>
             </a:endParaRPr>
@@ -2197,13 +2469,14 @@
           </a:prstGeom>
         </p:spPr>
         <p:txBody>
-          <a:bodyPr lIns="0" rIns="0" tIns="0" bIns="0">
+          <a:bodyPr lIns="0" tIns="0" rIns="0" bIns="0">
             <a:normAutofit/>
           </a:bodyPr>
-          <a:p>
-            <a:endParaRPr b="0" lang="en-US" sz="1800" spc="-1" strike="noStrike">
+          <a:lstStyle/>
+          <a:p>
+            <a:endParaRPr lang="en-US" sz="1800" b="0" strike="noStrike" spc="-1">
               <a:solidFill>
-                <a:srgbClr val="3d3d3d"/>
+                <a:srgbClr val="3D3D3D"/>
               </a:solidFill>
               <a:latin typeface="Gill Sans MT"/>
             </a:endParaRPr>
@@ -2212,11 +2485,14 @@
       </p:sp>
     </p:spTree>
   </p:cSld>
+  <p:clrMapOvr>
+    <a:masterClrMapping/>
+  </p:clrMapOvr>
 </p:sldLayout>
 </file>
 
 <file path=ppt/slideLayouts/slideLayout24.xml><?xml version="1.0" encoding="utf-8"?>
-<p:sldLayout xmlns:a="http://schemas.openxmlformats.org/drawingml/2006/main" xmlns:p="http://schemas.openxmlformats.org/presentationml/2006/main" xmlns:r="http://schemas.openxmlformats.org/officeDocument/2006/relationships" xmlns:p14="http://schemas.microsoft.com/office/powerpoint/2010/main" xmlns:p15="http://schemas.microsoft.com/office/powerpoint/2012/main" xmlns:mc="http://schemas.openxmlformats.org/markup-compatibility/2006" type="blank" preserve="1">
+<p:sldLayout xmlns:a="http://schemas.openxmlformats.org/drawingml/2006/main" xmlns:r="http://schemas.openxmlformats.org/officeDocument/2006/relationships" xmlns:p="http://schemas.openxmlformats.org/presentationml/2006/main" type="blank" preserve="1">
   <p:cSld name="Title, 6 Content">
     <p:spTree>
       <p:nvGrpSpPr>
@@ -2252,9 +2528,10 @@
           </a:prstGeom>
         </p:spPr>
         <p:txBody>
-          <a:bodyPr lIns="0" rIns="0" tIns="0" bIns="0" anchor="ctr"/>
-          <a:p>
-            <a:endParaRPr b="0" lang="en-US" sz="1800" spc="-1" strike="noStrike">
+          <a:bodyPr lIns="0" tIns="0" rIns="0" bIns="0" anchor="ctr"/>
+          <a:lstStyle/>
+          <a:p>
+            <a:endParaRPr lang="en-US" sz="1800" b="0" strike="noStrike" spc="-1">
               <a:solidFill>
                 <a:srgbClr val="000000"/>
               </a:solidFill>
@@ -2283,13 +2560,14 @@
           </a:prstGeom>
         </p:spPr>
         <p:txBody>
-          <a:bodyPr lIns="0" rIns="0" tIns="0" bIns="0">
+          <a:bodyPr lIns="0" tIns="0" rIns="0" bIns="0">
             <a:normAutofit/>
           </a:bodyPr>
-          <a:p>
-            <a:endParaRPr b="0" lang="en-US" sz="1800" spc="-1" strike="noStrike">
+          <a:lstStyle/>
+          <a:p>
+            <a:endParaRPr lang="en-US" sz="1800" b="0" strike="noStrike" spc="-1">
               <a:solidFill>
-                <a:srgbClr val="3d3d3d"/>
+                <a:srgbClr val="3D3D3D"/>
               </a:solidFill>
               <a:latin typeface="Gill Sans MT"/>
             </a:endParaRPr>
@@ -2316,13 +2594,14 @@
           </a:prstGeom>
         </p:spPr>
         <p:txBody>
-          <a:bodyPr lIns="0" rIns="0" tIns="0" bIns="0">
+          <a:bodyPr lIns="0" tIns="0" rIns="0" bIns="0">
             <a:normAutofit/>
           </a:bodyPr>
-          <a:p>
-            <a:endParaRPr b="0" lang="en-US" sz="1800" spc="-1" strike="noStrike">
+          <a:lstStyle/>
+          <a:p>
+            <a:endParaRPr lang="en-US" sz="1800" b="0" strike="noStrike" spc="-1">
               <a:solidFill>
-                <a:srgbClr val="3d3d3d"/>
+                <a:srgbClr val="3D3D3D"/>
               </a:solidFill>
               <a:latin typeface="Gill Sans MT"/>
             </a:endParaRPr>
@@ -2349,13 +2628,14 @@
           </a:prstGeom>
         </p:spPr>
         <p:txBody>
-          <a:bodyPr lIns="0" rIns="0" tIns="0" bIns="0">
+          <a:bodyPr lIns="0" tIns="0" rIns="0" bIns="0">
             <a:normAutofit/>
           </a:bodyPr>
-          <a:p>
-            <a:endParaRPr b="0" lang="en-US" sz="1800" spc="-1" strike="noStrike">
+          <a:lstStyle/>
+          <a:p>
+            <a:endParaRPr lang="en-US" sz="1800" b="0" strike="noStrike" spc="-1">
               <a:solidFill>
-                <a:srgbClr val="3d3d3d"/>
+                <a:srgbClr val="3D3D3D"/>
               </a:solidFill>
               <a:latin typeface="Gill Sans MT"/>
             </a:endParaRPr>
@@ -2382,13 +2662,14 @@
           </a:prstGeom>
         </p:spPr>
         <p:txBody>
-          <a:bodyPr lIns="0" rIns="0" tIns="0" bIns="0">
+          <a:bodyPr lIns="0" tIns="0" rIns="0" bIns="0">
             <a:normAutofit/>
           </a:bodyPr>
-          <a:p>
-            <a:endParaRPr b="0" lang="en-US" sz="1800" spc="-1" strike="noStrike">
+          <a:lstStyle/>
+          <a:p>
+            <a:endParaRPr lang="en-US" sz="1800" b="0" strike="noStrike" spc="-1">
               <a:solidFill>
-                <a:srgbClr val="3d3d3d"/>
+                <a:srgbClr val="3D3D3D"/>
               </a:solidFill>
               <a:latin typeface="Gill Sans MT"/>
             </a:endParaRPr>
@@ -2415,13 +2696,14 @@
           </a:prstGeom>
         </p:spPr>
         <p:txBody>
-          <a:bodyPr lIns="0" rIns="0" tIns="0" bIns="0">
+          <a:bodyPr lIns="0" tIns="0" rIns="0" bIns="0">
             <a:normAutofit/>
           </a:bodyPr>
-          <a:p>
-            <a:endParaRPr b="0" lang="en-US" sz="1800" spc="-1" strike="noStrike">
+          <a:lstStyle/>
+          <a:p>
+            <a:endParaRPr lang="en-US" sz="1800" b="0" strike="noStrike" spc="-1">
               <a:solidFill>
-                <a:srgbClr val="3d3d3d"/>
+                <a:srgbClr val="3D3D3D"/>
               </a:solidFill>
               <a:latin typeface="Gill Sans MT"/>
             </a:endParaRPr>
@@ -2448,13 +2730,14 @@
           </a:prstGeom>
         </p:spPr>
         <p:txBody>
-          <a:bodyPr lIns="0" rIns="0" tIns="0" bIns="0">
+          <a:bodyPr lIns="0" tIns="0" rIns="0" bIns="0">
             <a:normAutofit/>
           </a:bodyPr>
-          <a:p>
-            <a:endParaRPr b="0" lang="en-US" sz="1800" spc="-1" strike="noStrike">
+          <a:lstStyle/>
+          <a:p>
+            <a:endParaRPr lang="en-US" sz="1800" b="0" strike="noStrike" spc="-1">
               <a:solidFill>
-                <a:srgbClr val="3d3d3d"/>
+                <a:srgbClr val="3D3D3D"/>
               </a:solidFill>
               <a:latin typeface="Gill Sans MT"/>
             </a:endParaRPr>
@@ -2463,11 +2746,14 @@
       </p:sp>
     </p:spTree>
   </p:cSld>
+  <p:clrMapOvr>
+    <a:masterClrMapping/>
+  </p:clrMapOvr>
 </p:sldLayout>
 </file>
 
 <file path=ppt/slideLayouts/slideLayout3.xml><?xml version="1.0" encoding="utf-8"?>
-<p:sldLayout xmlns:a="http://schemas.openxmlformats.org/drawingml/2006/main" xmlns:p="http://schemas.openxmlformats.org/presentationml/2006/main" xmlns:r="http://schemas.openxmlformats.org/officeDocument/2006/relationships" xmlns:p14="http://schemas.microsoft.com/office/powerpoint/2010/main" xmlns:p15="http://schemas.microsoft.com/office/powerpoint/2012/main" xmlns:mc="http://schemas.openxmlformats.org/markup-compatibility/2006" type="obj" preserve="1">
+<p:sldLayout xmlns:a="http://schemas.openxmlformats.org/drawingml/2006/main" xmlns:r="http://schemas.openxmlformats.org/officeDocument/2006/relationships" xmlns:p="http://schemas.openxmlformats.org/presentationml/2006/main" type="obj" preserve="1">
   <p:cSld name="Title, Content">
     <p:spTree>
       <p:nvGrpSpPr>
@@ -2503,9 +2789,10 @@
           </a:prstGeom>
         </p:spPr>
         <p:txBody>
-          <a:bodyPr lIns="0" rIns="0" tIns="0" bIns="0" anchor="ctr"/>
-          <a:p>
-            <a:endParaRPr b="0" lang="en-US" sz="1800" spc="-1" strike="noStrike">
+          <a:bodyPr lIns="0" tIns="0" rIns="0" bIns="0" anchor="ctr"/>
+          <a:lstStyle/>
+          <a:p>
+            <a:endParaRPr lang="en-US" sz="1800" b="0" strike="noStrike" spc="-1">
               <a:solidFill>
                 <a:srgbClr val="000000"/>
               </a:solidFill>
@@ -2534,13 +2821,14 @@
           </a:prstGeom>
         </p:spPr>
         <p:txBody>
-          <a:bodyPr lIns="0" rIns="0" tIns="0" bIns="0">
+          <a:bodyPr lIns="0" tIns="0" rIns="0" bIns="0">
             <a:normAutofit/>
           </a:bodyPr>
-          <a:p>
-            <a:endParaRPr b="0" lang="en-US" sz="1800" spc="-1" strike="noStrike">
+          <a:lstStyle/>
+          <a:p>
+            <a:endParaRPr lang="en-US" sz="1800" b="0" strike="noStrike" spc="-1">
               <a:solidFill>
-                <a:srgbClr val="3d3d3d"/>
+                <a:srgbClr val="3D3D3D"/>
               </a:solidFill>
               <a:latin typeface="Gill Sans MT"/>
             </a:endParaRPr>
@@ -2549,11 +2837,14 @@
       </p:sp>
     </p:spTree>
   </p:cSld>
+  <p:clrMapOvr>
+    <a:masterClrMapping/>
+  </p:clrMapOvr>
 </p:sldLayout>
 </file>
 
 <file path=ppt/slideLayouts/slideLayout4.xml><?xml version="1.0" encoding="utf-8"?>
-<p:sldLayout xmlns:a="http://schemas.openxmlformats.org/drawingml/2006/main" xmlns:p="http://schemas.openxmlformats.org/presentationml/2006/main" xmlns:r="http://schemas.openxmlformats.org/officeDocument/2006/relationships" xmlns:p14="http://schemas.microsoft.com/office/powerpoint/2010/main" xmlns:p15="http://schemas.microsoft.com/office/powerpoint/2012/main" xmlns:mc="http://schemas.openxmlformats.org/markup-compatibility/2006" type="twoObj" preserve="1">
+<p:sldLayout xmlns:a="http://schemas.openxmlformats.org/drawingml/2006/main" xmlns:r="http://schemas.openxmlformats.org/officeDocument/2006/relationships" xmlns:p="http://schemas.openxmlformats.org/presentationml/2006/main" type="twoObj" preserve="1">
   <p:cSld name="Title, 2 Content">
     <p:spTree>
       <p:nvGrpSpPr>
@@ -2589,9 +2880,10 @@
           </a:prstGeom>
         </p:spPr>
         <p:txBody>
-          <a:bodyPr lIns="0" rIns="0" tIns="0" bIns="0" anchor="ctr"/>
-          <a:p>
-            <a:endParaRPr b="0" lang="en-US" sz="1800" spc="-1" strike="noStrike">
+          <a:bodyPr lIns="0" tIns="0" rIns="0" bIns="0" anchor="ctr"/>
+          <a:lstStyle/>
+          <a:p>
+            <a:endParaRPr lang="en-US" sz="1800" b="0" strike="noStrike" spc="-1">
               <a:solidFill>
                 <a:srgbClr val="000000"/>
               </a:solidFill>
@@ -2620,13 +2912,14 @@
           </a:prstGeom>
         </p:spPr>
         <p:txBody>
-          <a:bodyPr lIns="0" rIns="0" tIns="0" bIns="0">
+          <a:bodyPr lIns="0" tIns="0" rIns="0" bIns="0">
             <a:normAutofit/>
           </a:bodyPr>
-          <a:p>
-            <a:endParaRPr b="0" lang="en-US" sz="1800" spc="-1" strike="noStrike">
+          <a:lstStyle/>
+          <a:p>
+            <a:endParaRPr lang="en-US" sz="1800" b="0" strike="noStrike" spc="-1">
               <a:solidFill>
-                <a:srgbClr val="3d3d3d"/>
+                <a:srgbClr val="3D3D3D"/>
               </a:solidFill>
               <a:latin typeface="Gill Sans MT"/>
             </a:endParaRPr>
@@ -2653,13 +2946,14 @@
           </a:prstGeom>
         </p:spPr>
         <p:txBody>
-          <a:bodyPr lIns="0" rIns="0" tIns="0" bIns="0">
+          <a:bodyPr lIns="0" tIns="0" rIns="0" bIns="0">
             <a:normAutofit/>
           </a:bodyPr>
-          <a:p>
-            <a:endParaRPr b="0" lang="en-US" sz="1800" spc="-1" strike="noStrike">
+          <a:lstStyle/>
+          <a:p>
+            <a:endParaRPr lang="en-US" sz="1800" b="0" strike="noStrike" spc="-1">
               <a:solidFill>
-                <a:srgbClr val="3d3d3d"/>
+                <a:srgbClr val="3D3D3D"/>
               </a:solidFill>
               <a:latin typeface="Gill Sans MT"/>
             </a:endParaRPr>
@@ -2668,11 +2962,14 @@
       </p:sp>
     </p:spTree>
   </p:cSld>
+  <p:clrMapOvr>
+    <a:masterClrMapping/>
+  </p:clrMapOvr>
 </p:sldLayout>
 </file>
 
 <file path=ppt/slideLayouts/slideLayout5.xml><?xml version="1.0" encoding="utf-8"?>
-<p:sldLayout xmlns:a="http://schemas.openxmlformats.org/drawingml/2006/main" xmlns:p="http://schemas.openxmlformats.org/presentationml/2006/main" xmlns:r="http://schemas.openxmlformats.org/officeDocument/2006/relationships" xmlns:p14="http://schemas.microsoft.com/office/powerpoint/2010/main" xmlns:p15="http://schemas.microsoft.com/office/powerpoint/2012/main" xmlns:mc="http://schemas.openxmlformats.org/markup-compatibility/2006" type="titleOnly" preserve="1">
+<p:sldLayout xmlns:a="http://schemas.openxmlformats.org/drawingml/2006/main" xmlns:r="http://schemas.openxmlformats.org/officeDocument/2006/relationships" xmlns:p="http://schemas.openxmlformats.org/presentationml/2006/main" type="titleOnly" preserve="1">
   <p:cSld name="Title Only">
     <p:spTree>
       <p:nvGrpSpPr>
@@ -2708,9 +3005,10 @@
           </a:prstGeom>
         </p:spPr>
         <p:txBody>
-          <a:bodyPr lIns="0" rIns="0" tIns="0" bIns="0" anchor="ctr"/>
-          <a:p>
-            <a:endParaRPr b="0" lang="en-US" sz="1800" spc="-1" strike="noStrike">
+          <a:bodyPr lIns="0" tIns="0" rIns="0" bIns="0" anchor="ctr"/>
+          <a:lstStyle/>
+          <a:p>
+            <a:endParaRPr lang="en-US" sz="1800" b="0" strike="noStrike" spc="-1">
               <a:solidFill>
                 <a:srgbClr val="000000"/>
               </a:solidFill>
@@ -2721,11 +3019,14 @@
       </p:sp>
     </p:spTree>
   </p:cSld>
+  <p:clrMapOvr>
+    <a:masterClrMapping/>
+  </p:clrMapOvr>
 </p:sldLayout>
 </file>
 
 <file path=ppt/slideLayouts/slideLayout6.xml><?xml version="1.0" encoding="utf-8"?>
-<p:sldLayout xmlns:a="http://schemas.openxmlformats.org/drawingml/2006/main" xmlns:p="http://schemas.openxmlformats.org/presentationml/2006/main" xmlns:r="http://schemas.openxmlformats.org/officeDocument/2006/relationships" xmlns:p14="http://schemas.microsoft.com/office/powerpoint/2010/main" xmlns:p15="http://schemas.microsoft.com/office/powerpoint/2012/main" xmlns:mc="http://schemas.openxmlformats.org/markup-compatibility/2006" type="objOnly" preserve="1">
+<p:sldLayout xmlns:a="http://schemas.openxmlformats.org/drawingml/2006/main" xmlns:r="http://schemas.openxmlformats.org/officeDocument/2006/relationships" xmlns:p="http://schemas.openxmlformats.org/presentationml/2006/main" type="objOnly" preserve="1">
   <p:cSld name="Centered Text">
     <p:spTree>
       <p:nvGrpSpPr>
@@ -2761,10 +3062,11 @@
           </a:prstGeom>
         </p:spPr>
         <p:txBody>
-          <a:bodyPr lIns="0" rIns="0" tIns="0" bIns="0" anchor="ctr"/>
+          <a:bodyPr lIns="0" tIns="0" rIns="0" bIns="0" anchor="ctr"/>
+          <a:lstStyle/>
           <a:p>
             <a:pPr algn="ctr"/>
-            <a:endParaRPr b="0" lang="pt-BR" sz="3200" spc="-1" strike="noStrike">
+            <a:endParaRPr lang="pt-BR" sz="3200" b="0" strike="noStrike" spc="-1">
               <a:latin typeface="Arial"/>
             </a:endParaRPr>
           </a:p>
@@ -2772,11 +3074,14 @@
       </p:sp>
     </p:spTree>
   </p:cSld>
+  <p:clrMapOvr>
+    <a:masterClrMapping/>
+  </p:clrMapOvr>
 </p:sldLayout>
 </file>
 
 <file path=ppt/slideLayouts/slideLayout7.xml><?xml version="1.0" encoding="utf-8"?>
-<p:sldLayout xmlns:a="http://schemas.openxmlformats.org/drawingml/2006/main" xmlns:p="http://schemas.openxmlformats.org/presentationml/2006/main" xmlns:r="http://schemas.openxmlformats.org/officeDocument/2006/relationships" xmlns:p14="http://schemas.microsoft.com/office/powerpoint/2010/main" xmlns:p15="http://schemas.microsoft.com/office/powerpoint/2012/main" xmlns:mc="http://schemas.openxmlformats.org/markup-compatibility/2006" type="twoObjAndObj" preserve="1">
+<p:sldLayout xmlns:a="http://schemas.openxmlformats.org/drawingml/2006/main" xmlns:r="http://schemas.openxmlformats.org/officeDocument/2006/relationships" xmlns:p="http://schemas.openxmlformats.org/presentationml/2006/main" type="twoObjAndObj" preserve="1">
   <p:cSld name="Title, 2 Content and Content">
     <p:spTree>
       <p:nvGrpSpPr>
@@ -2812,9 +3117,10 @@
           </a:prstGeom>
         </p:spPr>
         <p:txBody>
-          <a:bodyPr lIns="0" rIns="0" tIns="0" bIns="0" anchor="ctr"/>
-          <a:p>
-            <a:endParaRPr b="0" lang="en-US" sz="1800" spc="-1" strike="noStrike">
+          <a:bodyPr lIns="0" tIns="0" rIns="0" bIns="0" anchor="ctr"/>
+          <a:lstStyle/>
+          <a:p>
+            <a:endParaRPr lang="en-US" sz="1800" b="0" strike="noStrike" spc="-1">
               <a:solidFill>
                 <a:srgbClr val="000000"/>
               </a:solidFill>
@@ -2843,13 +3149,14 @@
           </a:prstGeom>
         </p:spPr>
         <p:txBody>
-          <a:bodyPr lIns="0" rIns="0" tIns="0" bIns="0">
+          <a:bodyPr lIns="0" tIns="0" rIns="0" bIns="0">
             <a:normAutofit/>
           </a:bodyPr>
-          <a:p>
-            <a:endParaRPr b="0" lang="en-US" sz="1800" spc="-1" strike="noStrike">
+          <a:lstStyle/>
+          <a:p>
+            <a:endParaRPr lang="en-US" sz="1800" b="0" strike="noStrike" spc="-1">
               <a:solidFill>
-                <a:srgbClr val="3d3d3d"/>
+                <a:srgbClr val="3D3D3D"/>
               </a:solidFill>
               <a:latin typeface="Gill Sans MT"/>
             </a:endParaRPr>
@@ -2876,13 +3183,14 @@
           </a:prstGeom>
         </p:spPr>
         <p:txBody>
-          <a:bodyPr lIns="0" rIns="0" tIns="0" bIns="0">
+          <a:bodyPr lIns="0" tIns="0" rIns="0" bIns="0">
             <a:normAutofit/>
           </a:bodyPr>
-          <a:p>
-            <a:endParaRPr b="0" lang="en-US" sz="1800" spc="-1" strike="noStrike">
+          <a:lstStyle/>
+          <a:p>
+            <a:endParaRPr lang="en-US" sz="1800" b="0" strike="noStrike" spc="-1">
               <a:solidFill>
-                <a:srgbClr val="3d3d3d"/>
+                <a:srgbClr val="3D3D3D"/>
               </a:solidFill>
               <a:latin typeface="Gill Sans MT"/>
             </a:endParaRPr>
@@ -2909,13 +3217,14 @@
           </a:prstGeom>
         </p:spPr>
         <p:txBody>
-          <a:bodyPr lIns="0" rIns="0" tIns="0" bIns="0">
+          <a:bodyPr lIns="0" tIns="0" rIns="0" bIns="0">
             <a:normAutofit/>
           </a:bodyPr>
-          <a:p>
-            <a:endParaRPr b="0" lang="en-US" sz="1800" spc="-1" strike="noStrike">
+          <a:lstStyle/>
+          <a:p>
+            <a:endParaRPr lang="en-US" sz="1800" b="0" strike="noStrike" spc="-1">
               <a:solidFill>
-                <a:srgbClr val="3d3d3d"/>
+                <a:srgbClr val="3D3D3D"/>
               </a:solidFill>
               <a:latin typeface="Gill Sans MT"/>
             </a:endParaRPr>
@@ -2924,11 +3233,14 @@
       </p:sp>
     </p:spTree>
   </p:cSld>
+  <p:clrMapOvr>
+    <a:masterClrMapping/>
+  </p:clrMapOvr>
 </p:sldLayout>
 </file>
 
 <file path=ppt/slideLayouts/slideLayout8.xml><?xml version="1.0" encoding="utf-8"?>
-<p:sldLayout xmlns:a="http://schemas.openxmlformats.org/drawingml/2006/main" xmlns:p="http://schemas.openxmlformats.org/presentationml/2006/main" xmlns:r="http://schemas.openxmlformats.org/officeDocument/2006/relationships" xmlns:p14="http://schemas.microsoft.com/office/powerpoint/2010/main" xmlns:p15="http://schemas.microsoft.com/office/powerpoint/2012/main" xmlns:mc="http://schemas.openxmlformats.org/markup-compatibility/2006" type="objAndTwoObj" preserve="1">
+<p:sldLayout xmlns:a="http://schemas.openxmlformats.org/drawingml/2006/main" xmlns:r="http://schemas.openxmlformats.org/officeDocument/2006/relationships" xmlns:p="http://schemas.openxmlformats.org/presentationml/2006/main" type="objAndTwoObj" preserve="1">
   <p:cSld name="Title Content and 2 Content">
     <p:spTree>
       <p:nvGrpSpPr>
@@ -2964,9 +3276,10 @@
           </a:prstGeom>
         </p:spPr>
         <p:txBody>
-          <a:bodyPr lIns="0" rIns="0" tIns="0" bIns="0" anchor="ctr"/>
-          <a:p>
-            <a:endParaRPr b="0" lang="en-US" sz="1800" spc="-1" strike="noStrike">
+          <a:bodyPr lIns="0" tIns="0" rIns="0" bIns="0" anchor="ctr"/>
+          <a:lstStyle/>
+          <a:p>
+            <a:endParaRPr lang="en-US" sz="1800" b="0" strike="noStrike" spc="-1">
               <a:solidFill>
                 <a:srgbClr val="000000"/>
               </a:solidFill>
@@ -2995,13 +3308,14 @@
           </a:prstGeom>
         </p:spPr>
         <p:txBody>
-          <a:bodyPr lIns="0" rIns="0" tIns="0" bIns="0">
+          <a:bodyPr lIns="0" tIns="0" rIns="0" bIns="0">
             <a:normAutofit/>
           </a:bodyPr>
-          <a:p>
-            <a:endParaRPr b="0" lang="en-US" sz="1800" spc="-1" strike="noStrike">
+          <a:lstStyle/>
+          <a:p>
+            <a:endParaRPr lang="en-US" sz="1800" b="0" strike="noStrike" spc="-1">
               <a:solidFill>
-                <a:srgbClr val="3d3d3d"/>
+                <a:srgbClr val="3D3D3D"/>
               </a:solidFill>
               <a:latin typeface="Gill Sans MT"/>
             </a:endParaRPr>
@@ -3028,13 +3342,14 @@
           </a:prstGeom>
         </p:spPr>
         <p:txBody>
-          <a:bodyPr lIns="0" rIns="0" tIns="0" bIns="0">
+          <a:bodyPr lIns="0" tIns="0" rIns="0" bIns="0">
             <a:normAutofit/>
           </a:bodyPr>
-          <a:p>
-            <a:endParaRPr b="0" lang="en-US" sz="1800" spc="-1" strike="noStrike">
+          <a:lstStyle/>
+          <a:p>
+            <a:endParaRPr lang="en-US" sz="1800" b="0" strike="noStrike" spc="-1">
               <a:solidFill>
-                <a:srgbClr val="3d3d3d"/>
+                <a:srgbClr val="3D3D3D"/>
               </a:solidFill>
               <a:latin typeface="Gill Sans MT"/>
             </a:endParaRPr>
@@ -3061,13 +3376,14 @@
           </a:prstGeom>
         </p:spPr>
         <p:txBody>
-          <a:bodyPr lIns="0" rIns="0" tIns="0" bIns="0">
+          <a:bodyPr lIns="0" tIns="0" rIns="0" bIns="0">
             <a:normAutofit/>
           </a:bodyPr>
-          <a:p>
-            <a:endParaRPr b="0" lang="en-US" sz="1800" spc="-1" strike="noStrike">
+          <a:lstStyle/>
+          <a:p>
+            <a:endParaRPr lang="en-US" sz="1800" b="0" strike="noStrike" spc="-1">
               <a:solidFill>
-                <a:srgbClr val="3d3d3d"/>
+                <a:srgbClr val="3D3D3D"/>
               </a:solidFill>
               <a:latin typeface="Gill Sans MT"/>
             </a:endParaRPr>
@@ -3076,11 +3392,14 @@
       </p:sp>
     </p:spTree>
   </p:cSld>
+  <p:clrMapOvr>
+    <a:masterClrMapping/>
+  </p:clrMapOvr>
 </p:sldLayout>
 </file>
 
 <file path=ppt/slideLayouts/slideLayout9.xml><?xml version="1.0" encoding="utf-8"?>
-<p:sldLayout xmlns:a="http://schemas.openxmlformats.org/drawingml/2006/main" xmlns:p="http://schemas.openxmlformats.org/presentationml/2006/main" xmlns:r="http://schemas.openxmlformats.org/officeDocument/2006/relationships" xmlns:p14="http://schemas.microsoft.com/office/powerpoint/2010/main" xmlns:p15="http://schemas.microsoft.com/office/powerpoint/2012/main" xmlns:mc="http://schemas.openxmlformats.org/markup-compatibility/2006" type="twoObjOverTx" preserve="1">
+<p:sldLayout xmlns:a="http://schemas.openxmlformats.org/drawingml/2006/main" xmlns:r="http://schemas.openxmlformats.org/officeDocument/2006/relationships" xmlns:p="http://schemas.openxmlformats.org/presentationml/2006/main" type="twoObjOverTx" preserve="1">
   <p:cSld name="Title, 2 Content over Content">
     <p:spTree>
       <p:nvGrpSpPr>
@@ -3116,9 +3435,10 @@
           </a:prstGeom>
         </p:spPr>
         <p:txBody>
-          <a:bodyPr lIns="0" rIns="0" tIns="0" bIns="0" anchor="ctr"/>
-          <a:p>
-            <a:endParaRPr b="0" lang="en-US" sz="1800" spc="-1" strike="noStrike">
+          <a:bodyPr lIns="0" tIns="0" rIns="0" bIns="0" anchor="ctr"/>
+          <a:lstStyle/>
+          <a:p>
+            <a:endParaRPr lang="en-US" sz="1800" b="0" strike="noStrike" spc="-1">
               <a:solidFill>
                 <a:srgbClr val="000000"/>
               </a:solidFill>
@@ -3147,13 +3467,14 @@
           </a:prstGeom>
         </p:spPr>
         <p:txBody>
-          <a:bodyPr lIns="0" rIns="0" tIns="0" bIns="0">
+          <a:bodyPr lIns="0" tIns="0" rIns="0" bIns="0">
             <a:normAutofit/>
           </a:bodyPr>
-          <a:p>
-            <a:endParaRPr b="0" lang="en-US" sz="1800" spc="-1" strike="noStrike">
+          <a:lstStyle/>
+          <a:p>
+            <a:endParaRPr lang="en-US" sz="1800" b="0" strike="noStrike" spc="-1">
               <a:solidFill>
-                <a:srgbClr val="3d3d3d"/>
+                <a:srgbClr val="3D3D3D"/>
               </a:solidFill>
               <a:latin typeface="Gill Sans MT"/>
             </a:endParaRPr>
@@ -3180,13 +3501,14 @@
           </a:prstGeom>
         </p:spPr>
         <p:txBody>
-          <a:bodyPr lIns="0" rIns="0" tIns="0" bIns="0">
+          <a:bodyPr lIns="0" tIns="0" rIns="0" bIns="0">
             <a:normAutofit/>
           </a:bodyPr>
-          <a:p>
-            <a:endParaRPr b="0" lang="en-US" sz="1800" spc="-1" strike="noStrike">
+          <a:lstStyle/>
+          <a:p>
+            <a:endParaRPr lang="en-US" sz="1800" b="0" strike="noStrike" spc="-1">
               <a:solidFill>
-                <a:srgbClr val="3d3d3d"/>
+                <a:srgbClr val="3D3D3D"/>
               </a:solidFill>
               <a:latin typeface="Gill Sans MT"/>
             </a:endParaRPr>
@@ -3213,13 +3535,14 @@
           </a:prstGeom>
         </p:spPr>
         <p:txBody>
-          <a:bodyPr lIns="0" rIns="0" tIns="0" bIns="0">
+          <a:bodyPr lIns="0" tIns="0" rIns="0" bIns="0">
             <a:normAutofit/>
           </a:bodyPr>
-          <a:p>
-            <a:endParaRPr b="0" lang="en-US" sz="1800" spc="-1" strike="noStrike">
+          <a:lstStyle/>
+          <a:p>
+            <a:endParaRPr lang="en-US" sz="1800" b="0" strike="noStrike" spc="-1">
               <a:solidFill>
-                <a:srgbClr val="3d3d3d"/>
+                <a:srgbClr val="3D3D3D"/>
               </a:solidFill>
               <a:latin typeface="Gill Sans MT"/>
             </a:endParaRPr>
@@ -3228,17 +3551,21 @@
       </p:sp>
     </p:spTree>
   </p:cSld>
+  <p:clrMapOvr>
+    <a:masterClrMapping/>
+  </p:clrMapOvr>
 </p:sldLayout>
 </file>
 
 <file path=ppt/slideMasters/slideMaster1.xml><?xml version="1.0" encoding="utf-8"?>
-<p:sldMaster xmlns:a="http://schemas.openxmlformats.org/drawingml/2006/main" xmlns:p="http://schemas.openxmlformats.org/presentationml/2006/main" xmlns:r="http://schemas.openxmlformats.org/officeDocument/2006/relationships" xmlns:p14="http://schemas.microsoft.com/office/powerpoint/2010/main" xmlns:p15="http://schemas.microsoft.com/office/powerpoint/2012/main" xmlns:mc="http://schemas.openxmlformats.org/markup-compatibility/2006">
+<p:sldMaster xmlns:a="http://schemas.openxmlformats.org/drawingml/2006/main" xmlns:r="http://schemas.openxmlformats.org/officeDocument/2006/relationships" xmlns:p="http://schemas.openxmlformats.org/presentationml/2006/main">
   <p:cSld>
     <p:bg>
       <p:bgPr>
         <a:solidFill>
-          <a:srgbClr val="ffffff"/>
+          <a:srgbClr val="FFFFFF"/>
         </a:solidFill>
+        <a:effectLst/>
       </p:bgPr>
     </p:bg>
     <p:spTree>
@@ -3257,7 +3584,7 @@
       </p:grpSpPr>
       <p:sp>
         <p:nvSpPr>
-          <p:cNvPr id="0" name="CustomShape 1"/>
+          <p:cNvPr id="10" name="CustomShape 1"/>
           <p:cNvSpPr/>
           <p:nvPr/>
         </p:nvSpPr>
@@ -3276,7 +3603,7 @@
             <a:noFill/>
           </a:ln>
           <a:effectLst>
-            <a:outerShdw blurRad="38100" dir="5400000" dist="25400" rotWithShape="0">
+            <a:outerShdw blurRad="38100" dist="25400" dir="5400000" rotWithShape="0">
               <a:srgbClr val="000000">
                 <a:alpha val="55000"/>
               </a:srgbClr>
@@ -3298,7 +3625,7 @@
       </p:sp>
       <p:sp>
         <p:nvSpPr>
-          <p:cNvPr id="1" name="CustomShape 2"/>
+          <p:cNvPr id="11" name="CustomShape 2"/>
           <p:cNvSpPr/>
           <p:nvPr/>
         </p:nvSpPr>
@@ -3317,7 +3644,7 @@
             <a:noFill/>
           </a:ln>
           <a:effectLst>
-            <a:outerShdw blurRad="38100" dir="5400000" dist="25400" rotWithShape="0">
+            <a:outerShdw blurRad="38100" dist="25400" dir="5400000" rotWithShape="0">
               <a:srgbClr val="000000">
                 <a:alpha val="55000"/>
               </a:srgbClr>
@@ -3358,7 +3685,7 @@
             <a:noFill/>
           </a:ln>
           <a:effectLst>
-            <a:outerShdw blurRad="38100" dir="5400000" dist="25400" rotWithShape="0">
+            <a:outerShdw blurRad="38100" dist="25400" dir="5400000" rotWithShape="0">
               <a:srgbClr val="000000">
                 <a:alpha val="55000"/>
               </a:srgbClr>
@@ -3399,7 +3726,7 @@
             <a:noFill/>
           </a:ln>
           <a:effectLst>
-            <a:outerShdw blurRad="38100" dir="5400000" dist="25400" rotWithShape="0">
+            <a:outerShdw blurRad="38100" dist="25400" dir="5400000" rotWithShape="0">
               <a:srgbClr val="000000">
                 <a:alpha val="55000"/>
               </a:srgbClr>
@@ -3442,6 +3769,7 @@
           <a:bodyPr anchor="b">
             <a:normAutofit/>
           </a:bodyPr>
+          <a:lstStyle/>
           <a:p>
             <a:pPr algn="ctr">
               <a:lnSpc>
@@ -3449,15 +3777,15 @@
               </a:lnSpc>
             </a:pPr>
             <a:r>
-              <a:rPr b="0" lang="en-US" sz="3600" spc="-1" strike="noStrike" cap="all">
-                <a:solidFill>
-                  <a:srgbClr val="ffffff"/>
+              <a:rPr lang="en-US" sz="3600" b="0" strike="noStrike" cap="all" spc="-1">
+                <a:solidFill>
+                  <a:srgbClr val="FFFFFF"/>
                 </a:solidFill>
                 <a:latin typeface="Gill Sans MT"/>
               </a:rPr>
               <a:t>title style</a:t>
             </a:r>
-            <a:endParaRPr b="0" lang="en-US" sz="3600" spc="-1" strike="noStrike">
+            <a:endParaRPr lang="en-US" sz="3600" b="0" strike="noStrike" spc="-1">
               <a:solidFill>
                 <a:srgbClr val="000000"/>
               </a:solidFill>
@@ -3486,7 +3814,8 @@
           </a:prstGeom>
         </p:spPr>
         <p:txBody>
-          <a:bodyPr lIns="90000" rIns="90000" tIns="45000" bIns="45000"/>
+          <a:bodyPr lIns="90000" tIns="45000" rIns="90000" bIns="45000"/>
+          <a:lstStyle/>
           <a:p>
             <a:pPr>
               <a:lnSpc>
@@ -3494,24 +3823,24 @@
               </a:lnSpc>
             </a:pPr>
             <a:r>
-              <a:rPr b="0" lang="pt-BR" sz="1800" spc="-1" strike="noStrike">
-                <a:solidFill>
-                  <a:srgbClr val="537ed0"/>
+              <a:rPr lang="pt-BR" sz="1800" b="0" strike="noStrike" spc="-1">
+                <a:solidFill>
+                  <a:srgbClr val="537ED0"/>
                 </a:solidFill>
                 <a:latin typeface="Gill Sans MT"/>
               </a:rPr>
               <a:t>Last Edit: </a:t>
             </a:r>
             <a:fld id="{5C8EAEFB-755E-409E-AE0D-23CF5010821F}" type="datetime1">
-              <a:rPr b="0" lang="pt-BR" sz="1800" spc="-1" strike="noStrike">
-                <a:solidFill>
-                  <a:srgbClr val="537ed0"/>
-                </a:solidFill>
-                <a:latin typeface="Gill Sans MT"/>
-              </a:rPr>
-              <a:t>03/09/2018</a:t>
+              <a:rPr lang="pt-BR" sz="1800" b="0" strike="noStrike" spc="-1">
+                <a:solidFill>
+                  <a:srgbClr val="537ED0"/>
+                </a:solidFill>
+                <a:latin typeface="Gill Sans MT"/>
+              </a:rPr>
+              <a:t>01/10/2018</a:t>
             </a:fld>
-            <a:endParaRPr b="0" lang="pt-BR" sz="1800" spc="-1" strike="noStrike">
+            <a:endParaRPr lang="pt-BR" sz="1800" b="0" strike="noStrike" spc="-1">
               <a:latin typeface="Times New Roman"/>
             </a:endParaRPr>
           </a:p>
@@ -3537,7 +3866,8 @@
           </a:prstGeom>
         </p:spPr>
         <p:txBody>
-          <a:bodyPr lIns="90000" rIns="90000" tIns="45000" bIns="45000"/>
+          <a:bodyPr lIns="90000" tIns="45000" rIns="90000" bIns="45000"/>
+          <a:lstStyle/>
           <a:p>
             <a:pPr>
               <a:lnSpc>
@@ -3545,15 +3875,15 @@
               </a:lnSpc>
             </a:pPr>
             <a:r>
-              <a:rPr b="0" lang="pt-BR" sz="1800" spc="-1" strike="noStrike">
-                <a:solidFill>
-                  <a:srgbClr val="537ed0"/>
+              <a:rPr lang="pt-BR" sz="1800" b="0" strike="noStrike" spc="-1">
+                <a:solidFill>
+                  <a:srgbClr val="537ED0"/>
                 </a:solidFill>
                 <a:latin typeface="Gill Sans MT"/>
               </a:rPr>
               <a:t>Copyright 2018, FLL TUTORIALS</a:t>
             </a:r>
-            <a:endParaRPr b="0" lang="pt-BR" sz="1800" spc="-1" strike="noStrike">
+            <a:endParaRPr lang="pt-BR" sz="1800" b="0" strike="noStrike" spc="-1">
               <a:latin typeface="Times New Roman"/>
             </a:endParaRPr>
           </a:p>
@@ -3579,7 +3909,8 @@
           </a:prstGeom>
         </p:spPr>
         <p:txBody>
-          <a:bodyPr lIns="90000" rIns="90000" tIns="45000" bIns="45000"/>
+          <a:bodyPr lIns="90000" tIns="45000" rIns="90000" bIns="45000"/>
+          <a:lstStyle/>
           <a:p>
             <a:pPr>
               <a:lnSpc>
@@ -3587,15 +3918,15 @@
               </a:lnSpc>
             </a:pPr>
             <a:fld id="{B098FD0B-D0B0-4561-95B8-25FFCEE65E49}" type="slidenum">
-              <a:rPr b="0" lang="pt-BR" sz="1800" spc="-1" strike="noStrike">
-                <a:solidFill>
-                  <a:srgbClr val="537ed0"/>
-                </a:solidFill>
-                <a:latin typeface="Gill Sans MT"/>
-              </a:rPr>
-              <a:t>&lt;número&gt;</a:t>
+              <a:rPr lang="pt-BR" sz="1800" b="0" strike="noStrike" spc="-1">
+                <a:solidFill>
+                  <a:srgbClr val="537ED0"/>
+                </a:solidFill>
+                <a:latin typeface="Gill Sans MT"/>
+              </a:rPr>
+              <a:t>‹#›</a:t>
             </a:fld>
-            <a:endParaRPr b="0" lang="pt-BR" sz="1800" spc="-1" strike="noStrike">
+            <a:endParaRPr lang="pt-BR" sz="1800" b="0" strike="noStrike" spc="-1">
               <a:latin typeface="Times New Roman"/>
             </a:endParaRPr>
           </a:p>
@@ -3603,12 +3934,12 @@
       </p:sp>
       <p:pic>
         <p:nvPicPr>
-          <p:cNvPr id="8" name="Picture 7" descr=""/>
+          <p:cNvPr id="8" name="Picture 7"/>
           <p:cNvPicPr/>
           <p:nvPr/>
         </p:nvPicPr>
         <p:blipFill>
-          <a:blip r:embed="rId2"/>
+          <a:blip r:embed="rId14"/>
           <a:stretch/>
         </p:blipFill>
         <p:spPr>
@@ -3644,9 +3975,10 @@
           </a:prstGeom>
         </p:spPr>
         <p:txBody>
-          <a:bodyPr lIns="0" rIns="0" tIns="0" bIns="0">
+          <a:bodyPr lIns="0" tIns="0" rIns="0" bIns="0">
             <a:normAutofit/>
           </a:bodyPr>
+          <a:lstStyle/>
           <a:p>
             <a:pPr marL="432000" indent="-324000">
               <a:spcBef>
@@ -3660,23 +3992,17 @@
               <a:buChar char=""/>
             </a:pPr>
             <a:r>
-              <a:rPr b="0" lang="en-US" sz="1800" spc="-1" strike="noStrike">
-                <a:solidFill>
-                  <a:srgbClr val="3d3d3d"/>
+              <a:rPr lang="en-US" sz="1800" b="0" strike="noStrike" spc="-1">
+                <a:solidFill>
+                  <a:srgbClr val="3D3D3D"/>
                 </a:solidFill>
                 <a:latin typeface="Gill Sans MT"/>
               </a:rPr>
               <a:t>Clique para editar o formato do texto da estrutura de tópicos</a:t>
             </a:r>
-            <a:endParaRPr b="0" lang="en-US" sz="1800" spc="-1" strike="noStrike">
-              <a:solidFill>
-                <a:srgbClr val="3d3d3d"/>
-              </a:solidFill>
-              <a:latin typeface="Gill Sans MT"/>
-            </a:endParaRPr>
-          </a:p>
-          <a:p>
-            <a:pPr lvl="1" marL="864000" indent="-324000">
+          </a:p>
+          <a:p>
+            <a:pPr marL="864000" lvl="1" indent="-324000">
               <a:spcBef>
                 <a:spcPts val="1134"/>
               </a:spcBef>
@@ -3688,23 +4014,17 @@
               <a:buChar char=""/>
             </a:pPr>
             <a:r>
-              <a:rPr b="0" lang="en-US" sz="1400" spc="-1" strike="noStrike">
-                <a:solidFill>
-                  <a:srgbClr val="3d3d3d"/>
+              <a:rPr lang="en-US" sz="1400" b="0" strike="noStrike" spc="-1">
+                <a:solidFill>
+                  <a:srgbClr val="3D3D3D"/>
                 </a:solidFill>
                 <a:latin typeface="Gill Sans MT"/>
               </a:rPr>
               <a:t>2.º nível da estrutura de tópicos</a:t>
             </a:r>
-            <a:endParaRPr b="0" lang="en-US" sz="1400" spc="-1" strike="noStrike">
-              <a:solidFill>
-                <a:srgbClr val="3d3d3d"/>
-              </a:solidFill>
-              <a:latin typeface="Gill Sans MT"/>
-            </a:endParaRPr>
-          </a:p>
-          <a:p>
-            <a:pPr lvl="2" marL="1296000" indent="-288000">
+          </a:p>
+          <a:p>
+            <a:pPr marL="1296000" lvl="2" indent="-288000">
               <a:spcBef>
                 <a:spcPts val="850"/>
               </a:spcBef>
@@ -3716,23 +4036,17 @@
               <a:buChar char=""/>
             </a:pPr>
             <a:r>
-              <a:rPr b="0" lang="en-US" sz="1200" spc="-1" strike="noStrike">
-                <a:solidFill>
-                  <a:srgbClr val="3d3d3d"/>
+              <a:rPr lang="en-US" sz="1200" b="0" strike="noStrike" spc="-1">
+                <a:solidFill>
+                  <a:srgbClr val="3D3D3D"/>
                 </a:solidFill>
                 <a:latin typeface="Gill Sans MT"/>
               </a:rPr>
               <a:t>3.º nível da estrutura de tópicos</a:t>
             </a:r>
-            <a:endParaRPr b="0" lang="en-US" sz="1200" spc="-1" strike="noStrike">
-              <a:solidFill>
-                <a:srgbClr val="3d3d3d"/>
-              </a:solidFill>
-              <a:latin typeface="Gill Sans MT"/>
-            </a:endParaRPr>
-          </a:p>
-          <a:p>
-            <a:pPr lvl="3" marL="1728000" indent="-216000">
+          </a:p>
+          <a:p>
+            <a:pPr marL="1728000" lvl="3" indent="-216000">
               <a:spcBef>
                 <a:spcPts val="567"/>
               </a:spcBef>
@@ -3744,23 +4058,17 @@
               <a:buChar char=""/>
             </a:pPr>
             <a:r>
-              <a:rPr b="0" lang="en-US" sz="1200" spc="-1" strike="noStrike">
-                <a:solidFill>
-                  <a:srgbClr val="3d3d3d"/>
+              <a:rPr lang="en-US" sz="1200" b="0" strike="noStrike" spc="-1">
+                <a:solidFill>
+                  <a:srgbClr val="3D3D3D"/>
                 </a:solidFill>
                 <a:latin typeface="Gill Sans MT"/>
               </a:rPr>
               <a:t>4.º nível da estrutura de tópicos</a:t>
             </a:r>
-            <a:endParaRPr b="0" lang="en-US" sz="1200" spc="-1" strike="noStrike">
-              <a:solidFill>
-                <a:srgbClr val="3d3d3d"/>
-              </a:solidFill>
-              <a:latin typeface="Gill Sans MT"/>
-            </a:endParaRPr>
-          </a:p>
-          <a:p>
-            <a:pPr lvl="4" marL="2160000" indent="-216000">
+          </a:p>
+          <a:p>
+            <a:pPr marL="2160000" lvl="4" indent="-216000">
               <a:spcBef>
                 <a:spcPts val="283"/>
               </a:spcBef>
@@ -3772,23 +4080,17 @@
               <a:buChar char=""/>
             </a:pPr>
             <a:r>
-              <a:rPr b="0" lang="en-US" sz="2000" spc="-1" strike="noStrike">
-                <a:solidFill>
-                  <a:srgbClr val="3d3d3d"/>
+              <a:rPr lang="en-US" sz="2000" b="0" strike="noStrike" spc="-1">
+                <a:solidFill>
+                  <a:srgbClr val="3D3D3D"/>
                 </a:solidFill>
                 <a:latin typeface="Gill Sans MT"/>
               </a:rPr>
               <a:t>5.º nível da estrutura de tópicos</a:t>
             </a:r>
-            <a:endParaRPr b="0" lang="en-US" sz="2000" spc="-1" strike="noStrike">
-              <a:solidFill>
-                <a:srgbClr val="3d3d3d"/>
-              </a:solidFill>
-              <a:latin typeface="Gill Sans MT"/>
-            </a:endParaRPr>
-          </a:p>
-          <a:p>
-            <a:pPr lvl="5" marL="2592000" indent="-216000">
+          </a:p>
+          <a:p>
+            <a:pPr marL="2592000" lvl="5" indent="-216000">
               <a:spcBef>
                 <a:spcPts val="283"/>
               </a:spcBef>
@@ -3800,23 +4102,17 @@
               <a:buChar char=""/>
             </a:pPr>
             <a:r>
-              <a:rPr b="0" lang="en-US" sz="2000" spc="-1" strike="noStrike">
-                <a:solidFill>
-                  <a:srgbClr val="3d3d3d"/>
+              <a:rPr lang="en-US" sz="2000" b="0" strike="noStrike" spc="-1">
+                <a:solidFill>
+                  <a:srgbClr val="3D3D3D"/>
                 </a:solidFill>
                 <a:latin typeface="Gill Sans MT"/>
               </a:rPr>
               <a:t>6.º nível da estrutura de tópicos</a:t>
             </a:r>
-            <a:endParaRPr b="0" lang="en-US" sz="2000" spc="-1" strike="noStrike">
-              <a:solidFill>
-                <a:srgbClr val="3d3d3d"/>
-              </a:solidFill>
-              <a:latin typeface="Gill Sans MT"/>
-            </a:endParaRPr>
-          </a:p>
-          <a:p>
-            <a:pPr lvl="6" marL="3024000" indent="-216000">
+          </a:p>
+          <a:p>
+            <a:pPr marL="3024000" lvl="6" indent="-216000">
               <a:spcBef>
                 <a:spcPts val="283"/>
               </a:spcBef>
@@ -3828,51 +4124,326 @@
               <a:buChar char=""/>
             </a:pPr>
             <a:r>
-              <a:rPr b="0" lang="en-US" sz="2000" spc="-1" strike="noStrike">
-                <a:solidFill>
-                  <a:srgbClr val="3d3d3d"/>
+              <a:rPr lang="en-US" sz="2000" b="0" strike="noStrike" spc="-1">
+                <a:solidFill>
+                  <a:srgbClr val="3D3D3D"/>
                 </a:solidFill>
                 <a:latin typeface="Gill Sans MT"/>
               </a:rPr>
               <a:t>7.º nível da estrutura de tópicos</a:t>
             </a:r>
-            <a:endParaRPr b="0" lang="en-US" sz="2000" spc="-1" strike="noStrike">
-              <a:solidFill>
-                <a:srgbClr val="3d3d3d"/>
-              </a:solidFill>
-              <a:latin typeface="Gill Sans MT"/>
-            </a:endParaRPr>
           </a:p>
         </p:txBody>
       </p:sp>
     </p:spTree>
   </p:cSld>
-  <p:clrMap bg1="lt1" bg2="lt2" tx1="dk1" tx2="dk2" accent1="accent1" accent2="accent2" accent3="accent3" accent4="accent4" accent5="accent5" accent6="accent6" hlink="hlink" folHlink="folHlink"/>
+  <p:clrMap bg1="lt1" tx1="dk1" bg2="lt2" tx2="dk2" accent1="accent1" accent2="accent2" accent3="accent3" accent4="accent4" accent5="accent5" accent6="accent6" hlink="hlink" folHlink="folHlink"/>
   <p:sldLayoutIdLst>
-    <p:sldLayoutId id="2147483649" r:id="rId3"/>
-    <p:sldLayoutId id="2147483650" r:id="rId4"/>
-    <p:sldLayoutId id="2147483651" r:id="rId5"/>
-    <p:sldLayoutId id="2147483652" r:id="rId6"/>
-    <p:sldLayoutId id="2147483653" r:id="rId7"/>
-    <p:sldLayoutId id="2147483654" r:id="rId8"/>
-    <p:sldLayoutId id="2147483655" r:id="rId9"/>
-    <p:sldLayoutId id="2147483656" r:id="rId10"/>
-    <p:sldLayoutId id="2147483657" r:id="rId11"/>
-    <p:sldLayoutId id="2147483658" r:id="rId12"/>
-    <p:sldLayoutId id="2147483659" r:id="rId13"/>
-    <p:sldLayoutId id="2147483660" r:id="rId14"/>
+    <p:sldLayoutId id="2147483649" r:id="rId1"/>
+    <p:sldLayoutId id="2147483650" r:id="rId2"/>
+    <p:sldLayoutId id="2147483651" r:id="rId3"/>
+    <p:sldLayoutId id="2147483652" r:id="rId4"/>
+    <p:sldLayoutId id="2147483653" r:id="rId5"/>
+    <p:sldLayoutId id="2147483654" r:id="rId6"/>
+    <p:sldLayoutId id="2147483655" r:id="rId7"/>
+    <p:sldLayoutId id="2147483656" r:id="rId8"/>
+    <p:sldLayoutId id="2147483657" r:id="rId9"/>
+    <p:sldLayoutId id="2147483658" r:id="rId10"/>
+    <p:sldLayoutId id="2147483659" r:id="rId11"/>
+    <p:sldLayoutId id="2147483660" r:id="rId12"/>
   </p:sldLayoutIdLst>
+  <p:txStyles>
+    <p:titleStyle>
+      <a:lvl1pPr algn="l" defTabSz="914400" rtl="0" eaLnBrk="1" latinLnBrk="0" hangingPunct="1">
+        <a:lnSpc>
+          <a:spcPct val="90000"/>
+        </a:lnSpc>
+        <a:spcBef>
+          <a:spcPct val="0"/>
+        </a:spcBef>
+        <a:buNone/>
+        <a:defRPr sz="4400" kern="1200">
+          <a:solidFill>
+            <a:schemeClr val="tx1"/>
+          </a:solidFill>
+          <a:latin typeface="+mj-lt"/>
+          <a:ea typeface="+mj-ea"/>
+          <a:cs typeface="+mj-cs"/>
+        </a:defRPr>
+      </a:lvl1pPr>
+    </p:titleStyle>
+    <p:bodyStyle>
+      <a:lvl1pPr marL="228600" indent="-228600" algn="l" defTabSz="914400" rtl="0" eaLnBrk="1" latinLnBrk="0" hangingPunct="1">
+        <a:lnSpc>
+          <a:spcPct val="90000"/>
+        </a:lnSpc>
+        <a:spcBef>
+          <a:spcPts val="1000"/>
+        </a:spcBef>
+        <a:buFont typeface="Arial" panose="020B0604020202020204" pitchFamily="34" charset="0"/>
+        <a:buChar char="•"/>
+        <a:defRPr sz="2800" kern="1200">
+          <a:solidFill>
+            <a:schemeClr val="tx1"/>
+          </a:solidFill>
+          <a:latin typeface="+mn-lt"/>
+          <a:ea typeface="+mn-ea"/>
+          <a:cs typeface="+mn-cs"/>
+        </a:defRPr>
+      </a:lvl1pPr>
+      <a:lvl2pPr marL="685800" indent="-228600" algn="l" defTabSz="914400" rtl="0" eaLnBrk="1" latinLnBrk="0" hangingPunct="1">
+        <a:lnSpc>
+          <a:spcPct val="90000"/>
+        </a:lnSpc>
+        <a:spcBef>
+          <a:spcPts val="500"/>
+        </a:spcBef>
+        <a:buFont typeface="Arial" panose="020B0604020202020204" pitchFamily="34" charset="0"/>
+        <a:buChar char="•"/>
+        <a:defRPr sz="2400" kern="1200">
+          <a:solidFill>
+            <a:schemeClr val="tx1"/>
+          </a:solidFill>
+          <a:latin typeface="+mn-lt"/>
+          <a:ea typeface="+mn-ea"/>
+          <a:cs typeface="+mn-cs"/>
+        </a:defRPr>
+      </a:lvl2pPr>
+      <a:lvl3pPr marL="1143000" indent="-228600" algn="l" defTabSz="914400" rtl="0" eaLnBrk="1" latinLnBrk="0" hangingPunct="1">
+        <a:lnSpc>
+          <a:spcPct val="90000"/>
+        </a:lnSpc>
+        <a:spcBef>
+          <a:spcPts val="500"/>
+        </a:spcBef>
+        <a:buFont typeface="Arial" panose="020B0604020202020204" pitchFamily="34" charset="0"/>
+        <a:buChar char="•"/>
+        <a:defRPr sz="2000" kern="1200">
+          <a:solidFill>
+            <a:schemeClr val="tx1"/>
+          </a:solidFill>
+          <a:latin typeface="+mn-lt"/>
+          <a:ea typeface="+mn-ea"/>
+          <a:cs typeface="+mn-cs"/>
+        </a:defRPr>
+      </a:lvl3pPr>
+      <a:lvl4pPr marL="1600200" indent="-228600" algn="l" defTabSz="914400" rtl="0" eaLnBrk="1" latinLnBrk="0" hangingPunct="1">
+        <a:lnSpc>
+          <a:spcPct val="90000"/>
+        </a:lnSpc>
+        <a:spcBef>
+          <a:spcPts val="500"/>
+        </a:spcBef>
+        <a:buFont typeface="Arial" panose="020B0604020202020204" pitchFamily="34" charset="0"/>
+        <a:buChar char="•"/>
+        <a:defRPr sz="1800" kern="1200">
+          <a:solidFill>
+            <a:schemeClr val="tx1"/>
+          </a:solidFill>
+          <a:latin typeface="+mn-lt"/>
+          <a:ea typeface="+mn-ea"/>
+          <a:cs typeface="+mn-cs"/>
+        </a:defRPr>
+      </a:lvl4pPr>
+      <a:lvl5pPr marL="2057400" indent="-228600" algn="l" defTabSz="914400" rtl="0" eaLnBrk="1" latinLnBrk="0" hangingPunct="1">
+        <a:lnSpc>
+          <a:spcPct val="90000"/>
+        </a:lnSpc>
+        <a:spcBef>
+          <a:spcPts val="500"/>
+        </a:spcBef>
+        <a:buFont typeface="Arial" panose="020B0604020202020204" pitchFamily="34" charset="0"/>
+        <a:buChar char="•"/>
+        <a:defRPr sz="1800" kern="1200">
+          <a:solidFill>
+            <a:schemeClr val="tx1"/>
+          </a:solidFill>
+          <a:latin typeface="+mn-lt"/>
+          <a:ea typeface="+mn-ea"/>
+          <a:cs typeface="+mn-cs"/>
+        </a:defRPr>
+      </a:lvl5pPr>
+      <a:lvl6pPr marL="2514600" indent="-228600" algn="l" defTabSz="914400" rtl="0" eaLnBrk="1" latinLnBrk="0" hangingPunct="1">
+        <a:lnSpc>
+          <a:spcPct val="90000"/>
+        </a:lnSpc>
+        <a:spcBef>
+          <a:spcPts val="500"/>
+        </a:spcBef>
+        <a:buFont typeface="Arial" panose="020B0604020202020204" pitchFamily="34" charset="0"/>
+        <a:buChar char="•"/>
+        <a:defRPr sz="1800" kern="1200">
+          <a:solidFill>
+            <a:schemeClr val="tx1"/>
+          </a:solidFill>
+          <a:latin typeface="+mn-lt"/>
+          <a:ea typeface="+mn-ea"/>
+          <a:cs typeface="+mn-cs"/>
+        </a:defRPr>
+      </a:lvl6pPr>
+      <a:lvl7pPr marL="2971800" indent="-228600" algn="l" defTabSz="914400" rtl="0" eaLnBrk="1" latinLnBrk="0" hangingPunct="1">
+        <a:lnSpc>
+          <a:spcPct val="90000"/>
+        </a:lnSpc>
+        <a:spcBef>
+          <a:spcPts val="500"/>
+        </a:spcBef>
+        <a:buFont typeface="Arial" panose="020B0604020202020204" pitchFamily="34" charset="0"/>
+        <a:buChar char="•"/>
+        <a:defRPr sz="1800" kern="1200">
+          <a:solidFill>
+            <a:schemeClr val="tx1"/>
+          </a:solidFill>
+          <a:latin typeface="+mn-lt"/>
+          <a:ea typeface="+mn-ea"/>
+          <a:cs typeface="+mn-cs"/>
+        </a:defRPr>
+      </a:lvl7pPr>
+      <a:lvl8pPr marL="3429000" indent="-228600" algn="l" defTabSz="914400" rtl="0" eaLnBrk="1" latinLnBrk="0" hangingPunct="1">
+        <a:lnSpc>
+          <a:spcPct val="90000"/>
+        </a:lnSpc>
+        <a:spcBef>
+          <a:spcPts val="500"/>
+        </a:spcBef>
+        <a:buFont typeface="Arial" panose="020B0604020202020204" pitchFamily="34" charset="0"/>
+        <a:buChar char="•"/>
+        <a:defRPr sz="1800" kern="1200">
+          <a:solidFill>
+            <a:schemeClr val="tx1"/>
+          </a:solidFill>
+          <a:latin typeface="+mn-lt"/>
+          <a:ea typeface="+mn-ea"/>
+          <a:cs typeface="+mn-cs"/>
+        </a:defRPr>
+      </a:lvl8pPr>
+      <a:lvl9pPr marL="3886200" indent="-228600" algn="l" defTabSz="914400" rtl="0" eaLnBrk="1" latinLnBrk="0" hangingPunct="1">
+        <a:lnSpc>
+          <a:spcPct val="90000"/>
+        </a:lnSpc>
+        <a:spcBef>
+          <a:spcPts val="500"/>
+        </a:spcBef>
+        <a:buFont typeface="Arial" panose="020B0604020202020204" pitchFamily="34" charset="0"/>
+        <a:buChar char="•"/>
+        <a:defRPr sz="1800" kern="1200">
+          <a:solidFill>
+            <a:schemeClr val="tx1"/>
+          </a:solidFill>
+          <a:latin typeface="+mn-lt"/>
+          <a:ea typeface="+mn-ea"/>
+          <a:cs typeface="+mn-cs"/>
+        </a:defRPr>
+      </a:lvl9pPr>
+    </p:bodyStyle>
+    <p:otherStyle>
+      <a:defPPr>
+        <a:defRPr lang="en-US"/>
+      </a:defPPr>
+      <a:lvl1pPr marL="0" algn="l" defTabSz="914400" rtl="0" eaLnBrk="1" latinLnBrk="0" hangingPunct="1">
+        <a:defRPr sz="1800" kern="1200">
+          <a:solidFill>
+            <a:schemeClr val="tx1"/>
+          </a:solidFill>
+          <a:latin typeface="+mn-lt"/>
+          <a:ea typeface="+mn-ea"/>
+          <a:cs typeface="+mn-cs"/>
+        </a:defRPr>
+      </a:lvl1pPr>
+      <a:lvl2pPr marL="457200" algn="l" defTabSz="914400" rtl="0" eaLnBrk="1" latinLnBrk="0" hangingPunct="1">
+        <a:defRPr sz="1800" kern="1200">
+          <a:solidFill>
+            <a:schemeClr val="tx1"/>
+          </a:solidFill>
+          <a:latin typeface="+mn-lt"/>
+          <a:ea typeface="+mn-ea"/>
+          <a:cs typeface="+mn-cs"/>
+        </a:defRPr>
+      </a:lvl2pPr>
+      <a:lvl3pPr marL="914400" algn="l" defTabSz="914400" rtl="0" eaLnBrk="1" latinLnBrk="0" hangingPunct="1">
+        <a:defRPr sz="1800" kern="1200">
+          <a:solidFill>
+            <a:schemeClr val="tx1"/>
+          </a:solidFill>
+          <a:latin typeface="+mn-lt"/>
+          <a:ea typeface="+mn-ea"/>
+          <a:cs typeface="+mn-cs"/>
+        </a:defRPr>
+      </a:lvl3pPr>
+      <a:lvl4pPr marL="1371600" algn="l" defTabSz="914400" rtl="0" eaLnBrk="1" latinLnBrk="0" hangingPunct="1">
+        <a:defRPr sz="1800" kern="1200">
+          <a:solidFill>
+            <a:schemeClr val="tx1"/>
+          </a:solidFill>
+          <a:latin typeface="+mn-lt"/>
+          <a:ea typeface="+mn-ea"/>
+          <a:cs typeface="+mn-cs"/>
+        </a:defRPr>
+      </a:lvl4pPr>
+      <a:lvl5pPr marL="1828800" algn="l" defTabSz="914400" rtl="0" eaLnBrk="1" latinLnBrk="0" hangingPunct="1">
+        <a:defRPr sz="1800" kern="1200">
+          <a:solidFill>
+            <a:schemeClr val="tx1"/>
+          </a:solidFill>
+          <a:latin typeface="+mn-lt"/>
+          <a:ea typeface="+mn-ea"/>
+          <a:cs typeface="+mn-cs"/>
+        </a:defRPr>
+      </a:lvl5pPr>
+      <a:lvl6pPr marL="2286000" algn="l" defTabSz="914400" rtl="0" eaLnBrk="1" latinLnBrk="0" hangingPunct="1">
+        <a:defRPr sz="1800" kern="1200">
+          <a:solidFill>
+            <a:schemeClr val="tx1"/>
+          </a:solidFill>
+          <a:latin typeface="+mn-lt"/>
+          <a:ea typeface="+mn-ea"/>
+          <a:cs typeface="+mn-cs"/>
+        </a:defRPr>
+      </a:lvl6pPr>
+      <a:lvl7pPr marL="2743200" algn="l" defTabSz="914400" rtl="0" eaLnBrk="1" latinLnBrk="0" hangingPunct="1">
+        <a:defRPr sz="1800" kern="1200">
+          <a:solidFill>
+            <a:schemeClr val="tx1"/>
+          </a:solidFill>
+          <a:latin typeface="+mn-lt"/>
+          <a:ea typeface="+mn-ea"/>
+          <a:cs typeface="+mn-cs"/>
+        </a:defRPr>
+      </a:lvl7pPr>
+      <a:lvl8pPr marL="3200400" algn="l" defTabSz="914400" rtl="0" eaLnBrk="1" latinLnBrk="0" hangingPunct="1">
+        <a:defRPr sz="1800" kern="1200">
+          <a:solidFill>
+            <a:schemeClr val="tx1"/>
+          </a:solidFill>
+          <a:latin typeface="+mn-lt"/>
+          <a:ea typeface="+mn-ea"/>
+          <a:cs typeface="+mn-cs"/>
+        </a:defRPr>
+      </a:lvl8pPr>
+      <a:lvl9pPr marL="3657600" algn="l" defTabSz="914400" rtl="0" eaLnBrk="1" latinLnBrk="0" hangingPunct="1">
+        <a:defRPr sz="1800" kern="1200">
+          <a:solidFill>
+            <a:schemeClr val="tx1"/>
+          </a:solidFill>
+          <a:latin typeface="+mn-lt"/>
+          <a:ea typeface="+mn-ea"/>
+          <a:cs typeface="+mn-cs"/>
+        </a:defRPr>
+      </a:lvl9pPr>
+    </p:otherStyle>
+  </p:txStyles>
 </p:sldMaster>
 </file>
 
 <file path=ppt/slideMasters/slideMaster2.xml><?xml version="1.0" encoding="utf-8"?>
-<p:sldMaster xmlns:a="http://schemas.openxmlformats.org/drawingml/2006/main" xmlns:p="http://schemas.openxmlformats.org/presentationml/2006/main" xmlns:r="http://schemas.openxmlformats.org/officeDocument/2006/relationships" xmlns:p14="http://schemas.microsoft.com/office/powerpoint/2010/main" xmlns:p15="http://schemas.microsoft.com/office/powerpoint/2012/main" xmlns:mc="http://schemas.openxmlformats.org/markup-compatibility/2006">
+<p:sldMaster xmlns:a="http://schemas.openxmlformats.org/drawingml/2006/main" xmlns:r="http://schemas.openxmlformats.org/officeDocument/2006/relationships" xmlns:p="http://schemas.openxmlformats.org/presentationml/2006/main">
   <p:cSld>
     <p:bg>
       <p:bgPr>
         <a:solidFill>
-          <a:srgbClr val="ffffff"/>
+          <a:srgbClr val="FFFFFF"/>
         </a:solidFill>
+        <a:effectLst/>
       </p:bgPr>
     </p:bg>
     <p:spTree>
@@ -3910,7 +4481,7 @@
             <a:noFill/>
           </a:ln>
           <a:effectLst>
-            <a:outerShdw blurRad="38100" dir="5400000" dist="25400" rotWithShape="0">
+            <a:outerShdw blurRad="38100" dist="25400" dir="5400000" rotWithShape="0">
               <a:srgbClr val="000000">
                 <a:alpha val="55000"/>
               </a:srgbClr>
@@ -3951,7 +4522,7 @@
             <a:noFill/>
           </a:ln>
           <a:effectLst>
-            <a:outerShdw blurRad="38100" dir="5400000" dist="25400" rotWithShape="0">
+            <a:outerShdw blurRad="38100" dist="25400" dir="5400000" rotWithShape="0">
               <a:srgbClr val="000000">
                 <a:alpha val="55000"/>
               </a:srgbClr>
@@ -3992,7 +4563,7 @@
             <a:noFill/>
           </a:ln>
           <a:effectLst>
-            <a:outerShdw blurRad="38100" dir="5400000" dist="25400" rotWithShape="0">
+            <a:outerShdw blurRad="38100" dist="25400" dir="5400000" rotWithShape="0">
               <a:srgbClr val="000000">
                 <a:alpha val="55000"/>
               </a:srgbClr>
@@ -4033,7 +4604,7 @@
             <a:noFill/>
           </a:ln>
           <a:effectLst>
-            <a:outerShdw blurRad="38100" dir="5400000" dist="25400" rotWithShape="0">
+            <a:outerShdw blurRad="38100" dist="25400" dir="5400000" rotWithShape="0">
               <a:srgbClr val="000000">
                 <a:alpha val="55000"/>
               </a:srgbClr>
@@ -4074,6 +4645,7 @@
         </p:spPr>
         <p:txBody>
           <a:bodyPr anchor="b"/>
+          <a:lstStyle/>
           <a:p>
             <a:pPr>
               <a:lnSpc>
@@ -4081,15 +4653,15 @@
               </a:lnSpc>
             </a:pPr>
             <a:r>
-              <a:rPr b="0" lang="en-US" sz="2800" spc="-1" strike="noStrike" cap="all">
-                <a:solidFill>
-                  <a:srgbClr val="ffffff"/>
+              <a:rPr lang="en-US" sz="2800" b="0" strike="noStrike" cap="all" spc="-1">
+                <a:solidFill>
+                  <a:srgbClr val="FFFFFF"/>
                 </a:solidFill>
                 <a:latin typeface="Gill Sans MT"/>
               </a:rPr>
               <a:t>Click to edit Master title style</a:t>
             </a:r>
-            <a:endParaRPr b="0" lang="en-US" sz="2800" spc="-1" strike="noStrike">
+            <a:endParaRPr lang="en-US" sz="2800" b="0" strike="noStrike" spc="-1">
               <a:solidFill>
                 <a:srgbClr val="000000"/>
               </a:solidFill>
@@ -4119,6 +4691,7 @@
         </p:spPr>
         <p:txBody>
           <a:bodyPr/>
+          <a:lstStyle/>
           <a:p>
             <a:pPr marL="306000" indent="-305640">
               <a:lnSpc>
@@ -4131,30 +4704,24 @@
                 <a:spcPts val="601"/>
               </a:spcAft>
               <a:buClr>
-                <a:srgbClr val="4590b8"/>
+                <a:srgbClr val="4590B8"/>
               </a:buClr>
               <a:buSzPct val="92000"/>
               <a:buFont typeface="Wingdings 2" charset="2"/>
               <a:buChar char=""/>
             </a:pPr>
             <a:r>
-              <a:rPr b="0" lang="en-US" sz="3600" spc="-1" strike="noStrike">
-                <a:solidFill>
-                  <a:srgbClr val="3d3d3d"/>
+              <a:rPr lang="en-US" sz="3600" b="0" strike="noStrike" spc="-1">
+                <a:solidFill>
+                  <a:srgbClr val="3D3D3D"/>
                 </a:solidFill>
                 <a:latin typeface="Gill Sans MT"/>
               </a:rPr>
               <a:t>Edit Master text styles</a:t>
             </a:r>
-            <a:endParaRPr b="0" lang="en-US" sz="3600" spc="-1" strike="noStrike">
-              <a:solidFill>
-                <a:srgbClr val="3d3d3d"/>
-              </a:solidFill>
-              <a:latin typeface="Gill Sans MT"/>
-            </a:endParaRPr>
-          </a:p>
-          <a:p>
-            <a:pPr lvl="1" marL="630000" indent="-305640">
+          </a:p>
+          <a:p>
+            <a:pPr marL="630000" lvl="1" indent="-305640">
               <a:lnSpc>
                 <a:spcPct val="100000"/>
               </a:lnSpc>
@@ -4165,30 +4732,24 @@
                 <a:spcPts val="601"/>
               </a:spcAft>
               <a:buClr>
-                <a:srgbClr val="4590b8"/>
+                <a:srgbClr val="4590B8"/>
               </a:buClr>
               <a:buSzPct val="92000"/>
               <a:buFont typeface="Wingdings 2" charset="2"/>
               <a:buChar char=""/>
             </a:pPr>
             <a:r>
-              <a:rPr b="0" lang="en-US" sz="3200" spc="-1" strike="noStrike">
-                <a:solidFill>
-                  <a:srgbClr val="3d3d3d"/>
+              <a:rPr lang="en-US" sz="3200" b="0" strike="noStrike" spc="-1">
+                <a:solidFill>
+                  <a:srgbClr val="3D3D3D"/>
                 </a:solidFill>
                 <a:latin typeface="Gill Sans MT"/>
               </a:rPr>
               <a:t>Second level</a:t>
             </a:r>
-            <a:endParaRPr b="0" lang="en-US" sz="3200" spc="-1" strike="noStrike">
-              <a:solidFill>
-                <a:srgbClr val="3d3d3d"/>
-              </a:solidFill>
-              <a:latin typeface="Gill Sans MT"/>
-            </a:endParaRPr>
-          </a:p>
-          <a:p>
-            <a:pPr lvl="2" marL="900000" indent="-269640">
+          </a:p>
+          <a:p>
+            <a:pPr marL="900000" lvl="2" indent="-269640">
               <a:lnSpc>
                 <a:spcPct val="100000"/>
               </a:lnSpc>
@@ -4199,30 +4760,24 @@
                 <a:spcPts val="601"/>
               </a:spcAft>
               <a:buClr>
-                <a:srgbClr val="4590b8"/>
+                <a:srgbClr val="4590B8"/>
               </a:buClr>
               <a:buSzPct val="92000"/>
               <a:buFont typeface="Wingdings 2" charset="2"/>
               <a:buChar char=""/>
             </a:pPr>
             <a:r>
-              <a:rPr b="0" lang="en-US" sz="2800" spc="-1" strike="noStrike">
-                <a:solidFill>
-                  <a:srgbClr val="3d3d3d"/>
+              <a:rPr lang="en-US" sz="2800" b="0" strike="noStrike" spc="-1">
+                <a:solidFill>
+                  <a:srgbClr val="3D3D3D"/>
                 </a:solidFill>
                 <a:latin typeface="Gill Sans MT"/>
               </a:rPr>
               <a:t>Third level</a:t>
             </a:r>
-            <a:endParaRPr b="0" lang="en-US" sz="2800" spc="-1" strike="noStrike">
-              <a:solidFill>
-                <a:srgbClr val="3d3d3d"/>
-              </a:solidFill>
-              <a:latin typeface="Gill Sans MT"/>
-            </a:endParaRPr>
-          </a:p>
-          <a:p>
-            <a:pPr lvl="3" marL="1242000" indent="-233640">
+          </a:p>
+          <a:p>
+            <a:pPr marL="1242000" lvl="3" indent="-233640">
               <a:lnSpc>
                 <a:spcPct val="100000"/>
               </a:lnSpc>
@@ -4233,30 +4788,24 @@
                 <a:spcPts val="601"/>
               </a:spcAft>
               <a:buClr>
-                <a:srgbClr val="4590b8"/>
+                <a:srgbClr val="4590B8"/>
               </a:buClr>
               <a:buSzPct val="92000"/>
               <a:buFont typeface="Wingdings 2" charset="2"/>
               <a:buChar char=""/>
             </a:pPr>
             <a:r>
-              <a:rPr b="0" lang="en-US" sz="2400" spc="-1" strike="noStrike">
-                <a:solidFill>
-                  <a:srgbClr val="3d3d3d"/>
+              <a:rPr lang="en-US" sz="2400" b="0" strike="noStrike" spc="-1">
+                <a:solidFill>
+                  <a:srgbClr val="3D3D3D"/>
                 </a:solidFill>
                 <a:latin typeface="Gill Sans MT"/>
               </a:rPr>
               <a:t>Fourth level</a:t>
             </a:r>
-            <a:endParaRPr b="0" lang="en-US" sz="2400" spc="-1" strike="noStrike">
-              <a:solidFill>
-                <a:srgbClr val="3d3d3d"/>
-              </a:solidFill>
-              <a:latin typeface="Gill Sans MT"/>
-            </a:endParaRPr>
-          </a:p>
-          <a:p>
-            <a:pPr lvl="4" marL="1602000" indent="-233640">
+          </a:p>
+          <a:p>
+            <a:pPr marL="1602000" lvl="4" indent="-233640">
               <a:lnSpc>
                 <a:spcPct val="100000"/>
               </a:lnSpc>
@@ -4267,27 +4816,21 @@
                 <a:spcPts val="601"/>
               </a:spcAft>
               <a:buClr>
-                <a:srgbClr val="4590b8"/>
+                <a:srgbClr val="4590B8"/>
               </a:buClr>
               <a:buSzPct val="92000"/>
               <a:buFont typeface="Wingdings 2" charset="2"/>
               <a:buChar char=""/>
             </a:pPr>
             <a:r>
-              <a:rPr b="0" lang="en-US" sz="2400" spc="-1" strike="noStrike">
-                <a:solidFill>
-                  <a:srgbClr val="3d3d3d"/>
+              <a:rPr lang="en-US" sz="2400" b="0" strike="noStrike" spc="-1">
+                <a:solidFill>
+                  <a:srgbClr val="3D3D3D"/>
                 </a:solidFill>
                 <a:latin typeface="Gill Sans MT"/>
               </a:rPr>
               <a:t>Fifth level</a:t>
             </a:r>
-            <a:endParaRPr b="0" lang="en-US" sz="2400" spc="-1" strike="noStrike">
-              <a:solidFill>
-                <a:srgbClr val="3d3d3d"/>
-              </a:solidFill>
-              <a:latin typeface="Gill Sans MT"/>
-            </a:endParaRPr>
           </a:p>
         </p:txBody>
       </p:sp>
@@ -4311,7 +4854,8 @@
           </a:prstGeom>
         </p:spPr>
         <p:txBody>
-          <a:bodyPr lIns="90000" rIns="90000" tIns="45000" bIns="45000"/>
+          <a:bodyPr lIns="90000" tIns="45000" rIns="90000" bIns="45000"/>
+          <a:lstStyle/>
           <a:p>
             <a:pPr>
               <a:lnSpc>
@@ -4319,24 +4863,24 @@
               </a:lnSpc>
             </a:pPr>
             <a:r>
-              <a:rPr b="0" lang="pt-BR" sz="1800" spc="-1" strike="noStrike">
-                <a:solidFill>
-                  <a:srgbClr val="537ed0"/>
+              <a:rPr lang="pt-BR" sz="1800" b="0" strike="noStrike" spc="-1">
+                <a:solidFill>
+                  <a:srgbClr val="537ED0"/>
                 </a:solidFill>
                 <a:latin typeface="Gill Sans MT"/>
               </a:rPr>
               <a:t>Last Edit: </a:t>
             </a:r>
             <a:fld id="{709CB22B-487A-4371-8CE7-E1A03CD0997E}" type="datetime1">
-              <a:rPr b="0" lang="pt-BR" sz="1800" spc="-1" strike="noStrike">
-                <a:solidFill>
-                  <a:srgbClr val="537ed0"/>
-                </a:solidFill>
-                <a:latin typeface="Gill Sans MT"/>
-              </a:rPr>
-              <a:t>03/09/2018</a:t>
+              <a:rPr lang="pt-BR" sz="1800" b="0" strike="noStrike" spc="-1">
+                <a:solidFill>
+                  <a:srgbClr val="537ED0"/>
+                </a:solidFill>
+                <a:latin typeface="Gill Sans MT"/>
+              </a:rPr>
+              <a:t>01/10/2018</a:t>
             </a:fld>
-            <a:endParaRPr b="0" lang="pt-BR" sz="1800" spc="-1" strike="noStrike">
+            <a:endParaRPr lang="pt-BR" sz="1800" b="0" strike="noStrike" spc="-1">
               <a:latin typeface="Times New Roman"/>
             </a:endParaRPr>
           </a:p>
@@ -4362,7 +4906,8 @@
           </a:prstGeom>
         </p:spPr>
         <p:txBody>
-          <a:bodyPr lIns="90000" rIns="90000" tIns="45000" bIns="45000"/>
+          <a:bodyPr lIns="90000" tIns="45000" rIns="90000" bIns="45000"/>
+          <a:lstStyle/>
           <a:p>
             <a:pPr>
               <a:lnSpc>
@@ -4370,15 +4915,15 @@
               </a:lnSpc>
             </a:pPr>
             <a:r>
-              <a:rPr b="0" lang="pt-BR" sz="1800" spc="-1" strike="noStrike">
-                <a:solidFill>
-                  <a:srgbClr val="537ed0"/>
+              <a:rPr lang="pt-BR" sz="1800" b="0" strike="noStrike" spc="-1">
+                <a:solidFill>
+                  <a:srgbClr val="537ED0"/>
                 </a:solidFill>
                 <a:latin typeface="Gill Sans MT"/>
               </a:rPr>
               <a:t>Copyright 2018, FLL TUTORIALS</a:t>
             </a:r>
-            <a:endParaRPr b="0" lang="pt-BR" sz="1800" spc="-1" strike="noStrike">
+            <a:endParaRPr lang="pt-BR" sz="1800" b="0" strike="noStrike" spc="-1">
               <a:latin typeface="Times New Roman"/>
             </a:endParaRPr>
           </a:p>
@@ -4404,7 +4949,8 @@
           </a:prstGeom>
         </p:spPr>
         <p:txBody>
-          <a:bodyPr lIns="90000" rIns="90000" tIns="45000" bIns="45000"/>
+          <a:bodyPr lIns="90000" tIns="45000" rIns="90000" bIns="45000"/>
+          <a:lstStyle/>
           <a:p>
             <a:pPr>
               <a:lnSpc>
@@ -4412,15 +4958,15 @@
               </a:lnSpc>
             </a:pPr>
             <a:fld id="{A0AEAA39-B9F0-4614-A753-466DEFF14BA1}" type="slidenum">
-              <a:rPr b="0" lang="pt-BR" sz="1800" spc="-1" strike="noStrike">
-                <a:solidFill>
-                  <a:srgbClr val="537ed0"/>
-                </a:solidFill>
-                <a:latin typeface="Gill Sans MT"/>
-              </a:rPr>
-              <a:t>1</a:t>
+              <a:rPr lang="pt-BR" sz="1800" b="0" strike="noStrike" spc="-1">
+                <a:solidFill>
+                  <a:srgbClr val="537ED0"/>
+                </a:solidFill>
+                <a:latin typeface="Gill Sans MT"/>
+              </a:rPr>
+              <a:t>‹#›</a:t>
             </a:fld>
-            <a:endParaRPr b="0" lang="pt-BR" sz="1800" spc="-1" strike="noStrike">
+            <a:endParaRPr lang="pt-BR" sz="1800" b="0" strike="noStrike" spc="-1">
               <a:latin typeface="Times New Roman"/>
             </a:endParaRPr>
           </a:p>
@@ -4428,26 +4974,306 @@
       </p:sp>
     </p:spTree>
   </p:cSld>
-  <p:clrMap bg1="lt1" bg2="lt2" tx1="dk1" tx2="dk2" accent1="accent1" accent2="accent2" accent3="accent3" accent4="accent4" accent5="accent5" accent6="accent6" hlink="hlink" folHlink="folHlink"/>
+  <p:clrMap bg1="lt1" tx1="dk1" bg2="lt2" tx2="dk2" accent1="accent1" accent2="accent2" accent3="accent3" accent4="accent4" accent5="accent5" accent6="accent6" hlink="hlink" folHlink="folHlink"/>
   <p:sldLayoutIdLst>
-    <p:sldLayoutId id="2147483662" r:id="rId2"/>
-    <p:sldLayoutId id="2147483663" r:id="rId3"/>
-    <p:sldLayoutId id="2147483664" r:id="rId4"/>
-    <p:sldLayoutId id="2147483665" r:id="rId5"/>
-    <p:sldLayoutId id="2147483666" r:id="rId6"/>
-    <p:sldLayoutId id="2147483667" r:id="rId7"/>
-    <p:sldLayoutId id="2147483668" r:id="rId8"/>
-    <p:sldLayoutId id="2147483669" r:id="rId9"/>
-    <p:sldLayoutId id="2147483670" r:id="rId10"/>
-    <p:sldLayoutId id="2147483671" r:id="rId11"/>
-    <p:sldLayoutId id="2147483672" r:id="rId12"/>
-    <p:sldLayoutId id="2147483673" r:id="rId13"/>
+    <p:sldLayoutId id="2147483662" r:id="rId1"/>
+    <p:sldLayoutId id="2147483663" r:id="rId2"/>
+    <p:sldLayoutId id="2147483664" r:id="rId3"/>
+    <p:sldLayoutId id="2147483665" r:id="rId4"/>
+    <p:sldLayoutId id="2147483666" r:id="rId5"/>
+    <p:sldLayoutId id="2147483667" r:id="rId6"/>
+    <p:sldLayoutId id="2147483668" r:id="rId7"/>
+    <p:sldLayoutId id="2147483669" r:id="rId8"/>
+    <p:sldLayoutId id="2147483670" r:id="rId9"/>
+    <p:sldLayoutId id="2147483671" r:id="rId10"/>
+    <p:sldLayoutId id="2147483672" r:id="rId11"/>
+    <p:sldLayoutId id="2147483673" r:id="rId12"/>
   </p:sldLayoutIdLst>
+  <p:txStyles>
+    <p:titleStyle>
+      <a:lvl1pPr algn="l" defTabSz="914400" rtl="0" eaLnBrk="1" latinLnBrk="0" hangingPunct="1">
+        <a:lnSpc>
+          <a:spcPct val="90000"/>
+        </a:lnSpc>
+        <a:spcBef>
+          <a:spcPct val="0"/>
+        </a:spcBef>
+        <a:buNone/>
+        <a:defRPr sz="4400" kern="1200">
+          <a:solidFill>
+            <a:schemeClr val="tx1"/>
+          </a:solidFill>
+          <a:latin typeface="+mj-lt"/>
+          <a:ea typeface="+mj-ea"/>
+          <a:cs typeface="+mj-cs"/>
+        </a:defRPr>
+      </a:lvl1pPr>
+    </p:titleStyle>
+    <p:bodyStyle>
+      <a:lvl1pPr marL="228600" indent="-228600" algn="l" defTabSz="914400" rtl="0" eaLnBrk="1" latinLnBrk="0" hangingPunct="1">
+        <a:lnSpc>
+          <a:spcPct val="90000"/>
+        </a:lnSpc>
+        <a:spcBef>
+          <a:spcPts val="1000"/>
+        </a:spcBef>
+        <a:buFont typeface="Arial" panose="020B0604020202020204" pitchFamily="34" charset="0"/>
+        <a:buChar char="•"/>
+        <a:defRPr sz="2800" kern="1200">
+          <a:solidFill>
+            <a:schemeClr val="tx1"/>
+          </a:solidFill>
+          <a:latin typeface="+mn-lt"/>
+          <a:ea typeface="+mn-ea"/>
+          <a:cs typeface="+mn-cs"/>
+        </a:defRPr>
+      </a:lvl1pPr>
+      <a:lvl2pPr marL="685800" indent="-228600" algn="l" defTabSz="914400" rtl="0" eaLnBrk="1" latinLnBrk="0" hangingPunct="1">
+        <a:lnSpc>
+          <a:spcPct val="90000"/>
+        </a:lnSpc>
+        <a:spcBef>
+          <a:spcPts val="500"/>
+        </a:spcBef>
+        <a:buFont typeface="Arial" panose="020B0604020202020204" pitchFamily="34" charset="0"/>
+        <a:buChar char="•"/>
+        <a:defRPr sz="2400" kern="1200">
+          <a:solidFill>
+            <a:schemeClr val="tx1"/>
+          </a:solidFill>
+          <a:latin typeface="+mn-lt"/>
+          <a:ea typeface="+mn-ea"/>
+          <a:cs typeface="+mn-cs"/>
+        </a:defRPr>
+      </a:lvl2pPr>
+      <a:lvl3pPr marL="1143000" indent="-228600" algn="l" defTabSz="914400" rtl="0" eaLnBrk="1" latinLnBrk="0" hangingPunct="1">
+        <a:lnSpc>
+          <a:spcPct val="90000"/>
+        </a:lnSpc>
+        <a:spcBef>
+          <a:spcPts val="500"/>
+        </a:spcBef>
+        <a:buFont typeface="Arial" panose="020B0604020202020204" pitchFamily="34" charset="0"/>
+        <a:buChar char="•"/>
+        <a:defRPr sz="2000" kern="1200">
+          <a:solidFill>
+            <a:schemeClr val="tx1"/>
+          </a:solidFill>
+          <a:latin typeface="+mn-lt"/>
+          <a:ea typeface="+mn-ea"/>
+          <a:cs typeface="+mn-cs"/>
+        </a:defRPr>
+      </a:lvl3pPr>
+      <a:lvl4pPr marL="1600200" indent="-228600" algn="l" defTabSz="914400" rtl="0" eaLnBrk="1" latinLnBrk="0" hangingPunct="1">
+        <a:lnSpc>
+          <a:spcPct val="90000"/>
+        </a:lnSpc>
+        <a:spcBef>
+          <a:spcPts val="500"/>
+        </a:spcBef>
+        <a:buFont typeface="Arial" panose="020B0604020202020204" pitchFamily="34" charset="0"/>
+        <a:buChar char="•"/>
+        <a:defRPr sz="1800" kern="1200">
+          <a:solidFill>
+            <a:schemeClr val="tx1"/>
+          </a:solidFill>
+          <a:latin typeface="+mn-lt"/>
+          <a:ea typeface="+mn-ea"/>
+          <a:cs typeface="+mn-cs"/>
+        </a:defRPr>
+      </a:lvl4pPr>
+      <a:lvl5pPr marL="2057400" indent="-228600" algn="l" defTabSz="914400" rtl="0" eaLnBrk="1" latinLnBrk="0" hangingPunct="1">
+        <a:lnSpc>
+          <a:spcPct val="90000"/>
+        </a:lnSpc>
+        <a:spcBef>
+          <a:spcPts val="500"/>
+        </a:spcBef>
+        <a:buFont typeface="Arial" panose="020B0604020202020204" pitchFamily="34" charset="0"/>
+        <a:buChar char="•"/>
+        <a:defRPr sz="1800" kern="1200">
+          <a:solidFill>
+            <a:schemeClr val="tx1"/>
+          </a:solidFill>
+          <a:latin typeface="+mn-lt"/>
+          <a:ea typeface="+mn-ea"/>
+          <a:cs typeface="+mn-cs"/>
+        </a:defRPr>
+      </a:lvl5pPr>
+      <a:lvl6pPr marL="2514600" indent="-228600" algn="l" defTabSz="914400" rtl="0" eaLnBrk="1" latinLnBrk="0" hangingPunct="1">
+        <a:lnSpc>
+          <a:spcPct val="90000"/>
+        </a:lnSpc>
+        <a:spcBef>
+          <a:spcPts val="500"/>
+        </a:spcBef>
+        <a:buFont typeface="Arial" panose="020B0604020202020204" pitchFamily="34" charset="0"/>
+        <a:buChar char="•"/>
+        <a:defRPr sz="1800" kern="1200">
+          <a:solidFill>
+            <a:schemeClr val="tx1"/>
+          </a:solidFill>
+          <a:latin typeface="+mn-lt"/>
+          <a:ea typeface="+mn-ea"/>
+          <a:cs typeface="+mn-cs"/>
+        </a:defRPr>
+      </a:lvl6pPr>
+      <a:lvl7pPr marL="2971800" indent="-228600" algn="l" defTabSz="914400" rtl="0" eaLnBrk="1" latinLnBrk="0" hangingPunct="1">
+        <a:lnSpc>
+          <a:spcPct val="90000"/>
+        </a:lnSpc>
+        <a:spcBef>
+          <a:spcPts val="500"/>
+        </a:spcBef>
+        <a:buFont typeface="Arial" panose="020B0604020202020204" pitchFamily="34" charset="0"/>
+        <a:buChar char="•"/>
+        <a:defRPr sz="1800" kern="1200">
+          <a:solidFill>
+            <a:schemeClr val="tx1"/>
+          </a:solidFill>
+          <a:latin typeface="+mn-lt"/>
+          <a:ea typeface="+mn-ea"/>
+          <a:cs typeface="+mn-cs"/>
+        </a:defRPr>
+      </a:lvl7pPr>
+      <a:lvl8pPr marL="3429000" indent="-228600" algn="l" defTabSz="914400" rtl="0" eaLnBrk="1" latinLnBrk="0" hangingPunct="1">
+        <a:lnSpc>
+          <a:spcPct val="90000"/>
+        </a:lnSpc>
+        <a:spcBef>
+          <a:spcPts val="500"/>
+        </a:spcBef>
+        <a:buFont typeface="Arial" panose="020B0604020202020204" pitchFamily="34" charset="0"/>
+        <a:buChar char="•"/>
+        <a:defRPr sz="1800" kern="1200">
+          <a:solidFill>
+            <a:schemeClr val="tx1"/>
+          </a:solidFill>
+          <a:latin typeface="+mn-lt"/>
+          <a:ea typeface="+mn-ea"/>
+          <a:cs typeface="+mn-cs"/>
+        </a:defRPr>
+      </a:lvl8pPr>
+      <a:lvl9pPr marL="3886200" indent="-228600" algn="l" defTabSz="914400" rtl="0" eaLnBrk="1" latinLnBrk="0" hangingPunct="1">
+        <a:lnSpc>
+          <a:spcPct val="90000"/>
+        </a:lnSpc>
+        <a:spcBef>
+          <a:spcPts val="500"/>
+        </a:spcBef>
+        <a:buFont typeface="Arial" panose="020B0604020202020204" pitchFamily="34" charset="0"/>
+        <a:buChar char="•"/>
+        <a:defRPr sz="1800" kern="1200">
+          <a:solidFill>
+            <a:schemeClr val="tx1"/>
+          </a:solidFill>
+          <a:latin typeface="+mn-lt"/>
+          <a:ea typeface="+mn-ea"/>
+          <a:cs typeface="+mn-cs"/>
+        </a:defRPr>
+      </a:lvl9pPr>
+    </p:bodyStyle>
+    <p:otherStyle>
+      <a:defPPr>
+        <a:defRPr lang="en-US"/>
+      </a:defPPr>
+      <a:lvl1pPr marL="0" algn="l" defTabSz="914400" rtl="0" eaLnBrk="1" latinLnBrk="0" hangingPunct="1">
+        <a:defRPr sz="1800" kern="1200">
+          <a:solidFill>
+            <a:schemeClr val="tx1"/>
+          </a:solidFill>
+          <a:latin typeface="+mn-lt"/>
+          <a:ea typeface="+mn-ea"/>
+          <a:cs typeface="+mn-cs"/>
+        </a:defRPr>
+      </a:lvl1pPr>
+      <a:lvl2pPr marL="457200" algn="l" defTabSz="914400" rtl="0" eaLnBrk="1" latinLnBrk="0" hangingPunct="1">
+        <a:defRPr sz="1800" kern="1200">
+          <a:solidFill>
+            <a:schemeClr val="tx1"/>
+          </a:solidFill>
+          <a:latin typeface="+mn-lt"/>
+          <a:ea typeface="+mn-ea"/>
+          <a:cs typeface="+mn-cs"/>
+        </a:defRPr>
+      </a:lvl2pPr>
+      <a:lvl3pPr marL="914400" algn="l" defTabSz="914400" rtl="0" eaLnBrk="1" latinLnBrk="0" hangingPunct="1">
+        <a:defRPr sz="1800" kern="1200">
+          <a:solidFill>
+            <a:schemeClr val="tx1"/>
+          </a:solidFill>
+          <a:latin typeface="+mn-lt"/>
+          <a:ea typeface="+mn-ea"/>
+          <a:cs typeface="+mn-cs"/>
+        </a:defRPr>
+      </a:lvl3pPr>
+      <a:lvl4pPr marL="1371600" algn="l" defTabSz="914400" rtl="0" eaLnBrk="1" latinLnBrk="0" hangingPunct="1">
+        <a:defRPr sz="1800" kern="1200">
+          <a:solidFill>
+            <a:schemeClr val="tx1"/>
+          </a:solidFill>
+          <a:latin typeface="+mn-lt"/>
+          <a:ea typeface="+mn-ea"/>
+          <a:cs typeface="+mn-cs"/>
+        </a:defRPr>
+      </a:lvl4pPr>
+      <a:lvl5pPr marL="1828800" algn="l" defTabSz="914400" rtl="0" eaLnBrk="1" latinLnBrk="0" hangingPunct="1">
+        <a:defRPr sz="1800" kern="1200">
+          <a:solidFill>
+            <a:schemeClr val="tx1"/>
+          </a:solidFill>
+          <a:latin typeface="+mn-lt"/>
+          <a:ea typeface="+mn-ea"/>
+          <a:cs typeface="+mn-cs"/>
+        </a:defRPr>
+      </a:lvl5pPr>
+      <a:lvl6pPr marL="2286000" algn="l" defTabSz="914400" rtl="0" eaLnBrk="1" latinLnBrk="0" hangingPunct="1">
+        <a:defRPr sz="1800" kern="1200">
+          <a:solidFill>
+            <a:schemeClr val="tx1"/>
+          </a:solidFill>
+          <a:latin typeface="+mn-lt"/>
+          <a:ea typeface="+mn-ea"/>
+          <a:cs typeface="+mn-cs"/>
+        </a:defRPr>
+      </a:lvl6pPr>
+      <a:lvl7pPr marL="2743200" algn="l" defTabSz="914400" rtl="0" eaLnBrk="1" latinLnBrk="0" hangingPunct="1">
+        <a:defRPr sz="1800" kern="1200">
+          <a:solidFill>
+            <a:schemeClr val="tx1"/>
+          </a:solidFill>
+          <a:latin typeface="+mn-lt"/>
+          <a:ea typeface="+mn-ea"/>
+          <a:cs typeface="+mn-cs"/>
+        </a:defRPr>
+      </a:lvl7pPr>
+      <a:lvl8pPr marL="3200400" algn="l" defTabSz="914400" rtl="0" eaLnBrk="1" latinLnBrk="0" hangingPunct="1">
+        <a:defRPr sz="1800" kern="1200">
+          <a:solidFill>
+            <a:schemeClr val="tx1"/>
+          </a:solidFill>
+          <a:latin typeface="+mn-lt"/>
+          <a:ea typeface="+mn-ea"/>
+          <a:cs typeface="+mn-cs"/>
+        </a:defRPr>
+      </a:lvl8pPr>
+      <a:lvl9pPr marL="3657600" algn="l" defTabSz="914400" rtl="0" eaLnBrk="1" latinLnBrk="0" hangingPunct="1">
+        <a:defRPr sz="1800" kern="1200">
+          <a:solidFill>
+            <a:schemeClr val="tx1"/>
+          </a:solidFill>
+          <a:latin typeface="+mn-lt"/>
+          <a:ea typeface="+mn-ea"/>
+          <a:cs typeface="+mn-cs"/>
+        </a:defRPr>
+      </a:lvl9pPr>
+    </p:otherStyle>
+  </p:txStyles>
 </p:sldMaster>
 </file>
 
 <file path=ppt/slides/slide1.xml><?xml version="1.0" encoding="utf-8"?>
-<p:sld xmlns:a="http://schemas.openxmlformats.org/drawingml/2006/main" xmlns:p="http://schemas.openxmlformats.org/presentationml/2006/main" xmlns:r="http://schemas.openxmlformats.org/officeDocument/2006/relationships" xmlns:p14="http://schemas.microsoft.com/office/powerpoint/2010/main" xmlns:p15="http://schemas.microsoft.com/office/powerpoint/2012/main" xmlns:mc="http://schemas.openxmlformats.org/markup-compatibility/2006">
+<p:sld xmlns:a="http://schemas.openxmlformats.org/drawingml/2006/main" xmlns:r="http://schemas.openxmlformats.org/officeDocument/2006/relationships" xmlns:p="http://schemas.openxmlformats.org/presentationml/2006/main">
   <p:cSld>
     <p:spTree>
       <p:nvGrpSpPr>
@@ -4484,6 +5310,7 @@
         </p:spPr>
         <p:txBody>
           <a:bodyPr anchor="b"/>
+          <a:lstStyle/>
           <a:p>
             <a:pPr algn="ctr">
               <a:lnSpc>
@@ -4491,15 +5318,15 @@
               </a:lnSpc>
             </a:pPr>
             <a:r>
-              <a:rPr b="0" lang="en-US" sz="3600" spc="-1" strike="noStrike" cap="all">
-                <a:solidFill>
-                  <a:srgbClr val="ffffff"/>
+              <a:rPr lang="en-US" sz="3600" b="0" strike="noStrike" cap="all" spc="-1">
+                <a:solidFill>
+                  <a:srgbClr val="FFFFFF"/>
                 </a:solidFill>
                 <a:latin typeface="Gill Sans MT"/>
               </a:rPr>
               <a:t>Pôster de CORE VALUES</a:t>
             </a:r>
-            <a:endParaRPr b="0" lang="en-US" sz="3600" spc="-1" strike="noStrike">
+            <a:endParaRPr lang="en-US" sz="3600" b="0" strike="noStrike" spc="-1">
               <a:solidFill>
                 <a:srgbClr val="000000"/>
               </a:solidFill>
@@ -4529,6 +5356,7 @@
         </p:spPr>
         <p:txBody>
           <a:bodyPr/>
+          <a:lstStyle/>
           <a:p>
             <a:pPr algn="ctr">
               <a:lnSpc>
@@ -4542,15 +5370,15 @@
               </a:spcAft>
             </a:pPr>
             <a:r>
-              <a:rPr b="0" lang="pt-BR" sz="1600" spc="-1" strike="noStrike" cap="all">
-                <a:solidFill>
-                  <a:srgbClr val="ffffff"/>
+              <a:rPr lang="pt-BR" sz="1600" b="0" strike="noStrike" cap="all" spc="-1">
+                <a:solidFill>
+                  <a:srgbClr val="FFFFFF"/>
                 </a:solidFill>
                 <a:latin typeface="Gill Sans MT"/>
               </a:rPr>
               <a:t>BY PENNSYLVANIA’s FINEST ROBOTICS</a:t>
             </a:r>
-            <a:endParaRPr b="0" lang="pt-BR" sz="1600" spc="-1" strike="noStrike">
+            <a:endParaRPr lang="pt-BR" sz="1600" b="0" strike="noStrike" spc="-1">
               <a:latin typeface="Arial"/>
             </a:endParaRPr>
           </a:p>
@@ -4567,15 +5395,15 @@
               </a:spcAft>
             </a:pPr>
             <a:r>
-              <a:rPr b="0" lang="pt-BR" sz="1600" spc="-1" strike="noStrike" cap="all">
-                <a:solidFill>
-                  <a:srgbClr val="ffffff"/>
+              <a:rPr lang="pt-BR" sz="1600" b="0" strike="noStrike" cap="all" spc="-1">
+                <a:solidFill>
+                  <a:srgbClr val="FFFFFF"/>
                 </a:solidFill>
                 <a:latin typeface="Gill Sans MT"/>
               </a:rPr>
               <a:t>Traduzido por equipe sunrise</a:t>
             </a:r>
-            <a:endParaRPr b="0" lang="pt-BR" sz="1600" spc="-1" strike="noStrike">
+            <a:endParaRPr lang="pt-BR" sz="1600" b="0" strike="noStrike" spc="-1">
               <a:latin typeface="Arial"/>
             </a:endParaRPr>
           </a:p>
@@ -4583,6 +5411,9 @@
       </p:sp>
     </p:spTree>
   </p:cSld>
+  <p:clrMapOvr>
+    <a:masterClrMapping/>
+  </p:clrMapOvr>
   <p:timing>
     <p:tnLst>
       <p:par>
@@ -4591,14 +5422,14 @@
             <p:seq>
               <p:cTn id="2" dur="indefinite" nodeType="mainSeq"/>
               <p:prevCondLst>
-                <p:cond delay="0" evt="onPrev">
+                <p:cond evt="onPrev" delay="0">
                   <p:tgtEl>
                     <p:sldTgt/>
                   </p:tgtEl>
                 </p:cond>
               </p:prevCondLst>
               <p:nextCondLst>
-                <p:cond delay="0" evt="onNext">
+                <p:cond evt="onNext" delay="0">
                   <p:tgtEl>
                     <p:sldTgt/>
                   </p:tgtEl>
@@ -4614,7 +5445,7 @@
 </file>
 
 <file path=ppt/slides/slide2.xml><?xml version="1.0" encoding="utf-8"?>
-<p:sld xmlns:a="http://schemas.openxmlformats.org/drawingml/2006/main" xmlns:p="http://schemas.openxmlformats.org/presentationml/2006/main" xmlns:r="http://schemas.openxmlformats.org/officeDocument/2006/relationships" xmlns:p14="http://schemas.microsoft.com/office/powerpoint/2010/main" xmlns:p15="http://schemas.microsoft.com/office/powerpoint/2012/main" xmlns:mc="http://schemas.openxmlformats.org/markup-compatibility/2006">
+<p:sld xmlns:a="http://schemas.openxmlformats.org/drawingml/2006/main" xmlns:r="http://schemas.openxmlformats.org/officeDocument/2006/relationships" xmlns:p="http://schemas.openxmlformats.org/presentationml/2006/main">
   <p:cSld>
     <p:spTree>
       <p:nvGrpSpPr>
@@ -4651,6 +5482,7 @@
         </p:spPr>
         <p:txBody>
           <a:bodyPr anchor="b"/>
+          <a:lstStyle/>
           <a:p>
             <a:pPr>
               <a:lnSpc>
@@ -4658,15 +5490,15 @@
               </a:lnSpc>
             </a:pPr>
             <a:r>
-              <a:rPr b="0" lang="en-US" sz="2800" spc="-1" strike="noStrike" cap="all">
-                <a:solidFill>
-                  <a:srgbClr val="ffffff"/>
+              <a:rPr lang="en-US" sz="2800" b="0" strike="noStrike" cap="all" spc="-1">
+                <a:solidFill>
+                  <a:srgbClr val="FFFFFF"/>
                 </a:solidFill>
                 <a:latin typeface="Gill Sans MT"/>
               </a:rPr>
               <a:t>Conheça a equipe</a:t>
             </a:r>
-            <a:endParaRPr b="0" lang="en-US" sz="2800" spc="-1" strike="noStrike">
+            <a:endParaRPr lang="en-US" sz="2800" b="0" strike="noStrike" spc="-1">
               <a:solidFill>
                 <a:srgbClr val="000000"/>
               </a:solidFill>
@@ -4698,6 +5530,7 @@
           <a:bodyPr>
             <a:normAutofit/>
           </a:bodyPr>
+          <a:lstStyle/>
           <a:p>
             <a:pPr marL="306000" indent="-305640">
               <a:lnSpc>
@@ -4710,51 +5543,51 @@
                 <a:spcPts val="601"/>
               </a:spcAft>
               <a:buClr>
-                <a:srgbClr val="4590b8"/>
+                <a:srgbClr val="4590B8"/>
               </a:buClr>
               <a:buSzPct val="92000"/>
               <a:buFont typeface="Wingdings 2" charset="2"/>
               <a:buChar char=""/>
             </a:pPr>
             <a:r>
-              <a:rPr b="0" lang="en-US" sz="1800" spc="-1" strike="noStrike">
-                <a:solidFill>
-                  <a:srgbClr val="3d3d3d"/>
+              <a:rPr lang="en-US" sz="1800" b="0" strike="noStrike" spc="-1">
+                <a:solidFill>
+                  <a:srgbClr val="3D3D3D"/>
                 </a:solidFill>
                 <a:latin typeface="Gill Sans MT"/>
               </a:rPr>
               <a:t>6 membros, 5</a:t>
             </a:r>
             <a:r>
-              <a:rPr b="0" lang="en-US" sz="1800" spc="-1" strike="noStrike" baseline="30000">
-                <a:solidFill>
-                  <a:srgbClr val="3d3d3d"/>
+              <a:rPr lang="en-US" sz="1800" b="0" strike="noStrike" spc="-1" baseline="30000">
+                <a:solidFill>
+                  <a:srgbClr val="3D3D3D"/>
                 </a:solidFill>
                 <a:latin typeface="Gill Sans MT"/>
               </a:rPr>
               <a:t>ºano</a:t>
             </a:r>
             <a:r>
-              <a:rPr b="0" lang="en-US" sz="1800" spc="-1" strike="noStrike">
-                <a:solidFill>
-                  <a:srgbClr val="3d3d3d"/>
+              <a:rPr lang="en-US" sz="1800" b="0" strike="noStrike" spc="-1">
+                <a:solidFill>
+                  <a:srgbClr val="3D3D3D"/>
                 </a:solidFill>
                 <a:latin typeface="Gill Sans MT"/>
               </a:rPr>
               <a:t> – 8</a:t>
             </a:r>
             <a:r>
-              <a:rPr b="0" lang="en-US" sz="1800" spc="-1" strike="noStrike" baseline="30000">
-                <a:solidFill>
-                  <a:srgbClr val="3d3d3d"/>
+              <a:rPr lang="en-US" sz="1800" b="0" strike="noStrike" spc="-1" baseline="30000">
+                <a:solidFill>
+                  <a:srgbClr val="3D3D3D"/>
                 </a:solidFill>
                 <a:latin typeface="Gill Sans MT"/>
               </a:rPr>
               <a:t>ºano</a:t>
             </a:r>
-            <a:endParaRPr b="0" lang="en-US" sz="1800" spc="-1" strike="noStrike">
+            <a:endParaRPr lang="en-US" sz="1800" b="0" strike="noStrike" spc="-1">
               <a:solidFill>
-                <a:srgbClr val="3d3d3d"/>
+                <a:srgbClr val="3D3D3D"/>
               </a:solidFill>
               <a:latin typeface="Gill Sans MT"/>
             </a:endParaRPr>
@@ -4771,45 +5604,39 @@
                 <a:spcPts val="601"/>
               </a:spcAft>
               <a:buClr>
-                <a:srgbClr val="4590b8"/>
+                <a:srgbClr val="4590B8"/>
               </a:buClr>
               <a:buSzPct val="92000"/>
               <a:buFont typeface="Wingdings 2" charset="2"/>
               <a:buChar char=""/>
             </a:pPr>
             <a:r>
-              <a:rPr b="0" lang="en-US" sz="1800" spc="-1" strike="noStrike">
-                <a:solidFill>
-                  <a:srgbClr val="3d3d3d"/>
+              <a:rPr lang="en-US" sz="1800" b="0" strike="noStrike" spc="-1">
+                <a:solidFill>
+                  <a:srgbClr val="3D3D3D"/>
                 </a:solidFill>
                 <a:latin typeface="Gill Sans MT"/>
               </a:rPr>
               <a:t>1</a:t>
             </a:r>
             <a:r>
-              <a:rPr b="0" lang="en-US" sz="1800" spc="-1" strike="noStrike" baseline="30000">
-                <a:solidFill>
-                  <a:srgbClr val="3d3d3d"/>
+              <a:rPr lang="en-US" sz="1800" b="0" strike="noStrike" spc="-1" baseline="30000">
+                <a:solidFill>
+                  <a:srgbClr val="3D3D3D"/>
                 </a:solidFill>
                 <a:latin typeface="Gill Sans MT"/>
               </a:rPr>
               <a:t>º</a:t>
             </a:r>
             <a:r>
-              <a:rPr b="0" lang="en-US" sz="1800" spc="-1" strike="noStrike">
-                <a:solidFill>
-                  <a:srgbClr val="3d3d3d"/>
+              <a:rPr lang="en-US" sz="1800" b="0" strike="noStrike" spc="-1">
+                <a:solidFill>
+                  <a:srgbClr val="3D3D3D"/>
                 </a:solidFill>
                 <a:latin typeface="Gill Sans MT"/>
               </a:rPr>
               <a:t> lugar no Champion’s 2016 Central PA</a:t>
             </a:r>
-            <a:endParaRPr b="0" lang="en-US" sz="1800" spc="-1" strike="noStrike">
-              <a:solidFill>
-                <a:srgbClr val="3d3d3d"/>
-              </a:solidFill>
-              <a:latin typeface="Gill Sans MT"/>
-            </a:endParaRPr>
           </a:p>
           <a:p>
             <a:pPr marL="306000" indent="-305640">
@@ -4823,45 +5650,39 @@
                 <a:spcPts val="601"/>
               </a:spcAft>
               <a:buClr>
-                <a:srgbClr val="4590b8"/>
+                <a:srgbClr val="4590B8"/>
               </a:buClr>
               <a:buSzPct val="92000"/>
               <a:buFont typeface="Wingdings 2" charset="2"/>
               <a:buChar char=""/>
             </a:pPr>
             <a:r>
-              <a:rPr b="0" lang="en-US" sz="1800" spc="-1" strike="noStrike">
-                <a:solidFill>
-                  <a:srgbClr val="3d3d3d"/>
+              <a:rPr lang="en-US" sz="1800" b="0" strike="noStrike" spc="-1">
+                <a:solidFill>
+                  <a:srgbClr val="3D3D3D"/>
                 </a:solidFill>
                 <a:latin typeface="Gill Sans MT"/>
               </a:rPr>
               <a:t>1</a:t>
             </a:r>
             <a:r>
-              <a:rPr b="0" lang="en-US" sz="1800" spc="-1" strike="noStrike" baseline="30000">
-                <a:solidFill>
-                  <a:srgbClr val="3d3d3d"/>
+              <a:rPr lang="en-US" sz="1800" b="0" strike="noStrike" spc="-1" baseline="30000">
+                <a:solidFill>
+                  <a:srgbClr val="3D3D3D"/>
                 </a:solidFill>
                 <a:latin typeface="Gill Sans MT"/>
               </a:rPr>
               <a:t>º</a:t>
             </a:r>
             <a:r>
-              <a:rPr b="0" lang="en-US" sz="1800" spc="-1" strike="noStrike">
-                <a:solidFill>
-                  <a:srgbClr val="3d3d3d"/>
+              <a:rPr lang="en-US" sz="1800" b="0" strike="noStrike" spc="-1">
+                <a:solidFill>
+                  <a:srgbClr val="3D3D3D"/>
                 </a:solidFill>
                 <a:latin typeface="Gill Sans MT"/>
               </a:rPr>
               <a:t> lugar Champion’s 2017 Southeast PA</a:t>
             </a:r>
-            <a:endParaRPr b="0" lang="en-US" sz="1800" spc="-1" strike="noStrike">
-              <a:solidFill>
-                <a:srgbClr val="3d3d3d"/>
-              </a:solidFill>
-              <a:latin typeface="Gill Sans MT"/>
-            </a:endParaRPr>
           </a:p>
           <a:p>
             <a:pPr marL="306000" indent="-305640">
@@ -4875,45 +5696,39 @@
                 <a:spcPts val="601"/>
               </a:spcAft>
               <a:buClr>
-                <a:srgbClr val="4590b8"/>
+                <a:srgbClr val="4590B8"/>
               </a:buClr>
               <a:buSzPct val="92000"/>
               <a:buFont typeface="Wingdings 2" charset="2"/>
               <a:buChar char=""/>
             </a:pPr>
             <a:r>
-              <a:rPr b="0" lang="en-US" sz="1800" spc="-1" strike="noStrike">
-                <a:solidFill>
-                  <a:srgbClr val="3d3d3d"/>
+              <a:rPr lang="en-US" sz="1800" b="0" strike="noStrike" spc="-1">
+                <a:solidFill>
+                  <a:srgbClr val="3D3D3D"/>
                 </a:solidFill>
                 <a:latin typeface="Gill Sans MT"/>
               </a:rPr>
               <a:t>1</a:t>
             </a:r>
             <a:r>
-              <a:rPr b="0" lang="en-US" sz="1800" spc="-1" strike="noStrike" baseline="30000">
-                <a:solidFill>
-                  <a:srgbClr val="3d3d3d"/>
+              <a:rPr lang="en-US" sz="1800" b="0" strike="noStrike" spc="-1" baseline="30000">
+                <a:solidFill>
+                  <a:srgbClr val="3D3D3D"/>
                 </a:solidFill>
                 <a:latin typeface="Gill Sans MT"/>
               </a:rPr>
               <a:t>º</a:t>
             </a:r>
             <a:r>
-              <a:rPr b="0" lang="en-US" sz="1800" spc="-1" strike="noStrike">
-                <a:solidFill>
-                  <a:srgbClr val="3d3d3d"/>
+              <a:rPr lang="en-US" sz="1800" b="0" strike="noStrike" spc="-1">
+                <a:solidFill>
+                  <a:srgbClr val="3D3D3D"/>
                 </a:solidFill>
                 <a:latin typeface="Gill Sans MT"/>
               </a:rPr>
               <a:t> lugar Champion’s 2018 East PA</a:t>
             </a:r>
-            <a:endParaRPr b="0" lang="en-US" sz="1800" spc="-1" strike="noStrike">
-              <a:solidFill>
-                <a:srgbClr val="3d3d3d"/>
-              </a:solidFill>
-              <a:latin typeface="Gill Sans MT"/>
-            </a:endParaRPr>
           </a:p>
           <a:p>
             <a:pPr marL="306000" indent="-305640">
@@ -4927,45 +5742,39 @@
                 <a:spcPts val="601"/>
               </a:spcAft>
               <a:buClr>
-                <a:srgbClr val="4590b8"/>
+                <a:srgbClr val="4590B8"/>
               </a:buClr>
               <a:buSzPct val="92000"/>
               <a:buFont typeface="Wingdings 2" charset="2"/>
               <a:buChar char=""/>
             </a:pPr>
             <a:r>
-              <a:rPr b="0" lang="en-US" sz="1800" spc="-1" strike="noStrike">
-                <a:solidFill>
-                  <a:srgbClr val="3d3d3d"/>
+              <a:rPr lang="en-US" sz="1800" b="0" strike="noStrike" spc="-1">
+                <a:solidFill>
+                  <a:srgbClr val="3D3D3D"/>
                 </a:solidFill>
                 <a:latin typeface="Gill Sans MT"/>
               </a:rPr>
               <a:t>3</a:t>
             </a:r>
             <a:r>
-              <a:rPr b="0" lang="en-US" sz="1800" spc="-1" strike="noStrike" baseline="30000">
-                <a:solidFill>
-                  <a:srgbClr val="3d3d3d"/>
+              <a:rPr lang="en-US" sz="1800" b="0" strike="noStrike" spc="-1" baseline="30000">
+                <a:solidFill>
+                  <a:srgbClr val="3D3D3D"/>
                 </a:solidFill>
                 <a:latin typeface="Gill Sans MT"/>
               </a:rPr>
               <a:t>º</a:t>
             </a:r>
             <a:r>
-              <a:rPr b="0" lang="en-US" sz="1800" spc="-1" strike="noStrike">
-                <a:solidFill>
-                  <a:srgbClr val="3d3d3d"/>
+              <a:rPr lang="en-US" sz="1800" b="0" strike="noStrike" spc="-1">
+                <a:solidFill>
+                  <a:srgbClr val="3D3D3D"/>
                 </a:solidFill>
                 <a:latin typeface="Gill Sans MT"/>
               </a:rPr>
               <a:t> lugar em Trabalho em Equipe no World Festival 2017</a:t>
             </a:r>
-            <a:endParaRPr b="0" lang="en-US" sz="1800" spc="-1" strike="noStrike">
-              <a:solidFill>
-                <a:srgbClr val="3d3d3d"/>
-              </a:solidFill>
-              <a:latin typeface="Gill Sans MT"/>
-            </a:endParaRPr>
           </a:p>
           <a:p>
             <a:pPr marL="306000" indent="-305640">
@@ -4979,54 +5788,39 @@
                 <a:spcPts val="601"/>
               </a:spcAft>
               <a:buClr>
-                <a:srgbClr val="4590b8"/>
+                <a:srgbClr val="4590B8"/>
               </a:buClr>
               <a:buSzPct val="92000"/>
               <a:buFont typeface="Wingdings 2" charset="2"/>
               <a:buChar char=""/>
             </a:pPr>
             <a:r>
-              <a:rPr b="0" lang="en-US" sz="1800" spc="-1" strike="noStrike">
-                <a:solidFill>
-                  <a:srgbClr val="3d3d3d"/>
+              <a:rPr lang="en-US" sz="1800" b="0" strike="noStrike" spc="-1">
+                <a:solidFill>
+                  <a:srgbClr val="3D3D3D"/>
                 </a:solidFill>
                 <a:latin typeface="Gill Sans MT"/>
               </a:rPr>
               <a:t>Nosso </a:t>
             </a:r>
             <a:r>
-              <a:rPr b="0" i="1" lang="en-US" sz="1800" spc="-1" strike="noStrike">
-                <a:solidFill>
-                  <a:srgbClr val="3d3d3d"/>
+              <a:rPr lang="en-US" sz="1800" b="0" i="1" strike="noStrike" spc="-1">
+                <a:solidFill>
+                  <a:srgbClr val="3D3D3D"/>
                 </a:solidFill>
                 <a:latin typeface="Gill Sans MT"/>
               </a:rPr>
               <a:t>Core Values </a:t>
             </a:r>
             <a:r>
-              <a:rPr b="0" lang="en-US" sz="1800" spc="-1" strike="noStrike">
-                <a:solidFill>
-                  <a:srgbClr val="3d3d3d"/>
-                </a:solidFill>
-                <a:latin typeface="Gill Sans MT"/>
-              </a:rPr>
-              <a:t>favorito é “Nós somos uma equipe” e “Nós nos divertimos”</a:t>
-            </a:r>
-            <a:r>
-              <a:rPr b="0" lang="en-US" sz="1800" spc="-1" strike="noStrike">
-                <a:solidFill>
-                  <a:srgbClr val="3d3d3d"/>
-                </a:solidFill>
-                <a:latin typeface="Gill Sans MT"/>
-              </a:rPr>
-              <a:t>!</a:t>
-            </a:r>
-            <a:endParaRPr b="0" lang="en-US" sz="1800" spc="-1" strike="noStrike">
-              <a:solidFill>
-                <a:srgbClr val="3d3d3d"/>
-              </a:solidFill>
-              <a:latin typeface="Gill Sans MT"/>
-            </a:endParaRPr>
+              <a:rPr lang="en-US" sz="1800" b="0" strike="noStrike" spc="-1">
+                <a:solidFill>
+                  <a:srgbClr val="3D3D3D"/>
+                </a:solidFill>
+                <a:latin typeface="Gill Sans MT"/>
+              </a:rPr>
+              <a:t>favorito é “Nós somos uma equipe” e “Nós nos divertimos”!</a:t>
+            </a:r>
           </a:p>
           <a:p>
             <a:pPr>
@@ -5040,9 +5834,9 @@
                 <a:spcPts val="601"/>
               </a:spcAft>
             </a:pPr>
-            <a:endParaRPr b="0" lang="en-US" sz="1800" spc="-1" strike="noStrike">
+            <a:endParaRPr lang="en-US" sz="1800" b="0" strike="noStrike" spc="-1">
               <a:solidFill>
-                <a:srgbClr val="3d3d3d"/>
+                <a:srgbClr val="3D3D3D"/>
               </a:solidFill>
               <a:latin typeface="Gill Sans MT"/>
             </a:endParaRPr>
@@ -5069,7 +5863,8 @@
           </a:ln>
         </p:spPr>
         <p:txBody>
-          <a:bodyPr lIns="90000" rIns="90000" tIns="45000" bIns="45000"/>
+          <a:bodyPr lIns="90000" tIns="45000" rIns="90000" bIns="45000"/>
+          <a:lstStyle/>
           <a:p>
             <a:pPr>
               <a:lnSpc>
@@ -5077,15 +5872,15 @@
               </a:lnSpc>
             </a:pPr>
             <a:fld id="{3FF3E348-8E4C-40FE-90E8-04862350E24A}" type="slidenum">
-              <a:rPr b="0" lang="pt-BR" sz="1800" spc="-1" strike="noStrike">
-                <a:solidFill>
-                  <a:srgbClr val="537ed0"/>
-                </a:solidFill>
-                <a:latin typeface="Gill Sans MT"/>
-              </a:rPr>
-              <a:t>1</a:t>
+              <a:rPr lang="pt-BR" sz="1800" b="0" strike="noStrike" spc="-1">
+                <a:solidFill>
+                  <a:srgbClr val="537ED0"/>
+                </a:solidFill>
+                <a:latin typeface="Gill Sans MT"/>
+              </a:rPr>
+              <a:t>2</a:t>
             </a:fld>
-            <a:endParaRPr b="0" lang="pt-BR" sz="1800" spc="-1" strike="noStrike">
+            <a:endParaRPr lang="pt-BR" sz="1800" b="0" strike="noStrike" spc="-1">
               <a:latin typeface="Times New Roman"/>
             </a:endParaRPr>
           </a:p>
@@ -5093,30 +5888,7 @@
       </p:sp>
       <p:pic>
         <p:nvPicPr>
-          <p:cNvPr id="102" name="Picture 7" descr=""/>
-          <p:cNvPicPr/>
-          <p:nvPr/>
-        </p:nvPicPr>
-        <p:blipFill>
-          <a:blip r:embed="rId1"/>
-          <a:stretch/>
-        </p:blipFill>
-        <p:spPr>
-          <a:xfrm>
-            <a:off x="4358160" y="1745640"/>
-            <a:ext cx="4405320" cy="2127960"/>
-          </a:xfrm>
-          <a:prstGeom prst="rect">
-            <a:avLst/>
-          </a:prstGeom>
-          <a:ln>
-            <a:noFill/>
-          </a:ln>
-        </p:spPr>
-      </p:pic>
-      <p:pic>
-        <p:nvPicPr>
-          <p:cNvPr id="103" name="Picture 9" descr=""/>
+          <p:cNvPr id="102" name="Picture 7"/>
           <p:cNvPicPr/>
           <p:nvPr/>
         </p:nvPicPr>
@@ -5126,8 +5898,8 @@
         </p:blipFill>
         <p:spPr>
           <a:xfrm>
-            <a:off x="4349520" y="4202280"/>
-            <a:ext cx="4413960" cy="2063520"/>
+            <a:off x="4358160" y="1745640"/>
+            <a:ext cx="4405320" cy="2127960"/>
           </a:xfrm>
           <a:prstGeom prst="rect">
             <a:avLst/>
@@ -5137,27 +5909,53 @@
           </a:ln>
         </p:spPr>
       </p:pic>
+      <p:pic>
+        <p:nvPicPr>
+          <p:cNvPr id="103" name="Picture 9"/>
+          <p:cNvPicPr/>
+          <p:nvPr/>
+        </p:nvPicPr>
+        <p:blipFill>
+          <a:blip r:embed="rId3"/>
+          <a:stretch/>
+        </p:blipFill>
+        <p:spPr>
+          <a:xfrm>
+            <a:off x="4349520" y="4202280"/>
+            <a:ext cx="4413960" cy="2063520"/>
+          </a:xfrm>
+          <a:prstGeom prst="rect">
+            <a:avLst/>
+          </a:prstGeom>
+          <a:ln>
+            <a:noFill/>
+          </a:ln>
+        </p:spPr>
+      </p:pic>
     </p:spTree>
   </p:cSld>
+  <p:clrMapOvr>
+    <a:masterClrMapping/>
+  </p:clrMapOvr>
   <p:transition spd="med">
     <p:fade/>
   </p:transition>
   <p:timing>
     <p:tnLst>
       <p:par>
-        <p:cTn id="3" dur="indefinite" restart="never" nodeType="tmRoot">
+        <p:cTn id="1" dur="indefinite" restart="never" nodeType="tmRoot">
           <p:childTnLst>
             <p:seq>
-              <p:cTn id="4" dur="indefinite" nodeType="mainSeq"/>
+              <p:cTn id="2" dur="indefinite" nodeType="mainSeq"/>
               <p:prevCondLst>
-                <p:cond delay="0" evt="onPrev">
+                <p:cond evt="onPrev" delay="0">
                   <p:tgtEl>
                     <p:sldTgt/>
                   </p:tgtEl>
                 </p:cond>
               </p:prevCondLst>
               <p:nextCondLst>
-                <p:cond delay="0" evt="onNext">
+                <p:cond evt="onNext" delay="0">
                   <p:tgtEl>
                     <p:sldTgt/>
                   </p:tgtEl>
@@ -5173,7 +5971,7 @@
 </file>
 
 <file path=ppt/slides/slide3.xml><?xml version="1.0" encoding="utf-8"?>
-<p:sld xmlns:a="http://schemas.openxmlformats.org/drawingml/2006/main" xmlns:p="http://schemas.openxmlformats.org/presentationml/2006/main" xmlns:r="http://schemas.openxmlformats.org/officeDocument/2006/relationships" xmlns:p14="http://schemas.microsoft.com/office/powerpoint/2010/main" xmlns:p15="http://schemas.microsoft.com/office/powerpoint/2012/main" xmlns:mc="http://schemas.openxmlformats.org/markup-compatibility/2006">
+<p:sld xmlns:a="http://schemas.openxmlformats.org/drawingml/2006/main" xmlns:r="http://schemas.openxmlformats.org/officeDocument/2006/relationships" xmlns:p="http://schemas.openxmlformats.org/presentationml/2006/main">
   <p:cSld>
     <p:spTree>
       <p:nvGrpSpPr>
@@ -5210,6 +6008,7 @@
         </p:spPr>
         <p:txBody>
           <a:bodyPr anchor="b"/>
+          <a:lstStyle/>
           <a:p>
             <a:pPr>
               <a:lnSpc>
@@ -5217,33 +6016,33 @@
               </a:lnSpc>
             </a:pPr>
             <a:r>
-              <a:rPr b="0" lang="en-US" sz="2800" spc="-1" strike="noStrike" cap="all">
-                <a:solidFill>
-                  <a:srgbClr val="ffffff"/>
+              <a:rPr lang="en-US" sz="2800" b="0" strike="noStrike" cap="all" spc="-1">
+                <a:solidFill>
+                  <a:srgbClr val="FFFFFF"/>
                 </a:solidFill>
                 <a:latin typeface="Gill Sans MT"/>
               </a:rPr>
               <a:t>Por que um pôster de </a:t>
             </a:r>
             <a:r>
-              <a:rPr b="0" i="1" lang="en-US" sz="2800" spc="-1" strike="noStrike" cap="all">
-                <a:solidFill>
-                  <a:srgbClr val="ffffff"/>
+              <a:rPr lang="en-US" sz="2800" b="0" i="1" strike="noStrike" cap="all" spc="-1">
+                <a:solidFill>
+                  <a:srgbClr val="FFFFFF"/>
                 </a:solidFill>
                 <a:latin typeface="Gill Sans MT"/>
               </a:rPr>
               <a:t>core values </a:t>
             </a:r>
             <a:r>
-              <a:rPr b="0" lang="en-US" sz="2800" spc="-1" strike="noStrike" cap="all">
-                <a:solidFill>
-                  <a:srgbClr val="ffffff"/>
+              <a:rPr lang="en-US" sz="2800" b="0" strike="noStrike" cap="all" spc="-1">
+                <a:solidFill>
+                  <a:srgbClr val="FFFFFF"/>
                 </a:solidFill>
                 <a:latin typeface="Gill Sans MT"/>
               </a:rPr>
               <a:t>é utilizado?</a:t>
             </a:r>
-            <a:endParaRPr b="0" lang="en-US" sz="2800" spc="-1" strike="noStrike">
+            <a:endParaRPr lang="en-US" sz="2800" b="0" strike="noStrike" spc="-1">
               <a:solidFill>
                 <a:srgbClr val="000000"/>
               </a:solidFill>
@@ -5275,6 +6074,7 @@
           <a:bodyPr>
             <a:normAutofit/>
           </a:bodyPr>
+          <a:lstStyle/>
           <a:p>
             <a:pPr marL="306000" indent="-305640">
               <a:lnSpc>
@@ -5287,30 +6087,24 @@
                 <a:spcPts val="601"/>
               </a:spcAft>
               <a:buClr>
-                <a:srgbClr val="4590b8"/>
+                <a:srgbClr val="4590B8"/>
               </a:buClr>
               <a:buSzPct val="92000"/>
               <a:buFont typeface="Wingdings 2" charset="2"/>
               <a:buChar char=""/>
             </a:pPr>
             <a:r>
-              <a:rPr b="0" lang="en-US" sz="2400" spc="-1" strike="noStrike">
-                <a:solidFill>
-                  <a:srgbClr val="3d3d3d"/>
+              <a:rPr lang="en-US" sz="2400" b="0" strike="noStrike" spc="-1">
+                <a:solidFill>
+                  <a:srgbClr val="3D3D3D"/>
                 </a:solidFill>
                 <a:latin typeface="Gill Sans MT"/>
               </a:rPr>
               <a:t>Compartilhe a história da sua equipe!</a:t>
             </a:r>
-            <a:endParaRPr b="0" lang="en-US" sz="2400" spc="-1" strike="noStrike">
-              <a:solidFill>
-                <a:srgbClr val="3d3d3d"/>
-              </a:solidFill>
-              <a:latin typeface="Gill Sans MT"/>
-            </a:endParaRPr>
-          </a:p>
-          <a:p>
-            <a:pPr lvl="1" marL="630000" indent="-305640">
+          </a:p>
+          <a:p>
+            <a:pPr marL="630000" lvl="1" indent="-305640">
               <a:lnSpc>
                 <a:spcPct val="100000"/>
               </a:lnSpc>
@@ -5321,30 +6115,24 @@
                 <a:spcPts val="601"/>
               </a:spcAft>
               <a:buClr>
-                <a:srgbClr val="4590b8"/>
+                <a:srgbClr val="4590B8"/>
               </a:buClr>
               <a:buSzPct val="92000"/>
               <a:buFont typeface="Wingdings 2" charset="2"/>
               <a:buChar char=""/>
             </a:pPr>
             <a:r>
-              <a:rPr b="0" lang="en-US" sz="2000" spc="-1" strike="noStrike">
-                <a:solidFill>
-                  <a:srgbClr val="3d3d3d"/>
+              <a:rPr lang="en-US" sz="2000" b="0" strike="noStrike" spc="-1">
+                <a:solidFill>
+                  <a:srgbClr val="3D3D3D"/>
                 </a:solidFill>
                 <a:latin typeface="Gill Sans MT"/>
               </a:rPr>
               <a:t>É uma longa competição, então mostre o que vocês conquistaram nas competições e eventos de divulgação</a:t>
             </a:r>
-            <a:endParaRPr b="0" lang="en-US" sz="2000" spc="-1" strike="noStrike">
-              <a:solidFill>
-                <a:srgbClr val="3d3d3d"/>
-              </a:solidFill>
-              <a:latin typeface="Gill Sans MT"/>
-            </a:endParaRPr>
-          </a:p>
-          <a:p>
-            <a:pPr lvl="1" marL="630000" indent="-305640">
+          </a:p>
+          <a:p>
+            <a:pPr marL="630000" lvl="1" indent="-305640">
               <a:lnSpc>
                 <a:spcPct val="100000"/>
               </a:lnSpc>
@@ -5355,27 +6143,21 @@
                 <a:spcPts val="601"/>
               </a:spcAft>
               <a:buClr>
-                <a:srgbClr val="4590b8"/>
+                <a:srgbClr val="4590B8"/>
               </a:buClr>
               <a:buSzPct val="92000"/>
               <a:buFont typeface="Wingdings 2" charset="2"/>
               <a:buChar char=""/>
             </a:pPr>
             <a:r>
-              <a:rPr b="0" lang="en-US" sz="2000" spc="-1" strike="noStrike">
-                <a:solidFill>
-                  <a:srgbClr val="3d3d3d"/>
+              <a:rPr lang="en-US" sz="2000" b="0" strike="noStrike" spc="-1">
+                <a:solidFill>
+                  <a:srgbClr val="3D3D3D"/>
                 </a:solidFill>
                 <a:latin typeface="Gill Sans MT"/>
               </a:rPr>
               <a:t>A jornada de cada equipe é única, e os juízes querem saber o que torna ela especial</a:t>
             </a:r>
-            <a:endParaRPr b="0" lang="en-US" sz="2000" spc="-1" strike="noStrike">
-              <a:solidFill>
-                <a:srgbClr val="3d3d3d"/>
-              </a:solidFill>
-              <a:latin typeface="Gill Sans MT"/>
-            </a:endParaRPr>
           </a:p>
           <a:p>
             <a:pPr marL="306000" indent="-305640">
@@ -5389,30 +6171,24 @@
                 <a:spcPts val="601"/>
               </a:spcAft>
               <a:buClr>
-                <a:srgbClr val="4590b8"/>
+                <a:srgbClr val="4590B8"/>
               </a:buClr>
               <a:buSzPct val="92000"/>
               <a:buFont typeface="Wingdings 2" charset="2"/>
               <a:buChar char=""/>
             </a:pPr>
             <a:r>
-              <a:rPr b="0" lang="en-US" sz="2400" spc="-1" strike="noStrike">
-                <a:solidFill>
-                  <a:srgbClr val="3d3d3d"/>
+              <a:rPr lang="en-US" sz="2400" b="0" strike="noStrike" spc="-1">
+                <a:solidFill>
+                  <a:srgbClr val="3D3D3D"/>
                 </a:solidFill>
                 <a:latin typeface="Gill Sans MT"/>
               </a:rPr>
               <a:t>Tempo é limitado</a:t>
             </a:r>
-            <a:endParaRPr b="0" lang="en-US" sz="2400" spc="-1" strike="noStrike">
-              <a:solidFill>
-                <a:srgbClr val="3d3d3d"/>
-              </a:solidFill>
-              <a:latin typeface="Gill Sans MT"/>
-            </a:endParaRPr>
-          </a:p>
-          <a:p>
-            <a:pPr lvl="1" marL="630000" indent="-305640">
+          </a:p>
+          <a:p>
+            <a:pPr marL="630000" lvl="1" indent="-305640">
               <a:lnSpc>
                 <a:spcPct val="100000"/>
               </a:lnSpc>
@@ -5423,30 +6199,24 @@
                 <a:spcPts val="601"/>
               </a:spcAft>
               <a:buClr>
-                <a:srgbClr val="4590b8"/>
+                <a:srgbClr val="4590B8"/>
               </a:buClr>
               <a:buSzPct val="92000"/>
               <a:buFont typeface="Wingdings 2" charset="2"/>
               <a:buChar char=""/>
             </a:pPr>
             <a:r>
-              <a:rPr b="0" lang="en-US" sz="2000" spc="-1" strike="noStrike">
-                <a:solidFill>
-                  <a:srgbClr val="3d3d3d"/>
+              <a:rPr lang="en-US" sz="2000" b="0" strike="noStrike" spc="-1">
+                <a:solidFill>
+                  <a:srgbClr val="3D3D3D"/>
                 </a:solidFill>
                 <a:latin typeface="Gill Sans MT"/>
               </a:rPr>
               <a:t>Durante as avaliações, você tem pouco tempo para compartilhar sua história. O pôster mostra os detalhes que podem ser cobertos quando conversando com os juízes</a:t>
             </a:r>
-            <a:endParaRPr b="0" lang="en-US" sz="2000" spc="-1" strike="noStrike">
-              <a:solidFill>
-                <a:srgbClr val="3d3d3d"/>
-              </a:solidFill>
-              <a:latin typeface="Gill Sans MT"/>
-            </a:endParaRPr>
-          </a:p>
-          <a:p>
-            <a:pPr lvl="1" marL="630000" indent="-305640">
+          </a:p>
+          <a:p>
+            <a:pPr marL="630000" lvl="1" indent="-305640">
               <a:lnSpc>
                 <a:spcPct val="100000"/>
               </a:lnSpc>
@@ -5457,27 +6227,21 @@
                 <a:spcPts val="601"/>
               </a:spcAft>
               <a:buClr>
-                <a:srgbClr val="4590b8"/>
+                <a:srgbClr val="4590B8"/>
               </a:buClr>
               <a:buSzPct val="92000"/>
               <a:buFont typeface="Wingdings 2" charset="2"/>
               <a:buChar char=""/>
             </a:pPr>
             <a:r>
-              <a:rPr b="0" lang="en-US" sz="2000" spc="-1" strike="noStrike">
-                <a:solidFill>
-                  <a:srgbClr val="3d3d3d"/>
+              <a:rPr lang="en-US" sz="2000" b="0" strike="noStrike" spc="-1">
+                <a:solidFill>
+                  <a:srgbClr val="3D3D3D"/>
                 </a:solidFill>
                 <a:latin typeface="Gill Sans MT"/>
               </a:rPr>
               <a:t>Podem servir como ponto de referência quando falando com juízes</a:t>
             </a:r>
-            <a:endParaRPr b="0" lang="en-US" sz="2000" spc="-1" strike="noStrike">
-              <a:solidFill>
-                <a:srgbClr val="3d3d3d"/>
-              </a:solidFill>
-              <a:latin typeface="Gill Sans MT"/>
-            </a:endParaRPr>
           </a:p>
           <a:p>
             <a:pPr marL="306000" indent="-305640">
@@ -5491,30 +6255,24 @@
                 <a:spcPts val="601"/>
               </a:spcAft>
               <a:buClr>
-                <a:srgbClr val="4590b8"/>
+                <a:srgbClr val="4590B8"/>
               </a:buClr>
               <a:buSzPct val="92000"/>
               <a:buFont typeface="Wingdings 2" charset="2"/>
               <a:buChar char=""/>
             </a:pPr>
             <a:r>
-              <a:rPr b="0" lang="en-US" sz="2400" spc="-1" strike="noStrike">
-                <a:solidFill>
-                  <a:srgbClr val="3d3d3d"/>
+              <a:rPr lang="en-US" sz="2400" b="0" strike="noStrike" spc="-1">
+                <a:solidFill>
+                  <a:srgbClr val="3D3D3D"/>
                 </a:solidFill>
                 <a:latin typeface="Gill Sans MT"/>
               </a:rPr>
               <a:t>Nem sempre exigido, mas recomendado</a:t>
             </a:r>
-            <a:endParaRPr b="0" lang="en-US" sz="2400" spc="-1" strike="noStrike">
-              <a:solidFill>
-                <a:srgbClr val="3d3d3d"/>
-              </a:solidFill>
-              <a:latin typeface="Gill Sans MT"/>
-            </a:endParaRPr>
-          </a:p>
-          <a:p>
-            <a:pPr lvl="1" marL="630000" indent="-305640">
+          </a:p>
+          <a:p>
+            <a:pPr marL="630000" lvl="1" indent="-305640">
               <a:lnSpc>
                 <a:spcPct val="100000"/>
               </a:lnSpc>
@@ -5525,33 +6283,33 @@
                 <a:spcPts val="601"/>
               </a:spcAft>
               <a:buClr>
-                <a:srgbClr val="4590b8"/>
+                <a:srgbClr val="4590B8"/>
               </a:buClr>
               <a:buSzPct val="92000"/>
               <a:buFont typeface="Wingdings 2" charset="2"/>
               <a:buChar char=""/>
             </a:pPr>
             <a:r>
-              <a:rPr b="0" lang="en-US" sz="2000" spc="-1" strike="noStrike">
-                <a:solidFill>
-                  <a:srgbClr val="3d3d3d"/>
+              <a:rPr lang="en-US" sz="2000" b="0" strike="noStrike" spc="-1">
+                <a:solidFill>
+                  <a:srgbClr val="3D3D3D"/>
                 </a:solidFill>
                 <a:latin typeface="Gill Sans MT"/>
               </a:rPr>
               <a:t>Algumas regiões nçao exigem um pôster de </a:t>
             </a:r>
             <a:r>
-              <a:rPr b="0" i="1" lang="en-US" sz="2000" spc="-1" strike="noStrike">
-                <a:solidFill>
-                  <a:srgbClr val="3d3d3d"/>
+              <a:rPr lang="en-US" sz="2000" b="0" i="1" strike="noStrike" spc="-1">
+                <a:solidFill>
+                  <a:srgbClr val="3D3D3D"/>
                 </a:solidFill>
                 <a:latin typeface="Gill Sans MT"/>
               </a:rPr>
               <a:t>Core Values.</a:t>
             </a:r>
-            <a:endParaRPr b="0" lang="en-US" sz="2000" spc="-1" strike="noStrike">
+            <a:endParaRPr lang="en-US" sz="2000" b="0" strike="noStrike" spc="-1">
               <a:solidFill>
-                <a:srgbClr val="3d3d3d"/>
+                <a:srgbClr val="3D3D3D"/>
               </a:solidFill>
               <a:latin typeface="Gill Sans MT"/>
             </a:endParaRPr>
@@ -5578,7 +6336,8 @@
           </a:ln>
         </p:spPr>
         <p:txBody>
-          <a:bodyPr lIns="90000" rIns="90000" tIns="45000" bIns="45000"/>
+          <a:bodyPr lIns="90000" tIns="45000" rIns="90000" bIns="45000"/>
+          <a:lstStyle/>
           <a:p>
             <a:pPr>
               <a:lnSpc>
@@ -5586,15 +6345,15 @@
               </a:lnSpc>
             </a:pPr>
             <a:fld id="{8D9B6BFC-ECAB-46AA-A803-255268B9AFAF}" type="slidenum">
-              <a:rPr b="0" lang="pt-BR" sz="1800" spc="-1" strike="noStrike">
-                <a:solidFill>
-                  <a:srgbClr val="537ed0"/>
-                </a:solidFill>
-                <a:latin typeface="Gill Sans MT"/>
-              </a:rPr>
-              <a:t>1</a:t>
+              <a:rPr lang="pt-BR" sz="1800" b="0" strike="noStrike" spc="-1">
+                <a:solidFill>
+                  <a:srgbClr val="537ED0"/>
+                </a:solidFill>
+                <a:latin typeface="Gill Sans MT"/>
+              </a:rPr>
+              <a:t>3</a:t>
             </a:fld>
-            <a:endParaRPr b="0" lang="pt-BR" sz="1800" spc="-1" strike="noStrike">
+            <a:endParaRPr lang="pt-BR" sz="1800" b="0" strike="noStrike" spc="-1">
               <a:latin typeface="Times New Roman"/>
             </a:endParaRPr>
           </a:p>
@@ -5620,7 +6379,8 @@
           </a:ln>
         </p:spPr>
         <p:txBody>
-          <a:bodyPr lIns="90000" rIns="90000" tIns="45000" bIns="45000"/>
+          <a:bodyPr lIns="90000" tIns="45000" rIns="90000" bIns="45000"/>
+          <a:lstStyle/>
           <a:p>
             <a:pPr>
               <a:lnSpc>
@@ -5628,24 +6388,24 @@
               </a:lnSpc>
             </a:pPr>
             <a:r>
-              <a:rPr b="0" lang="pt-BR" sz="1800" spc="-1" strike="noStrike">
-                <a:solidFill>
-                  <a:srgbClr val="537ed0"/>
+              <a:rPr lang="pt-BR" sz="1800" b="0" strike="noStrike" spc="-1">
+                <a:solidFill>
+                  <a:srgbClr val="537ED0"/>
                 </a:solidFill>
                 <a:latin typeface="Gill Sans MT"/>
               </a:rPr>
               <a:t>Última edição: </a:t>
             </a:r>
             <a:fld id="{AC297123-8EC5-4615-B4D5-954D43748B8D}" type="datetime1">
-              <a:rPr b="0" lang="pt-BR" sz="1800" spc="-1" strike="noStrike">
-                <a:solidFill>
-                  <a:srgbClr val="537ed0"/>
-                </a:solidFill>
-                <a:latin typeface="Gill Sans MT"/>
-              </a:rPr>
-              <a:t>03/09/2018</a:t>
+              <a:rPr lang="pt-BR" sz="1800" b="0" strike="noStrike" spc="-1">
+                <a:solidFill>
+                  <a:srgbClr val="537ED0"/>
+                </a:solidFill>
+                <a:latin typeface="Gill Sans MT"/>
+              </a:rPr>
+              <a:t>01/10/2018</a:t>
             </a:fld>
-            <a:endParaRPr b="0" lang="pt-BR" sz="1800" spc="-1" strike="noStrike">
+            <a:endParaRPr lang="pt-BR" sz="1800" b="0" strike="noStrike" spc="-1">
               <a:latin typeface="Times New Roman"/>
             </a:endParaRPr>
           </a:p>
@@ -5671,7 +6431,8 @@
           </a:ln>
         </p:spPr>
         <p:txBody>
-          <a:bodyPr lIns="90000" rIns="90000" tIns="45000" bIns="45000"/>
+          <a:bodyPr lIns="90000" tIns="45000" rIns="90000" bIns="45000"/>
+          <a:lstStyle/>
           <a:p>
             <a:pPr>
               <a:lnSpc>
@@ -5679,15 +6440,15 @@
               </a:lnSpc>
             </a:pPr>
             <a:r>
-              <a:rPr b="0" lang="pt-BR" sz="1800" spc="-1" strike="noStrike">
-                <a:solidFill>
-                  <a:srgbClr val="537ed0"/>
+              <a:rPr lang="pt-BR" sz="1800" b="0" strike="noStrike" spc="-1">
+                <a:solidFill>
+                  <a:srgbClr val="537ED0"/>
                 </a:solidFill>
                 <a:latin typeface="Gill Sans MT"/>
               </a:rPr>
               <a:t>Copyright 2018, FLL TUTORIALS</a:t>
             </a:r>
-            <a:endParaRPr b="0" lang="pt-BR" sz="1800" spc="-1" strike="noStrike">
+            <a:endParaRPr lang="pt-BR" sz="1800" b="0" strike="noStrike" spc="-1">
               <a:latin typeface="Times New Roman"/>
             </a:endParaRPr>
           </a:p>
@@ -5695,22 +6456,25 @@
       </p:sp>
     </p:spTree>
   </p:cSld>
+  <p:clrMapOvr>
+    <a:masterClrMapping/>
+  </p:clrMapOvr>
   <p:timing>
     <p:tnLst>
       <p:par>
-        <p:cTn id="5" dur="indefinite" restart="never" nodeType="tmRoot">
+        <p:cTn id="1" dur="indefinite" restart="never" nodeType="tmRoot">
           <p:childTnLst>
             <p:seq>
-              <p:cTn id="6" dur="indefinite" nodeType="mainSeq"/>
+              <p:cTn id="2" dur="indefinite" nodeType="mainSeq"/>
               <p:prevCondLst>
-                <p:cond delay="0" evt="onPrev">
+                <p:cond evt="onPrev" delay="0">
                   <p:tgtEl>
                     <p:sldTgt/>
                   </p:tgtEl>
                 </p:cond>
               </p:prevCondLst>
               <p:nextCondLst>
-                <p:cond delay="0" evt="onNext">
+                <p:cond evt="onNext" delay="0">
                   <p:tgtEl>
                     <p:sldTgt/>
                   </p:tgtEl>
@@ -5726,7 +6490,7 @@
 </file>
 
 <file path=ppt/slides/slide4.xml><?xml version="1.0" encoding="utf-8"?>
-<p:sld xmlns:a="http://schemas.openxmlformats.org/drawingml/2006/main" xmlns:p="http://schemas.openxmlformats.org/presentationml/2006/main" xmlns:r="http://schemas.openxmlformats.org/officeDocument/2006/relationships" xmlns:p14="http://schemas.microsoft.com/office/powerpoint/2010/main" xmlns:p15="http://schemas.microsoft.com/office/powerpoint/2012/main" xmlns:mc="http://schemas.openxmlformats.org/markup-compatibility/2006">
+<p:sld xmlns:a="http://schemas.openxmlformats.org/drawingml/2006/main" xmlns:r="http://schemas.openxmlformats.org/officeDocument/2006/relationships" xmlns:p="http://schemas.openxmlformats.org/presentationml/2006/main">
   <p:cSld>
     <p:spTree>
       <p:nvGrpSpPr>
@@ -5763,6 +6527,7 @@
         </p:spPr>
         <p:txBody>
           <a:bodyPr anchor="b"/>
+          <a:lstStyle/>
           <a:p>
             <a:pPr>
               <a:lnSpc>
@@ -5770,15 +6535,15 @@
               </a:lnSpc>
             </a:pPr>
             <a:r>
-              <a:rPr b="0" lang="en-US" sz="2800" spc="-1" strike="noStrike" cap="all">
-                <a:solidFill>
-                  <a:srgbClr val="ffffff"/>
+              <a:rPr lang="en-US" sz="2800" b="0" strike="noStrike" cap="all" spc="-1">
+                <a:solidFill>
+                  <a:srgbClr val="FFFFFF"/>
                 </a:solidFill>
                 <a:latin typeface="Gill Sans MT"/>
               </a:rPr>
               <a:t>TERMoS USaDos no pôster de CORE VALUES</a:t>
             </a:r>
-            <a:endParaRPr b="0" lang="en-US" sz="2800" spc="-1" strike="noStrike">
+            <a:endParaRPr lang="en-US" sz="2800" b="0" strike="noStrike" spc="-1">
               <a:solidFill>
                 <a:srgbClr val="000000"/>
               </a:solidFill>
@@ -5808,8 +6573,9 @@
         </p:spPr>
         <p:txBody>
           <a:bodyPr>
-            <a:normAutofit/>
+            <a:noAutofit/>
           </a:bodyPr>
+          <a:lstStyle/>
           <a:p>
             <a:pPr marL="306000" indent="-305640">
               <a:lnSpc>
@@ -5819,35 +6585,205 @@
                 <a:spcPts val="601"/>
               </a:spcAft>
               <a:buClr>
-                <a:srgbClr val="9e3611"/>
+                <a:srgbClr val="9E3611"/>
               </a:buClr>
               <a:buSzPct val="92000"/>
               <a:buFont typeface="Noto Sans Symbols"/>
               <a:buChar char="▪"/>
             </a:pPr>
             <a:r>
-              <a:rPr b="0" lang="en-US" sz="4300" spc="-1" strike="noStrike">
-                <a:solidFill>
-                  <a:srgbClr val="ff0000"/>
+              <a:rPr lang="en-US" sz="1200" b="0" strike="noStrike" spc="-1" dirty="0" err="1">
+                <a:solidFill>
+                  <a:srgbClr val="FF0000"/>
                 </a:solidFill>
                 <a:latin typeface="Gill Sans MT"/>
                 <a:ea typeface="Rockwell"/>
               </a:rPr>
-              <a:t>Descoberta: </a:t>
-            </a:r>
-            <a:r>
-              <a:rPr b="0" lang="en-US" sz="4300" spc="-1" strike="noStrike">
+              <a:t>Descoberta</a:t>
+            </a:r>
+            <a:r>
+              <a:rPr lang="en-US" sz="1200" b="0" strike="noStrike" spc="-1" dirty="0">
+                <a:solidFill>
+                  <a:srgbClr val="FF0000"/>
+                </a:solidFill>
+                <a:latin typeface="Gill Sans MT"/>
+                <a:ea typeface="Rockwell"/>
+              </a:rPr>
+              <a:t>: </a:t>
+            </a:r>
+            <a:r>
+              <a:rPr lang="en-US" sz="1200" b="0" strike="noStrike" spc="-1" dirty="0">
                 <a:solidFill>
                   <a:srgbClr val="000000"/>
                 </a:solidFill>
                 <a:latin typeface="Gill Sans MT"/>
                 <a:ea typeface="Rockwell"/>
               </a:rPr>
-              <a:t>O que a equipe descobriu na temporada e como equilibrou as três partes da FLL </a:t>
-            </a:r>
-            <a:endParaRPr b="0" lang="en-US" sz="4300" spc="-1" strike="noStrike">
+              <a:t>O que a </a:t>
+            </a:r>
+            <a:r>
+              <a:rPr lang="en-US" sz="1200" b="0" strike="noStrike" spc="-1" dirty="0" err="1">
+                <a:solidFill>
+                  <a:srgbClr val="000000"/>
+                </a:solidFill>
+                <a:latin typeface="Gill Sans MT"/>
+                <a:ea typeface="Rockwell"/>
+              </a:rPr>
+              <a:t>equipe</a:t>
+            </a:r>
+            <a:r>
+              <a:rPr lang="en-US" sz="1200" b="0" strike="noStrike" spc="-1" dirty="0">
+                <a:solidFill>
+                  <a:srgbClr val="000000"/>
+                </a:solidFill>
+                <a:latin typeface="Gill Sans MT"/>
+                <a:ea typeface="Rockwell"/>
+              </a:rPr>
+              <a:t> </a:t>
+            </a:r>
+            <a:r>
+              <a:rPr lang="en-US" sz="1200" b="0" strike="noStrike" spc="-1" dirty="0" err="1">
+                <a:solidFill>
+                  <a:srgbClr val="000000"/>
+                </a:solidFill>
+                <a:latin typeface="Gill Sans MT"/>
+                <a:ea typeface="Rockwell"/>
+              </a:rPr>
+              <a:t>descobriu</a:t>
+            </a:r>
+            <a:r>
+              <a:rPr lang="en-US" sz="1200" b="0" strike="noStrike" spc="-1" dirty="0">
+                <a:solidFill>
+                  <a:srgbClr val="000000"/>
+                </a:solidFill>
+                <a:latin typeface="Gill Sans MT"/>
+                <a:ea typeface="Rockwell"/>
+              </a:rPr>
+              <a:t> </a:t>
+            </a:r>
+            <a:r>
+              <a:rPr lang="en-US" sz="1200" b="0" strike="noStrike" spc="-1" dirty="0" err="1">
+                <a:solidFill>
+                  <a:srgbClr val="000000"/>
+                </a:solidFill>
+                <a:latin typeface="Gill Sans MT"/>
+                <a:ea typeface="Rockwell"/>
+              </a:rPr>
+              <a:t>na</a:t>
+            </a:r>
+            <a:r>
+              <a:rPr lang="en-US" sz="1200" b="0" strike="noStrike" spc="-1" dirty="0">
+                <a:solidFill>
+                  <a:srgbClr val="000000"/>
+                </a:solidFill>
+                <a:latin typeface="Gill Sans MT"/>
+                <a:ea typeface="Rockwell"/>
+              </a:rPr>
+              <a:t> </a:t>
+            </a:r>
+            <a:r>
+              <a:rPr lang="en-US" sz="1200" b="0" strike="noStrike" spc="-1" dirty="0" err="1">
+                <a:solidFill>
+                  <a:srgbClr val="000000"/>
+                </a:solidFill>
+                <a:latin typeface="Gill Sans MT"/>
+                <a:ea typeface="Rockwell"/>
+              </a:rPr>
+              <a:t>temporada</a:t>
+            </a:r>
+            <a:r>
+              <a:rPr lang="en-US" sz="1200" b="0" strike="noStrike" spc="-1" dirty="0">
+                <a:solidFill>
+                  <a:srgbClr val="000000"/>
+                </a:solidFill>
+                <a:latin typeface="Gill Sans MT"/>
+                <a:ea typeface="Rockwell"/>
+              </a:rPr>
+              <a:t> e </a:t>
+            </a:r>
+            <a:r>
+              <a:rPr lang="en-US" sz="1200" b="0" strike="noStrike" spc="-1" dirty="0" err="1">
+                <a:solidFill>
+                  <a:srgbClr val="000000"/>
+                </a:solidFill>
+                <a:latin typeface="Gill Sans MT"/>
+                <a:ea typeface="Rockwell"/>
+              </a:rPr>
+              <a:t>como</a:t>
+            </a:r>
+            <a:r>
+              <a:rPr lang="en-US" sz="1200" b="0" strike="noStrike" spc="-1" dirty="0">
+                <a:solidFill>
+                  <a:srgbClr val="000000"/>
+                </a:solidFill>
+                <a:latin typeface="Gill Sans MT"/>
+                <a:ea typeface="Rockwell"/>
+              </a:rPr>
+              <a:t> </a:t>
+            </a:r>
+            <a:r>
+              <a:rPr lang="en-US" sz="1200" b="0" strike="noStrike" spc="-1" dirty="0" err="1">
+                <a:solidFill>
+                  <a:srgbClr val="000000"/>
+                </a:solidFill>
+                <a:latin typeface="Gill Sans MT"/>
+                <a:ea typeface="Rockwell"/>
+              </a:rPr>
+              <a:t>equilibrou</a:t>
+            </a:r>
+            <a:r>
+              <a:rPr lang="en-US" sz="1200" b="0" strike="noStrike" spc="-1" dirty="0">
+                <a:solidFill>
+                  <a:srgbClr val="000000"/>
+                </a:solidFill>
+                <a:latin typeface="Gill Sans MT"/>
+                <a:ea typeface="Rockwell"/>
+              </a:rPr>
+              <a:t> as </a:t>
+            </a:r>
+            <a:r>
+              <a:rPr lang="en-US" sz="1200" b="0" strike="noStrike" spc="-1" dirty="0" err="1">
+                <a:solidFill>
+                  <a:srgbClr val="000000"/>
+                </a:solidFill>
+                <a:latin typeface="Gill Sans MT"/>
+                <a:ea typeface="Rockwell"/>
+              </a:rPr>
+              <a:t>três</a:t>
+            </a:r>
+            <a:r>
+              <a:rPr lang="en-US" sz="1200" b="0" strike="noStrike" spc="-1" dirty="0">
+                <a:solidFill>
+                  <a:srgbClr val="000000"/>
+                </a:solidFill>
+                <a:latin typeface="Gill Sans MT"/>
+                <a:ea typeface="Rockwell"/>
+              </a:rPr>
+              <a:t> </a:t>
+            </a:r>
+            <a:r>
+              <a:rPr lang="en-US" sz="1200" b="0" strike="noStrike" spc="-1" dirty="0" err="1">
+                <a:solidFill>
+                  <a:srgbClr val="000000"/>
+                </a:solidFill>
+                <a:latin typeface="Gill Sans MT"/>
+                <a:ea typeface="Rockwell"/>
+              </a:rPr>
+              <a:t>partes</a:t>
+            </a:r>
+            <a:r>
+              <a:rPr lang="en-US" sz="1200" b="0" strike="noStrike" spc="-1" dirty="0">
+                <a:solidFill>
+                  <a:srgbClr val="000000"/>
+                </a:solidFill>
+                <a:latin typeface="Gill Sans MT"/>
+                <a:ea typeface="Rockwell"/>
+              </a:rPr>
+              <a:t> da FLL </a:t>
+            </a:r>
+            <a:endParaRPr lang="en-US" sz="1200" b="0" strike="noStrike" spc="-1" dirty="0">
               <a:solidFill>
-                <a:srgbClr val="3d3d3d"/>
+                <a:srgbClr val="3D3D3D"/>
               </a:solidFill>
               <a:latin typeface="Gill Sans MT"/>
             </a:endParaRPr>
@@ -5861,35 +6797,215 @@
                 <a:spcPts val="601"/>
               </a:spcAft>
               <a:buClr>
-                <a:srgbClr val="9e3611"/>
+                <a:srgbClr val="9E3611"/>
               </a:buClr>
               <a:buSzPct val="92000"/>
               <a:buFont typeface="Noto Sans Symbols"/>
               <a:buChar char="▪"/>
             </a:pPr>
             <a:r>
-              <a:rPr b="0" lang="en-US" sz="4300" spc="-1" strike="noStrike">
-                <a:solidFill>
-                  <a:srgbClr val="ff0000"/>
+              <a:rPr lang="en-US" sz="1200" b="0" strike="noStrike" spc="-1" dirty="0" err="1">
+                <a:solidFill>
+                  <a:srgbClr val="FF0000"/>
                 </a:solidFill>
                 <a:latin typeface="Gill Sans MT"/>
                 <a:ea typeface="Rockwell"/>
               </a:rPr>
-              <a:t>Integração:</a:t>
-            </a:r>
-            <a:r>
-              <a:rPr b="0" lang="en-US" sz="4300" spc="-1" strike="noStrike">
+              <a:t>Integração</a:t>
+            </a:r>
+            <a:r>
+              <a:rPr lang="en-US" sz="1200" b="0" strike="noStrike" spc="-1" dirty="0">
+                <a:solidFill>
+                  <a:srgbClr val="FF0000"/>
+                </a:solidFill>
+                <a:latin typeface="Gill Sans MT"/>
+                <a:ea typeface="Rockwell"/>
+              </a:rPr>
+              <a:t>:</a:t>
+            </a:r>
+            <a:r>
+              <a:rPr lang="en-US" sz="1200" b="0" strike="noStrike" spc="-1" dirty="0">
                 <a:solidFill>
                   <a:srgbClr val="000000"/>
                 </a:solidFill>
                 <a:latin typeface="Gill Sans MT"/>
                 <a:ea typeface="Rockwell"/>
               </a:rPr>
-              <a:t> Como você incorporou as habilidades e ideias aprendidas na FLL para o dia a dia for a do torneio</a:t>
-            </a:r>
-            <a:endParaRPr b="0" lang="en-US" sz="4300" spc="-1" strike="noStrike">
+              <a:t> Como </a:t>
+            </a:r>
+            <a:r>
+              <a:rPr lang="en-US" sz="1200" b="0" strike="noStrike" spc="-1" dirty="0" err="1">
+                <a:solidFill>
+                  <a:srgbClr val="000000"/>
+                </a:solidFill>
+                <a:latin typeface="Gill Sans MT"/>
+                <a:ea typeface="Rockwell"/>
+              </a:rPr>
+              <a:t>você</a:t>
+            </a:r>
+            <a:r>
+              <a:rPr lang="en-US" sz="1200" b="0" strike="noStrike" spc="-1" dirty="0">
+                <a:solidFill>
+                  <a:srgbClr val="000000"/>
+                </a:solidFill>
+                <a:latin typeface="Gill Sans MT"/>
+                <a:ea typeface="Rockwell"/>
+              </a:rPr>
+              <a:t> </a:t>
+            </a:r>
+            <a:r>
+              <a:rPr lang="en-US" sz="1200" b="0" strike="noStrike" spc="-1" dirty="0" err="1">
+                <a:solidFill>
+                  <a:srgbClr val="000000"/>
+                </a:solidFill>
+                <a:latin typeface="Gill Sans MT"/>
+                <a:ea typeface="Rockwell"/>
+              </a:rPr>
+              <a:t>incorporou</a:t>
+            </a:r>
+            <a:r>
+              <a:rPr lang="en-US" sz="1200" b="0" strike="noStrike" spc="-1" dirty="0">
+                <a:solidFill>
+                  <a:srgbClr val="000000"/>
+                </a:solidFill>
+                <a:latin typeface="Gill Sans MT"/>
+                <a:ea typeface="Rockwell"/>
+              </a:rPr>
+              <a:t> as </a:t>
+            </a:r>
+            <a:r>
+              <a:rPr lang="en-US" sz="1200" b="0" strike="noStrike" spc="-1" dirty="0" err="1">
+                <a:solidFill>
+                  <a:srgbClr val="000000"/>
+                </a:solidFill>
+                <a:latin typeface="Gill Sans MT"/>
+                <a:ea typeface="Rockwell"/>
+              </a:rPr>
+              <a:t>habilidades</a:t>
+            </a:r>
+            <a:r>
+              <a:rPr lang="en-US" sz="1200" b="0" strike="noStrike" spc="-1" dirty="0">
+                <a:solidFill>
+                  <a:srgbClr val="000000"/>
+                </a:solidFill>
+                <a:latin typeface="Gill Sans MT"/>
+                <a:ea typeface="Rockwell"/>
+              </a:rPr>
+              <a:t> e </a:t>
+            </a:r>
+            <a:r>
+              <a:rPr lang="en-US" sz="1200" b="0" strike="noStrike" spc="-1" dirty="0" err="1">
+                <a:solidFill>
+                  <a:srgbClr val="000000"/>
+                </a:solidFill>
+                <a:latin typeface="Gill Sans MT"/>
+                <a:ea typeface="Rockwell"/>
+              </a:rPr>
+              <a:t>ideias</a:t>
+            </a:r>
+            <a:r>
+              <a:rPr lang="en-US" sz="1200" b="0" strike="noStrike" spc="-1" dirty="0">
+                <a:solidFill>
+                  <a:srgbClr val="000000"/>
+                </a:solidFill>
+                <a:latin typeface="Gill Sans MT"/>
+                <a:ea typeface="Rockwell"/>
+              </a:rPr>
+              <a:t> </a:t>
+            </a:r>
+            <a:r>
+              <a:rPr lang="en-US" sz="1200" b="0" strike="noStrike" spc="-1" dirty="0" err="1">
+                <a:solidFill>
+                  <a:srgbClr val="000000"/>
+                </a:solidFill>
+                <a:latin typeface="Gill Sans MT"/>
+                <a:ea typeface="Rockwell"/>
+              </a:rPr>
+              <a:t>aprendidas</a:t>
+            </a:r>
+            <a:r>
+              <a:rPr lang="en-US" sz="1200" b="0" strike="noStrike" spc="-1" dirty="0">
+                <a:solidFill>
+                  <a:srgbClr val="000000"/>
+                </a:solidFill>
+                <a:latin typeface="Gill Sans MT"/>
+                <a:ea typeface="Rockwell"/>
+              </a:rPr>
+              <a:t> </a:t>
+            </a:r>
+            <a:r>
+              <a:rPr lang="en-US" sz="1200" b="0" strike="noStrike" spc="-1" dirty="0" err="1">
+                <a:solidFill>
+                  <a:srgbClr val="000000"/>
+                </a:solidFill>
+                <a:latin typeface="Gill Sans MT"/>
+                <a:ea typeface="Rockwell"/>
+              </a:rPr>
+              <a:t>na</a:t>
+            </a:r>
+            <a:r>
+              <a:rPr lang="en-US" sz="1200" b="0" strike="noStrike" spc="-1" dirty="0">
+                <a:solidFill>
+                  <a:srgbClr val="000000"/>
+                </a:solidFill>
+                <a:latin typeface="Gill Sans MT"/>
+                <a:ea typeface="Rockwell"/>
+              </a:rPr>
+              <a:t> FLL para o </a:t>
+            </a:r>
+            <a:r>
+              <a:rPr lang="en-US" sz="1200" b="0" strike="noStrike" spc="-1" dirty="0" err="1">
+                <a:solidFill>
+                  <a:srgbClr val="000000"/>
+                </a:solidFill>
+                <a:latin typeface="Gill Sans MT"/>
+                <a:ea typeface="Rockwell"/>
+              </a:rPr>
+              <a:t>dia</a:t>
+            </a:r>
+            <a:r>
+              <a:rPr lang="en-US" sz="1200" b="0" strike="noStrike" spc="-1" dirty="0">
+                <a:solidFill>
+                  <a:srgbClr val="000000"/>
+                </a:solidFill>
+                <a:latin typeface="Gill Sans MT"/>
+                <a:ea typeface="Rockwell"/>
+              </a:rPr>
+              <a:t> a </a:t>
+            </a:r>
+            <a:r>
+              <a:rPr lang="en-US" sz="1200" b="0" strike="noStrike" spc="-1" dirty="0" err="1">
+                <a:solidFill>
+                  <a:srgbClr val="000000"/>
+                </a:solidFill>
+                <a:latin typeface="Gill Sans MT"/>
+                <a:ea typeface="Rockwell"/>
+              </a:rPr>
+              <a:t>dia</a:t>
+            </a:r>
+            <a:r>
+              <a:rPr lang="en-US" sz="1200" b="0" strike="noStrike" spc="-1" dirty="0">
+                <a:solidFill>
+                  <a:srgbClr val="000000"/>
+                </a:solidFill>
+                <a:latin typeface="Gill Sans MT"/>
+                <a:ea typeface="Rockwell"/>
+              </a:rPr>
+              <a:t> for a do </a:t>
+            </a:r>
+            <a:r>
+              <a:rPr lang="en-US" sz="1200" b="0" strike="noStrike" spc="-1" dirty="0" err="1">
+                <a:solidFill>
+                  <a:srgbClr val="000000"/>
+                </a:solidFill>
+                <a:latin typeface="Gill Sans MT"/>
+                <a:ea typeface="Rockwell"/>
+              </a:rPr>
+              <a:t>torneio</a:t>
+            </a:r>
+            <a:endParaRPr lang="en-US" sz="1200" b="0" strike="noStrike" spc="-1" dirty="0">
               <a:solidFill>
-                <a:srgbClr val="3d3d3d"/>
+                <a:srgbClr val="3D3D3D"/>
               </a:solidFill>
               <a:latin typeface="Gill Sans MT"/>
             </a:endParaRPr>
@@ -5906,35 +7022,175 @@
                 <a:spcPts val="601"/>
               </a:spcAft>
               <a:buClr>
-                <a:srgbClr val="9e3611"/>
+                <a:srgbClr val="9E3611"/>
               </a:buClr>
               <a:buSzPct val="92000"/>
               <a:buFont typeface="Noto Sans Symbols"/>
               <a:buChar char="▪"/>
             </a:pPr>
             <a:r>
-              <a:rPr b="0" lang="en-US" sz="4300" spc="-1" strike="noStrike">
-                <a:solidFill>
-                  <a:srgbClr val="ff0000"/>
+              <a:rPr lang="en-US" sz="1200" b="0" strike="noStrike" spc="-1" dirty="0" err="1">
+                <a:solidFill>
+                  <a:srgbClr val="FF0000"/>
                 </a:solidFill>
                 <a:latin typeface="Gill Sans MT"/>
                 <a:ea typeface="Rockwell"/>
               </a:rPr>
-              <a:t>Inclusão:</a:t>
-            </a:r>
-            <a:r>
-              <a:rPr b="0" lang="en-US" sz="4300" spc="-1" strike="noStrike">
+              <a:t>Inclusão</a:t>
+            </a:r>
+            <a:r>
+              <a:rPr lang="en-US" sz="1200" b="0" strike="noStrike" spc="-1" dirty="0">
+                <a:solidFill>
+                  <a:srgbClr val="FF0000"/>
+                </a:solidFill>
+                <a:latin typeface="Gill Sans MT"/>
+                <a:ea typeface="Rockwell"/>
+              </a:rPr>
+              <a:t>:</a:t>
+            </a:r>
+            <a:r>
+              <a:rPr lang="en-US" sz="1200" b="0" strike="noStrike" spc="-1" dirty="0">
                 <a:solidFill>
                   <a:srgbClr val="000000"/>
                 </a:solidFill>
                 <a:latin typeface="Gill Sans MT"/>
                 <a:ea typeface="Rockwell"/>
               </a:rPr>
-              <a:t> Como vocês consideraram as ideias de todos e fizeram que se sentissem valorizados</a:t>
-            </a:r>
-            <a:endParaRPr b="0" lang="en-US" sz="4300" spc="-1" strike="noStrike">
+              <a:t> Como </a:t>
+            </a:r>
+            <a:r>
+              <a:rPr lang="en-US" sz="1200" b="0" strike="noStrike" spc="-1" dirty="0" err="1">
+                <a:solidFill>
+                  <a:srgbClr val="000000"/>
+                </a:solidFill>
+                <a:latin typeface="Gill Sans MT"/>
+                <a:ea typeface="Rockwell"/>
+              </a:rPr>
+              <a:t>vocês</a:t>
+            </a:r>
+            <a:r>
+              <a:rPr lang="en-US" sz="1200" b="0" strike="noStrike" spc="-1" dirty="0">
+                <a:solidFill>
+                  <a:srgbClr val="000000"/>
+                </a:solidFill>
+                <a:latin typeface="Gill Sans MT"/>
+                <a:ea typeface="Rockwell"/>
+              </a:rPr>
+              <a:t> </a:t>
+            </a:r>
+            <a:r>
+              <a:rPr lang="en-US" sz="1200" b="0" strike="noStrike" spc="-1" dirty="0" err="1">
+                <a:solidFill>
+                  <a:srgbClr val="000000"/>
+                </a:solidFill>
+                <a:latin typeface="Gill Sans MT"/>
+                <a:ea typeface="Rockwell"/>
+              </a:rPr>
+              <a:t>consideraram</a:t>
+            </a:r>
+            <a:r>
+              <a:rPr lang="en-US" sz="1200" b="0" strike="noStrike" spc="-1" dirty="0">
+                <a:solidFill>
+                  <a:srgbClr val="000000"/>
+                </a:solidFill>
+                <a:latin typeface="Gill Sans MT"/>
+                <a:ea typeface="Rockwell"/>
+              </a:rPr>
+              <a:t> as </a:t>
+            </a:r>
+            <a:r>
+              <a:rPr lang="en-US" sz="1200" b="0" strike="noStrike" spc="-1" dirty="0" err="1">
+                <a:solidFill>
+                  <a:srgbClr val="000000"/>
+                </a:solidFill>
+                <a:latin typeface="Gill Sans MT"/>
+                <a:ea typeface="Rockwell"/>
+              </a:rPr>
+              <a:t>ideias</a:t>
+            </a:r>
+            <a:r>
+              <a:rPr lang="en-US" sz="1200" b="0" strike="noStrike" spc="-1" dirty="0">
+                <a:solidFill>
+                  <a:srgbClr val="000000"/>
+                </a:solidFill>
+                <a:latin typeface="Gill Sans MT"/>
+                <a:ea typeface="Rockwell"/>
+              </a:rPr>
+              <a:t> de </a:t>
+            </a:r>
+            <a:r>
+              <a:rPr lang="en-US" sz="1200" b="0" strike="noStrike" spc="-1" dirty="0" err="1">
+                <a:solidFill>
+                  <a:srgbClr val="000000"/>
+                </a:solidFill>
+                <a:latin typeface="Gill Sans MT"/>
+                <a:ea typeface="Rockwell"/>
+              </a:rPr>
+              <a:t>todos</a:t>
+            </a:r>
+            <a:r>
+              <a:rPr lang="en-US" sz="1200" b="0" strike="noStrike" spc="-1" dirty="0">
+                <a:solidFill>
+                  <a:srgbClr val="000000"/>
+                </a:solidFill>
+                <a:latin typeface="Gill Sans MT"/>
+                <a:ea typeface="Rockwell"/>
+              </a:rPr>
+              <a:t> e </a:t>
+            </a:r>
+            <a:r>
+              <a:rPr lang="en-US" sz="1200" b="0" strike="noStrike" spc="-1" dirty="0" err="1">
+                <a:solidFill>
+                  <a:srgbClr val="000000"/>
+                </a:solidFill>
+                <a:latin typeface="Gill Sans MT"/>
+                <a:ea typeface="Rockwell"/>
+              </a:rPr>
+              <a:t>fizeram</a:t>
+            </a:r>
+            <a:r>
+              <a:rPr lang="en-US" sz="1200" b="0" strike="noStrike" spc="-1" dirty="0">
+                <a:solidFill>
+                  <a:srgbClr val="000000"/>
+                </a:solidFill>
+                <a:latin typeface="Gill Sans MT"/>
+                <a:ea typeface="Rockwell"/>
+              </a:rPr>
+              <a:t> que se </a:t>
+            </a:r>
+            <a:r>
+              <a:rPr lang="en-US" sz="1200" b="0" strike="noStrike" spc="-1" dirty="0" err="1">
+                <a:solidFill>
+                  <a:srgbClr val="000000"/>
+                </a:solidFill>
+                <a:latin typeface="Gill Sans MT"/>
+                <a:ea typeface="Rockwell"/>
+              </a:rPr>
+              <a:t>sentissem</a:t>
+            </a:r>
+            <a:r>
+              <a:rPr lang="en-US" sz="1200" b="0" strike="noStrike" spc="-1" dirty="0">
+                <a:solidFill>
+                  <a:srgbClr val="000000"/>
+                </a:solidFill>
+                <a:latin typeface="Gill Sans MT"/>
+                <a:ea typeface="Rockwell"/>
+              </a:rPr>
+              <a:t> </a:t>
+            </a:r>
+            <a:r>
+              <a:rPr lang="en-US" sz="1200" b="0" strike="noStrike" spc="-1" dirty="0" err="1">
+                <a:solidFill>
+                  <a:srgbClr val="000000"/>
+                </a:solidFill>
+                <a:latin typeface="Gill Sans MT"/>
+                <a:ea typeface="Rockwell"/>
+              </a:rPr>
+              <a:t>valorizados</a:t>
+            </a:r>
+            <a:endParaRPr lang="en-US" sz="1200" b="0" strike="noStrike" spc="-1" dirty="0">
               <a:solidFill>
-                <a:srgbClr val="3d3d3d"/>
+                <a:srgbClr val="3D3D3D"/>
               </a:solidFill>
               <a:latin typeface="Gill Sans MT"/>
             </a:endParaRPr>
@@ -5951,35 +7207,205 @@
                 <a:spcPts val="601"/>
               </a:spcAft>
               <a:buClr>
-                <a:srgbClr val="9e3611"/>
+                <a:srgbClr val="9E3611"/>
               </a:buClr>
               <a:buSzPct val="92000"/>
               <a:buFont typeface="Noto Sans Symbols"/>
               <a:buChar char="▪"/>
             </a:pPr>
             <a:r>
-              <a:rPr b="0" lang="en-US" sz="4300" spc="-1" strike="noStrike">
-                <a:solidFill>
-                  <a:srgbClr val="ff0000"/>
+              <a:rPr lang="en-US" sz="1200" b="0" strike="noStrike" spc="-1" dirty="0" err="1">
+                <a:solidFill>
+                  <a:srgbClr val="FF0000"/>
                 </a:solidFill>
                 <a:latin typeface="Gill Sans MT"/>
                 <a:ea typeface="Rockwell"/>
               </a:rPr>
-              <a:t>Coopertition: </a:t>
-            </a:r>
-            <a:r>
-              <a:rPr b="0" lang="en-US" sz="4300" spc="-1" strike="noStrike">
+              <a:t>Coopertition</a:t>
+            </a:r>
+            <a:r>
+              <a:rPr lang="en-US" sz="1200" b="0" strike="noStrike" spc="-1" dirty="0">
+                <a:solidFill>
+                  <a:srgbClr val="FF0000"/>
+                </a:solidFill>
+                <a:latin typeface="Gill Sans MT"/>
+                <a:ea typeface="Rockwell"/>
+              </a:rPr>
+              <a:t>: </a:t>
+            </a:r>
+            <a:r>
+              <a:rPr lang="en-US" sz="1200" b="0" strike="noStrike" spc="-1" dirty="0">
                 <a:solidFill>
                   <a:srgbClr val="000000"/>
                 </a:solidFill>
                 <a:latin typeface="Gill Sans MT"/>
                 <a:ea typeface="Rockwell"/>
               </a:rPr>
-              <a:t>Como vocês honraram o espírito de competição amigável e ajudaram outras equipes?</a:t>
-            </a:r>
-            <a:endParaRPr b="0" lang="en-US" sz="4300" spc="-1" strike="noStrike">
+              <a:t>Como </a:t>
+            </a:r>
+            <a:r>
+              <a:rPr lang="en-US" sz="1200" b="0" strike="noStrike" spc="-1" dirty="0" err="1">
+                <a:solidFill>
+                  <a:srgbClr val="000000"/>
+                </a:solidFill>
+                <a:latin typeface="Gill Sans MT"/>
+                <a:ea typeface="Rockwell"/>
+              </a:rPr>
+              <a:t>vocês</a:t>
+            </a:r>
+            <a:r>
+              <a:rPr lang="en-US" sz="1200" b="0" strike="noStrike" spc="-1" dirty="0">
+                <a:solidFill>
+                  <a:srgbClr val="000000"/>
+                </a:solidFill>
+                <a:latin typeface="Gill Sans MT"/>
+                <a:ea typeface="Rockwell"/>
+              </a:rPr>
+              <a:t> </a:t>
+            </a:r>
+            <a:r>
+              <a:rPr lang="en-US" sz="1200" b="0" strike="noStrike" spc="-1" dirty="0" err="1">
+                <a:solidFill>
+                  <a:srgbClr val="000000"/>
+                </a:solidFill>
+                <a:latin typeface="Gill Sans MT"/>
+                <a:ea typeface="Rockwell"/>
+              </a:rPr>
+              <a:t>honraram</a:t>
+            </a:r>
+            <a:r>
+              <a:rPr lang="en-US" sz="1200" b="0" strike="noStrike" spc="-1" dirty="0">
+                <a:solidFill>
+                  <a:srgbClr val="000000"/>
+                </a:solidFill>
+                <a:latin typeface="Gill Sans MT"/>
+                <a:ea typeface="Rockwell"/>
+              </a:rPr>
+              <a:t> o </a:t>
+            </a:r>
+            <a:r>
+              <a:rPr lang="en-US" sz="1200" b="0" strike="noStrike" spc="-1" dirty="0" err="1">
+                <a:solidFill>
+                  <a:srgbClr val="000000"/>
+                </a:solidFill>
+                <a:latin typeface="Gill Sans MT"/>
+                <a:ea typeface="Rockwell"/>
+              </a:rPr>
+              <a:t>espírito</a:t>
+            </a:r>
+            <a:r>
+              <a:rPr lang="en-US" sz="1200" b="0" strike="noStrike" spc="-1" dirty="0">
+                <a:solidFill>
+                  <a:srgbClr val="000000"/>
+                </a:solidFill>
+                <a:latin typeface="Gill Sans MT"/>
+                <a:ea typeface="Rockwell"/>
+              </a:rPr>
+              <a:t> de </a:t>
+            </a:r>
+            <a:r>
+              <a:rPr lang="en-US" sz="1200" b="0" strike="noStrike" spc="-1" dirty="0" err="1">
+                <a:solidFill>
+                  <a:srgbClr val="000000"/>
+                </a:solidFill>
+                <a:latin typeface="Gill Sans MT"/>
+                <a:ea typeface="Rockwell"/>
+              </a:rPr>
+              <a:t>competição</a:t>
+            </a:r>
+            <a:r>
+              <a:rPr lang="en-US" sz="1200" b="0" strike="noStrike" spc="-1" dirty="0">
+                <a:solidFill>
+                  <a:srgbClr val="000000"/>
+                </a:solidFill>
+                <a:latin typeface="Gill Sans MT"/>
+                <a:ea typeface="Rockwell"/>
+              </a:rPr>
+              <a:t> </a:t>
+            </a:r>
+            <a:r>
+              <a:rPr lang="en-US" sz="1200" b="0" strike="noStrike" spc="-1" dirty="0" err="1">
+                <a:solidFill>
+                  <a:srgbClr val="000000"/>
+                </a:solidFill>
+                <a:latin typeface="Gill Sans MT"/>
+                <a:ea typeface="Rockwell"/>
+              </a:rPr>
+              <a:t>amigável</a:t>
+            </a:r>
+            <a:r>
+              <a:rPr lang="en-US" sz="1200" b="0" strike="noStrike" spc="-1" dirty="0">
+                <a:solidFill>
+                  <a:srgbClr val="000000"/>
+                </a:solidFill>
+                <a:latin typeface="Gill Sans MT"/>
+                <a:ea typeface="Rockwell"/>
+              </a:rPr>
+              <a:t> e </a:t>
+            </a:r>
+            <a:r>
+              <a:rPr lang="en-US" sz="1200" b="0" strike="noStrike" spc="-1" dirty="0" err="1">
+                <a:solidFill>
+                  <a:srgbClr val="000000"/>
+                </a:solidFill>
+                <a:latin typeface="Gill Sans MT"/>
+                <a:ea typeface="Rockwell"/>
+              </a:rPr>
+              <a:t>ajudaram</a:t>
+            </a:r>
+            <a:r>
+              <a:rPr lang="en-US" sz="1200" b="0" strike="noStrike" spc="-1" dirty="0">
+                <a:solidFill>
+                  <a:srgbClr val="000000"/>
+                </a:solidFill>
+                <a:latin typeface="Gill Sans MT"/>
+                <a:ea typeface="Rockwell"/>
+              </a:rPr>
+              <a:t> </a:t>
+            </a:r>
+            <a:r>
+              <a:rPr lang="en-US" sz="1200" b="0" strike="noStrike" spc="-1" dirty="0" err="1">
+                <a:solidFill>
+                  <a:srgbClr val="000000"/>
+                </a:solidFill>
+                <a:latin typeface="Gill Sans MT"/>
+                <a:ea typeface="Rockwell"/>
+              </a:rPr>
+              <a:t>outras</a:t>
+            </a:r>
+            <a:r>
+              <a:rPr lang="en-US" sz="1200" b="0" strike="noStrike" spc="-1" dirty="0">
+                <a:solidFill>
+                  <a:srgbClr val="000000"/>
+                </a:solidFill>
+                <a:latin typeface="Gill Sans MT"/>
+                <a:ea typeface="Rockwell"/>
+              </a:rPr>
+              <a:t> </a:t>
+            </a:r>
+            <a:r>
+              <a:rPr lang="en-US" sz="1200" b="0" strike="noStrike" spc="-1" dirty="0" err="1">
+                <a:solidFill>
+                  <a:srgbClr val="000000"/>
+                </a:solidFill>
+                <a:latin typeface="Gill Sans MT"/>
+                <a:ea typeface="Rockwell"/>
+              </a:rPr>
+              <a:t>equipes</a:t>
+            </a:r>
+            <a:r>
+              <a:rPr lang="en-US" sz="1200" b="0" strike="noStrike" spc="-1" dirty="0">
+                <a:solidFill>
+                  <a:srgbClr val="000000"/>
+                </a:solidFill>
+                <a:latin typeface="Gill Sans MT"/>
+                <a:ea typeface="Rockwell"/>
+              </a:rPr>
+              <a:t>?</a:t>
+            </a:r>
+            <a:endParaRPr lang="en-US" sz="1200" b="0" strike="noStrike" spc="-1" dirty="0">
               <a:solidFill>
-                <a:srgbClr val="3d3d3d"/>
+                <a:srgbClr val="3D3D3D"/>
               </a:solidFill>
               <a:latin typeface="Gill Sans MT"/>
             </a:endParaRPr>
@@ -5996,16 +7422,16 @@
                 <a:spcPts val="601"/>
               </a:spcAft>
               <a:buClr>
-                <a:srgbClr val="9e3611"/>
+                <a:srgbClr val="9E3611"/>
               </a:buClr>
               <a:buSzPct val="92000"/>
               <a:buFont typeface="Noto Sans Symbols"/>
               <a:buChar char="▪"/>
             </a:pPr>
             <a:r>
-              <a:rPr b="0" lang="en-US" sz="4300" spc="-1" strike="noStrike">
-                <a:solidFill>
-                  <a:srgbClr val="ff0000"/>
+              <a:rPr lang="en-US" sz="1200" b="0" strike="noStrike" spc="-1" dirty="0">
+                <a:solidFill>
+                  <a:srgbClr val="FF0000"/>
                 </a:solidFill>
                 <a:latin typeface="Gill Sans MT"/>
                 <a:ea typeface="Rockwell"/>
@@ -6013,38 +7439,98 @@
               <a:t>Outro: </a:t>
             </a:r>
             <a:r>
-              <a:rPr b="0" lang="en-US" sz="4300" spc="-1" strike="noStrike">
+              <a:rPr lang="en-US" sz="1200" b="0" strike="noStrike" spc="-1" dirty="0" err="1">
                 <a:solidFill>
                   <a:srgbClr val="000000"/>
                 </a:solidFill>
                 <a:latin typeface="Gill Sans MT"/>
                 <a:ea typeface="Rockwell"/>
               </a:rPr>
-              <a:t>Qualquer outro </a:t>
-            </a:r>
-            <a:r>
-              <a:rPr b="0" i="1" lang="en-US" sz="4300" spc="-1" strike="noStrike">
+              <a:t>Qualquer</a:t>
+            </a:r>
+            <a:r>
+              <a:rPr lang="en-US" sz="1200" b="0" strike="noStrike" spc="-1" dirty="0">
                 <a:solidFill>
                   <a:srgbClr val="000000"/>
                 </a:solidFill>
                 <a:latin typeface="Gill Sans MT"/>
                 <a:ea typeface="Rockwell"/>
               </a:rPr>
+              <a:t> outro </a:t>
+            </a:r>
+            <a:r>
+              <a:rPr lang="en-US" sz="1200" b="0" i="1" strike="noStrike" spc="-1" dirty="0">
+                <a:solidFill>
+                  <a:srgbClr val="000000"/>
+                </a:solidFill>
+                <a:latin typeface="Gill Sans MT"/>
+                <a:ea typeface="Rockwell"/>
+              </a:rPr>
               <a:t>core values</a:t>
             </a:r>
             <a:r>
-              <a:rPr b="0" lang="en-US" sz="4300" spc="-1" strike="noStrike">
+              <a:rPr lang="en-US" sz="1200" b="0" strike="noStrike" spc="-1" dirty="0">
                 <a:solidFill>
                   <a:srgbClr val="000000"/>
                 </a:solidFill>
                 <a:latin typeface="Gill Sans MT"/>
                 <a:ea typeface="Rockwell"/>
               </a:rPr>
-              <a:t> que vocês querem destacar</a:t>
-            </a:r>
-            <a:endParaRPr b="0" lang="en-US" sz="4300" spc="-1" strike="noStrike">
+              <a:t> que </a:t>
+            </a:r>
+            <a:r>
+              <a:rPr lang="en-US" sz="1200" b="0" strike="noStrike" spc="-1" dirty="0" err="1">
+                <a:solidFill>
+                  <a:srgbClr val="000000"/>
+                </a:solidFill>
+                <a:latin typeface="Gill Sans MT"/>
+                <a:ea typeface="Rockwell"/>
+              </a:rPr>
+              <a:t>vocês</a:t>
+            </a:r>
+            <a:r>
+              <a:rPr lang="en-US" sz="1200" b="0" strike="noStrike" spc="-1" dirty="0">
+                <a:solidFill>
+                  <a:srgbClr val="000000"/>
+                </a:solidFill>
+                <a:latin typeface="Gill Sans MT"/>
+                <a:ea typeface="Rockwell"/>
+              </a:rPr>
+              <a:t> </a:t>
+            </a:r>
+            <a:r>
+              <a:rPr lang="en-US" sz="1200" b="0" strike="noStrike" spc="-1" dirty="0" err="1">
+                <a:solidFill>
+                  <a:srgbClr val="000000"/>
+                </a:solidFill>
+                <a:latin typeface="Gill Sans MT"/>
+                <a:ea typeface="Rockwell"/>
+              </a:rPr>
+              <a:t>querem</a:t>
+            </a:r>
+            <a:r>
+              <a:rPr lang="en-US" sz="1200" b="0" strike="noStrike" spc="-1" dirty="0">
+                <a:solidFill>
+                  <a:srgbClr val="000000"/>
+                </a:solidFill>
+                <a:latin typeface="Gill Sans MT"/>
+                <a:ea typeface="Rockwell"/>
+              </a:rPr>
+              <a:t> </a:t>
+            </a:r>
+            <a:r>
+              <a:rPr lang="en-US" sz="1200" b="0" strike="noStrike" spc="-1" dirty="0" err="1">
+                <a:solidFill>
+                  <a:srgbClr val="000000"/>
+                </a:solidFill>
+                <a:latin typeface="Gill Sans MT"/>
+                <a:ea typeface="Rockwell"/>
+              </a:rPr>
+              <a:t>destacar</a:t>
+            </a:r>
+            <a:endParaRPr lang="en-US" sz="1200" b="0" strike="noStrike" spc="-1" dirty="0">
               <a:solidFill>
-                <a:srgbClr val="3d3d3d"/>
+                <a:srgbClr val="3D3D3D"/>
               </a:solidFill>
               <a:latin typeface="Gill Sans MT"/>
             </a:endParaRPr>
@@ -6061,9 +7547,9 @@
                 <a:spcPts val="601"/>
               </a:spcAft>
             </a:pPr>
-            <a:endParaRPr b="0" lang="en-US" sz="4300" spc="-1" strike="noStrike">
+            <a:endParaRPr lang="en-US" sz="1200" b="0" strike="noStrike" spc="-1" dirty="0">
               <a:solidFill>
-                <a:srgbClr val="3d3d3d"/>
+                <a:srgbClr val="3D3D3D"/>
               </a:solidFill>
               <a:latin typeface="Gill Sans MT"/>
             </a:endParaRPr>
@@ -6090,7 +7576,8 @@
           </a:ln>
         </p:spPr>
         <p:txBody>
-          <a:bodyPr lIns="90000" rIns="90000" tIns="45000" bIns="45000"/>
+          <a:bodyPr lIns="90000" tIns="45000" rIns="90000" bIns="45000"/>
+          <a:lstStyle/>
           <a:p>
             <a:pPr>
               <a:lnSpc>
@@ -6098,15 +7585,15 @@
               </a:lnSpc>
             </a:pPr>
             <a:fld id="{89548136-01AB-4F13-BB11-0FC2CB52DA8D}" type="slidenum">
-              <a:rPr b="0" lang="pt-BR" sz="1800" spc="-1" strike="noStrike">
-                <a:solidFill>
-                  <a:srgbClr val="537ed0"/>
-                </a:solidFill>
-                <a:latin typeface="Gill Sans MT"/>
-              </a:rPr>
-              <a:t>1</a:t>
+              <a:rPr lang="pt-BR" sz="1800" b="0" strike="noStrike" spc="-1">
+                <a:solidFill>
+                  <a:srgbClr val="537ED0"/>
+                </a:solidFill>
+                <a:latin typeface="Gill Sans MT"/>
+              </a:rPr>
+              <a:t>4</a:t>
             </a:fld>
-            <a:endParaRPr b="0" lang="pt-BR" sz="1800" spc="-1" strike="noStrike">
+            <a:endParaRPr lang="pt-BR" sz="1800" b="0" strike="noStrike" spc="-1">
               <a:latin typeface="Times New Roman"/>
             </a:endParaRPr>
           </a:p>
@@ -6132,7 +7619,8 @@
           </a:ln>
         </p:spPr>
         <p:txBody>
-          <a:bodyPr lIns="90000" rIns="90000" tIns="45000" bIns="45000"/>
+          <a:bodyPr lIns="90000" tIns="45000" rIns="90000" bIns="45000"/>
+          <a:lstStyle/>
           <a:p>
             <a:pPr>
               <a:lnSpc>
@@ -6140,24 +7628,24 @@
               </a:lnSpc>
             </a:pPr>
             <a:r>
-              <a:rPr b="0" lang="pt-BR" sz="1800" spc="-1" strike="noStrike">
-                <a:solidFill>
-                  <a:srgbClr val="537ed0"/>
+              <a:rPr lang="pt-BR" sz="1800" b="0" strike="noStrike" spc="-1">
+                <a:solidFill>
+                  <a:srgbClr val="537ED0"/>
                 </a:solidFill>
                 <a:latin typeface="Gill Sans MT"/>
               </a:rPr>
               <a:t>Última edição: </a:t>
             </a:r>
             <a:fld id="{FA62E9D0-2339-4A89-A245-9D703072FA87}" type="datetime1">
-              <a:rPr b="0" lang="pt-BR" sz="1800" spc="-1" strike="noStrike">
-                <a:solidFill>
-                  <a:srgbClr val="537ed0"/>
-                </a:solidFill>
-                <a:latin typeface="Gill Sans MT"/>
-              </a:rPr>
-              <a:t>03/09/2018</a:t>
+              <a:rPr lang="pt-BR" sz="1800" b="0" strike="noStrike" spc="-1">
+                <a:solidFill>
+                  <a:srgbClr val="537ED0"/>
+                </a:solidFill>
+                <a:latin typeface="Gill Sans MT"/>
+              </a:rPr>
+              <a:t>01/10/2018</a:t>
             </a:fld>
-            <a:endParaRPr b="0" lang="pt-BR" sz="1800" spc="-1" strike="noStrike">
+            <a:endParaRPr lang="pt-BR" sz="1800" b="0" strike="noStrike" spc="-1">
               <a:latin typeface="Times New Roman"/>
             </a:endParaRPr>
           </a:p>
@@ -6183,7 +7671,8 @@
           </a:ln>
         </p:spPr>
         <p:txBody>
-          <a:bodyPr lIns="90000" rIns="90000" tIns="45000" bIns="45000"/>
+          <a:bodyPr lIns="90000" tIns="45000" rIns="90000" bIns="45000"/>
+          <a:lstStyle/>
           <a:p>
             <a:pPr>
               <a:lnSpc>
@@ -6191,15 +7680,15 @@
               </a:lnSpc>
             </a:pPr>
             <a:r>
-              <a:rPr b="0" lang="pt-BR" sz="1800" spc="-1" strike="noStrike">
-                <a:solidFill>
-                  <a:srgbClr val="537ed0"/>
+              <a:rPr lang="pt-BR" sz="1800" b="0" strike="noStrike" spc="-1">
+                <a:solidFill>
+                  <a:srgbClr val="537ED0"/>
                 </a:solidFill>
                 <a:latin typeface="Gill Sans MT"/>
               </a:rPr>
               <a:t>Copyright 2018, FLL TUTORIALS</a:t>
             </a:r>
-            <a:endParaRPr b="0" lang="pt-BR" sz="1800" spc="-1" strike="noStrike">
+            <a:endParaRPr lang="pt-BR" sz="1800" b="0" strike="noStrike" spc="-1">
               <a:latin typeface="Times New Roman"/>
             </a:endParaRPr>
           </a:p>
@@ -6225,13 +7714,20 @@
           </a:ln>
         </p:spPr>
         <p:style>
-          <a:lnRef idx="0"/>
-          <a:fillRef idx="0"/>
-          <a:effectRef idx="0"/>
+          <a:lnRef idx="0">
+            <a:scrgbClr r="0" g="0" b="0"/>
+          </a:lnRef>
+          <a:fillRef idx="0">
+            <a:scrgbClr r="0" g="0" b="0"/>
+          </a:fillRef>
+          <a:effectRef idx="0">
+            <a:scrgbClr r="0" g="0" b="0"/>
+          </a:effectRef>
           <a:fontRef idx="minor"/>
         </p:style>
         <p:txBody>
-          <a:bodyPr lIns="90000" rIns="90000" tIns="45000" bIns="45000"/>
+          <a:bodyPr lIns="90000" tIns="45000" rIns="90000" bIns="45000"/>
+          <a:lstStyle/>
           <a:p>
             <a:pPr>
               <a:lnSpc>
@@ -6239,15 +7735,15 @@
               </a:lnSpc>
             </a:pPr>
             <a:r>
-              <a:rPr b="0" i="1" lang="pt-BR" sz="2000" spc="-1" strike="noStrike">
-                <a:solidFill>
-                  <a:srgbClr val="ff0000"/>
+              <a:rPr lang="pt-BR" sz="2000" b="0" i="1" strike="noStrike" spc="-1">
+                <a:solidFill>
+                  <a:srgbClr val="FF0000"/>
                 </a:solidFill>
                 <a:latin typeface="Gill Sans MT"/>
               </a:rPr>
               <a:t>O pôster de Core Values tem seções que se encontram com a rubrica</a:t>
             </a:r>
-            <a:endParaRPr b="0" lang="pt-BR" sz="2000" spc="-1" strike="noStrike">
+            <a:endParaRPr lang="pt-BR" sz="2000" b="0" strike="noStrike" spc="-1">
               <a:latin typeface="Arial"/>
             </a:endParaRPr>
           </a:p>
@@ -6255,12 +7751,12 @@
       </p:sp>
       <p:pic>
         <p:nvPicPr>
-          <p:cNvPr id="115" name="Picture 8" descr=""/>
+          <p:cNvPr id="115" name="Picture 8"/>
           <p:cNvPicPr/>
           <p:nvPr/>
         </p:nvPicPr>
         <p:blipFill>
-          <a:blip r:embed="rId1"/>
+          <a:blip r:embed="rId3"/>
           <a:stretch/>
         </p:blipFill>
         <p:spPr>
@@ -6296,13 +7792,20 @@
           </a:ln>
         </p:spPr>
         <p:style>
-          <a:lnRef idx="0"/>
-          <a:fillRef idx="0"/>
-          <a:effectRef idx="0"/>
+          <a:lnRef idx="0">
+            <a:scrgbClr r="0" g="0" b="0"/>
+          </a:lnRef>
+          <a:fillRef idx="0">
+            <a:scrgbClr r="0" g="0" b="0"/>
+          </a:fillRef>
+          <a:effectRef idx="0">
+            <a:scrgbClr r="0" g="0" b="0"/>
+          </a:effectRef>
           <a:fontRef idx="minor"/>
         </p:style>
         <p:txBody>
-          <a:bodyPr lIns="90000" rIns="90000" tIns="45000" bIns="45000"/>
+          <a:bodyPr lIns="90000" tIns="45000" rIns="90000" bIns="45000"/>
+          <a:lstStyle/>
           <a:p>
             <a:pPr>
               <a:lnSpc>
@@ -6310,7 +7813,7 @@
               </a:lnSpc>
             </a:pPr>
             <a:r>
-              <a:rPr b="0" lang="pt-BR" sz="1400" spc="-1" strike="noStrike">
+              <a:rPr lang="pt-BR" sz="1400" b="0" strike="noStrike" spc="-1">
                 <a:solidFill>
                   <a:srgbClr val="000000"/>
                 </a:solidFill>
@@ -6318,7 +7821,7 @@
               </a:rPr>
               <a:t>Algumas equipes fazem o pôster manualmente. Algumas imprimem e colam. Algumas fazem simples e colorido. Algumas fazem menores. Algumas enrolam, etc. Vários exemplos estarão nesta apresentação</a:t>
             </a:r>
-            <a:endParaRPr b="0" lang="pt-BR" sz="1400" spc="-1" strike="noStrike">
+            <a:endParaRPr lang="pt-BR" sz="1400" b="0" strike="noStrike" spc="-1">
               <a:latin typeface="Arial"/>
             </a:endParaRPr>
           </a:p>
@@ -6326,22 +7829,25 @@
       </p:sp>
     </p:spTree>
   </p:cSld>
+  <p:clrMapOvr>
+    <a:masterClrMapping/>
+  </p:clrMapOvr>
   <p:timing>
     <p:tnLst>
       <p:par>
-        <p:cTn id="7" dur="indefinite" restart="never" nodeType="tmRoot">
+        <p:cTn id="1" dur="indefinite" restart="never" nodeType="tmRoot">
           <p:childTnLst>
             <p:seq>
-              <p:cTn id="8" dur="indefinite" nodeType="mainSeq"/>
+              <p:cTn id="2" dur="indefinite" nodeType="mainSeq"/>
               <p:prevCondLst>
-                <p:cond delay="0" evt="onPrev">
+                <p:cond evt="onPrev" delay="0">
                   <p:tgtEl>
                     <p:sldTgt/>
                   </p:tgtEl>
                 </p:cond>
               </p:prevCondLst>
               <p:nextCondLst>
-                <p:cond delay="0" evt="onNext">
+                <p:cond evt="onNext" delay="0">
                   <p:tgtEl>
                     <p:sldTgt/>
                   </p:tgtEl>
@@ -6357,7 +7863,7 @@
 </file>
 
 <file path=ppt/slides/slide5.xml><?xml version="1.0" encoding="utf-8"?>
-<p:sld xmlns:a="http://schemas.openxmlformats.org/drawingml/2006/main" xmlns:p="http://schemas.openxmlformats.org/presentationml/2006/main" xmlns:r="http://schemas.openxmlformats.org/officeDocument/2006/relationships" xmlns:p14="http://schemas.microsoft.com/office/powerpoint/2010/main" xmlns:p15="http://schemas.microsoft.com/office/powerpoint/2012/main" xmlns:mc="http://schemas.openxmlformats.org/markup-compatibility/2006">
+<p:sld xmlns:a="http://schemas.openxmlformats.org/drawingml/2006/main" xmlns:r="http://schemas.openxmlformats.org/officeDocument/2006/relationships" xmlns:p="http://schemas.openxmlformats.org/presentationml/2006/main">
   <p:cSld>
     <p:spTree>
       <p:nvGrpSpPr>
@@ -6394,6 +7900,7 @@
         </p:spPr>
         <p:txBody>
           <a:bodyPr anchor="b"/>
+          <a:lstStyle/>
           <a:p>
             <a:pPr>
               <a:lnSpc>
@@ -6401,15 +7908,15 @@
               </a:lnSpc>
             </a:pPr>
             <a:r>
-              <a:rPr b="0" lang="en-US" sz="2800" spc="-1" strike="noStrike" cap="all">
-                <a:solidFill>
-                  <a:srgbClr val="ffffff"/>
+              <a:rPr lang="en-US" sz="2800" b="0" strike="noStrike" cap="all" spc="-1">
+                <a:solidFill>
+                  <a:srgbClr val="FFFFFF"/>
                 </a:solidFill>
                 <a:latin typeface="Gill Sans MT"/>
               </a:rPr>
               <a:t>O que você pode colocar no pôster</a:t>
             </a:r>
-            <a:endParaRPr b="0" lang="en-US" sz="2800" spc="-1" strike="noStrike">
+            <a:endParaRPr lang="en-US" sz="2800" b="0" strike="noStrike" spc="-1">
               <a:solidFill>
                 <a:srgbClr val="000000"/>
               </a:solidFill>
@@ -6439,8 +7946,9 @@
         </p:spPr>
         <p:txBody>
           <a:bodyPr>
-            <a:normAutofit/>
+            <a:noAutofit/>
           </a:bodyPr>
+          <a:lstStyle/>
           <a:p>
             <a:pPr marL="306000" indent="-305640">
               <a:lnSpc>
@@ -6453,42 +7961,186 @@
                 <a:spcPts val="601"/>
               </a:spcAft>
               <a:buClr>
-                <a:srgbClr val="4590b8"/>
+                <a:srgbClr val="4590B8"/>
               </a:buClr>
               <a:buSzPct val="92000"/>
               <a:buFont typeface="Wingdings 2" charset="2"/>
               <a:buChar char=""/>
             </a:pPr>
             <a:r>
-              <a:rPr b="0" lang="en-US" sz="3600" spc="-1" strike="noStrike">
-                <a:solidFill>
-                  <a:srgbClr val="3d3d3d"/>
-                </a:solidFill>
-                <a:latin typeface="Gill Sans MT"/>
-              </a:rPr>
-              <a:t>Qualquer coisa que destaque os </a:t>
-            </a:r>
-            <a:r>
-              <a:rPr b="0" i="1" lang="en-US" sz="3600" spc="-1" strike="noStrike">
-                <a:solidFill>
-                  <a:srgbClr val="3d3d3d"/>
+              <a:rPr lang="en-US" sz="2800" b="0" strike="noStrike" spc="-1" dirty="0" err="1">
+                <a:solidFill>
+                  <a:srgbClr val="3D3D3D"/>
+                </a:solidFill>
+                <a:latin typeface="Gill Sans MT"/>
+              </a:rPr>
+              <a:t>Qualquer</a:t>
+            </a:r>
+            <a:r>
+              <a:rPr lang="en-US" sz="2800" b="0" strike="noStrike" spc="-1" dirty="0">
+                <a:solidFill>
+                  <a:srgbClr val="3D3D3D"/>
+                </a:solidFill>
+                <a:latin typeface="Gill Sans MT"/>
+              </a:rPr>
+              <a:t> </a:t>
+            </a:r>
+            <a:r>
+              <a:rPr lang="en-US" sz="2800" b="0" strike="noStrike" spc="-1" dirty="0" err="1">
+                <a:solidFill>
+                  <a:srgbClr val="3D3D3D"/>
+                </a:solidFill>
+                <a:latin typeface="Gill Sans MT"/>
+              </a:rPr>
+              <a:t>coisa</a:t>
+            </a:r>
+            <a:r>
+              <a:rPr lang="en-US" sz="2800" b="0" strike="noStrike" spc="-1" dirty="0">
+                <a:solidFill>
+                  <a:srgbClr val="3D3D3D"/>
+                </a:solidFill>
+                <a:latin typeface="Gill Sans MT"/>
+              </a:rPr>
+              <a:t> que </a:t>
+            </a:r>
+            <a:r>
+              <a:rPr lang="en-US" sz="2800" b="0" strike="noStrike" spc="-1" dirty="0" err="1">
+                <a:solidFill>
+                  <a:srgbClr val="3D3D3D"/>
+                </a:solidFill>
+                <a:latin typeface="Gill Sans MT"/>
+              </a:rPr>
+              <a:t>destaque</a:t>
+            </a:r>
+            <a:r>
+              <a:rPr lang="en-US" sz="2800" b="0" strike="noStrike" spc="-1" dirty="0">
+                <a:solidFill>
+                  <a:srgbClr val="3D3D3D"/>
+                </a:solidFill>
+                <a:latin typeface="Gill Sans MT"/>
+              </a:rPr>
+              <a:t> </a:t>
+            </a:r>
+            <a:r>
+              <a:rPr lang="en-US" sz="2800" b="0" strike="noStrike" spc="-1" dirty="0" err="1">
+                <a:solidFill>
+                  <a:srgbClr val="3D3D3D"/>
+                </a:solidFill>
+                <a:latin typeface="Gill Sans MT"/>
+              </a:rPr>
+              <a:t>os</a:t>
+            </a:r>
+            <a:r>
+              <a:rPr lang="en-US" sz="2800" b="0" strike="noStrike" spc="-1" dirty="0">
+                <a:solidFill>
+                  <a:srgbClr val="3D3D3D"/>
+                </a:solidFill>
+                <a:latin typeface="Gill Sans MT"/>
+              </a:rPr>
+              <a:t> </a:t>
+            </a:r>
+            <a:r>
+              <a:rPr lang="en-US" sz="2800" b="0" i="1" strike="noStrike" spc="-1" dirty="0">
+                <a:solidFill>
+                  <a:srgbClr val="3D3D3D"/>
                 </a:solidFill>
                 <a:latin typeface="Gill Sans MT"/>
               </a:rPr>
               <a:t>core values </a:t>
             </a:r>
             <a:r>
-              <a:rPr b="0" lang="en-US" sz="3600" spc="-1" strike="noStrike">
-                <a:solidFill>
-                  <a:srgbClr val="3d3d3d"/>
-                </a:solidFill>
-                <a:latin typeface="Gill Sans MT"/>
-              </a:rPr>
-              <a:t>que a sua equipe demonstrou durante a temporada</a:t>
-            </a:r>
-            <a:endParaRPr b="0" lang="en-US" sz="3600" spc="-1" strike="noStrike">
+              <a:rPr lang="en-US" sz="2800" b="0" strike="noStrike" spc="-1" dirty="0">
+                <a:solidFill>
+                  <a:srgbClr val="3D3D3D"/>
+                </a:solidFill>
+                <a:latin typeface="Gill Sans MT"/>
+              </a:rPr>
+              <a:t>que a </a:t>
+            </a:r>
+            <a:r>
+              <a:rPr lang="en-US" sz="2800" b="0" strike="noStrike" spc="-1" dirty="0" err="1">
+                <a:solidFill>
+                  <a:srgbClr val="3D3D3D"/>
+                </a:solidFill>
+                <a:latin typeface="Gill Sans MT"/>
+              </a:rPr>
+              <a:t>sua</a:t>
+            </a:r>
+            <a:r>
+              <a:rPr lang="en-US" sz="2800" b="0" strike="noStrike" spc="-1" dirty="0">
+                <a:solidFill>
+                  <a:srgbClr val="3D3D3D"/>
+                </a:solidFill>
+                <a:latin typeface="Gill Sans MT"/>
+              </a:rPr>
+              <a:t> </a:t>
+            </a:r>
+            <a:r>
+              <a:rPr lang="en-US" sz="2800" b="0" strike="noStrike" spc="-1" dirty="0" err="1">
+                <a:solidFill>
+                  <a:srgbClr val="3D3D3D"/>
+                </a:solidFill>
+                <a:latin typeface="Gill Sans MT"/>
+              </a:rPr>
+              <a:t>equipe</a:t>
+            </a:r>
+            <a:r>
+              <a:rPr lang="en-US" sz="2800" b="0" strike="noStrike" spc="-1" dirty="0">
+                <a:solidFill>
+                  <a:srgbClr val="3D3D3D"/>
+                </a:solidFill>
+                <a:latin typeface="Gill Sans MT"/>
+              </a:rPr>
+              <a:t> </a:t>
+            </a:r>
+            <a:r>
+              <a:rPr lang="en-US" sz="2800" b="0" strike="noStrike" spc="-1" dirty="0" err="1">
+                <a:solidFill>
+                  <a:srgbClr val="3D3D3D"/>
+                </a:solidFill>
+                <a:latin typeface="Gill Sans MT"/>
+              </a:rPr>
+              <a:t>demonstrou</a:t>
+            </a:r>
+            <a:r>
+              <a:rPr lang="en-US" sz="2800" b="0" strike="noStrike" spc="-1" dirty="0">
+                <a:solidFill>
+                  <a:srgbClr val="3D3D3D"/>
+                </a:solidFill>
+                <a:latin typeface="Gill Sans MT"/>
+              </a:rPr>
+              <a:t> </a:t>
+            </a:r>
+            <a:r>
+              <a:rPr lang="en-US" sz="2800" b="0" strike="noStrike" spc="-1" dirty="0" err="1">
+                <a:solidFill>
+                  <a:srgbClr val="3D3D3D"/>
+                </a:solidFill>
+                <a:latin typeface="Gill Sans MT"/>
+              </a:rPr>
+              <a:t>durante</a:t>
+            </a:r>
+            <a:r>
+              <a:rPr lang="en-US" sz="2800" b="0" strike="noStrike" spc="-1" dirty="0">
+                <a:solidFill>
+                  <a:srgbClr val="3D3D3D"/>
+                </a:solidFill>
+                <a:latin typeface="Gill Sans MT"/>
+              </a:rPr>
+              <a:t> a </a:t>
+            </a:r>
+            <a:r>
+              <a:rPr lang="en-US" sz="2800" b="0" strike="noStrike" spc="-1" dirty="0" err="1">
+                <a:solidFill>
+                  <a:srgbClr val="3D3D3D"/>
+                </a:solidFill>
+                <a:latin typeface="Gill Sans MT"/>
+              </a:rPr>
+              <a:t>temporada</a:t>
+            </a:r>
+            <a:endParaRPr lang="en-US" sz="2800" b="0" strike="noStrike" spc="-1" dirty="0">
               <a:solidFill>
-                <a:srgbClr val="3d3d3d"/>
+                <a:srgbClr val="3D3D3D"/>
               </a:solidFill>
               <a:latin typeface="Gill Sans MT"/>
             </a:endParaRPr>
@@ -6505,27 +8157,138 @@
                 <a:spcPts val="601"/>
               </a:spcAft>
               <a:buClr>
-                <a:srgbClr val="4590b8"/>
+                <a:srgbClr val="4590B8"/>
               </a:buClr>
               <a:buSzPct val="92000"/>
               <a:buFont typeface="Wingdings 2" charset="2"/>
               <a:buChar char=""/>
             </a:pPr>
             <a:r>
-              <a:rPr b="0" lang="en-US" sz="3600" spc="-1" strike="noStrike">
-                <a:solidFill>
-                  <a:srgbClr val="3d3d3d"/>
-                </a:solidFill>
-                <a:latin typeface="Gill Sans MT"/>
-              </a:rPr>
-              <a:t>Descreva o que a equipe fez, mas como dizem, “uma palavra vale 1000 palavras”</a:t>
-            </a:r>
-            <a:endParaRPr b="0" lang="en-US" sz="3600" spc="-1" strike="noStrike">
-              <a:solidFill>
-                <a:srgbClr val="3d3d3d"/>
-              </a:solidFill>
-              <a:latin typeface="Gill Sans MT"/>
-            </a:endParaRPr>
+              <a:rPr lang="en-US" sz="2800" b="0" strike="noStrike" spc="-1" dirty="0" err="1">
+                <a:solidFill>
+                  <a:srgbClr val="3D3D3D"/>
+                </a:solidFill>
+                <a:latin typeface="Gill Sans MT"/>
+              </a:rPr>
+              <a:t>Descreva</a:t>
+            </a:r>
+            <a:r>
+              <a:rPr lang="en-US" sz="2800" b="0" strike="noStrike" spc="-1" dirty="0">
+                <a:solidFill>
+                  <a:srgbClr val="3D3D3D"/>
+                </a:solidFill>
+                <a:latin typeface="Gill Sans MT"/>
+              </a:rPr>
+              <a:t> o que a </a:t>
+            </a:r>
+            <a:r>
+              <a:rPr lang="en-US" sz="2800" b="0" strike="noStrike" spc="-1" dirty="0" err="1">
+                <a:solidFill>
+                  <a:srgbClr val="3D3D3D"/>
+                </a:solidFill>
+                <a:latin typeface="Gill Sans MT"/>
+              </a:rPr>
+              <a:t>equipe</a:t>
+            </a:r>
+            <a:r>
+              <a:rPr lang="en-US" sz="2800" b="0" strike="noStrike" spc="-1" dirty="0">
+                <a:solidFill>
+                  <a:srgbClr val="3D3D3D"/>
+                </a:solidFill>
+                <a:latin typeface="Gill Sans MT"/>
+              </a:rPr>
+              <a:t> fez, mas </a:t>
+            </a:r>
+            <a:r>
+              <a:rPr lang="en-US" sz="2800" b="0" strike="noStrike" spc="-1" dirty="0" err="1">
+                <a:solidFill>
+                  <a:srgbClr val="3D3D3D"/>
+                </a:solidFill>
+                <a:latin typeface="Gill Sans MT"/>
+              </a:rPr>
+              <a:t>como</a:t>
+            </a:r>
+            <a:r>
+              <a:rPr lang="en-US" sz="2800" b="0" strike="noStrike" spc="-1" dirty="0">
+                <a:solidFill>
+                  <a:srgbClr val="3D3D3D"/>
+                </a:solidFill>
+                <a:latin typeface="Gill Sans MT"/>
+              </a:rPr>
+              <a:t> </a:t>
+            </a:r>
+            <a:r>
+              <a:rPr lang="en-US" sz="2800" b="0" strike="noStrike" spc="-1" dirty="0" err="1">
+                <a:solidFill>
+                  <a:srgbClr val="3D3D3D"/>
+                </a:solidFill>
+                <a:latin typeface="Gill Sans MT"/>
+              </a:rPr>
+              <a:t>dizem</a:t>
+            </a:r>
+            <a:r>
+              <a:rPr lang="en-US" sz="2800" b="0" strike="noStrike" spc="-1" dirty="0">
+                <a:solidFill>
+                  <a:srgbClr val="3D3D3D"/>
+                </a:solidFill>
+                <a:latin typeface="Gill Sans MT"/>
+              </a:rPr>
+              <a:t>, “</a:t>
+            </a:r>
+            <a:r>
+              <a:rPr lang="en-US" sz="2800" b="0" strike="noStrike" spc="-1" dirty="0" err="1">
+                <a:solidFill>
+                  <a:srgbClr val="3D3D3D"/>
+                </a:solidFill>
+                <a:latin typeface="Gill Sans MT"/>
+              </a:rPr>
+              <a:t>uma</a:t>
+            </a:r>
+            <a:r>
+              <a:rPr lang="en-US" sz="2800" b="0" strike="noStrike" spc="-1" dirty="0">
+                <a:solidFill>
+                  <a:srgbClr val="3D3D3D"/>
+                </a:solidFill>
+                <a:latin typeface="Gill Sans MT"/>
+              </a:rPr>
+              <a:t> </a:t>
+            </a:r>
+            <a:r>
+              <a:rPr lang="en-US" sz="2800" b="0" strike="noStrike" spc="-1" dirty="0" err="1">
+                <a:solidFill>
+                  <a:srgbClr val="3D3D3D"/>
+                </a:solidFill>
+                <a:latin typeface="Gill Sans MT"/>
+              </a:rPr>
+              <a:t>palavra</a:t>
+            </a:r>
+            <a:r>
+              <a:rPr lang="en-US" sz="2800" b="0" strike="noStrike" spc="-1" dirty="0">
+                <a:solidFill>
+                  <a:srgbClr val="3D3D3D"/>
+                </a:solidFill>
+                <a:latin typeface="Gill Sans MT"/>
+              </a:rPr>
+              <a:t> vale 1000 </a:t>
+            </a:r>
+            <a:r>
+              <a:rPr lang="en-US" sz="2800" b="0" strike="noStrike" spc="-1" dirty="0" err="1">
+                <a:solidFill>
+                  <a:srgbClr val="3D3D3D"/>
+                </a:solidFill>
+                <a:latin typeface="Gill Sans MT"/>
+              </a:rPr>
+              <a:t>palavras</a:t>
+            </a:r>
+            <a:r>
+              <a:rPr lang="en-US" sz="2800" b="0" strike="noStrike" spc="-1" dirty="0">
+                <a:solidFill>
+                  <a:srgbClr val="3D3D3D"/>
+                </a:solidFill>
+                <a:latin typeface="Gill Sans MT"/>
+              </a:rPr>
+              <a:t>”</a:t>
+            </a:r>
           </a:p>
           <a:p>
             <a:pPr marL="306000" indent="-305640">
@@ -6539,30 +8302,201 @@
                 <a:spcPts val="601"/>
               </a:spcAft>
               <a:buClr>
-                <a:srgbClr val="4590b8"/>
+                <a:srgbClr val="4590B8"/>
               </a:buClr>
               <a:buSzPct val="92000"/>
               <a:buFont typeface="Wingdings 2" charset="2"/>
               <a:buChar char=""/>
             </a:pPr>
             <a:r>
-              <a:rPr b="0" lang="en-US" sz="3600" spc="-1" strike="noStrike">
-                <a:solidFill>
-                  <a:srgbClr val="3d3d3d"/>
-                </a:solidFill>
-                <a:latin typeface="Gill Sans MT"/>
-              </a:rPr>
-              <a:t>As fotos da equipe devem refletir as áreas chave da Descoberta, Integração, Inclusão e Coopertition</a:t>
-            </a:r>
-            <a:endParaRPr b="0" lang="en-US" sz="3600" spc="-1" strike="noStrike">
+              <a:rPr lang="en-US" sz="2800" b="0" strike="noStrike" spc="-1" dirty="0">
+                <a:solidFill>
+                  <a:srgbClr val="3D3D3D"/>
+                </a:solidFill>
+                <a:latin typeface="Gill Sans MT"/>
+              </a:rPr>
+              <a:t>As </a:t>
+            </a:r>
+            <a:r>
+              <a:rPr lang="en-US" sz="2800" b="0" strike="noStrike" spc="-1" dirty="0" err="1">
+                <a:solidFill>
+                  <a:srgbClr val="3D3D3D"/>
+                </a:solidFill>
+                <a:latin typeface="Gill Sans MT"/>
+              </a:rPr>
+              <a:t>fotos</a:t>
+            </a:r>
+            <a:r>
+              <a:rPr lang="en-US" sz="2800" b="0" strike="noStrike" spc="-1" dirty="0">
+                <a:solidFill>
+                  <a:srgbClr val="3D3D3D"/>
+                </a:solidFill>
+                <a:latin typeface="Gill Sans MT"/>
+              </a:rPr>
+              <a:t> da </a:t>
+            </a:r>
+            <a:r>
+              <a:rPr lang="en-US" sz="2800" b="0" strike="noStrike" spc="-1" dirty="0" err="1">
+                <a:solidFill>
+                  <a:srgbClr val="3D3D3D"/>
+                </a:solidFill>
+                <a:latin typeface="Gill Sans MT"/>
+              </a:rPr>
+              <a:t>equipe</a:t>
+            </a:r>
+            <a:r>
+              <a:rPr lang="en-US" sz="2800" b="0" strike="noStrike" spc="-1" dirty="0">
+                <a:solidFill>
+                  <a:srgbClr val="3D3D3D"/>
+                </a:solidFill>
+                <a:latin typeface="Gill Sans MT"/>
+              </a:rPr>
+              <a:t> </a:t>
+            </a:r>
+            <a:r>
+              <a:rPr lang="en-US" sz="2800" b="0" strike="noStrike" spc="-1" dirty="0" err="1">
+                <a:solidFill>
+                  <a:srgbClr val="3D3D3D"/>
+                </a:solidFill>
+                <a:latin typeface="Gill Sans MT"/>
+              </a:rPr>
+              <a:t>devem</a:t>
+            </a:r>
+            <a:r>
+              <a:rPr lang="en-US" sz="2800" b="0" strike="noStrike" spc="-1" dirty="0">
+                <a:solidFill>
+                  <a:srgbClr val="3D3D3D"/>
+                </a:solidFill>
+                <a:latin typeface="Gill Sans MT"/>
+              </a:rPr>
+              <a:t> </a:t>
+            </a:r>
+            <a:r>
+              <a:rPr lang="en-US" sz="2800" b="0" strike="noStrike" spc="-1" dirty="0" err="1">
+                <a:solidFill>
+                  <a:srgbClr val="3D3D3D"/>
+                </a:solidFill>
+                <a:latin typeface="Gill Sans MT"/>
+              </a:rPr>
+              <a:t>refletir</a:t>
+            </a:r>
+            <a:r>
+              <a:rPr lang="en-US" sz="2800" b="0" strike="noStrike" spc="-1" dirty="0">
+                <a:solidFill>
+                  <a:srgbClr val="3D3D3D"/>
+                </a:solidFill>
+                <a:latin typeface="Gill Sans MT"/>
+              </a:rPr>
+              <a:t> as </a:t>
+            </a:r>
+            <a:r>
+              <a:rPr lang="en-US" sz="2800" b="0" strike="noStrike" spc="-1" dirty="0" err="1">
+                <a:solidFill>
+                  <a:srgbClr val="3D3D3D"/>
+                </a:solidFill>
+                <a:latin typeface="Gill Sans MT"/>
+              </a:rPr>
+              <a:t>áreas</a:t>
+            </a:r>
+            <a:r>
+              <a:rPr lang="en-US" sz="2800" b="0" strike="noStrike" spc="-1" dirty="0">
+                <a:solidFill>
+                  <a:srgbClr val="3D3D3D"/>
+                </a:solidFill>
+                <a:latin typeface="Gill Sans MT"/>
+              </a:rPr>
+              <a:t> </a:t>
+            </a:r>
+            <a:r>
+              <a:rPr lang="en-US" sz="2800" b="0" strike="noStrike" spc="-1" dirty="0" err="1">
+                <a:solidFill>
+                  <a:srgbClr val="3D3D3D"/>
+                </a:solidFill>
+                <a:latin typeface="Gill Sans MT"/>
+              </a:rPr>
+              <a:t>chave</a:t>
+            </a:r>
+            <a:r>
+              <a:rPr lang="en-US" sz="2800" b="0" strike="noStrike" spc="-1" dirty="0">
+                <a:solidFill>
+                  <a:srgbClr val="3D3D3D"/>
+                </a:solidFill>
+                <a:latin typeface="Gill Sans MT"/>
+              </a:rPr>
+              <a:t> da </a:t>
+            </a:r>
+            <a:r>
+              <a:rPr lang="en-US" sz="2800" b="0" strike="noStrike" spc="-1" dirty="0" err="1">
+                <a:solidFill>
+                  <a:srgbClr val="3D3D3D"/>
+                </a:solidFill>
+                <a:latin typeface="Gill Sans MT"/>
+              </a:rPr>
+              <a:t>Descoberta</a:t>
+            </a:r>
+            <a:r>
+              <a:rPr lang="en-US" sz="2800" b="0" strike="noStrike" spc="-1" dirty="0">
+                <a:solidFill>
+                  <a:srgbClr val="3D3D3D"/>
+                </a:solidFill>
+                <a:latin typeface="Gill Sans MT"/>
+              </a:rPr>
+              <a:t>, </a:t>
+            </a:r>
+            <a:r>
+              <a:rPr lang="en-US" sz="2800" b="0" strike="noStrike" spc="-1" dirty="0" err="1">
+                <a:solidFill>
+                  <a:srgbClr val="3D3D3D"/>
+                </a:solidFill>
+                <a:latin typeface="Gill Sans MT"/>
+              </a:rPr>
+              <a:t>Integração</a:t>
+            </a:r>
+            <a:r>
+              <a:rPr lang="en-US" sz="2800" b="0" strike="noStrike" spc="-1" dirty="0">
+                <a:solidFill>
+                  <a:srgbClr val="3D3D3D"/>
+                </a:solidFill>
+                <a:latin typeface="Gill Sans MT"/>
+              </a:rPr>
+              <a:t>, </a:t>
+            </a:r>
+            <a:r>
+              <a:rPr lang="en-US" sz="2800" b="0" strike="noStrike" spc="-1" dirty="0" err="1">
+                <a:solidFill>
+                  <a:srgbClr val="3D3D3D"/>
+                </a:solidFill>
+                <a:latin typeface="Gill Sans MT"/>
+              </a:rPr>
+              <a:t>Inclusão</a:t>
+            </a:r>
+            <a:r>
+              <a:rPr lang="en-US" sz="2800" b="0" strike="noStrike" spc="-1" dirty="0">
+                <a:solidFill>
+                  <a:srgbClr val="3D3D3D"/>
+                </a:solidFill>
+                <a:latin typeface="Gill Sans MT"/>
+              </a:rPr>
+              <a:t> e </a:t>
+            </a:r>
+            <a:r>
+              <a:rPr lang="en-US" sz="2800" b="0" strike="noStrike" spc="-1" dirty="0" err="1">
+                <a:solidFill>
+                  <a:srgbClr val="3D3D3D"/>
+                </a:solidFill>
+                <a:latin typeface="Gill Sans MT"/>
+              </a:rPr>
+              <a:t>Coopertition</a:t>
+            </a:r>
+            <a:endParaRPr lang="en-US" sz="2800" b="0" strike="noStrike" spc="-1" dirty="0">
               <a:solidFill>
-                <a:srgbClr val="3d3d3d"/>
+                <a:srgbClr val="3D3D3D"/>
               </a:solidFill>
               <a:latin typeface="Gill Sans MT"/>
             </a:endParaRPr>
           </a:p>
           <a:p>
-            <a:pPr lvl="1" marL="630000" indent="-305640">
+            <a:pPr marL="630000" lvl="1" indent="-305640">
               <a:lnSpc>
                 <a:spcPct val="100000"/>
               </a:lnSpc>
@@ -6573,27 +8507,102 @@
                 <a:spcPts val="601"/>
               </a:spcAft>
               <a:buClr>
-                <a:srgbClr val="4590b8"/>
+                <a:srgbClr val="4590B8"/>
               </a:buClr>
               <a:buSzPct val="92000"/>
               <a:buFont typeface="Wingdings 2" charset="2"/>
               <a:buChar char=""/>
             </a:pPr>
             <a:r>
-              <a:rPr b="0" lang="en-US" sz="3200" spc="-1" strike="noStrike">
-                <a:solidFill>
-                  <a:srgbClr val="3d3d3d"/>
-                </a:solidFill>
-                <a:latin typeface="Gill Sans MT"/>
-              </a:rPr>
-              <a:t>Fotos de um evento de divulgação, a equipe trabalhando junta</a:t>
-            </a:r>
-            <a:endParaRPr b="0" lang="en-US" sz="3200" spc="-1" strike="noStrike">
-              <a:solidFill>
-                <a:srgbClr val="3d3d3d"/>
-              </a:solidFill>
-              <a:latin typeface="Gill Sans MT"/>
-            </a:endParaRPr>
+              <a:rPr lang="en-US" sz="2400" b="0" strike="noStrike" spc="-1" dirty="0" err="1">
+                <a:solidFill>
+                  <a:srgbClr val="3D3D3D"/>
+                </a:solidFill>
+                <a:latin typeface="Gill Sans MT"/>
+              </a:rPr>
+              <a:t>Fotos</a:t>
+            </a:r>
+            <a:r>
+              <a:rPr lang="en-US" sz="2400" b="0" strike="noStrike" spc="-1" dirty="0">
+                <a:solidFill>
+                  <a:srgbClr val="3D3D3D"/>
+                </a:solidFill>
+                <a:latin typeface="Gill Sans MT"/>
+              </a:rPr>
+              <a:t> de um </a:t>
+            </a:r>
+            <a:r>
+              <a:rPr lang="en-US" sz="2400" b="0" strike="noStrike" spc="-1" dirty="0" err="1">
+                <a:solidFill>
+                  <a:srgbClr val="3D3D3D"/>
+                </a:solidFill>
+                <a:latin typeface="Gill Sans MT"/>
+              </a:rPr>
+              <a:t>evento</a:t>
+            </a:r>
+            <a:r>
+              <a:rPr lang="en-US" sz="2400" b="0" strike="noStrike" spc="-1" dirty="0">
+                <a:solidFill>
+                  <a:srgbClr val="3D3D3D"/>
+                </a:solidFill>
+                <a:latin typeface="Gill Sans MT"/>
+              </a:rPr>
+              <a:t> de </a:t>
+            </a:r>
+            <a:r>
+              <a:rPr lang="en-US" sz="2400" b="0" strike="noStrike" spc="-1" dirty="0" err="1">
+                <a:solidFill>
+                  <a:srgbClr val="3D3D3D"/>
+                </a:solidFill>
+                <a:latin typeface="Gill Sans MT"/>
+              </a:rPr>
+              <a:t>divulgação</a:t>
+            </a:r>
+            <a:r>
+              <a:rPr lang="en-US" sz="2400" b="0" strike="noStrike" spc="-1" dirty="0">
+                <a:solidFill>
+                  <a:srgbClr val="3D3D3D"/>
+                </a:solidFill>
+                <a:latin typeface="Gill Sans MT"/>
+              </a:rPr>
+              <a:t>, a </a:t>
+            </a:r>
+            <a:r>
+              <a:rPr lang="en-US" sz="2400" b="0" strike="noStrike" spc="-1" dirty="0" err="1">
+                <a:solidFill>
+                  <a:srgbClr val="3D3D3D"/>
+                </a:solidFill>
+                <a:latin typeface="Gill Sans MT"/>
+              </a:rPr>
+              <a:t>equipe</a:t>
+            </a:r>
+            <a:r>
+              <a:rPr lang="en-US" sz="2400" b="0" strike="noStrike" spc="-1" dirty="0">
+                <a:solidFill>
+                  <a:srgbClr val="3D3D3D"/>
+                </a:solidFill>
+                <a:latin typeface="Gill Sans MT"/>
+              </a:rPr>
+              <a:t> </a:t>
+            </a:r>
+            <a:r>
+              <a:rPr lang="en-US" sz="2400" b="0" strike="noStrike" spc="-1" dirty="0" err="1">
+                <a:solidFill>
+                  <a:srgbClr val="3D3D3D"/>
+                </a:solidFill>
+                <a:latin typeface="Gill Sans MT"/>
+              </a:rPr>
+              <a:t>trabalhando</a:t>
+            </a:r>
+            <a:r>
+              <a:rPr lang="en-US" sz="2400" b="0" strike="noStrike" spc="-1" dirty="0">
+                <a:solidFill>
+                  <a:srgbClr val="3D3D3D"/>
+                </a:solidFill>
+                <a:latin typeface="Gill Sans MT"/>
+              </a:rPr>
+              <a:t> junta</a:t>
+            </a:r>
           </a:p>
           <a:p>
             <a:pPr>
@@ -6607,9 +8616,9 @@
                 <a:spcPts val="601"/>
               </a:spcAft>
             </a:pPr>
-            <a:endParaRPr b="0" lang="en-US" sz="3200" spc="-1" strike="noStrike">
+            <a:endParaRPr lang="en-US" sz="2400" b="0" strike="noStrike" spc="-1" dirty="0">
               <a:solidFill>
-                <a:srgbClr val="3d3d3d"/>
+                <a:srgbClr val="3D3D3D"/>
               </a:solidFill>
               <a:latin typeface="Gill Sans MT"/>
             </a:endParaRPr>
@@ -6636,7 +8645,8 @@
           </a:ln>
         </p:spPr>
         <p:txBody>
-          <a:bodyPr lIns="90000" rIns="90000" tIns="45000" bIns="45000"/>
+          <a:bodyPr lIns="90000" tIns="45000" rIns="90000" bIns="45000"/>
+          <a:lstStyle/>
           <a:p>
             <a:pPr>
               <a:lnSpc>
@@ -6644,24 +8654,24 @@
               </a:lnSpc>
             </a:pPr>
             <a:r>
-              <a:rPr b="0" lang="pt-BR" sz="1800" spc="-1" strike="noStrike">
-                <a:solidFill>
-                  <a:srgbClr val="537ed0"/>
+              <a:rPr lang="pt-BR" sz="1800" b="0" strike="noStrike" spc="-1">
+                <a:solidFill>
+                  <a:srgbClr val="537ED0"/>
                 </a:solidFill>
                 <a:latin typeface="Gill Sans MT"/>
               </a:rPr>
               <a:t>Última edição: </a:t>
             </a:r>
             <a:fld id="{4192F23E-9B81-4869-9953-C52A26A9CB6A}" type="datetime1">
-              <a:rPr b="0" lang="pt-BR" sz="1800" spc="-1" strike="noStrike">
-                <a:solidFill>
-                  <a:srgbClr val="537ed0"/>
-                </a:solidFill>
-                <a:latin typeface="Gill Sans MT"/>
-              </a:rPr>
-              <a:t>03/09/2018</a:t>
+              <a:rPr lang="pt-BR" sz="1800" b="0" strike="noStrike" spc="-1">
+                <a:solidFill>
+                  <a:srgbClr val="537ED0"/>
+                </a:solidFill>
+                <a:latin typeface="Gill Sans MT"/>
+              </a:rPr>
+              <a:t>01/10/2018</a:t>
             </a:fld>
-            <a:endParaRPr b="0" lang="pt-BR" sz="1800" spc="-1" strike="noStrike">
+            <a:endParaRPr lang="pt-BR" sz="1800" b="0" strike="noStrike" spc="-1">
               <a:latin typeface="Times New Roman"/>
             </a:endParaRPr>
           </a:p>
@@ -6687,7 +8697,8 @@
           </a:ln>
         </p:spPr>
         <p:txBody>
-          <a:bodyPr lIns="90000" rIns="90000" tIns="45000" bIns="45000"/>
+          <a:bodyPr lIns="90000" tIns="45000" rIns="90000" bIns="45000"/>
+          <a:lstStyle/>
           <a:p>
             <a:pPr>
               <a:lnSpc>
@@ -6695,15 +8706,15 @@
               </a:lnSpc>
             </a:pPr>
             <a:r>
-              <a:rPr b="0" lang="pt-BR" sz="1800" spc="-1" strike="noStrike">
-                <a:solidFill>
-                  <a:srgbClr val="537ed0"/>
+              <a:rPr lang="pt-BR" sz="1800" b="0" strike="noStrike" spc="-1">
+                <a:solidFill>
+                  <a:srgbClr val="537ED0"/>
                 </a:solidFill>
                 <a:latin typeface="Gill Sans MT"/>
               </a:rPr>
               <a:t>Copyright 2018, FLL TUTORIALS</a:t>
             </a:r>
-            <a:endParaRPr b="0" lang="pt-BR" sz="1800" spc="-1" strike="noStrike">
+            <a:endParaRPr lang="pt-BR" sz="1800" b="0" strike="noStrike" spc="-1">
               <a:latin typeface="Times New Roman"/>
             </a:endParaRPr>
           </a:p>
@@ -6729,7 +8740,8 @@
           </a:ln>
         </p:spPr>
         <p:txBody>
-          <a:bodyPr lIns="90000" rIns="90000" tIns="45000" bIns="45000"/>
+          <a:bodyPr lIns="90000" tIns="45000" rIns="90000" bIns="45000"/>
+          <a:lstStyle/>
           <a:p>
             <a:pPr>
               <a:lnSpc>
@@ -6737,15 +8749,15 @@
               </a:lnSpc>
             </a:pPr>
             <a:fld id="{020B0E18-9B06-4570-8D68-8BF34AA75357}" type="slidenum">
-              <a:rPr b="0" lang="pt-BR" sz="1800" spc="-1" strike="noStrike">
-                <a:solidFill>
-                  <a:srgbClr val="537ed0"/>
-                </a:solidFill>
-                <a:latin typeface="Gill Sans MT"/>
-              </a:rPr>
-              <a:t>1</a:t>
+              <a:rPr lang="pt-BR" sz="1800" b="0" strike="noStrike" spc="-1">
+                <a:solidFill>
+                  <a:srgbClr val="537ED0"/>
+                </a:solidFill>
+                <a:latin typeface="Gill Sans MT"/>
+              </a:rPr>
+              <a:t>5</a:t>
             </a:fld>
-            <a:endParaRPr b="0" lang="pt-BR" sz="1800" spc="-1" strike="noStrike">
+            <a:endParaRPr lang="pt-BR" sz="1800" b="0" strike="noStrike" spc="-1">
               <a:latin typeface="Times New Roman"/>
             </a:endParaRPr>
           </a:p>
@@ -6753,22 +8765,25 @@
       </p:sp>
     </p:spTree>
   </p:cSld>
+  <p:clrMapOvr>
+    <a:masterClrMapping/>
+  </p:clrMapOvr>
   <p:timing>
     <p:tnLst>
       <p:par>
-        <p:cTn id="9" dur="indefinite" restart="never" nodeType="tmRoot">
+        <p:cTn id="1" dur="indefinite" restart="never" nodeType="tmRoot">
           <p:childTnLst>
             <p:seq>
-              <p:cTn id="10" dur="indefinite" nodeType="mainSeq"/>
+              <p:cTn id="2" dur="indefinite" nodeType="mainSeq"/>
               <p:prevCondLst>
-                <p:cond delay="0" evt="onPrev">
+                <p:cond evt="onPrev" delay="0">
                   <p:tgtEl>
                     <p:sldTgt/>
                   </p:tgtEl>
                 </p:cond>
               </p:prevCondLst>
               <p:nextCondLst>
-                <p:cond delay="0" evt="onNext">
+                <p:cond evt="onNext" delay="0">
                   <p:tgtEl>
                     <p:sldTgt/>
                   </p:tgtEl>
@@ -6784,7 +8799,7 @@
 </file>
 
 <file path=ppt/slides/slide6.xml><?xml version="1.0" encoding="utf-8"?>
-<p:sld xmlns:a="http://schemas.openxmlformats.org/drawingml/2006/main" xmlns:p="http://schemas.openxmlformats.org/presentationml/2006/main" xmlns:r="http://schemas.openxmlformats.org/officeDocument/2006/relationships" xmlns:p14="http://schemas.microsoft.com/office/powerpoint/2010/main" xmlns:p15="http://schemas.microsoft.com/office/powerpoint/2012/main" xmlns:mc="http://schemas.openxmlformats.org/markup-compatibility/2006">
+<p:sld xmlns:a="http://schemas.openxmlformats.org/drawingml/2006/main" xmlns:r="http://schemas.openxmlformats.org/officeDocument/2006/relationships" xmlns:p="http://schemas.openxmlformats.org/presentationml/2006/main">
   <p:cSld>
     <p:spTree>
       <p:nvGrpSpPr>
@@ -6821,8 +8836,9 @@
         </p:spPr>
         <p:txBody>
           <a:bodyPr anchor="b">
-            <a:normAutofit/>
+            <a:noAutofit/>
           </a:bodyPr>
+          <a:lstStyle/>
           <a:p>
             <a:pPr>
               <a:lnSpc>
@@ -6830,15 +8846,96 @@
               </a:lnSpc>
             </a:pPr>
             <a:r>
-              <a:rPr b="0" lang="en-US" sz="2800" spc="-1" strike="noStrike" cap="all">
-                <a:solidFill>
-                  <a:srgbClr val="ffffff"/>
-                </a:solidFill>
-                <a:latin typeface="Gill Sans MT"/>
-              </a:rPr>
-              <a:t>Design do pôster conectado ao projeto da equipe</a:t>
-            </a:r>
-            <a:endParaRPr b="0" lang="en-US" sz="2800" spc="-1" strike="noStrike">
+              <a:rPr lang="en-US" sz="2000" b="0" strike="noStrike" cap="all" spc="-1" dirty="0">
+                <a:solidFill>
+                  <a:srgbClr val="FFFFFF"/>
+                </a:solidFill>
+                <a:latin typeface="Gill Sans MT"/>
+              </a:rPr>
+              <a:t>Design do </a:t>
+            </a:r>
+            <a:r>
+              <a:rPr lang="en-US" sz="2000" b="0" strike="noStrike" cap="all" spc="-1" dirty="0" err="1">
+                <a:solidFill>
+                  <a:srgbClr val="FFFFFF"/>
+                </a:solidFill>
+                <a:latin typeface="Gill Sans MT"/>
+              </a:rPr>
+              <a:t>pôster</a:t>
+            </a:r>
+            <a:r>
+              <a:rPr lang="en-US" sz="2000" b="0" strike="noStrike" cap="all" spc="-1" dirty="0">
+                <a:solidFill>
+                  <a:srgbClr val="FFFFFF"/>
+                </a:solidFill>
+                <a:latin typeface="Gill Sans MT"/>
+              </a:rPr>
+              <a:t> </a:t>
+            </a:r>
+            <a:r>
+              <a:rPr lang="en-US" sz="2000" b="0" strike="noStrike" cap="all" spc="-1" dirty="0" err="1">
+                <a:solidFill>
+                  <a:srgbClr val="FFFFFF"/>
+                </a:solidFill>
+                <a:latin typeface="Gill Sans MT"/>
+              </a:rPr>
+              <a:t>conectado</a:t>
+            </a:r>
+            <a:r>
+              <a:rPr lang="en-US" sz="2000" b="0" strike="noStrike" cap="all" spc="-1" dirty="0">
+                <a:solidFill>
+                  <a:srgbClr val="FFFFFF"/>
+                </a:solidFill>
+                <a:latin typeface="Gill Sans MT"/>
+              </a:rPr>
+              <a:t> </a:t>
+            </a:r>
+            <a:r>
+              <a:rPr lang="en-US" sz="2000" b="0" strike="noStrike" cap="all" spc="-1" dirty="0" err="1">
+                <a:solidFill>
+                  <a:srgbClr val="FFFFFF"/>
+                </a:solidFill>
+                <a:latin typeface="Gill Sans MT"/>
+              </a:rPr>
+              <a:t>ao</a:t>
+            </a:r>
+            <a:r>
+              <a:rPr lang="en-US" sz="2000" b="0" strike="noStrike" cap="all" spc="-1" dirty="0">
+                <a:solidFill>
+                  <a:srgbClr val="FFFFFF"/>
+                </a:solidFill>
+                <a:latin typeface="Gill Sans MT"/>
+              </a:rPr>
+              <a:t> </a:t>
+            </a:r>
+            <a:r>
+              <a:rPr lang="en-US" sz="2000" b="0" strike="noStrike" cap="all" spc="-1" dirty="0" err="1">
+                <a:solidFill>
+                  <a:srgbClr val="FFFFFF"/>
+                </a:solidFill>
+                <a:latin typeface="Gill Sans MT"/>
+              </a:rPr>
+              <a:t>projeto</a:t>
+            </a:r>
+            <a:r>
+              <a:rPr lang="en-US" sz="2000" b="0" strike="noStrike" cap="all" spc="-1" dirty="0">
+                <a:solidFill>
+                  <a:srgbClr val="FFFFFF"/>
+                </a:solidFill>
+                <a:latin typeface="Gill Sans MT"/>
+              </a:rPr>
+              <a:t> da </a:t>
+            </a:r>
+            <a:r>
+              <a:rPr lang="en-US" sz="2000" b="0" strike="noStrike" cap="all" spc="-1" dirty="0" err="1">
+                <a:solidFill>
+                  <a:srgbClr val="FFFFFF"/>
+                </a:solidFill>
+                <a:latin typeface="Gill Sans MT"/>
+              </a:rPr>
+              <a:t>equipe</a:t>
+            </a:r>
+            <a:endParaRPr lang="en-US" sz="2000" b="0" strike="noStrike" spc="-1" dirty="0">
               <a:solidFill>
                 <a:srgbClr val="000000"/>
               </a:solidFill>
@@ -6870,6 +8967,7 @@
           <a:bodyPr>
             <a:normAutofit/>
           </a:bodyPr>
+          <a:lstStyle/>
           <a:p>
             <a:pPr marL="306000" indent="-305640">
               <a:lnSpc>
@@ -6882,27 +8980,21 @@
                 <a:spcPts val="601"/>
               </a:spcAft>
               <a:buClr>
-                <a:srgbClr val="4590b8"/>
+                <a:srgbClr val="4590B8"/>
               </a:buClr>
               <a:buSzPct val="92000"/>
               <a:buFont typeface="Wingdings 2" charset="2"/>
               <a:buChar char=""/>
             </a:pPr>
             <a:r>
-              <a:rPr b="0" lang="en-US" sz="2400" spc="-1" strike="noStrike">
-                <a:solidFill>
-                  <a:srgbClr val="3d3d3d"/>
+              <a:rPr lang="en-US" sz="2400" b="0" strike="noStrike" spc="-1">
+                <a:solidFill>
+                  <a:srgbClr val="3D3D3D"/>
                 </a:solidFill>
                 <a:latin typeface="Gill Sans MT"/>
               </a:rPr>
               <a:t>A Seaford Sea Lions fez seu pôster para parecer camadas de solo e água, do aquífero de Long Island, NY</a:t>
             </a:r>
-            <a:endParaRPr b="0" lang="en-US" sz="2400" spc="-1" strike="noStrike">
-              <a:solidFill>
-                <a:srgbClr val="3d3d3d"/>
-              </a:solidFill>
-              <a:latin typeface="Gill Sans MT"/>
-            </a:endParaRPr>
           </a:p>
           <a:p>
             <a:pPr marL="306000" indent="-305640">
@@ -6916,27 +9008,21 @@
                 <a:spcPts val="601"/>
               </a:spcAft>
               <a:buClr>
-                <a:srgbClr val="4590b8"/>
+                <a:srgbClr val="4590B8"/>
               </a:buClr>
               <a:buSzPct val="92000"/>
               <a:buFont typeface="Wingdings 2" charset="2"/>
               <a:buChar char=""/>
             </a:pPr>
             <a:r>
-              <a:rPr b="0" lang="en-US" sz="2400" spc="-1" strike="noStrike">
-                <a:solidFill>
-                  <a:srgbClr val="3d3d3d"/>
+              <a:rPr lang="en-US" sz="2400" b="0" strike="noStrike" spc="-1">
+                <a:solidFill>
+                  <a:srgbClr val="3D3D3D"/>
                 </a:solidFill>
                 <a:latin typeface="Gill Sans MT"/>
               </a:rPr>
               <a:t>Eles conectaram o pôster de Core ao tema da temporada/projeto</a:t>
             </a:r>
-            <a:endParaRPr b="0" lang="en-US" sz="2400" spc="-1" strike="noStrike">
-              <a:solidFill>
-                <a:srgbClr val="3d3d3d"/>
-              </a:solidFill>
-              <a:latin typeface="Gill Sans MT"/>
-            </a:endParaRPr>
           </a:p>
           <a:p>
             <a:pPr>
@@ -6950,9 +9036,9 @@
                 <a:spcPts val="601"/>
               </a:spcAft>
             </a:pPr>
-            <a:endParaRPr b="0" lang="en-US" sz="2400" spc="-1" strike="noStrike">
+            <a:endParaRPr lang="en-US" sz="2400" b="0" strike="noStrike" spc="-1">
               <a:solidFill>
-                <a:srgbClr val="3d3d3d"/>
+                <a:srgbClr val="3D3D3D"/>
               </a:solidFill>
               <a:latin typeface="Gill Sans MT"/>
             </a:endParaRPr>
@@ -6979,7 +9065,8 @@
           </a:ln>
         </p:spPr>
         <p:txBody>
-          <a:bodyPr lIns="90000" rIns="90000" tIns="45000" bIns="45000"/>
+          <a:bodyPr lIns="90000" tIns="45000" rIns="90000" bIns="45000"/>
+          <a:lstStyle/>
           <a:p>
             <a:pPr>
               <a:lnSpc>
@@ -6987,15 +9074,15 @@
               </a:lnSpc>
             </a:pPr>
             <a:fld id="{F8BA593C-EC40-4AAC-8048-17019AE52C6D}" type="slidenum">
-              <a:rPr b="0" lang="pt-BR" sz="1800" spc="-1" strike="noStrike">
-                <a:solidFill>
-                  <a:srgbClr val="537ed0"/>
-                </a:solidFill>
-                <a:latin typeface="Gill Sans MT"/>
-              </a:rPr>
-              <a:t>1</a:t>
+              <a:rPr lang="pt-BR" sz="1800" b="0" strike="noStrike" spc="-1">
+                <a:solidFill>
+                  <a:srgbClr val="537ED0"/>
+                </a:solidFill>
+                <a:latin typeface="Gill Sans MT"/>
+              </a:rPr>
+              <a:t>6</a:t>
             </a:fld>
-            <a:endParaRPr b="0" lang="pt-BR" sz="1800" spc="-1" strike="noStrike">
+            <a:endParaRPr lang="pt-BR" sz="1800" b="0" strike="noStrike" spc="-1">
               <a:latin typeface="Times New Roman"/>
             </a:endParaRPr>
           </a:p>
@@ -7003,12 +9090,12 @@
       </p:sp>
       <p:pic>
         <p:nvPicPr>
-          <p:cNvPr id="125" name="Picture 4" descr=""/>
+          <p:cNvPr id="125" name="Picture 4"/>
           <p:cNvPicPr/>
           <p:nvPr/>
         </p:nvPicPr>
         <p:blipFill>
-          <a:blip r:embed="rId1"/>
+          <a:blip r:embed="rId2"/>
           <a:stretch/>
         </p:blipFill>
         <p:spPr>
@@ -7044,7 +9131,8 @@
           </a:ln>
         </p:spPr>
         <p:txBody>
-          <a:bodyPr lIns="90000" rIns="90000" tIns="45000" bIns="45000"/>
+          <a:bodyPr lIns="90000" tIns="45000" rIns="90000" bIns="45000"/>
+          <a:lstStyle/>
           <a:p>
             <a:pPr>
               <a:lnSpc>
@@ -7052,24 +9140,24 @@
               </a:lnSpc>
             </a:pPr>
             <a:r>
-              <a:rPr b="0" lang="pt-BR" sz="1800" spc="-1" strike="noStrike">
-                <a:solidFill>
-                  <a:srgbClr val="537ed0"/>
+              <a:rPr lang="pt-BR" sz="1800" b="0" strike="noStrike" spc="-1">
+                <a:solidFill>
+                  <a:srgbClr val="537ED0"/>
                 </a:solidFill>
                 <a:latin typeface="Gill Sans MT"/>
               </a:rPr>
               <a:t>Última edição: </a:t>
             </a:r>
             <a:fld id="{7EEDE7E5-8B01-41D2-B43E-F24BE05213BE}" type="datetime1">
-              <a:rPr b="0" lang="pt-BR" sz="1800" spc="-1" strike="noStrike">
-                <a:solidFill>
-                  <a:srgbClr val="537ed0"/>
-                </a:solidFill>
-                <a:latin typeface="Gill Sans MT"/>
-              </a:rPr>
-              <a:t>03/09/2018</a:t>
+              <a:rPr lang="pt-BR" sz="1800" b="0" strike="noStrike" spc="-1">
+                <a:solidFill>
+                  <a:srgbClr val="537ED0"/>
+                </a:solidFill>
+                <a:latin typeface="Gill Sans MT"/>
+              </a:rPr>
+              <a:t>01/10/2018</a:t>
             </a:fld>
-            <a:endParaRPr b="0" lang="pt-BR" sz="1800" spc="-1" strike="noStrike">
+            <a:endParaRPr lang="pt-BR" sz="1800" b="0" strike="noStrike" spc="-1">
               <a:latin typeface="Times New Roman"/>
             </a:endParaRPr>
           </a:p>
@@ -7095,7 +9183,8 @@
           </a:ln>
         </p:spPr>
         <p:txBody>
-          <a:bodyPr lIns="90000" rIns="90000" tIns="45000" bIns="45000"/>
+          <a:bodyPr lIns="90000" tIns="45000" rIns="90000" bIns="45000"/>
+          <a:lstStyle/>
           <a:p>
             <a:pPr>
               <a:lnSpc>
@@ -7103,15 +9192,15 @@
               </a:lnSpc>
             </a:pPr>
             <a:r>
-              <a:rPr b="0" lang="pt-BR" sz="1800" spc="-1" strike="noStrike">
-                <a:solidFill>
-                  <a:srgbClr val="537ed0"/>
+              <a:rPr lang="pt-BR" sz="1800" b="0" strike="noStrike" spc="-1">
+                <a:solidFill>
+                  <a:srgbClr val="537ED0"/>
                 </a:solidFill>
                 <a:latin typeface="Gill Sans MT"/>
               </a:rPr>
               <a:t>Copyright 2018, FLL TUTORIALS</a:t>
             </a:r>
-            <a:endParaRPr b="0" lang="pt-BR" sz="1800" spc="-1" strike="noStrike">
+            <a:endParaRPr lang="pt-BR" sz="1800" b="0" strike="noStrike" spc="-1">
               <a:latin typeface="Times New Roman"/>
             </a:endParaRPr>
           </a:p>
@@ -7119,22 +9208,25 @@
       </p:sp>
     </p:spTree>
   </p:cSld>
+  <p:clrMapOvr>
+    <a:masterClrMapping/>
+  </p:clrMapOvr>
   <p:timing>
     <p:tnLst>
       <p:par>
-        <p:cTn id="11" dur="indefinite" restart="never" nodeType="tmRoot">
+        <p:cTn id="1" dur="indefinite" restart="never" nodeType="tmRoot">
           <p:childTnLst>
             <p:seq>
-              <p:cTn id="12" dur="indefinite" nodeType="mainSeq"/>
+              <p:cTn id="2" dur="indefinite" nodeType="mainSeq"/>
               <p:prevCondLst>
-                <p:cond delay="0" evt="onPrev">
+                <p:cond evt="onPrev" delay="0">
                   <p:tgtEl>
                     <p:sldTgt/>
                   </p:tgtEl>
                 </p:cond>
               </p:prevCondLst>
               <p:nextCondLst>
-                <p:cond delay="0" evt="onNext">
+                <p:cond evt="onNext" delay="0">
                   <p:tgtEl>
                     <p:sldTgt/>
                   </p:tgtEl>
@@ -7150,7 +9242,7 @@
 </file>
 
 <file path=ppt/slides/slide7.xml><?xml version="1.0" encoding="utf-8"?>
-<p:sld xmlns:a="http://schemas.openxmlformats.org/drawingml/2006/main" xmlns:p="http://schemas.openxmlformats.org/presentationml/2006/main" xmlns:r="http://schemas.openxmlformats.org/officeDocument/2006/relationships" xmlns:p14="http://schemas.microsoft.com/office/powerpoint/2010/main" xmlns:p15="http://schemas.microsoft.com/office/powerpoint/2012/main" xmlns:mc="http://schemas.openxmlformats.org/markup-compatibility/2006">
+<p:sld xmlns:a="http://schemas.openxmlformats.org/drawingml/2006/main" xmlns:r="http://schemas.openxmlformats.org/officeDocument/2006/relationships" xmlns:p="http://schemas.openxmlformats.org/presentationml/2006/main">
   <p:cSld>
     <p:spTree>
       <p:nvGrpSpPr>
@@ -7187,6 +9279,7 @@
         </p:spPr>
         <p:txBody>
           <a:bodyPr anchor="b"/>
+          <a:lstStyle/>
           <a:p>
             <a:pPr>
               <a:lnSpc>
@@ -7194,15 +9287,15 @@
               </a:lnSpc>
             </a:pPr>
             <a:r>
-              <a:rPr b="0" lang="en-US" sz="2800" spc="-1" strike="noStrike" cap="all">
-                <a:solidFill>
-                  <a:srgbClr val="ffffff"/>
+              <a:rPr lang="en-US" sz="2800" b="0" strike="noStrike" cap="all" spc="-1">
+                <a:solidFill>
+                  <a:srgbClr val="FFFFFF"/>
                 </a:solidFill>
                 <a:latin typeface="Gill Sans MT"/>
               </a:rPr>
               <a:t>Design do pôster conectado ao nome da equipe</a:t>
             </a:r>
-            <a:endParaRPr b="0" lang="en-US" sz="2800" spc="-1" strike="noStrike">
+            <a:endParaRPr lang="en-US" sz="2800" b="0" strike="noStrike" spc="-1">
               <a:solidFill>
                 <a:srgbClr val="000000"/>
               </a:solidFill>
@@ -7213,165 +9306,7 @@
       </p:sp>
       <p:pic>
         <p:nvPicPr>
-          <p:cNvPr id="129" name="Content Placeholder 7" descr=""/>
-          <p:cNvPicPr/>
-          <p:nvPr/>
-        </p:nvPicPr>
-        <p:blipFill>
-          <a:blip r:embed="rId1"/>
-          <a:stretch/>
-        </p:blipFill>
-        <p:spPr>
-          <a:xfrm>
-            <a:off x="762120" y="1555920"/>
-            <a:ext cx="3631320" cy="2432520"/>
-          </a:xfrm>
-          <a:prstGeom prst="rect">
-            <a:avLst/>
-          </a:prstGeom>
-          <a:ln>
-            <a:noFill/>
-          </a:ln>
-        </p:spPr>
-      </p:pic>
-      <p:sp>
-        <p:nvSpPr>
-          <p:cNvPr id="130" name="TextShape 2"/>
-          <p:cNvSpPr txBox="1"/>
-          <p:nvPr/>
-        </p:nvSpPr>
-        <p:spPr>
-          <a:xfrm>
-            <a:off x="4464000" y="6392160"/>
-            <a:ext cx="3228840" cy="364680"/>
-          </a:xfrm>
-          <a:prstGeom prst="rect">
-            <a:avLst/>
-          </a:prstGeom>
-          <a:noFill/>
-          <a:ln>
-            <a:noFill/>
-          </a:ln>
-        </p:spPr>
-        <p:txBody>
-          <a:bodyPr lIns="90000" rIns="90000" tIns="45000" bIns="45000"/>
-          <a:p>
-            <a:pPr>
-              <a:lnSpc>
-                <a:spcPct val="100000"/>
-              </a:lnSpc>
-            </a:pPr>
-            <a:r>
-              <a:rPr b="0" lang="pt-BR" sz="1800" spc="-1" strike="noStrike">
-                <a:solidFill>
-                  <a:srgbClr val="537ed0"/>
-                </a:solidFill>
-                <a:latin typeface="Gill Sans MT"/>
-              </a:rPr>
-              <a:t>Última edição: </a:t>
-            </a:r>
-            <a:fld id="{C7079B74-226F-489E-8587-6A621853299B}" type="datetime1">
-              <a:rPr b="0" lang="pt-BR" sz="1800" spc="-1" strike="noStrike">
-                <a:solidFill>
-                  <a:srgbClr val="537ed0"/>
-                </a:solidFill>
-                <a:latin typeface="Gill Sans MT"/>
-              </a:rPr>
-              <a:t>03/09/2018</a:t>
-            </a:fld>
-            <a:endParaRPr b="0" lang="pt-BR" sz="1800" spc="-1" strike="noStrike">
-              <a:latin typeface="Times New Roman"/>
-            </a:endParaRPr>
-          </a:p>
-        </p:txBody>
-      </p:sp>
-      <p:sp>
-        <p:nvSpPr>
-          <p:cNvPr id="131" name="TextShape 3"/>
-          <p:cNvSpPr txBox="1"/>
-          <p:nvPr/>
-        </p:nvSpPr>
-        <p:spPr>
-          <a:xfrm>
-            <a:off x="581040" y="6387840"/>
-            <a:ext cx="3594960" cy="364680"/>
-          </a:xfrm>
-          <a:prstGeom prst="rect">
-            <a:avLst/>
-          </a:prstGeom>
-          <a:noFill/>
-          <a:ln>
-            <a:noFill/>
-          </a:ln>
-        </p:spPr>
-        <p:txBody>
-          <a:bodyPr lIns="90000" rIns="90000" tIns="45000" bIns="45000"/>
-          <a:p>
-            <a:pPr>
-              <a:lnSpc>
-                <a:spcPct val="100000"/>
-              </a:lnSpc>
-            </a:pPr>
-            <a:r>
-              <a:rPr b="0" lang="pt-BR" sz="1800" spc="-1" strike="noStrike">
-                <a:solidFill>
-                  <a:srgbClr val="537ed0"/>
-                </a:solidFill>
-                <a:latin typeface="Gill Sans MT"/>
-              </a:rPr>
-              <a:t>Copyright 2018, FLL TUTORIALS</a:t>
-            </a:r>
-            <a:endParaRPr b="0" lang="pt-BR" sz="1800" spc="-1" strike="noStrike">
-              <a:latin typeface="Times New Roman"/>
-            </a:endParaRPr>
-          </a:p>
-        </p:txBody>
-      </p:sp>
-      <p:sp>
-        <p:nvSpPr>
-          <p:cNvPr id="132" name="TextShape 4"/>
-          <p:cNvSpPr txBox="1"/>
-          <p:nvPr/>
-        </p:nvSpPr>
-        <p:spPr>
-          <a:xfrm>
-            <a:off x="7800480" y="6392160"/>
-            <a:ext cx="770040" cy="364680"/>
-          </a:xfrm>
-          <a:prstGeom prst="rect">
-            <a:avLst/>
-          </a:prstGeom>
-          <a:noFill/>
-          <a:ln>
-            <a:noFill/>
-          </a:ln>
-        </p:spPr>
-        <p:txBody>
-          <a:bodyPr lIns="90000" rIns="90000" tIns="45000" bIns="45000"/>
-          <a:p>
-            <a:pPr>
-              <a:lnSpc>
-                <a:spcPct val="100000"/>
-              </a:lnSpc>
-            </a:pPr>
-            <a:fld id="{A1A703AB-229E-4F46-92E6-629DA82FB06C}" type="slidenum">
-              <a:rPr b="0" lang="pt-BR" sz="1800" spc="-1" strike="noStrike">
-                <a:solidFill>
-                  <a:srgbClr val="537ed0"/>
-                </a:solidFill>
-                <a:latin typeface="Gill Sans MT"/>
-              </a:rPr>
-              <a:t>1</a:t>
-            </a:fld>
-            <a:endParaRPr b="0" lang="pt-BR" sz="1800" spc="-1" strike="noStrike">
-              <a:latin typeface="Times New Roman"/>
-            </a:endParaRPr>
-          </a:p>
-        </p:txBody>
-      </p:sp>
-      <p:pic>
-        <p:nvPicPr>
-          <p:cNvPr id="133" name="Picture 8" descr=""/>
+          <p:cNvPr id="129" name="Content Placeholder 7"/>
           <p:cNvPicPr/>
           <p:nvPr/>
         </p:nvPicPr>
@@ -7381,8 +9316,8 @@
         </p:blipFill>
         <p:spPr>
           <a:xfrm>
-            <a:off x="2959560" y="4021920"/>
-            <a:ext cx="3232440" cy="2424240"/>
+            <a:off x="762120" y="1555920"/>
+            <a:ext cx="3631320" cy="2432520"/>
           </a:xfrm>
           <a:prstGeom prst="rect">
             <a:avLst/>
@@ -7392,9 +9327,147 @@
           </a:ln>
         </p:spPr>
       </p:pic>
+      <p:sp>
+        <p:nvSpPr>
+          <p:cNvPr id="130" name="TextShape 2"/>
+          <p:cNvSpPr txBox="1"/>
+          <p:nvPr/>
+        </p:nvSpPr>
+        <p:spPr>
+          <a:xfrm>
+            <a:off x="4464000" y="6392160"/>
+            <a:ext cx="3228840" cy="364680"/>
+          </a:xfrm>
+          <a:prstGeom prst="rect">
+            <a:avLst/>
+          </a:prstGeom>
+          <a:noFill/>
+          <a:ln>
+            <a:noFill/>
+          </a:ln>
+        </p:spPr>
+        <p:txBody>
+          <a:bodyPr lIns="90000" tIns="45000" rIns="90000" bIns="45000"/>
+          <a:lstStyle/>
+          <a:p>
+            <a:pPr>
+              <a:lnSpc>
+                <a:spcPct val="100000"/>
+              </a:lnSpc>
+            </a:pPr>
+            <a:r>
+              <a:rPr lang="pt-BR" sz="1800" b="0" strike="noStrike" spc="-1">
+                <a:solidFill>
+                  <a:srgbClr val="537ED0"/>
+                </a:solidFill>
+                <a:latin typeface="Gill Sans MT"/>
+              </a:rPr>
+              <a:t>Última edição: </a:t>
+            </a:r>
+            <a:fld id="{C7079B74-226F-489E-8587-6A621853299B}" type="datetime1">
+              <a:rPr lang="pt-BR" sz="1800" b="0" strike="noStrike" spc="-1">
+                <a:solidFill>
+                  <a:srgbClr val="537ED0"/>
+                </a:solidFill>
+                <a:latin typeface="Gill Sans MT"/>
+              </a:rPr>
+              <a:t>01/10/2018</a:t>
+            </a:fld>
+            <a:endParaRPr lang="pt-BR" sz="1800" b="0" strike="noStrike" spc="-1">
+              <a:latin typeface="Times New Roman"/>
+            </a:endParaRPr>
+          </a:p>
+        </p:txBody>
+      </p:sp>
+      <p:sp>
+        <p:nvSpPr>
+          <p:cNvPr id="131" name="TextShape 3"/>
+          <p:cNvSpPr txBox="1"/>
+          <p:nvPr/>
+        </p:nvSpPr>
+        <p:spPr>
+          <a:xfrm>
+            <a:off x="581040" y="6387840"/>
+            <a:ext cx="3594960" cy="364680"/>
+          </a:xfrm>
+          <a:prstGeom prst="rect">
+            <a:avLst/>
+          </a:prstGeom>
+          <a:noFill/>
+          <a:ln>
+            <a:noFill/>
+          </a:ln>
+        </p:spPr>
+        <p:txBody>
+          <a:bodyPr lIns="90000" tIns="45000" rIns="90000" bIns="45000"/>
+          <a:lstStyle/>
+          <a:p>
+            <a:pPr>
+              <a:lnSpc>
+                <a:spcPct val="100000"/>
+              </a:lnSpc>
+            </a:pPr>
+            <a:r>
+              <a:rPr lang="pt-BR" sz="1800" b="0" strike="noStrike" spc="-1">
+                <a:solidFill>
+                  <a:srgbClr val="537ED0"/>
+                </a:solidFill>
+                <a:latin typeface="Gill Sans MT"/>
+              </a:rPr>
+              <a:t>Copyright 2018, FLL TUTORIALS</a:t>
+            </a:r>
+            <a:endParaRPr lang="pt-BR" sz="1800" b="0" strike="noStrike" spc="-1">
+              <a:latin typeface="Times New Roman"/>
+            </a:endParaRPr>
+          </a:p>
+        </p:txBody>
+      </p:sp>
+      <p:sp>
+        <p:nvSpPr>
+          <p:cNvPr id="132" name="TextShape 4"/>
+          <p:cNvSpPr txBox="1"/>
+          <p:nvPr/>
+        </p:nvSpPr>
+        <p:spPr>
+          <a:xfrm>
+            <a:off x="7800480" y="6392160"/>
+            <a:ext cx="770040" cy="364680"/>
+          </a:xfrm>
+          <a:prstGeom prst="rect">
+            <a:avLst/>
+          </a:prstGeom>
+          <a:noFill/>
+          <a:ln>
+            <a:noFill/>
+          </a:ln>
+        </p:spPr>
+        <p:txBody>
+          <a:bodyPr lIns="90000" tIns="45000" rIns="90000" bIns="45000"/>
+          <a:lstStyle/>
+          <a:p>
+            <a:pPr>
+              <a:lnSpc>
+                <a:spcPct val="100000"/>
+              </a:lnSpc>
+            </a:pPr>
+            <a:fld id="{A1A703AB-229E-4F46-92E6-629DA82FB06C}" type="slidenum">
+              <a:rPr lang="pt-BR" sz="1800" b="0" strike="noStrike" spc="-1">
+                <a:solidFill>
+                  <a:srgbClr val="537ED0"/>
+                </a:solidFill>
+                <a:latin typeface="Gill Sans MT"/>
+              </a:rPr>
+              <a:t>7</a:t>
+            </a:fld>
+            <a:endParaRPr lang="pt-BR" sz="1800" b="0" strike="noStrike" spc="-1">
+              <a:latin typeface="Times New Roman"/>
+            </a:endParaRPr>
+          </a:p>
+        </p:txBody>
+      </p:sp>
       <p:pic>
         <p:nvPicPr>
-          <p:cNvPr id="134" name="Picture 10" descr=""/>
+          <p:cNvPr id="133" name="Picture 8"/>
           <p:cNvPicPr/>
           <p:nvPr/>
         </p:nvPicPr>
@@ -7404,6 +9477,29 @@
         </p:blipFill>
         <p:spPr>
           <a:xfrm>
+            <a:off x="2959560" y="4021920"/>
+            <a:ext cx="3232440" cy="2424240"/>
+          </a:xfrm>
+          <a:prstGeom prst="rect">
+            <a:avLst/>
+          </a:prstGeom>
+          <a:ln>
+            <a:noFill/>
+          </a:ln>
+        </p:spPr>
+      </p:pic>
+      <p:pic>
+        <p:nvPicPr>
+          <p:cNvPr id="134" name="Picture 10"/>
+          <p:cNvPicPr/>
+          <p:nvPr/>
+        </p:nvPicPr>
+        <p:blipFill>
+          <a:blip r:embed="rId4"/>
+          <a:stretch/>
+        </p:blipFill>
+        <p:spPr>
+          <a:xfrm>
             <a:off x="4704840" y="1555920"/>
             <a:ext cx="3793320" cy="2432520"/>
           </a:xfrm>
@@ -7435,13 +9531,20 @@
           </a:ln>
         </p:spPr>
         <p:style>
-          <a:lnRef idx="0"/>
-          <a:fillRef idx="0"/>
-          <a:effectRef idx="0"/>
+          <a:lnRef idx="0">
+            <a:scrgbClr r="0" g="0" b="0"/>
+          </a:lnRef>
+          <a:fillRef idx="0">
+            <a:scrgbClr r="0" g="0" b="0"/>
+          </a:fillRef>
+          <a:effectRef idx="0">
+            <a:scrgbClr r="0" g="0" b="0"/>
+          </a:effectRef>
           <a:fontRef idx="minor"/>
         </p:style>
         <p:txBody>
-          <a:bodyPr lIns="90000" rIns="90000" tIns="45000" bIns="45000"/>
+          <a:bodyPr lIns="90000" tIns="45000" rIns="90000" bIns="45000"/>
+          <a:lstStyle/>
           <a:p>
             <a:pPr>
               <a:lnSpc>
@@ -7449,7 +9552,7 @@
               </a:lnSpc>
             </a:pPr>
             <a:r>
-              <a:rPr b="0" lang="pt-BR" sz="1800" spc="-1" strike="noStrike">
+              <a:rPr lang="pt-BR" sz="1800" b="0" strike="noStrike" spc="-1">
                 <a:solidFill>
                   <a:srgbClr val="000000"/>
                 </a:solidFill>
@@ -7457,7 +9560,7 @@
               </a:rPr>
               <a:t>fonetiks</a:t>
             </a:r>
-            <a:endParaRPr b="0" lang="pt-BR" sz="1800" spc="-1" strike="noStrike">
+            <a:endParaRPr lang="pt-BR" sz="1800" b="0" strike="noStrike" spc="-1">
               <a:latin typeface="Arial"/>
             </a:endParaRPr>
           </a:p>
@@ -7483,13 +9586,20 @@
           </a:ln>
         </p:spPr>
         <p:style>
-          <a:lnRef idx="0"/>
-          <a:fillRef idx="0"/>
-          <a:effectRef idx="0"/>
+          <a:lnRef idx="0">
+            <a:scrgbClr r="0" g="0" b="0"/>
+          </a:lnRef>
+          <a:fillRef idx="0">
+            <a:scrgbClr r="0" g="0" b="0"/>
+          </a:fillRef>
+          <a:effectRef idx="0">
+            <a:scrgbClr r="0" g="0" b="0"/>
+          </a:effectRef>
           <a:fontRef idx="minor"/>
         </p:style>
         <p:txBody>
-          <a:bodyPr lIns="90000" rIns="90000" tIns="45000" bIns="45000"/>
+          <a:bodyPr lIns="90000" tIns="45000" rIns="90000" bIns="45000"/>
+          <a:lstStyle/>
           <a:p>
             <a:pPr>
               <a:lnSpc>
@@ -7497,7 +9607,7 @@
               </a:lnSpc>
             </a:pPr>
             <a:r>
-              <a:rPr b="0" lang="pt-BR" sz="1800" spc="-1" strike="noStrike">
+              <a:rPr lang="pt-BR" sz="1800" b="0" strike="noStrike" spc="-1">
                 <a:solidFill>
                   <a:srgbClr val="000000"/>
                 </a:solidFill>
@@ -7505,7 +9615,7 @@
               </a:rPr>
               <a:t>Tacobots</a:t>
             </a:r>
-            <a:endParaRPr b="0" lang="pt-BR" sz="1800" spc="-1" strike="noStrike">
+            <a:endParaRPr lang="pt-BR" sz="1800" b="0" strike="noStrike" spc="-1">
               <a:latin typeface="Arial"/>
             </a:endParaRPr>
           </a:p>
@@ -7531,13 +9641,20 @@
           </a:ln>
         </p:spPr>
         <p:style>
-          <a:lnRef idx="0"/>
-          <a:fillRef idx="0"/>
-          <a:effectRef idx="0"/>
+          <a:lnRef idx="0">
+            <a:scrgbClr r="0" g="0" b="0"/>
+          </a:lnRef>
+          <a:fillRef idx="0">
+            <a:scrgbClr r="0" g="0" b="0"/>
+          </a:fillRef>
+          <a:effectRef idx="0">
+            <a:scrgbClr r="0" g="0" b="0"/>
+          </a:effectRef>
           <a:fontRef idx="minor"/>
         </p:style>
         <p:txBody>
-          <a:bodyPr lIns="90000" rIns="90000" tIns="45000" bIns="45000"/>
+          <a:bodyPr lIns="90000" tIns="45000" rIns="90000" bIns="45000"/>
+          <a:lstStyle/>
           <a:p>
             <a:pPr algn="ctr">
               <a:lnSpc>
@@ -7545,7 +9662,7 @@
               </a:lnSpc>
             </a:pPr>
             <a:r>
-              <a:rPr b="0" lang="pt-BR" sz="1800" spc="-1" strike="noStrike">
+              <a:rPr lang="pt-BR" sz="1800" b="0" strike="noStrike" spc="-1">
                 <a:solidFill>
                   <a:srgbClr val="000000"/>
                 </a:solidFill>
@@ -7553,7 +9670,7 @@
               </a:rPr>
               <a:t>Brick Dawgs</a:t>
             </a:r>
-            <a:endParaRPr b="0" lang="pt-BR" sz="1800" spc="-1" strike="noStrike">
+            <a:endParaRPr lang="pt-BR" sz="1800" b="0" strike="noStrike" spc="-1">
               <a:latin typeface="Arial"/>
             </a:endParaRPr>
           </a:p>
@@ -7561,22 +9678,25 @@
       </p:sp>
     </p:spTree>
   </p:cSld>
+  <p:clrMapOvr>
+    <a:masterClrMapping/>
+  </p:clrMapOvr>
   <p:timing>
     <p:tnLst>
       <p:par>
-        <p:cTn id="13" dur="indefinite" restart="never" nodeType="tmRoot">
+        <p:cTn id="1" dur="indefinite" restart="never" nodeType="tmRoot">
           <p:childTnLst>
             <p:seq>
-              <p:cTn id="14" dur="indefinite" nodeType="mainSeq"/>
+              <p:cTn id="2" dur="indefinite" nodeType="mainSeq"/>
               <p:prevCondLst>
-                <p:cond delay="0" evt="onPrev">
+                <p:cond evt="onPrev" delay="0">
                   <p:tgtEl>
                     <p:sldTgt/>
                   </p:tgtEl>
                 </p:cond>
               </p:prevCondLst>
               <p:nextCondLst>
-                <p:cond delay="0" evt="onNext">
+                <p:cond evt="onNext" delay="0">
                   <p:tgtEl>
                     <p:sldTgt/>
                   </p:tgtEl>
@@ -7592,7 +9712,7 @@
 </file>
 
 <file path=ppt/slides/slide8.xml><?xml version="1.0" encoding="utf-8"?>
-<p:sld xmlns:a="http://schemas.openxmlformats.org/drawingml/2006/main" xmlns:p="http://schemas.openxmlformats.org/presentationml/2006/main" xmlns:r="http://schemas.openxmlformats.org/officeDocument/2006/relationships" xmlns:p14="http://schemas.microsoft.com/office/powerpoint/2010/main" xmlns:p15="http://schemas.microsoft.com/office/powerpoint/2012/main" xmlns:mc="http://schemas.openxmlformats.org/markup-compatibility/2006">
+<p:sld xmlns:a="http://schemas.openxmlformats.org/drawingml/2006/main" xmlns:r="http://schemas.openxmlformats.org/officeDocument/2006/relationships" xmlns:p="http://schemas.openxmlformats.org/presentationml/2006/main">
   <p:cSld>
     <p:spTree>
       <p:nvGrpSpPr>
@@ -7629,6 +9749,7 @@
         </p:spPr>
         <p:txBody>
           <a:bodyPr anchor="b"/>
+          <a:lstStyle/>
           <a:p>
             <a:pPr>
               <a:lnSpc>
@@ -7636,15 +9757,15 @@
               </a:lnSpc>
             </a:pPr>
             <a:r>
-              <a:rPr b="0" lang="en-US" sz="2800" spc="-1" strike="noStrike" cap="all">
-                <a:solidFill>
-                  <a:srgbClr val="ffffff"/>
+              <a:rPr lang="en-US" sz="2800" b="0" strike="noStrike" cap="all" spc="-1">
+                <a:solidFill>
+                  <a:srgbClr val="FFFFFF"/>
                 </a:solidFill>
                 <a:latin typeface="Gill Sans MT"/>
               </a:rPr>
               <a:t>Pôsters coloridos</a:t>
             </a:r>
-            <a:endParaRPr b="0" lang="en-US" sz="2800" spc="-1" strike="noStrike">
+            <a:endParaRPr lang="en-US" sz="2800" b="0" strike="noStrike" spc="-1">
               <a:solidFill>
                 <a:srgbClr val="000000"/>
               </a:solidFill>
@@ -7655,165 +9776,7 @@
       </p:sp>
       <p:pic>
         <p:nvPicPr>
-          <p:cNvPr id="139" name="Content Placeholder 7" descr=""/>
-          <p:cNvPicPr/>
-          <p:nvPr/>
-        </p:nvPicPr>
-        <p:blipFill>
-          <a:blip r:embed="rId1"/>
-          <a:stretch/>
-        </p:blipFill>
-        <p:spPr>
-          <a:xfrm>
-            <a:off x="489240" y="1730880"/>
-            <a:ext cx="4272480" cy="4002120"/>
-          </a:xfrm>
-          <a:prstGeom prst="rect">
-            <a:avLst/>
-          </a:prstGeom>
-          <a:ln>
-            <a:noFill/>
-          </a:ln>
-        </p:spPr>
-      </p:pic>
-      <p:sp>
-        <p:nvSpPr>
-          <p:cNvPr id="140" name="TextShape 2"/>
-          <p:cNvSpPr txBox="1"/>
-          <p:nvPr/>
-        </p:nvSpPr>
-        <p:spPr>
-          <a:xfrm>
-            <a:off x="4320000" y="6392160"/>
-            <a:ext cx="3372840" cy="364680"/>
-          </a:xfrm>
-          <a:prstGeom prst="rect">
-            <a:avLst/>
-          </a:prstGeom>
-          <a:noFill/>
-          <a:ln>
-            <a:noFill/>
-          </a:ln>
-        </p:spPr>
-        <p:txBody>
-          <a:bodyPr lIns="90000" rIns="90000" tIns="45000" bIns="45000"/>
-          <a:p>
-            <a:pPr>
-              <a:lnSpc>
-                <a:spcPct val="100000"/>
-              </a:lnSpc>
-            </a:pPr>
-            <a:r>
-              <a:rPr b="0" lang="pt-BR" sz="1800" spc="-1" strike="noStrike">
-                <a:solidFill>
-                  <a:srgbClr val="537ed0"/>
-                </a:solidFill>
-                <a:latin typeface="Gill Sans MT"/>
-              </a:rPr>
-              <a:t>Última edição: </a:t>
-            </a:r>
-            <a:fld id="{65C17192-D043-44B4-803C-0FF40DE116FF}" type="datetime1">
-              <a:rPr b="0" lang="pt-BR" sz="1800" spc="-1" strike="noStrike">
-                <a:solidFill>
-                  <a:srgbClr val="537ed0"/>
-                </a:solidFill>
-                <a:latin typeface="Gill Sans MT"/>
-              </a:rPr>
-              <a:t>03/09/2018</a:t>
-            </a:fld>
-            <a:endParaRPr b="0" lang="pt-BR" sz="1800" spc="-1" strike="noStrike">
-              <a:latin typeface="Times New Roman"/>
-            </a:endParaRPr>
-          </a:p>
-        </p:txBody>
-      </p:sp>
-      <p:sp>
-        <p:nvSpPr>
-          <p:cNvPr id="141" name="TextShape 3"/>
-          <p:cNvSpPr txBox="1"/>
-          <p:nvPr/>
-        </p:nvSpPr>
-        <p:spPr>
-          <a:xfrm>
-            <a:off x="581040" y="6387840"/>
-            <a:ext cx="3594960" cy="364680"/>
-          </a:xfrm>
-          <a:prstGeom prst="rect">
-            <a:avLst/>
-          </a:prstGeom>
-          <a:noFill/>
-          <a:ln>
-            <a:noFill/>
-          </a:ln>
-        </p:spPr>
-        <p:txBody>
-          <a:bodyPr lIns="90000" rIns="90000" tIns="45000" bIns="45000"/>
-          <a:p>
-            <a:pPr>
-              <a:lnSpc>
-                <a:spcPct val="100000"/>
-              </a:lnSpc>
-            </a:pPr>
-            <a:r>
-              <a:rPr b="0" lang="pt-BR" sz="1800" spc="-1" strike="noStrike">
-                <a:solidFill>
-                  <a:srgbClr val="537ed0"/>
-                </a:solidFill>
-                <a:latin typeface="Gill Sans MT"/>
-              </a:rPr>
-              <a:t>Copyright 2018, FLL TUTORIALS</a:t>
-            </a:r>
-            <a:endParaRPr b="0" lang="pt-BR" sz="1800" spc="-1" strike="noStrike">
-              <a:latin typeface="Times New Roman"/>
-            </a:endParaRPr>
-          </a:p>
-        </p:txBody>
-      </p:sp>
-      <p:sp>
-        <p:nvSpPr>
-          <p:cNvPr id="142" name="TextShape 4"/>
-          <p:cNvSpPr txBox="1"/>
-          <p:nvPr/>
-        </p:nvSpPr>
-        <p:spPr>
-          <a:xfrm>
-            <a:off x="7800480" y="6392160"/>
-            <a:ext cx="770040" cy="364680"/>
-          </a:xfrm>
-          <a:prstGeom prst="rect">
-            <a:avLst/>
-          </a:prstGeom>
-          <a:noFill/>
-          <a:ln>
-            <a:noFill/>
-          </a:ln>
-        </p:spPr>
-        <p:txBody>
-          <a:bodyPr lIns="90000" rIns="90000" tIns="45000" bIns="45000"/>
-          <a:p>
-            <a:pPr>
-              <a:lnSpc>
-                <a:spcPct val="100000"/>
-              </a:lnSpc>
-            </a:pPr>
-            <a:fld id="{3CA68E0C-4E0C-41DB-A7A9-72FA2F440EAA}" type="slidenum">
-              <a:rPr b="0" lang="pt-BR" sz="1800" spc="-1" strike="noStrike">
-                <a:solidFill>
-                  <a:srgbClr val="537ed0"/>
-                </a:solidFill>
-                <a:latin typeface="Gill Sans MT"/>
-              </a:rPr>
-              <a:t>1</a:t>
-            </a:fld>
-            <a:endParaRPr b="0" lang="pt-BR" sz="1800" spc="-1" strike="noStrike">
-              <a:latin typeface="Times New Roman"/>
-            </a:endParaRPr>
-          </a:p>
-        </p:txBody>
-      </p:sp>
-      <p:pic>
-        <p:nvPicPr>
-          <p:cNvPr id="143" name="Picture 9" descr=""/>
+          <p:cNvPr id="139" name="Content Placeholder 7"/>
           <p:cNvPicPr/>
           <p:nvPr/>
         </p:nvPicPr>
@@ -7823,8 +9786,8 @@
         </p:blipFill>
         <p:spPr>
           <a:xfrm>
-            <a:off x="4825080" y="1730880"/>
-            <a:ext cx="3985200" cy="2988720"/>
+            <a:off x="489240" y="1730880"/>
+            <a:ext cx="4272480" cy="4002120"/>
           </a:xfrm>
           <a:prstGeom prst="rect">
             <a:avLst/>
@@ -7836,6 +9799,167 @@
       </p:pic>
       <p:sp>
         <p:nvSpPr>
+          <p:cNvPr id="140" name="TextShape 2"/>
+          <p:cNvSpPr txBox="1"/>
+          <p:nvPr/>
+        </p:nvSpPr>
+        <p:spPr>
+          <a:xfrm>
+            <a:off x="4320000" y="6392160"/>
+            <a:ext cx="3372840" cy="364680"/>
+          </a:xfrm>
+          <a:prstGeom prst="rect">
+            <a:avLst/>
+          </a:prstGeom>
+          <a:noFill/>
+          <a:ln>
+            <a:noFill/>
+          </a:ln>
+        </p:spPr>
+        <p:txBody>
+          <a:bodyPr lIns="90000" tIns="45000" rIns="90000" bIns="45000"/>
+          <a:lstStyle/>
+          <a:p>
+            <a:pPr>
+              <a:lnSpc>
+                <a:spcPct val="100000"/>
+              </a:lnSpc>
+            </a:pPr>
+            <a:r>
+              <a:rPr lang="pt-BR" sz="1800" b="0" strike="noStrike" spc="-1">
+                <a:solidFill>
+                  <a:srgbClr val="537ED0"/>
+                </a:solidFill>
+                <a:latin typeface="Gill Sans MT"/>
+              </a:rPr>
+              <a:t>Última edição: </a:t>
+            </a:r>
+            <a:fld id="{65C17192-D043-44B4-803C-0FF40DE116FF}" type="datetime1">
+              <a:rPr lang="pt-BR" sz="1800" b="0" strike="noStrike" spc="-1">
+                <a:solidFill>
+                  <a:srgbClr val="537ED0"/>
+                </a:solidFill>
+                <a:latin typeface="Gill Sans MT"/>
+              </a:rPr>
+              <a:t>01/10/2018</a:t>
+            </a:fld>
+            <a:endParaRPr lang="pt-BR" sz="1800" b="0" strike="noStrike" spc="-1">
+              <a:latin typeface="Times New Roman"/>
+            </a:endParaRPr>
+          </a:p>
+        </p:txBody>
+      </p:sp>
+      <p:sp>
+        <p:nvSpPr>
+          <p:cNvPr id="141" name="TextShape 3"/>
+          <p:cNvSpPr txBox="1"/>
+          <p:nvPr/>
+        </p:nvSpPr>
+        <p:spPr>
+          <a:xfrm>
+            <a:off x="581040" y="6387840"/>
+            <a:ext cx="3594960" cy="364680"/>
+          </a:xfrm>
+          <a:prstGeom prst="rect">
+            <a:avLst/>
+          </a:prstGeom>
+          <a:noFill/>
+          <a:ln>
+            <a:noFill/>
+          </a:ln>
+        </p:spPr>
+        <p:txBody>
+          <a:bodyPr lIns="90000" tIns="45000" rIns="90000" bIns="45000"/>
+          <a:lstStyle/>
+          <a:p>
+            <a:pPr>
+              <a:lnSpc>
+                <a:spcPct val="100000"/>
+              </a:lnSpc>
+            </a:pPr>
+            <a:r>
+              <a:rPr lang="pt-BR" sz="1800" b="0" strike="noStrike" spc="-1">
+                <a:solidFill>
+                  <a:srgbClr val="537ED0"/>
+                </a:solidFill>
+                <a:latin typeface="Gill Sans MT"/>
+              </a:rPr>
+              <a:t>Copyright 2018, FLL TUTORIALS</a:t>
+            </a:r>
+            <a:endParaRPr lang="pt-BR" sz="1800" b="0" strike="noStrike" spc="-1">
+              <a:latin typeface="Times New Roman"/>
+            </a:endParaRPr>
+          </a:p>
+        </p:txBody>
+      </p:sp>
+      <p:sp>
+        <p:nvSpPr>
+          <p:cNvPr id="142" name="TextShape 4"/>
+          <p:cNvSpPr txBox="1"/>
+          <p:nvPr/>
+        </p:nvSpPr>
+        <p:spPr>
+          <a:xfrm>
+            <a:off x="7800480" y="6392160"/>
+            <a:ext cx="770040" cy="364680"/>
+          </a:xfrm>
+          <a:prstGeom prst="rect">
+            <a:avLst/>
+          </a:prstGeom>
+          <a:noFill/>
+          <a:ln>
+            <a:noFill/>
+          </a:ln>
+        </p:spPr>
+        <p:txBody>
+          <a:bodyPr lIns="90000" tIns="45000" rIns="90000" bIns="45000"/>
+          <a:lstStyle/>
+          <a:p>
+            <a:pPr>
+              <a:lnSpc>
+                <a:spcPct val="100000"/>
+              </a:lnSpc>
+            </a:pPr>
+            <a:fld id="{3CA68E0C-4E0C-41DB-A7A9-72FA2F440EAA}" type="slidenum">
+              <a:rPr lang="pt-BR" sz="1800" b="0" strike="noStrike" spc="-1">
+                <a:solidFill>
+                  <a:srgbClr val="537ED0"/>
+                </a:solidFill>
+                <a:latin typeface="Gill Sans MT"/>
+              </a:rPr>
+              <a:t>8</a:t>
+            </a:fld>
+            <a:endParaRPr lang="pt-BR" sz="1800" b="0" strike="noStrike" spc="-1">
+              <a:latin typeface="Times New Roman"/>
+            </a:endParaRPr>
+          </a:p>
+        </p:txBody>
+      </p:sp>
+      <p:pic>
+        <p:nvPicPr>
+          <p:cNvPr id="143" name="Picture 9"/>
+          <p:cNvPicPr/>
+          <p:nvPr/>
+        </p:nvPicPr>
+        <p:blipFill>
+          <a:blip r:embed="rId3"/>
+          <a:stretch/>
+        </p:blipFill>
+        <p:spPr>
+          <a:xfrm>
+            <a:off x="4825080" y="1730880"/>
+            <a:ext cx="3985200" cy="2988720"/>
+          </a:xfrm>
+          <a:prstGeom prst="rect">
+            <a:avLst/>
+          </a:prstGeom>
+          <a:ln>
+            <a:noFill/>
+          </a:ln>
+        </p:spPr>
+      </p:pic>
+      <p:sp>
+        <p:nvSpPr>
           <p:cNvPr id="144" name="CustomShape 5"/>
           <p:cNvSpPr/>
           <p:nvPr/>
@@ -7851,18 +9975,25 @@
           <a:noFill/>
           <a:ln>
             <a:solidFill>
-              <a:srgbClr val="ff0000"/>
+              <a:srgbClr val="FF0000"/>
             </a:solidFill>
           </a:ln>
         </p:spPr>
         <p:style>
-          <a:lnRef idx="0"/>
-          <a:fillRef idx="0"/>
-          <a:effectRef idx="0"/>
+          <a:lnRef idx="0">
+            <a:scrgbClr r="0" g="0" b="0"/>
+          </a:lnRef>
+          <a:fillRef idx="0">
+            <a:scrgbClr r="0" g="0" b="0"/>
+          </a:fillRef>
+          <a:effectRef idx="0">
+            <a:scrgbClr r="0" g="0" b="0"/>
+          </a:effectRef>
           <a:fontRef idx="minor"/>
         </p:style>
         <p:txBody>
-          <a:bodyPr lIns="90000" rIns="90000" tIns="45000" bIns="45000"/>
+          <a:bodyPr lIns="90000" tIns="45000" rIns="90000" bIns="45000"/>
+          <a:lstStyle/>
           <a:p>
             <a:pPr algn="ctr">
               <a:lnSpc>
@@ -7870,7 +10001,7 @@
               </a:lnSpc>
             </a:pPr>
             <a:r>
-              <a:rPr b="0" lang="pt-BR" sz="2400" spc="-1" strike="noStrike">
+              <a:rPr lang="pt-BR" sz="2400" b="0" strike="noStrike" spc="-1">
                 <a:solidFill>
                   <a:srgbClr val="000000"/>
                 </a:solidFill>
@@ -7878,7 +10009,7 @@
               </a:rPr>
               <a:t>Divirtam-se com os pôsters!</a:t>
             </a:r>
-            <a:endParaRPr b="0" lang="pt-BR" sz="2400" spc="-1" strike="noStrike">
+            <a:endParaRPr lang="pt-BR" sz="2400" b="0" strike="noStrike" spc="-1">
               <a:latin typeface="Arial"/>
             </a:endParaRPr>
           </a:p>
@@ -7886,22 +10017,25 @@
       </p:sp>
     </p:spTree>
   </p:cSld>
+  <p:clrMapOvr>
+    <a:masterClrMapping/>
+  </p:clrMapOvr>
   <p:timing>
     <p:tnLst>
       <p:par>
-        <p:cTn id="15" dur="indefinite" restart="never" nodeType="tmRoot">
+        <p:cTn id="1" dur="indefinite" restart="never" nodeType="tmRoot">
           <p:childTnLst>
             <p:seq>
-              <p:cTn id="16" dur="indefinite" nodeType="mainSeq"/>
+              <p:cTn id="2" dur="indefinite" nodeType="mainSeq"/>
               <p:prevCondLst>
-                <p:cond delay="0" evt="onPrev">
+                <p:cond evt="onPrev" delay="0">
                   <p:tgtEl>
                     <p:sldTgt/>
                   </p:tgtEl>
                 </p:cond>
               </p:prevCondLst>
               <p:nextCondLst>
-                <p:cond delay="0" evt="onNext">
+                <p:cond evt="onNext" delay="0">
                   <p:tgtEl>
                     <p:sldTgt/>
                   </p:tgtEl>
@@ -7917,7 +10051,7 @@
 </file>
 
 <file path=ppt/slides/slide9.xml><?xml version="1.0" encoding="utf-8"?>
-<p:sld xmlns:a="http://schemas.openxmlformats.org/drawingml/2006/main" xmlns:p="http://schemas.openxmlformats.org/presentationml/2006/main" xmlns:r="http://schemas.openxmlformats.org/officeDocument/2006/relationships" xmlns:p14="http://schemas.microsoft.com/office/powerpoint/2010/main" xmlns:p15="http://schemas.microsoft.com/office/powerpoint/2012/main" xmlns:mc="http://schemas.openxmlformats.org/markup-compatibility/2006">
+<p:sld xmlns:a="http://schemas.openxmlformats.org/drawingml/2006/main" xmlns:r="http://schemas.openxmlformats.org/officeDocument/2006/relationships" xmlns:p="http://schemas.openxmlformats.org/presentationml/2006/main">
   <p:cSld>
     <p:spTree>
       <p:nvGrpSpPr>
@@ -7954,6 +10088,7 @@
         </p:spPr>
         <p:txBody>
           <a:bodyPr anchor="b"/>
+          <a:lstStyle/>
           <a:p>
             <a:pPr>
               <a:lnSpc>
@@ -7961,15 +10096,15 @@
               </a:lnSpc>
             </a:pPr>
             <a:r>
-              <a:rPr b="0" lang="en-US" sz="2800" spc="-1" strike="noStrike" cap="all">
-                <a:solidFill>
-                  <a:srgbClr val="ffffff"/>
+              <a:rPr lang="en-US" sz="2800" b="0" strike="noStrike" cap="all" spc="-1">
+                <a:solidFill>
+                  <a:srgbClr val="FFFFFF"/>
                 </a:solidFill>
                 <a:latin typeface="Gill Sans MT"/>
               </a:rPr>
               <a:t>CRéDIToS</a:t>
             </a:r>
-            <a:endParaRPr b="0" lang="en-US" sz="2800" spc="-1" strike="noStrike">
+            <a:endParaRPr lang="en-US" sz="2800" b="0" strike="noStrike" spc="-1">
               <a:solidFill>
                 <a:srgbClr val="000000"/>
               </a:solidFill>
@@ -7999,6 +10134,7 @@
         </p:spPr>
         <p:txBody>
           <a:bodyPr/>
+          <a:lstStyle/>
           <a:p>
             <a:pPr marL="306000" indent="-305640">
               <a:lnSpc>
@@ -8011,27 +10147,21 @@
                 <a:spcPts val="601"/>
               </a:spcAft>
               <a:buClr>
-                <a:srgbClr val="4590b8"/>
+                <a:srgbClr val="4590B8"/>
               </a:buClr>
               <a:buSzPct val="92000"/>
               <a:buFont typeface="Wingdings 2" charset="2"/>
               <a:buChar char=""/>
             </a:pPr>
             <a:r>
-              <a:rPr b="0" lang="en-US" sz="2800" spc="-1" strike="noStrike">
-                <a:solidFill>
-                  <a:srgbClr val="3d3d3d"/>
+              <a:rPr lang="en-US" sz="2800" b="0" strike="noStrike" spc="-1">
+                <a:solidFill>
+                  <a:srgbClr val="3D3D3D"/>
                 </a:solidFill>
                 <a:latin typeface="Gill Sans MT"/>
               </a:rPr>
               <a:t>Essa lição foi escrita por PA’s Finest Robotics Team</a:t>
             </a:r>
-            <a:endParaRPr b="0" lang="en-US" sz="2800" spc="-1" strike="noStrike">
-              <a:solidFill>
-                <a:srgbClr val="3d3d3d"/>
-              </a:solidFill>
-              <a:latin typeface="Gill Sans MT"/>
-            </a:endParaRPr>
           </a:p>
           <a:p>
             <a:pPr marL="306000" indent="-305640">
@@ -8045,35 +10175,35 @@
                 <a:spcPts val="601"/>
               </a:spcAft>
               <a:buClr>
-                <a:srgbClr val="4590b8"/>
+                <a:srgbClr val="4590B8"/>
               </a:buClr>
               <a:buSzPct val="92000"/>
               <a:buFont typeface="Wingdings 2" charset="2"/>
               <a:buChar char=""/>
             </a:pPr>
             <a:r>
-              <a:rPr b="0" lang="en-US" sz="2800" spc="-1" strike="noStrike">
-                <a:solidFill>
-                  <a:srgbClr val="3d3d3d"/>
+              <a:rPr lang="en-US" sz="2800" b="0" strike="noStrike" spc="-1">
+                <a:solidFill>
+                  <a:srgbClr val="3D3D3D"/>
                 </a:solidFill>
                 <a:latin typeface="Gill Sans MT"/>
               </a:rPr>
               <a:t>Mais lições de FIRST LEGO League disponíveis em </a:t>
             </a:r>
             <a:r>
-              <a:rPr b="0" lang="en-US" sz="2800" spc="-1" strike="noStrike" u="sng">
+              <a:rPr lang="en-US" sz="2800" b="0" u="sng" strike="noStrike" spc="-1">
                 <a:solidFill>
                   <a:srgbClr val="828282"/>
                 </a:solidFill>
                 <a:uFillTx/>
                 <a:latin typeface="Gill Sans MT"/>
-                <a:hlinkClick r:id="rId1"/>
+                <a:hlinkClick r:id="rId2"/>
               </a:rPr>
               <a:t>www.flltutorials.com</a:t>
             </a:r>
-            <a:endParaRPr b="0" lang="en-US" sz="2800" spc="-1" strike="noStrike">
+            <a:endParaRPr lang="en-US" sz="2800" b="0" strike="noStrike" spc="-1">
               <a:solidFill>
-                <a:srgbClr val="3d3d3d"/>
+                <a:srgbClr val="3D3D3D"/>
               </a:solidFill>
               <a:latin typeface="Gill Sans MT"/>
             </a:endParaRPr>
@@ -8090,14 +10220,14 @@
                 <a:spcPts val="601"/>
               </a:spcAft>
               <a:buClr>
-                <a:srgbClr val="4590b8"/>
+                <a:srgbClr val="4590B8"/>
               </a:buClr>
               <a:buSzPct val="92000"/>
               <a:buFont typeface="Wingdings 2" charset="2"/>
               <a:buChar char=""/>
             </a:pPr>
             <a:r>
-              <a:rPr b="0" lang="en-US" sz="2800" spc="-1" strike="noStrike">
+              <a:rPr lang="en-US" sz="2800" b="0" strike="noStrike" spc="-1">
                 <a:solidFill>
                   <a:srgbClr val="000000"/>
                 </a:solidFill>
@@ -8105,9 +10235,9 @@
               </a:rPr>
               <a:t>Traduzido por Equipe Sunrise, de Santa Catarina, Brasil</a:t>
             </a:r>
-            <a:endParaRPr b="0" lang="en-US" sz="2800" spc="-1" strike="noStrike">
+            <a:endParaRPr lang="en-US" sz="2800" b="0" strike="noStrike" spc="-1">
               <a:solidFill>
-                <a:srgbClr val="3d3d3d"/>
+                <a:srgbClr val="3D3D3D"/>
               </a:solidFill>
               <a:latin typeface="Gill Sans MT"/>
             </a:endParaRPr>
@@ -8124,9 +10254,9 @@
                 <a:spcPts val="601"/>
               </a:spcAft>
             </a:pPr>
-            <a:endParaRPr b="0" lang="en-US" sz="2800" spc="-1" strike="noStrike">
+            <a:endParaRPr lang="en-US" sz="2800" b="0" strike="noStrike" spc="-1">
               <a:solidFill>
-                <a:srgbClr val="3d3d3d"/>
+                <a:srgbClr val="3D3D3D"/>
               </a:solidFill>
               <a:latin typeface="Gill Sans MT"/>
             </a:endParaRPr>
@@ -8143,9 +10273,9 @@
                 <a:spcPts val="601"/>
               </a:spcAft>
             </a:pPr>
-            <a:endParaRPr b="0" lang="en-US" sz="2800" spc="-1" strike="noStrike">
+            <a:endParaRPr lang="en-US" sz="2800" b="0" strike="noStrike" spc="-1">
               <a:solidFill>
-                <a:srgbClr val="3d3d3d"/>
+                <a:srgbClr val="3D3D3D"/>
               </a:solidFill>
               <a:latin typeface="Gill Sans MT"/>
             </a:endParaRPr>
@@ -8172,7 +10302,8 @@
           </a:ln>
         </p:spPr>
         <p:txBody>
-          <a:bodyPr lIns="90000" rIns="90000" tIns="45000" bIns="45000"/>
+          <a:bodyPr lIns="90000" tIns="45000" rIns="90000" bIns="45000"/>
+          <a:lstStyle/>
           <a:p>
             <a:pPr>
               <a:lnSpc>
@@ -8180,24 +10311,24 @@
               </a:lnSpc>
             </a:pPr>
             <a:r>
-              <a:rPr b="0" lang="pt-BR" sz="1800" spc="-1" strike="noStrike">
-                <a:solidFill>
-                  <a:srgbClr val="537ed0"/>
+              <a:rPr lang="pt-BR" sz="1800" b="0" strike="noStrike" spc="-1">
+                <a:solidFill>
+                  <a:srgbClr val="537ED0"/>
                 </a:solidFill>
                 <a:latin typeface="Gill Sans MT"/>
               </a:rPr>
               <a:t>Última edição: </a:t>
             </a:r>
             <a:fld id="{10DFB93B-7165-477D-B87F-0BA2F8D83EE7}" type="datetime1">
-              <a:rPr b="0" lang="pt-BR" sz="1800" spc="-1" strike="noStrike">
-                <a:solidFill>
-                  <a:srgbClr val="537ed0"/>
-                </a:solidFill>
-                <a:latin typeface="Gill Sans MT"/>
-              </a:rPr>
-              <a:t>03/09/2018</a:t>
+              <a:rPr lang="pt-BR" sz="1800" b="0" strike="noStrike" spc="-1">
+                <a:solidFill>
+                  <a:srgbClr val="537ED0"/>
+                </a:solidFill>
+                <a:latin typeface="Gill Sans MT"/>
+              </a:rPr>
+              <a:t>01/10/2018</a:t>
             </a:fld>
-            <a:endParaRPr b="0" lang="pt-BR" sz="1800" spc="-1" strike="noStrike">
+            <a:endParaRPr lang="pt-BR" sz="1800" b="0" strike="noStrike" spc="-1">
               <a:latin typeface="Times New Roman"/>
             </a:endParaRPr>
           </a:p>
@@ -8223,7 +10354,8 @@
           </a:ln>
         </p:spPr>
         <p:txBody>
-          <a:bodyPr lIns="90000" rIns="90000" tIns="45000" bIns="45000"/>
+          <a:bodyPr lIns="90000" tIns="45000" rIns="90000" bIns="45000"/>
+          <a:lstStyle/>
           <a:p>
             <a:pPr>
               <a:lnSpc>
@@ -8231,15 +10363,15 @@
               </a:lnSpc>
             </a:pPr>
             <a:r>
-              <a:rPr b="0" lang="pt-BR" sz="1800" spc="-1" strike="noStrike">
-                <a:solidFill>
-                  <a:srgbClr val="537ed0"/>
+              <a:rPr lang="pt-BR" sz="1800" b="0" strike="noStrike" spc="-1">
+                <a:solidFill>
+                  <a:srgbClr val="537ED0"/>
                 </a:solidFill>
                 <a:latin typeface="Gill Sans MT"/>
               </a:rPr>
               <a:t>Copyright 2018, FLL TUTORIALS</a:t>
             </a:r>
-            <a:endParaRPr b="0" lang="pt-BR" sz="1800" spc="-1" strike="noStrike">
+            <a:endParaRPr lang="pt-BR" sz="1800" b="0" strike="noStrike" spc="-1">
               <a:latin typeface="Times New Roman"/>
             </a:endParaRPr>
           </a:p>
@@ -8265,7 +10397,8 @@
           </a:ln>
         </p:spPr>
         <p:txBody>
-          <a:bodyPr lIns="90000" rIns="90000" tIns="45000" bIns="45000"/>
+          <a:bodyPr lIns="90000" tIns="45000" rIns="90000" bIns="45000"/>
+          <a:lstStyle/>
           <a:p>
             <a:pPr>
               <a:lnSpc>
@@ -8273,15 +10406,15 @@
               </a:lnSpc>
             </a:pPr>
             <a:fld id="{8027E6FA-3D5A-4270-BA40-12218A8B8F98}" type="slidenum">
-              <a:rPr b="0" lang="pt-BR" sz="1800" spc="-1" strike="noStrike">
-                <a:solidFill>
-                  <a:srgbClr val="537ed0"/>
-                </a:solidFill>
-                <a:latin typeface="Gill Sans MT"/>
-              </a:rPr>
-              <a:t>1</a:t>
+              <a:rPr lang="pt-BR" sz="1800" b="0" strike="noStrike" spc="-1">
+                <a:solidFill>
+                  <a:srgbClr val="537ED0"/>
+                </a:solidFill>
+                <a:latin typeface="Gill Sans MT"/>
+              </a:rPr>
+              <a:t>9</a:t>
             </a:fld>
-            <a:endParaRPr b="0" lang="pt-BR" sz="1800" spc="-1" strike="noStrike">
+            <a:endParaRPr lang="pt-BR" sz="1800" b="0" strike="noStrike" spc="-1">
               <a:latin typeface="Times New Roman"/>
             </a:endParaRPr>
           </a:p>
@@ -8307,13 +10440,20 @@
           </a:ln>
         </p:spPr>
         <p:style>
-          <a:lnRef idx="0"/>
-          <a:fillRef idx="0"/>
-          <a:effectRef idx="0"/>
+          <a:lnRef idx="0">
+            <a:scrgbClr r="0" g="0" b="0"/>
+          </a:lnRef>
+          <a:fillRef idx="0">
+            <a:scrgbClr r="0" g="0" b="0"/>
+          </a:fillRef>
+          <a:effectRef idx="0">
+            <a:scrgbClr r="0" g="0" b="0"/>
+          </a:effectRef>
           <a:fontRef idx="minor"/>
         </p:style>
         <p:txBody>
-          <a:bodyPr lIns="90000" rIns="90000" tIns="45000" bIns="45000"/>
+          <a:bodyPr lIns="90000" tIns="45000" rIns="90000" bIns="45000"/>
+          <a:lstStyle/>
           <a:p>
             <a:pPr algn="ctr">
               <a:lnSpc>
@@ -8321,17 +10461,17 @@
               </a:lnSpc>
             </a:pPr>
             <a:r>
-              <a:rPr b="0" lang="pt-BR" sz="2400" spc="-1" strike="noStrike" u="sng">
+              <a:rPr lang="pt-BR" sz="2400" b="0" u="sng" strike="noStrike" spc="-1">
                 <a:solidFill>
                   <a:srgbClr val="828282"/>
                 </a:solidFill>
                 <a:uFillTx/>
                 <a:latin typeface="Gill Sans MT"/>
-                <a:hlinkClick r:id="rId2"/>
+                <a:hlinkClick r:id="rId3"/>
               </a:rPr>
               <a:t>Creative Commons Attribution-NonCommercial-ShareAlike 4.0 International License</a:t>
             </a:r>
-            <a:endParaRPr b="0" lang="pt-BR" sz="2400" spc="-1" strike="noStrike">
+            <a:endParaRPr lang="pt-BR" sz="2400" b="0" strike="noStrike" spc="-1">
               <a:latin typeface="Arial"/>
             </a:endParaRPr>
           </a:p>
@@ -8339,12 +10479,12 @@
       </p:sp>
       <p:pic>
         <p:nvPicPr>
-          <p:cNvPr id="151" name="Picture 10" descr=""/>
+          <p:cNvPr id="151" name="Picture 10"/>
           <p:cNvPicPr/>
           <p:nvPr/>
         </p:nvPicPr>
         <p:blipFill>
-          <a:blip r:embed="rId3"/>
+          <a:blip r:embed="rId4"/>
           <a:stretch/>
         </p:blipFill>
         <p:spPr>
@@ -8362,22 +10502,25 @@
       </p:pic>
     </p:spTree>
   </p:cSld>
+  <p:clrMapOvr>
+    <a:masterClrMapping/>
+  </p:clrMapOvr>
   <p:timing>
     <p:tnLst>
       <p:par>
-        <p:cTn id="17" dur="indefinite" restart="never" nodeType="tmRoot">
+        <p:cTn id="1" dur="indefinite" restart="never" nodeType="tmRoot">
           <p:childTnLst>
             <p:seq>
-              <p:cTn id="18" dur="indefinite" nodeType="mainSeq"/>
+              <p:cTn id="2" dur="indefinite" nodeType="mainSeq"/>
               <p:prevCondLst>
-                <p:cond delay="0" evt="onPrev">
+                <p:cond evt="onPrev" delay="0">
                   <p:tgtEl>
                     <p:sldTgt/>
                   </p:tgtEl>
                 </p:cond>
               </p:prevCondLst>
               <p:nextCondLst>
-                <p:cond delay="0" evt="onNext">
+                <p:cond evt="onNext" delay="0">
                   <p:tgtEl>
                     <p:sldTgt/>
                   </p:tgtEl>
@@ -8403,34 +10546,34 @@
         <a:sysClr val="window" lastClr="FFFFFF"/>
       </a:lt1>
       <a:dk2>
-        <a:srgbClr val="3d3d3d"/>
+        <a:srgbClr val="3D3D3D"/>
       </a:dk2>
       <a:lt2>
-        <a:srgbClr val="ebebeb"/>
+        <a:srgbClr val="EBEBEB"/>
       </a:lt2>
       <a:accent1>
-        <a:srgbClr val="1a3260"/>
+        <a:srgbClr val="1A3260"/>
       </a:accent1>
       <a:accent2>
-        <a:srgbClr val="4590b8"/>
+        <a:srgbClr val="4590B8"/>
       </a:accent2>
       <a:accent3>
-        <a:srgbClr val="45cbe8"/>
+        <a:srgbClr val="45CBE8"/>
       </a:accent3>
       <a:accent4>
-        <a:srgbClr val="969fa7"/>
+        <a:srgbClr val="969FA7"/>
       </a:accent4>
       <a:accent5>
-        <a:srgbClr val="a2c777"/>
+        <a:srgbClr val="A2C777"/>
       </a:accent5>
       <a:accent6>
-        <a:srgbClr val="42955f"/>
+        <a:srgbClr val="42955F"/>
       </a:accent6>
       <a:hlink>
         <a:srgbClr val="828282"/>
       </a:hlink>
       <a:folHlink>
-        <a:srgbClr val="a5a5a5"/>
+        <a:srgbClr val="A5A5A5"/>
       </a:folHlink>
     </a:clrScheme>
     <a:fontScheme name="Office">
@@ -8612,6 +10755,8 @@
       </a:bgFillStyleLst>
     </a:fmtScheme>
   </a:themeElements>
+  <a:objectDefaults/>
+  <a:extraClrSchemeLst/>
 </a:theme>
 </file>
 
@@ -8626,31 +10771,31 @@
         <a:sysClr val="window" lastClr="FFFFFF"/>
       </a:lt1>
       <a:dk2>
-        <a:srgbClr val="1f497d"/>
+        <a:srgbClr val="1F497D"/>
       </a:dk2>
       <a:lt2>
-        <a:srgbClr val="eeece1"/>
+        <a:srgbClr val="EEECE1"/>
       </a:lt2>
       <a:accent1>
-        <a:srgbClr val="4f81bd"/>
+        <a:srgbClr val="4F81BD"/>
       </a:accent1>
       <a:accent2>
-        <a:srgbClr val="c0504d"/>
+        <a:srgbClr val="C0504D"/>
       </a:accent2>
       <a:accent3>
-        <a:srgbClr val="9bbb59"/>
+        <a:srgbClr val="9BBB59"/>
       </a:accent3>
       <a:accent4>
-        <a:srgbClr val="8064a2"/>
+        <a:srgbClr val="8064A2"/>
       </a:accent4>
       <a:accent5>
-        <a:srgbClr val="4bacc6"/>
+        <a:srgbClr val="4BACC6"/>
       </a:accent5>
       <a:accent6>
-        <a:srgbClr val="f79646"/>
+        <a:srgbClr val="F79646"/>
       </a:accent6>
       <a:hlink>
-        <a:srgbClr val="0000ff"/>
+        <a:srgbClr val="0000FF"/>
       </a:hlink>
       <a:folHlink>
         <a:srgbClr val="800080"/>
@@ -8835,6 +10980,8 @@
       </a:bgFillStyleLst>
     </a:fmtScheme>
   </a:themeElements>
+  <a:objectDefaults/>
+  <a:extraClrSchemeLst/>
 </a:theme>
 </file>
 
@@ -8849,31 +10996,31 @@
         <a:sysClr val="window" lastClr="FFFFFF"/>
       </a:lt1>
       <a:dk2>
-        <a:srgbClr val="1f497d"/>
+        <a:srgbClr val="1F497D"/>
       </a:dk2>
       <a:lt2>
-        <a:srgbClr val="eeece1"/>
+        <a:srgbClr val="EEECE1"/>
       </a:lt2>
       <a:accent1>
-        <a:srgbClr val="4f81bd"/>
+        <a:srgbClr val="4F81BD"/>
       </a:accent1>
       <a:accent2>
-        <a:srgbClr val="c0504d"/>
+        <a:srgbClr val="C0504D"/>
       </a:accent2>
       <a:accent3>
-        <a:srgbClr val="9bbb59"/>
+        <a:srgbClr val="9BBB59"/>
       </a:accent3>
       <a:accent4>
-        <a:srgbClr val="8064a2"/>
+        <a:srgbClr val="8064A2"/>
       </a:accent4>
       <a:accent5>
-        <a:srgbClr val="4bacc6"/>
+        <a:srgbClr val="4BACC6"/>
       </a:accent5>
       <a:accent6>
-        <a:srgbClr val="f79646"/>
+        <a:srgbClr val="F79646"/>
       </a:accent6>
       <a:hlink>
-        <a:srgbClr val="0000ff"/>
+        <a:srgbClr val="0000FF"/>
       </a:hlink>
       <a:folHlink>
         <a:srgbClr val="800080"/>
@@ -9058,5 +11205,7 @@
       </a:bgFillStyleLst>
     </a:fmtScheme>
   </a:themeElements>
+  <a:objectDefaults/>
+  <a:extraClrSchemeLst/>
 </a:theme>
 </file>